--- a/documents/storyBoard/JuHyenjun/jhj_Story_Board.pptx
+++ b/documents/storyBoard/JuHyenjun/jhj_Story_Board.pptx
@@ -12,9 +12,12 @@
   </p:handoutMasterIdLst>
   <p:sldIdLst>
     <p:sldId id="267" r:id="rId4"/>
-    <p:sldId id="268" r:id="rId5"/>
-    <p:sldId id="269" r:id="rId6"/>
-    <p:sldId id="270" r:id="rId7"/>
+    <p:sldId id="272" r:id="rId5"/>
+    <p:sldId id="273" r:id="rId6"/>
+    <p:sldId id="271" r:id="rId7"/>
+    <p:sldId id="268" r:id="rId8"/>
+    <p:sldId id="269" r:id="rId9"/>
+    <p:sldId id="270" r:id="rId10"/>
   </p:sldIdLst>
   <p:sldSz cx="9144000" cy="5143500" type="screen16x9"/>
   <p:notesSz cx="6858000" cy="9144000"/>
@@ -652,6 +655,297 @@
     </a:lvl9pPr>
   </p:notesStyle>
 </p:notesMaster>
+</file>
+
+<file path=ppt/notesSlides/notesSlide1.xml><?xml version="1.0" encoding="utf-8"?>
+<p:notes xmlns:r="http://schemas.openxmlformats.org/officeDocument/2006/relationships" xmlns:c="http://schemas.openxmlformats.org/drawingml/2006/chart" xmlns:a="http://schemas.openxmlformats.org/drawingml/2006/main" xmlns:dgm="http://schemas.openxmlformats.org/drawingml/2006/diagram" xmlns:dsp="http://schemas.microsoft.com/office/drawing/2008/diagram" xmlns:p="http://schemas.openxmlformats.org/presentationml/2006/main">
+  <p:cSld>
+    <p:spTree>
+      <p:nvGrpSpPr>
+        <p:cNvPr id="1" name=""/>
+        <p:cNvGrpSpPr/>
+        <p:nvPr/>
+      </p:nvGrpSpPr>
+      <p:grpSpPr>
+        <a:xfrm>
+          <a:off x="0" y="0"/>
+          <a:ext cx="0" cy="0"/>
+          <a:chOff x="0" y="0"/>
+          <a:chExt cx="0" cy="0"/>
+        </a:xfrm>
+      </p:grpSpPr>
+      <p:sp>
+        <p:nvSpPr>
+          <p:cNvPr id="2" name="슬라이드 이미지 개체 틀 3"/>
+          <p:cNvSpPr>
+            <a:spLocks noGrp="1" noRot="1" noChangeAspect="1" noTextEdit="1"/>
+          </p:cNvSpPr>
+          <p:nvPr>
+            <p:ph type="sldImg" idx="2"/>
+          </p:nvPr>
+        </p:nvSpPr>
+        <p:spPr/>
+        <p:txBody>
+          <a:bodyPr/>
+          <a:p>
+            <a:endParaRPr lang="ko-KR" altLang="en-US"/>
+          </a:p>
+        </p:txBody>
+      </p:sp>
+      <p:sp>
+        <p:nvSpPr>
+          <p:cNvPr id="3" name="슬라이드 노트 개체 틀 4"/>
+          <p:cNvSpPr>
+            <a:spLocks noGrp="1"/>
+          </p:cNvSpPr>
+          <p:nvPr>
+            <p:ph type="body" sz="quarter" idx="3"/>
+          </p:nvPr>
+        </p:nvSpPr>
+        <p:spPr/>
+        <p:txBody>
+          <a:bodyPr/>
+          <a:p>
+            <a:pPr lvl="0">
+              <a:defRPr/>
+            </a:pPr>
+            <a:r>
+              <a:rPr lang="ko-KR" altLang="en-US"/>
+              <a:t/>
+            </a:r>
+            <a:endParaRPr lang="ko-KR" altLang="en-US"/>
+          </a:p>
+        </p:txBody>
+      </p:sp>
+      <p:sp>
+        <p:nvSpPr>
+          <p:cNvPr id="4" name="슬라이드 번호 개체 틀 6"/>
+          <p:cNvSpPr>
+            <a:spLocks noGrp="1"/>
+          </p:cNvSpPr>
+          <p:nvPr>
+            <p:ph type="sldNum" sz="quarter" idx="5"/>
+          </p:nvPr>
+        </p:nvSpPr>
+        <p:spPr/>
+        <p:txBody>
+          <a:bodyPr/>
+          <a:p>
+            <a:pPr lvl="0"/>
+            <a:fld id="{0B55FC6C-CF9B-400A-B7B2-D752D6F85B9D}" type="slidenum">
+              <a:rPr lang="ko-KR" altLang="en-US" smtClean="0"/>
+              <a:pPr/>
+              <a:t>2</a:t>
+            </a:fld>
+            <a:endParaRPr lang="ko-KR" altLang="en-US"/>
+          </a:p>
+        </p:txBody>
+      </p:sp>
+    </p:spTree>
+    <p:extLst>
+      <p:ext uri="{BB962C8B-B14F-4D97-AF65-F5344CB8AC3E}">
+        <p14:creationId xmlns:p14="http://schemas.microsoft.com/office/powerpoint/2010/main" val="978507118"/>
+      </p:ext>
+    </p:extLst>
+  </p:cSld>
+  <p:clrMapOvr>
+    <a:masterClrMapping/>
+  </p:clrMapOvr>
+</p:notes>
+</file>
+
+<file path=ppt/notesSlides/notesSlide2.xml><?xml version="1.0" encoding="utf-8"?>
+<p:notes xmlns:r="http://schemas.openxmlformats.org/officeDocument/2006/relationships" xmlns:c="http://schemas.openxmlformats.org/drawingml/2006/chart" xmlns:a="http://schemas.openxmlformats.org/drawingml/2006/main" xmlns:dgm="http://schemas.openxmlformats.org/drawingml/2006/diagram" xmlns:dsp="http://schemas.microsoft.com/office/drawing/2008/diagram" xmlns:p="http://schemas.openxmlformats.org/presentationml/2006/main">
+  <p:cSld>
+    <p:spTree>
+      <p:nvGrpSpPr>
+        <p:cNvPr id="1" name=""/>
+        <p:cNvGrpSpPr/>
+        <p:nvPr/>
+      </p:nvGrpSpPr>
+      <p:grpSpPr>
+        <a:xfrm>
+          <a:off x="0" y="0"/>
+          <a:ext cx="0" cy="0"/>
+          <a:chOff x="0" y="0"/>
+          <a:chExt cx="0" cy="0"/>
+        </a:xfrm>
+      </p:grpSpPr>
+      <p:sp>
+        <p:nvSpPr>
+          <p:cNvPr id="2" name="슬라이드 이미지 개체 틀 3"/>
+          <p:cNvSpPr>
+            <a:spLocks noGrp="1" noRot="1" noChangeAspect="1" noTextEdit="1"/>
+          </p:cNvSpPr>
+          <p:nvPr>
+            <p:ph type="sldImg" idx="2"/>
+          </p:nvPr>
+        </p:nvSpPr>
+        <p:spPr/>
+        <p:txBody>
+          <a:bodyPr/>
+          <a:p>
+            <a:endParaRPr lang="ko-KR" altLang="en-US"/>
+          </a:p>
+        </p:txBody>
+      </p:sp>
+      <p:sp>
+        <p:nvSpPr>
+          <p:cNvPr id="3" name="슬라이드 노트 개체 틀 4"/>
+          <p:cNvSpPr>
+            <a:spLocks noGrp="1"/>
+          </p:cNvSpPr>
+          <p:nvPr>
+            <p:ph type="body" sz="quarter" idx="3"/>
+          </p:nvPr>
+        </p:nvSpPr>
+        <p:spPr/>
+        <p:txBody>
+          <a:bodyPr/>
+          <a:p>
+            <a:pPr lvl="0">
+              <a:defRPr/>
+            </a:pPr>
+            <a:r>
+              <a:rPr lang="ko-KR" altLang="en-US"/>
+              <a:t/>
+            </a:r>
+            <a:endParaRPr lang="ko-KR" altLang="en-US"/>
+          </a:p>
+        </p:txBody>
+      </p:sp>
+      <p:sp>
+        <p:nvSpPr>
+          <p:cNvPr id="4" name="슬라이드 번호 개체 틀 6"/>
+          <p:cNvSpPr>
+            <a:spLocks noGrp="1"/>
+          </p:cNvSpPr>
+          <p:nvPr>
+            <p:ph type="sldNum" sz="quarter" idx="5"/>
+          </p:nvPr>
+        </p:nvSpPr>
+        <p:spPr/>
+        <p:txBody>
+          <a:bodyPr/>
+          <a:p>
+            <a:pPr lvl="0"/>
+            <a:fld id="{0B55FC6C-CF9B-400A-B7B2-D752D6F85B9D}" type="slidenum">
+              <a:rPr lang="ko-KR" altLang="en-US" smtClean="0"/>
+              <a:pPr/>
+              <a:t>3</a:t>
+            </a:fld>
+            <a:endParaRPr lang="ko-KR" altLang="en-US"/>
+          </a:p>
+        </p:txBody>
+      </p:sp>
+    </p:spTree>
+    <p:extLst>
+      <p:ext uri="{BB962C8B-B14F-4D97-AF65-F5344CB8AC3E}">
+        <p14:creationId xmlns:p14="http://schemas.microsoft.com/office/powerpoint/2010/main" val="2038016139"/>
+      </p:ext>
+    </p:extLst>
+  </p:cSld>
+  <p:clrMapOvr>
+    <a:masterClrMapping/>
+  </p:clrMapOvr>
+</p:notes>
+</file>
+
+<file path=ppt/notesSlides/notesSlide3.xml><?xml version="1.0" encoding="utf-8"?>
+<p:notes xmlns:r="http://schemas.openxmlformats.org/officeDocument/2006/relationships" xmlns:c="http://schemas.openxmlformats.org/drawingml/2006/chart" xmlns:a="http://schemas.openxmlformats.org/drawingml/2006/main" xmlns:dgm="http://schemas.openxmlformats.org/drawingml/2006/diagram" xmlns:dsp="http://schemas.microsoft.com/office/drawing/2008/diagram" xmlns:p="http://schemas.openxmlformats.org/presentationml/2006/main">
+  <p:cSld>
+    <p:spTree>
+      <p:nvGrpSpPr>
+        <p:cNvPr id="1" name=""/>
+        <p:cNvGrpSpPr/>
+        <p:nvPr/>
+      </p:nvGrpSpPr>
+      <p:grpSpPr>
+        <a:xfrm>
+          <a:off x="0" y="0"/>
+          <a:ext cx="0" cy="0"/>
+          <a:chOff x="0" y="0"/>
+          <a:chExt cx="0" cy="0"/>
+        </a:xfrm>
+      </p:grpSpPr>
+      <p:sp>
+        <p:nvSpPr>
+          <p:cNvPr id="2" name="슬라이드 이미지 개체 틀 3"/>
+          <p:cNvSpPr>
+            <a:spLocks noGrp="1" noRot="1" noChangeAspect="1" noTextEdit="1"/>
+          </p:cNvSpPr>
+          <p:nvPr>
+            <p:ph type="sldImg" idx="2"/>
+          </p:nvPr>
+        </p:nvSpPr>
+        <p:spPr/>
+        <p:txBody>
+          <a:bodyPr/>
+          <a:p>
+            <a:endParaRPr lang="ko-KR" altLang="en-US"/>
+          </a:p>
+        </p:txBody>
+      </p:sp>
+      <p:sp>
+        <p:nvSpPr>
+          <p:cNvPr id="3" name="슬라이드 노트 개체 틀 4"/>
+          <p:cNvSpPr>
+            <a:spLocks noGrp="1"/>
+          </p:cNvSpPr>
+          <p:nvPr>
+            <p:ph type="body" sz="quarter" idx="3"/>
+          </p:nvPr>
+        </p:nvSpPr>
+        <p:spPr/>
+        <p:txBody>
+          <a:bodyPr/>
+          <a:p>
+            <a:pPr lvl="0">
+              <a:defRPr/>
+            </a:pPr>
+            <a:r>
+              <a:rPr lang="ko-KR" altLang="en-US"/>
+              <a:t/>
+            </a:r>
+            <a:endParaRPr lang="ko-KR" altLang="en-US"/>
+          </a:p>
+        </p:txBody>
+      </p:sp>
+      <p:sp>
+        <p:nvSpPr>
+          <p:cNvPr id="4" name="슬라이드 번호 개체 틀 6"/>
+          <p:cNvSpPr>
+            <a:spLocks noGrp="1"/>
+          </p:cNvSpPr>
+          <p:nvPr>
+            <p:ph type="sldNum" sz="quarter" idx="5"/>
+          </p:nvPr>
+        </p:nvSpPr>
+        <p:spPr/>
+        <p:txBody>
+          <a:bodyPr/>
+          <a:p>
+            <a:pPr lvl="0"/>
+            <a:fld id="{0B55FC6C-CF9B-400A-B7B2-D752D6F85B9D}" type="slidenum">
+              <a:rPr lang="ko-KR" altLang="en-US" smtClean="0"/>
+              <a:pPr/>
+              <a:t>3</a:t>
+            </a:fld>
+            <a:endParaRPr lang="ko-KR" altLang="en-US"/>
+          </a:p>
+        </p:txBody>
+      </p:sp>
+    </p:spTree>
+    <p:extLst>
+      <p:ext uri="{BB962C8B-B14F-4D97-AF65-F5344CB8AC3E}">
+        <p14:creationId xmlns:p14="http://schemas.microsoft.com/office/powerpoint/2010/main" val="1941540995"/>
+      </p:ext>
+    </p:extLst>
+  </p:cSld>
+  <p:clrMapOvr>
+    <a:masterClrMapping/>
+  </p:clrMapOvr>
+</p:notes>
 </file>
 
 <file path=ppt/slideLayouts/slideLayout1.xml><?xml version="1.0" encoding="utf-8"?>
@@ -4822,7 +5116,7 @@
 </file>
 
 <file path=ppt/slides/slide1.xml><?xml version="1.0" encoding="utf-8"?>
-<p:sld xmlns:a="http://schemas.openxmlformats.org/drawingml/2006/main" xmlns:r="http://schemas.openxmlformats.org/officeDocument/2006/relationships" xmlns:p="http://schemas.openxmlformats.org/presentationml/2006/main">
+<p:sld xmlns:r="http://schemas.openxmlformats.org/officeDocument/2006/relationships" xmlns:c="http://schemas.openxmlformats.org/drawingml/2006/chart" xmlns:a="http://schemas.openxmlformats.org/drawingml/2006/main" xmlns:dgm="http://schemas.openxmlformats.org/drawingml/2006/diagram" xmlns:dsp="http://schemas.microsoft.com/office/drawing/2008/diagram" xmlns:p="http://schemas.openxmlformats.org/presentationml/2006/main">
   <p:cSld>
     <p:spTree>
       <p:nvGrpSpPr>
@@ -4944,127 +5238,77 @@
           </a:p>
         </p:txBody>
       </p:sp>
-      <p:grpSp>
-        <p:nvGrpSpPr>
-          <p:cNvPr id="86" name="그룹 85"/>
-          <p:cNvGrpSpPr/>
+      <p:sp>
+        <p:nvSpPr>
+          <p:cNvPr id="47" name="직사각형 46"/>
+          <p:cNvSpPr/>
           <p:nvPr/>
-        </p:nvGrpSpPr>
-        <p:grpSpPr>
+        </p:nvSpPr>
+        <p:spPr>
           <a:xfrm>
             <a:off x="99752" y="898788"/>
-            <a:ext cx="6708373" cy="2021043"/>
-            <a:chOff x="99752" y="915566"/>
-            <a:chExt cx="6708373" cy="2021043"/>
-          </a:xfrm>
-        </p:grpSpPr>
-        <p:sp>
-          <p:nvSpPr>
-            <p:cNvPr id="47" name="직사각형 46"/>
-            <p:cNvSpPr/>
-            <p:nvPr/>
-          </p:nvSpPr>
-          <p:spPr>
-            <a:xfrm>
-              <a:off x="99752" y="915566"/>
-              <a:ext cx="6708373" cy="2021043"/>
-            </a:xfrm>
-            <a:prstGeom prst="rect">
-              <a:avLst/>
-            </a:prstGeom>
+            <a:ext cx="6708373" cy="3113122"/>
+          </a:xfrm>
+          <a:prstGeom prst="rect">
+            <a:avLst/>
+          </a:prstGeom>
+          <a:solidFill>
+            <a:schemeClr val="bg1">
+              <a:lumMod val="95000"/>
+              <a:alpha val="70000"/>
+            </a:schemeClr>
+          </a:solidFill>
+          <a:ln w="9525">
             <a:solidFill>
               <a:schemeClr val="bg1">
-                <a:lumMod val="95000"/>
-                <a:alpha val="70000"/>
+                <a:lumMod val="65000"/>
               </a:schemeClr>
             </a:solidFill>
-            <a:ln w="9525">
-              <a:solidFill>
-                <a:schemeClr val="bg1">
-                  <a:lumMod val="65000"/>
-                </a:schemeClr>
-              </a:solidFill>
-            </a:ln>
-          </p:spPr>
-          <p:style>
-            <a:lnRef idx="2">
-              <a:schemeClr val="accent1">
-                <a:shade val="50000"/>
-              </a:schemeClr>
-            </a:lnRef>
-            <a:fillRef idx="1">
-              <a:schemeClr val="accent1"/>
-            </a:fillRef>
-            <a:effectRef idx="0">
-              <a:schemeClr val="accent1"/>
-            </a:effectRef>
-            <a:fontRef idx="minor">
-              <a:schemeClr val="lt1"/>
-            </a:fontRef>
-          </p:style>
-          <p:txBody>
-            <a:bodyPr rtlCol="0" anchor="ctr"/>
-            <a:lstStyle/>
-            <a:p>
-              <a:pPr algn="ctr"/>
-              <a:r>
-                <a:rPr lang="en-US" altLang="ko-KR" b="1" dirty="0">
-                  <a:solidFill>
-                    <a:prstClr val="white"/>
-                  </a:solidFill>
-                  <a:latin typeface="+mn-ea"/>
-                  <a:ea typeface="+mn-ea"/>
-                </a:rPr>
-                <a:t>`</a:t>
-              </a:r>
-              <a:endParaRPr lang="ko-KR" altLang="en-US" b="1" dirty="0">
+          </a:ln>
+        </p:spPr>
+        <p:style>
+          <a:lnRef idx="2">
+            <a:schemeClr val="accent1">
+              <a:shade val="50000"/>
+            </a:schemeClr>
+          </a:lnRef>
+          <a:fillRef idx="1">
+            <a:schemeClr val="accent1"/>
+          </a:fillRef>
+          <a:effectRef idx="0">
+            <a:schemeClr val="accent1"/>
+          </a:effectRef>
+          <a:fontRef idx="minor">
+            <a:schemeClr val="lt1"/>
+          </a:fontRef>
+        </p:style>
+        <p:txBody>
+          <a:bodyPr anchor="ctr"/>
+          <a:lstStyle/>
+          <a:p>
+            <a:pPr lvl="0" algn="ctr">
+              <a:defRPr/>
+            </a:pPr>
+            <a:r>
+              <a:rPr lang="en-US" altLang="ko-KR" b="1">
                 <a:solidFill>
                   <a:prstClr val="white"/>
                 </a:solidFill>
                 <a:latin typeface="+mn-ea"/>
                 <a:ea typeface="+mn-ea"/>
-              </a:endParaRPr>
-            </a:p>
-          </p:txBody>
-        </p:sp>
-        <p:cxnSp>
-          <p:nvCxnSpPr>
-            <p:cNvPr id="83" name="직선 연결선 82"/>
-            <p:cNvCxnSpPr/>
-            <p:nvPr/>
-          </p:nvCxnSpPr>
-          <p:spPr>
-            <a:xfrm flipH="1">
-              <a:off x="107504" y="915566"/>
-              <a:ext cx="6696744" cy="2016224"/>
-            </a:xfrm>
-            <a:prstGeom prst="line">
-              <a:avLst/>
-            </a:prstGeom>
-            <a:ln>
+              </a:rPr>
+              <a:t>`</a:t>
+            </a:r>
+            <a:endParaRPr lang="ko-KR" altLang="en-US" b="1">
               <a:solidFill>
-                <a:schemeClr val="bg1">
-                  <a:lumMod val="50000"/>
-                </a:schemeClr>
+                <a:prstClr val="white"/>
               </a:solidFill>
-            </a:ln>
-          </p:spPr>
-          <p:style>
-            <a:lnRef idx="1">
-              <a:schemeClr val="accent1"/>
-            </a:lnRef>
-            <a:fillRef idx="0">
-              <a:schemeClr val="accent1"/>
-            </a:fillRef>
-            <a:effectRef idx="0">
-              <a:schemeClr val="accent1"/>
-            </a:effectRef>
-            <a:fontRef idx="minor">
-              <a:schemeClr val="tx1"/>
-            </a:fontRef>
-          </p:style>
-        </p:cxnSp>
-      </p:grpSp>
+              <a:latin typeface="+mn-ea"/>
+              <a:ea typeface="+mn-ea"/>
+            </a:endParaRPr>
+          </a:p>
+        </p:txBody>
+      </p:sp>
       <p:sp>
         <p:nvSpPr>
           <p:cNvPr id="32" name="텍스트 개체 틀 31"/>
@@ -5075,79 +5319,244 @@
             <p:ph type="body" sz="quarter" idx="10"/>
           </p:nvPr>
         </p:nvSpPr>
-        <p:spPr/>
+        <p:spPr>
+          <a:xfrm>
+            <a:off x="6876256" y="483518"/>
+            <a:ext cx="2267744" cy="4464496"/>
+          </a:xfrm>
+        </p:spPr>
         <p:txBody>
           <a:bodyPr/>
           <a:lstStyle/>
           <a:p>
-            <a:r>
-              <a:rPr lang="ko-KR" altLang="en-US" dirty="0"/>
-              <a:t>주요 홍보이미지 롤링 </a:t>
-            </a:r>
-            <a:r>
-              <a:rPr lang="en-US" altLang="ko-KR" dirty="0"/>
-              <a:t>(Max. 5</a:t>
-            </a:r>
-            <a:r>
-              <a:rPr lang="ko-KR" altLang="en-US" dirty="0"/>
-              <a:t>개</a:t>
-            </a:r>
-            <a:r>
-              <a:rPr lang="en-US" altLang="ko-KR" dirty="0"/>
-              <a:t>)</a:t>
-            </a:r>
-          </a:p>
-          <a:p>
-            <a:r>
-              <a:rPr lang="ko-KR" altLang="en-US" dirty="0"/>
-              <a:t>주요 제품 </a:t>
-            </a:r>
-            <a:r>
-              <a:rPr lang="ko-KR" altLang="en-US" dirty="0" err="1"/>
-              <a:t>바로가기</a:t>
-            </a:r>
-            <a:r>
-              <a:rPr lang="ko-KR" altLang="en-US" dirty="0"/>
+            <a:pPr marL="0" lvl="0" indent="0">
+              <a:buNone/>
+              <a:defRPr/>
+            </a:pPr>
+            <a:r>
+              <a:rPr lang="ko-KR" altLang="en-US" sz="1000"/>
+              <a:t>① 모이다 아이콘을 누르면 홈화면으로 이동한다</a:t>
+            </a:r>
+            <a:r>
+              <a:rPr lang="en-US" altLang="ko-KR" sz="1000"/>
+              <a:t>.</a:t>
+            </a:r>
+            <a:endParaRPr lang="en-US" altLang="ko-KR" sz="1000"/>
+          </a:p>
+          <a:p>
+            <a:pPr marL="0" lvl="0" indent="0">
+              <a:buNone/>
+              <a:defRPr/>
+            </a:pPr>
+            <a:r>
+              <a:rPr lang="ko-KR" altLang="en-US" sz="1000"/>
+              <a:t>② 아이디 조건</a:t>
+            </a:r>
+            <a:endParaRPr lang="ko-KR" altLang="en-US" sz="1000"/>
+          </a:p>
+          <a:p>
+            <a:pPr marL="0" lvl="0" indent="0">
+              <a:buNone/>
+              <a:defRPr/>
+            </a:pPr>
+            <a:r>
+              <a:rPr lang="en-US" altLang="ko-KR" sz="1000"/>
+              <a:t>-</a:t>
+            </a:r>
+            <a:r>
+              <a:rPr lang="ko-KR" altLang="en-US" sz="1000"/>
+              <a:t> 영소문자, 숫자, 특수문자</a:t>
+            </a:r>
+            <a:r>
+              <a:rPr lang="en-US" altLang="ko-KR" sz="1000"/>
+              <a:t>(-,</a:t>
+            </a:r>
+            <a:r>
+              <a:rPr lang="ko-KR" altLang="en-US" sz="1000"/>
               <a:t> </a:t>
             </a:r>
             <a:r>
-              <a:rPr lang="en-US" altLang="ko-KR" dirty="0"/>
-              <a:t>Icon</a:t>
-            </a:r>
-            <a:br>
-              <a:rPr lang="en-US" altLang="ko-KR" dirty="0"/>
-            </a:br>
-            <a:r>
-              <a:rPr lang="ko-KR" altLang="en-US" dirty="0" err="1"/>
-              <a:t>클릭시</a:t>
-            </a:r>
-            <a:r>
-              <a:rPr lang="en-US" altLang="ko-KR" dirty="0"/>
-              <a:t>, </a:t>
-            </a:r>
-            <a:r>
-              <a:rPr lang="ko-KR" altLang="en-US" dirty="0"/>
-              <a:t>해당 제품소개로 </a:t>
-            </a:r>
-            <a:r>
-              <a:rPr lang="ko-KR" altLang="en-US" dirty="0" err="1"/>
-              <a:t>바로가기</a:t>
-            </a:r>
-            <a:r>
-              <a:rPr lang="en-US" altLang="ko-KR" dirty="0"/>
-              <a:t>link</a:t>
-            </a:r>
-          </a:p>
-          <a:p>
-            <a:r>
-              <a:rPr lang="ko-KR" altLang="en-US" dirty="0"/>
-              <a:t>공지사항 </a:t>
-            </a:r>
-            <a:r>
-              <a:rPr lang="en-US" altLang="ko-KR" dirty="0"/>
-              <a:t>(Max. 3 line)</a:t>
-            </a:r>
-            <a:endParaRPr lang="ko-KR" altLang="en-US" dirty="0"/>
+              <a:rPr lang="en-US" altLang="ko-KR" sz="1000"/>
+              <a:t>-)</a:t>
+            </a:r>
+            <a:r>
+              <a:rPr lang="ko-KR" altLang="en-US" sz="1000"/>
+              <a:t>만 가능</a:t>
+            </a:r>
+            <a:r>
+              <a:rPr lang="en-US" altLang="ko-KR" sz="1000"/>
+              <a:t>.</a:t>
+            </a:r>
+            <a:r>
+              <a:rPr lang="ko-KR" altLang="en-US" sz="1000"/>
+              <a:t> </a:t>
+            </a:r>
+            <a:r>
+              <a:rPr lang="en-US" altLang="ko-KR" sz="1000"/>
+              <a:t>6</a:t>
+            </a:r>
+            <a:r>
+              <a:rPr lang="ko-KR" altLang="en-US" sz="1000"/>
+              <a:t>자 </a:t>
+            </a:r>
+            <a:r>
+              <a:rPr lang="en-US" altLang="ko-KR" sz="1000"/>
+              <a:t>~20</a:t>
+            </a:r>
+            <a:r>
+              <a:rPr lang="ko-KR" altLang="en-US" sz="1000"/>
+              <a:t>자</a:t>
+            </a:r>
+            <a:endParaRPr lang="ko-KR" altLang="en-US" sz="1000"/>
+          </a:p>
+          <a:p>
+            <a:pPr marL="0" lvl="0" indent="0">
+              <a:buNone/>
+              <a:defRPr/>
+            </a:pPr>
+            <a:r>
+              <a:rPr lang="ko-KR" altLang="en-US" sz="1000"/>
+              <a:t>③ 비밀번호 조건</a:t>
+            </a:r>
+            <a:endParaRPr lang="ko-KR" altLang="en-US" sz="1000"/>
+          </a:p>
+          <a:p>
+            <a:pPr marL="0" lvl="0" indent="0">
+              <a:buNone/>
+              <a:defRPr/>
+            </a:pPr>
+            <a:r>
+              <a:rPr lang="en-US" altLang="ko-KR" sz="1000"/>
+              <a:t>-</a:t>
+            </a:r>
+            <a:r>
+              <a:rPr lang="ko-KR" altLang="en-US" sz="1000"/>
+              <a:t> 입력된 이름이나 계정은 비밀번호로 사용될 수 없다</a:t>
+            </a:r>
+            <a:r>
+              <a:rPr lang="en-US" altLang="ko-KR" sz="1000"/>
+              <a:t>.</a:t>
+            </a:r>
+            <a:r>
+              <a:rPr lang="ko-KR" altLang="en-US" sz="1000"/>
+              <a:t> </a:t>
+            </a:r>
+            <a:endParaRPr lang="ko-KR" altLang="en-US" sz="1000"/>
+          </a:p>
+          <a:p>
+            <a:pPr marL="0" lvl="0" indent="0">
+              <a:buNone/>
+              <a:defRPr/>
+            </a:pPr>
+            <a:r>
+              <a:rPr lang="en-US" altLang="ko-KR" sz="1000"/>
+              <a:t>-</a:t>
+            </a:r>
+            <a:r>
+              <a:rPr lang="ko-KR" altLang="en-US" sz="1000"/>
+              <a:t> 영문 대소문자</a:t>
+            </a:r>
+            <a:r>
+              <a:rPr lang="en-US" altLang="ko-KR" sz="1000"/>
+              <a:t>,</a:t>
+            </a:r>
+            <a:r>
+              <a:rPr lang="ko-KR" altLang="en-US" sz="1000"/>
+              <a:t> 숫자</a:t>
+            </a:r>
+            <a:r>
+              <a:rPr lang="en-US" altLang="ko-KR" sz="1000"/>
+              <a:t>,</a:t>
+            </a:r>
+            <a:r>
+              <a:rPr lang="ko-KR" altLang="en-US" sz="1000"/>
+              <a:t> 특수문자를 혼합하여 만들어야 합니다. 8자 이상을 입력해야 한다.</a:t>
+            </a:r>
+            <a:endParaRPr lang="ko-KR" altLang="en-US" sz="1000"/>
+          </a:p>
+          <a:p>
+            <a:pPr marL="0" lvl="0" indent="0">
+              <a:buNone/>
+              <a:defRPr/>
+            </a:pPr>
+            <a:r>
+              <a:rPr lang="ko-KR" altLang="en-US" sz="1000"/>
+              <a:t>④ 로그인 </a:t>
+            </a:r>
+            <a:r>
+              <a:rPr lang="en-US" altLang="ko-KR" sz="1000"/>
+              <a:t>:</a:t>
+            </a:r>
+            <a:r>
+              <a:rPr lang="ko-KR" altLang="en-US" sz="1000"/>
+              <a:t> 로그인 버튼을 누르면 아이디와 비밀번호 조회 후 일치하면</a:t>
+            </a:r>
+            <a:r>
+              <a:rPr lang="en-US" altLang="ko-KR" sz="1000"/>
+              <a:t>,</a:t>
+            </a:r>
+            <a:r>
+              <a:rPr lang="ko-KR" altLang="en-US" sz="1000"/>
+              <a:t> 홈페이지로 로그인채로 넘어간다</a:t>
+            </a:r>
+            <a:r>
+              <a:rPr lang="en-US" altLang="ko-KR" sz="1000"/>
+              <a:t>.</a:t>
+            </a:r>
+            <a:r>
+              <a:rPr lang="ko-KR" altLang="en-US" sz="1000"/>
+              <a:t> 만약 아이디와 비밀 번호가 일치하지 않는다면 비밀 번호가 일치하지 않습니다가 팝업창에 뜬다</a:t>
+            </a:r>
+            <a:r>
+              <a:rPr lang="en-US" altLang="ko-KR" sz="1000"/>
+              <a:t>.</a:t>
+            </a:r>
+            <a:endParaRPr lang="en-US" altLang="ko-KR" sz="1000"/>
+          </a:p>
+          <a:p>
+            <a:pPr marL="0" lvl="0" indent="0">
+              <a:buNone/>
+              <a:defRPr/>
+            </a:pPr>
+            <a:r>
+              <a:rPr lang="ko-KR" altLang="en-US" sz="1000"/>
+              <a:t>⑤ 회원가입 창으로 넘어간다</a:t>
+            </a:r>
+            <a:r>
+              <a:rPr lang="en-US" altLang="ko-KR" sz="1000"/>
+              <a:t>.</a:t>
+            </a:r>
+            <a:endParaRPr lang="en-US" altLang="ko-KR" sz="1000"/>
+          </a:p>
+          <a:p>
+            <a:pPr marL="0" lvl="0" indent="0">
+              <a:buNone/>
+              <a:defRPr/>
+            </a:pPr>
+            <a:r>
+              <a:rPr lang="ko-KR" altLang="en-US" sz="1000"/>
+              <a:t>⑥ 아이디 찾기 화면으로 이동한다</a:t>
+            </a:r>
+            <a:r>
+              <a:rPr lang="en-US" altLang="ko-KR" sz="1000"/>
+              <a:t>.</a:t>
+            </a:r>
+            <a:endParaRPr lang="en-US" altLang="ko-KR" sz="1000"/>
+          </a:p>
+          <a:p>
+            <a:pPr marL="0" lvl="0" indent="0">
+              <a:buNone/>
+              <a:defRPr/>
+            </a:pPr>
+            <a:r>
+              <a:rPr lang="ko-KR" altLang="en-US" sz="1000"/>
+              <a:t>⑦ 비밀번호 찾기 화면으로 이동하여 비밀번호를 재설정한다</a:t>
+            </a:r>
+            <a:r>
+              <a:rPr lang="en-US" altLang="ko-KR" sz="1000"/>
+              <a:t>.</a:t>
+            </a:r>
+            <a:endParaRPr lang="en-US" altLang="ko-KR" sz="1000"/>
           </a:p>
         </p:txBody>
       </p:sp>
@@ -5567,7 +5976,7 @@
           <p:nvPr/>
         </p:nvGrpSpPr>
         <p:grpSpPr>
-          <a:xfrm>
+          <a:xfrm rot="0">
             <a:off x="179512" y="391943"/>
             <a:ext cx="1296144" cy="432049"/>
             <a:chOff x="179512" y="411510"/>
@@ -5619,12 +6028,14 @@
             </a:fontRef>
           </p:style>
           <p:txBody>
-            <a:bodyPr rtlCol="0" anchor="ctr"/>
+            <a:bodyPr anchor="ctr"/>
             <a:lstStyle/>
             <a:p>
-              <a:pPr algn="ctr"/>
+              <a:pPr lvl="0" algn="ctr">
+                <a:defRPr/>
+              </a:pPr>
               <a:r>
-                <a:rPr lang="en-US" altLang="ko-KR" dirty="0">
+                <a:rPr lang="en-US" altLang="ko-KR">
                   <a:solidFill>
                     <a:prstClr val="white"/>
                   </a:solidFill>
@@ -5633,7 +6044,7 @@
                 </a:rPr>
                 <a:t>`</a:t>
               </a:r>
-              <a:endParaRPr lang="ko-KR" altLang="en-US" dirty="0">
+              <a:endParaRPr lang="ko-KR" altLang="en-US">
                 <a:solidFill>
                   <a:prstClr val="white"/>
                 </a:solidFill>
@@ -5723,43 +6134,1869 @@
           </a:p>
         </p:txBody>
       </p:sp>
+      <p:sp>
+        <p:nvSpPr>
+          <p:cNvPr id="111" name="모서리가 둥근 직사각형 110"/>
+          <p:cNvSpPr/>
+          <p:nvPr/>
+        </p:nvSpPr>
+        <p:spPr>
+          <a:xfrm>
+            <a:off x="299794" y="4159689"/>
+            <a:ext cx="709387" cy="229725"/>
+          </a:xfrm>
+          <a:prstGeom prst="roundRect">
+            <a:avLst>
+              <a:gd name="adj" fmla="val 9813"/>
+            </a:avLst>
+          </a:prstGeom>
+          <a:noFill/>
+          <a:ln w="6350">
+            <a:noFill/>
+          </a:ln>
+        </p:spPr>
+        <p:style>
+          <a:lnRef idx="2">
+            <a:schemeClr val="accent1">
+              <a:shade val="50000"/>
+            </a:schemeClr>
+          </a:lnRef>
+          <a:fillRef idx="1">
+            <a:schemeClr val="accent1"/>
+          </a:fillRef>
+          <a:effectRef idx="0">
+            <a:schemeClr val="accent1"/>
+          </a:effectRef>
+          <a:fontRef idx="minor">
+            <a:schemeClr val="lt1"/>
+          </a:fontRef>
+        </p:style>
+        <p:txBody>
+          <a:bodyPr rtlCol="0" anchor="ctr"/>
+          <a:lstStyle/>
+          <a:p>
+            <a:r>
+              <a:rPr lang="ko-KR" altLang="en-US" sz="900" b="1" dirty="0">
+                <a:solidFill>
+                  <a:schemeClr val="bg1"/>
+                </a:solidFill>
+                <a:latin typeface="+mn-ea"/>
+              </a:rPr>
+              <a:t>공지사항</a:t>
+            </a:r>
+            <a:endParaRPr lang="en-US" altLang="ko-KR" sz="900" b="1" dirty="0">
+              <a:solidFill>
+                <a:schemeClr val="bg1"/>
+              </a:solidFill>
+              <a:latin typeface="+mn-ea"/>
+            </a:endParaRPr>
+          </a:p>
+        </p:txBody>
+      </p:sp>
+      <p:sp>
+        <p:nvSpPr>
+          <p:cNvPr id="113" name="모서리가 둥근 직사각형 112"/>
+          <p:cNvSpPr/>
+          <p:nvPr/>
+        </p:nvSpPr>
+        <p:spPr>
+          <a:xfrm>
+            <a:off x="286509" y="4411359"/>
+            <a:ext cx="3853443" cy="464647"/>
+          </a:xfrm>
+          <a:prstGeom prst="roundRect">
+            <a:avLst>
+              <a:gd name="adj" fmla="val 9813"/>
+            </a:avLst>
+          </a:prstGeom>
+          <a:noFill/>
+          <a:ln w="6350">
+            <a:noFill/>
+          </a:ln>
+        </p:spPr>
+        <p:style>
+          <a:lnRef idx="2">
+            <a:schemeClr val="accent1">
+              <a:shade val="50000"/>
+            </a:schemeClr>
+          </a:lnRef>
+          <a:fillRef idx="1">
+            <a:schemeClr val="accent1"/>
+          </a:fillRef>
+          <a:effectRef idx="0">
+            <a:schemeClr val="accent1"/>
+          </a:effectRef>
+          <a:fontRef idx="minor">
+            <a:schemeClr val="lt1"/>
+          </a:fontRef>
+        </p:style>
+        <p:txBody>
+          <a:bodyPr rtlCol="0" anchor="ctr"/>
+          <a:lstStyle/>
+          <a:p>
+            <a:pPr>
+              <a:lnSpc>
+                <a:spcPct val="150000"/>
+              </a:lnSpc>
+            </a:pPr>
+            <a:r>
+              <a:rPr lang="ko-KR" altLang="en-US" sz="700" dirty="0">
+                <a:solidFill>
+                  <a:schemeClr val="tx1">
+                    <a:lumMod val="65000"/>
+                    <a:lumOff val="35000"/>
+                  </a:schemeClr>
+                </a:solidFill>
+                <a:latin typeface="+mn-ea"/>
+              </a:rPr>
+              <a:t>주요 공지사항입니다</a:t>
+            </a:r>
+            <a:r>
+              <a:rPr lang="en-US" altLang="ko-KR" sz="700" dirty="0">
+                <a:solidFill>
+                  <a:schemeClr val="tx1">
+                    <a:lumMod val="65000"/>
+                    <a:lumOff val="35000"/>
+                  </a:schemeClr>
+                </a:solidFill>
+                <a:latin typeface="+mn-ea"/>
+              </a:rPr>
+              <a:t>.   2017.03.03</a:t>
+            </a:r>
+          </a:p>
+          <a:p>
+            <a:pPr>
+              <a:lnSpc>
+                <a:spcPct val="150000"/>
+              </a:lnSpc>
+            </a:pPr>
+            <a:r>
+              <a:rPr lang="ko-KR" altLang="en-US" sz="700" dirty="0" err="1">
+                <a:solidFill>
+                  <a:schemeClr val="tx1">
+                    <a:lumMod val="65000"/>
+                    <a:lumOff val="35000"/>
+                  </a:schemeClr>
+                </a:solidFill>
+                <a:latin typeface="+mn-ea"/>
+              </a:rPr>
+              <a:t>오픈이벤트입니다</a:t>
+            </a:r>
+            <a:r>
+              <a:rPr lang="en-US" altLang="ko-KR" sz="700" dirty="0">
+                <a:solidFill>
+                  <a:schemeClr val="tx1">
+                    <a:lumMod val="65000"/>
+                    <a:lumOff val="35000"/>
+                  </a:schemeClr>
+                </a:solidFill>
+                <a:latin typeface="+mn-ea"/>
+              </a:rPr>
+              <a:t>. 2017.02.03</a:t>
+            </a:r>
+          </a:p>
+          <a:p>
+            <a:pPr>
+              <a:lnSpc>
+                <a:spcPct val="150000"/>
+              </a:lnSpc>
+            </a:pPr>
+            <a:r>
+              <a:rPr lang="ko-KR" altLang="en-US" sz="700" dirty="0">
+                <a:solidFill>
+                  <a:schemeClr val="tx1">
+                    <a:lumMod val="65000"/>
+                    <a:lumOff val="35000"/>
+                  </a:schemeClr>
+                </a:solidFill>
+                <a:latin typeface="+mn-ea"/>
+              </a:rPr>
+              <a:t>홈페이지 </a:t>
+            </a:r>
+            <a:r>
+              <a:rPr lang="ko-KR" altLang="en-US" sz="700" dirty="0" err="1">
+                <a:solidFill>
+                  <a:schemeClr val="tx1">
+                    <a:lumMod val="65000"/>
+                    <a:lumOff val="35000"/>
+                  </a:schemeClr>
+                </a:solidFill>
+                <a:latin typeface="+mn-ea"/>
+              </a:rPr>
+              <a:t>오픈을</a:t>
+            </a:r>
+            <a:r>
+              <a:rPr lang="ko-KR" altLang="en-US" sz="700" dirty="0">
+                <a:solidFill>
+                  <a:schemeClr val="tx1">
+                    <a:lumMod val="65000"/>
+                    <a:lumOff val="35000"/>
+                  </a:schemeClr>
+                </a:solidFill>
+                <a:latin typeface="+mn-ea"/>
+              </a:rPr>
+              <a:t> 축하해 주세요</a:t>
+            </a:r>
+            <a:r>
+              <a:rPr lang="en-US" altLang="ko-KR" sz="700" dirty="0">
+                <a:solidFill>
+                  <a:schemeClr val="tx1">
+                    <a:lumMod val="65000"/>
+                    <a:lumOff val="35000"/>
+                  </a:schemeClr>
+                </a:solidFill>
+                <a:latin typeface="+mn-ea"/>
+              </a:rPr>
+              <a:t>. 2017.01.31</a:t>
+            </a:r>
+          </a:p>
+        </p:txBody>
+      </p:sp>
+      <p:sp>
+        <p:nvSpPr>
+          <p:cNvPr id="126" name="가로 글상자 125"/>
+          <p:cNvSpPr txBox="1"/>
+          <p:nvPr/>
+        </p:nvSpPr>
+        <p:spPr>
+          <a:xfrm>
+            <a:off x="2915816" y="915566"/>
+            <a:ext cx="1296144" cy="358879"/>
+          </a:xfrm>
+          <a:prstGeom prst="rect">
+            <a:avLst/>
+          </a:prstGeom>
+        </p:spPr>
+        <p:txBody>
+          <a:bodyPr wrap="square">
+            <a:spAutoFit/>
+          </a:bodyPr>
+          <a:p>
+            <a:pPr lvl="0" algn="ctr">
+              <a:defRPr/>
+            </a:pPr>
+            <a:r>
+              <a:rPr lang="ko-KR" altLang="en-US"/>
+              <a:t>모이다</a:t>
+            </a:r>
+            <a:endParaRPr lang="en-US" altLang="ko-KR"/>
+          </a:p>
+        </p:txBody>
+      </p:sp>
+      <p:sp>
+        <p:nvSpPr>
+          <p:cNvPr id="127" name="가로 글상자 126"/>
+          <p:cNvSpPr txBox="1"/>
+          <p:nvPr/>
+        </p:nvSpPr>
+        <p:spPr>
+          <a:xfrm>
+            <a:off x="2267744" y="1203598"/>
+            <a:ext cx="936104" cy="298306"/>
+          </a:xfrm>
+          <a:prstGeom prst="rect">
+            <a:avLst/>
+          </a:prstGeom>
+        </p:spPr>
+        <p:txBody>
+          <a:bodyPr wrap="square">
+            <a:spAutoFit/>
+          </a:bodyPr>
+          <a:p>
+            <a:pPr lvl="0">
+              <a:defRPr/>
+            </a:pPr>
+            <a:r>
+              <a:rPr lang="ko-KR" altLang="en-US" sz="1400"/>
+              <a:t>아이디</a:t>
+            </a:r>
+            <a:endParaRPr lang="ko-KR" altLang="en-US" sz="1400"/>
+          </a:p>
+        </p:txBody>
+      </p:sp>
+      <p:sp>
+        <p:nvSpPr>
+          <p:cNvPr id="128" name="가로 글상자 127"/>
+          <p:cNvSpPr txBox="1"/>
+          <p:nvPr/>
+        </p:nvSpPr>
+        <p:spPr>
+          <a:xfrm>
+            <a:off x="2267744" y="1825769"/>
+            <a:ext cx="1152128" cy="313933"/>
+          </a:xfrm>
+          <a:prstGeom prst="rect">
+            <a:avLst/>
+          </a:prstGeom>
+        </p:spPr>
+        <p:txBody>
+          <a:bodyPr wrap="square">
+            <a:spAutoFit/>
+          </a:bodyPr>
+          <a:p>
+            <a:pPr lvl="0">
+              <a:defRPr/>
+            </a:pPr>
+            <a:r>
+              <a:rPr lang="ko-KR" altLang="en-US" sz="1500"/>
+              <a:t>비밀번호</a:t>
+            </a:r>
+            <a:endParaRPr lang="ko-KR" altLang="en-US" sz="1500"/>
+          </a:p>
+        </p:txBody>
+      </p:sp>
+      <p:sp>
+        <p:nvSpPr>
+          <p:cNvPr id="129" name="직사각형 128"/>
+          <p:cNvSpPr/>
+          <p:nvPr/>
+        </p:nvSpPr>
+        <p:spPr>
+          <a:xfrm>
+            <a:off x="2627784" y="1511821"/>
+            <a:ext cx="2016224" cy="288032"/>
+          </a:xfrm>
+          <a:prstGeom prst="rect">
+            <a:avLst/>
+          </a:prstGeom>
+          <a:solidFill>
+            <a:schemeClr val="lt1"/>
+          </a:solidFill>
+          <a:ln>
+            <a:solidFill>
+              <a:schemeClr val="dk1"/>
+            </a:solidFill>
+          </a:ln>
+        </p:spPr>
+        <p:style>
+          <a:lnRef idx="2">
+            <a:schemeClr val="accent1">
+              <a:shade val="20000"/>
+            </a:schemeClr>
+          </a:lnRef>
+          <a:fillRef idx="1">
+            <a:schemeClr val="accent1"/>
+          </a:fillRef>
+          <a:effectRef idx="0">
+            <a:schemeClr val="accent1"/>
+          </a:effectRef>
+          <a:fontRef idx="minor">
+            <a:schemeClr val="lt1"/>
+          </a:fontRef>
+        </p:style>
+        <p:txBody>
+          <a:bodyPr anchor="ctr"/>
+          <a:p>
+            <a:pPr lvl="0" algn="ctr">
+              <a:defRPr/>
+            </a:pPr>
+            <a:endParaRPr lang="ko-KR" altLang="en-US"/>
+          </a:p>
+        </p:txBody>
+      </p:sp>
+      <p:sp>
+        <p:nvSpPr>
+          <p:cNvPr id="130" name="직사각형 129"/>
+          <p:cNvSpPr/>
+          <p:nvPr/>
+        </p:nvSpPr>
+        <p:spPr>
+          <a:xfrm>
+            <a:off x="2627784" y="2188468"/>
+            <a:ext cx="2016224" cy="288032"/>
+          </a:xfrm>
+          <a:prstGeom prst="rect">
+            <a:avLst/>
+          </a:prstGeom>
+          <a:solidFill>
+            <a:schemeClr val="lt1"/>
+          </a:solidFill>
+          <a:ln>
+            <a:solidFill>
+              <a:schemeClr val="dk1"/>
+            </a:solidFill>
+          </a:ln>
+        </p:spPr>
+        <p:style>
+          <a:lnRef idx="2">
+            <a:schemeClr val="accent1">
+              <a:shade val="20000"/>
+            </a:schemeClr>
+          </a:lnRef>
+          <a:fillRef idx="1">
+            <a:schemeClr val="accent1"/>
+          </a:fillRef>
+          <a:effectRef idx="0">
+            <a:schemeClr val="accent1"/>
+          </a:effectRef>
+          <a:fontRef idx="minor">
+            <a:schemeClr val="lt1"/>
+          </a:fontRef>
+        </p:style>
+        <p:txBody>
+          <a:bodyPr anchor="ctr"/>
+          <a:p>
+            <a:pPr lvl="0" algn="ctr">
+              <a:defRPr/>
+            </a:pPr>
+            <a:endParaRPr lang="ko-KR" altLang="en-US"/>
+          </a:p>
+        </p:txBody>
+      </p:sp>
+      <p:sp>
+        <p:nvSpPr>
+          <p:cNvPr id="131" name="모서리가 둥근 직사각형 130"/>
+          <p:cNvSpPr/>
+          <p:nvPr/>
+        </p:nvSpPr>
+        <p:spPr>
+          <a:xfrm>
+            <a:off x="3059832" y="2580134"/>
+            <a:ext cx="1152128" cy="216024"/>
+          </a:xfrm>
+          <a:prstGeom prst="roundRect">
+            <a:avLst>
+              <a:gd name="adj" fmla="val 16667"/>
+            </a:avLst>
+          </a:prstGeom>
+        </p:spPr>
+        <p:style>
+          <a:lnRef idx="2">
+            <a:schemeClr val="accent1">
+              <a:shade val="20000"/>
+            </a:schemeClr>
+          </a:lnRef>
+          <a:fillRef idx="1">
+            <a:schemeClr val="accent1"/>
+          </a:fillRef>
+          <a:effectRef idx="0">
+            <a:schemeClr val="accent1"/>
+          </a:effectRef>
+          <a:fontRef idx="minor">
+            <a:schemeClr val="lt1"/>
+          </a:fontRef>
+        </p:style>
+        <p:txBody>
+          <a:bodyPr anchor="ctr"/>
+          <a:p>
+            <a:pPr lvl="0" algn="ctr">
+              <a:defRPr/>
+            </a:pPr>
+            <a:endParaRPr lang="ko-KR" altLang="en-US"/>
+          </a:p>
+        </p:txBody>
+      </p:sp>
+      <p:sp>
+        <p:nvSpPr>
+          <p:cNvPr id="132" name="가로 글상자 131"/>
+          <p:cNvSpPr txBox="1"/>
+          <p:nvPr/>
+        </p:nvSpPr>
+        <p:spPr>
+          <a:xfrm>
+            <a:off x="3131840" y="2580134"/>
+            <a:ext cx="1008112" cy="218311"/>
+          </a:xfrm>
+          <a:prstGeom prst="rect">
+            <a:avLst/>
+          </a:prstGeom>
+        </p:spPr>
+        <p:txBody>
+          <a:bodyPr wrap="square">
+            <a:spAutoFit/>
+          </a:bodyPr>
+          <a:p>
+            <a:pPr lvl="0" algn="ctr">
+              <a:defRPr/>
+            </a:pPr>
+            <a:r>
+              <a:rPr lang="ko-KR" altLang="en-US" sz="900"/>
+              <a:t>로그인</a:t>
+            </a:r>
+            <a:endParaRPr lang="ko-KR" altLang="en-US" sz="900"/>
+          </a:p>
+        </p:txBody>
+      </p:sp>
+      <p:sp>
+        <p:nvSpPr>
+          <p:cNvPr id="133" name="모서리가 둥근 직사각형 132"/>
+          <p:cNvSpPr/>
+          <p:nvPr/>
+        </p:nvSpPr>
+        <p:spPr>
+          <a:xfrm>
+            <a:off x="3059832" y="2868166"/>
+            <a:ext cx="1152128" cy="216024"/>
+          </a:xfrm>
+          <a:prstGeom prst="roundRect">
+            <a:avLst>
+              <a:gd name="adj" fmla="val 16667"/>
+            </a:avLst>
+          </a:prstGeom>
+        </p:spPr>
+        <p:style>
+          <a:lnRef idx="2">
+            <a:schemeClr val="accent1">
+              <a:shade val="20000"/>
+            </a:schemeClr>
+          </a:lnRef>
+          <a:fillRef idx="1">
+            <a:schemeClr val="accent1"/>
+          </a:fillRef>
+          <a:effectRef idx="0">
+            <a:schemeClr val="accent1"/>
+          </a:effectRef>
+          <a:fontRef idx="minor">
+            <a:schemeClr val="lt1"/>
+          </a:fontRef>
+        </p:style>
+        <p:txBody>
+          <a:bodyPr anchor="ctr"/>
+          <a:p>
+            <a:pPr lvl="0" algn="ctr">
+              <a:defRPr/>
+            </a:pPr>
+            <a:endParaRPr lang="ko-KR" altLang="en-US"/>
+          </a:p>
+        </p:txBody>
+      </p:sp>
+      <p:sp>
+        <p:nvSpPr>
+          <p:cNvPr id="135" name="가로 글상자 134"/>
+          <p:cNvSpPr txBox="1"/>
+          <p:nvPr/>
+        </p:nvSpPr>
+        <p:spPr>
+          <a:xfrm>
+            <a:off x="3131840" y="2868166"/>
+            <a:ext cx="1008112" cy="216029"/>
+          </a:xfrm>
+          <a:prstGeom prst="rect">
+            <a:avLst/>
+          </a:prstGeom>
+        </p:spPr>
+        <p:txBody>
+          <a:bodyPr wrap="square">
+            <a:spAutoFit/>
+          </a:bodyPr>
+          <a:p>
+            <a:pPr lvl="0" algn="ctr">
+              <a:defRPr/>
+            </a:pPr>
+            <a:r>
+              <a:rPr lang="ko-KR" altLang="en-US" sz="900"/>
+              <a:t>회원가입</a:t>
+            </a:r>
+            <a:endParaRPr lang="ko-KR" altLang="en-US" sz="900"/>
+          </a:p>
+        </p:txBody>
+      </p:sp>
+      <p:sp>
+        <p:nvSpPr>
+          <p:cNvPr id="136" name="가로 글상자 135"/>
+          <p:cNvSpPr txBox="1"/>
+          <p:nvPr/>
+        </p:nvSpPr>
+        <p:spPr>
+          <a:xfrm>
+            <a:off x="2699792" y="3156198"/>
+            <a:ext cx="864096" cy="223272"/>
+          </a:xfrm>
+          <a:prstGeom prst="rect">
+            <a:avLst/>
+          </a:prstGeom>
+        </p:spPr>
+        <p:txBody>
+          <a:bodyPr wrap="square">
+            <a:spAutoFit/>
+          </a:bodyPr>
+          <a:p>
+            <a:pPr lvl="0">
+              <a:defRPr/>
+            </a:pPr>
+            <a:r>
+              <a:rPr lang="ko-KR" altLang="en-US" sz="900"/>
+              <a:t>아이디 찾기</a:t>
+            </a:r>
+            <a:endParaRPr lang="ko-KR" altLang="en-US" sz="900"/>
+          </a:p>
+        </p:txBody>
+      </p:sp>
+      <p:sp>
+        <p:nvSpPr>
+          <p:cNvPr id="137" name="가로 글상자 136"/>
+          <p:cNvSpPr txBox="1"/>
+          <p:nvPr/>
+        </p:nvSpPr>
+        <p:spPr>
+          <a:xfrm>
+            <a:off x="3563888" y="3156198"/>
+            <a:ext cx="936104" cy="223272"/>
+          </a:xfrm>
+          <a:prstGeom prst="rect">
+            <a:avLst/>
+          </a:prstGeom>
+        </p:spPr>
+        <p:txBody>
+          <a:bodyPr wrap="square">
+            <a:spAutoFit/>
+          </a:bodyPr>
+          <a:p>
+            <a:pPr lvl="0">
+              <a:defRPr/>
+            </a:pPr>
+            <a:r>
+              <a:rPr lang="ko-KR" altLang="en-US" sz="900"/>
+              <a:t>비밀번호 찾기</a:t>
+            </a:r>
+            <a:endParaRPr lang="ko-KR" altLang="en-US" sz="900"/>
+          </a:p>
+        </p:txBody>
+      </p:sp>
+      <p:sp>
+        <p:nvSpPr>
+          <p:cNvPr id="138" name="모서리가 둥근 직사각형 137"/>
+          <p:cNvSpPr/>
+          <p:nvPr/>
+        </p:nvSpPr>
+        <p:spPr>
+          <a:xfrm>
+            <a:off x="2915816" y="966169"/>
+            <a:ext cx="216024" cy="216024"/>
+          </a:xfrm>
+          <a:prstGeom prst="roundRect">
+            <a:avLst>
+              <a:gd name="adj" fmla="val 0"/>
+            </a:avLst>
+          </a:prstGeom>
+          <a:solidFill>
+            <a:schemeClr val="accent6">
+              <a:lumMod val="75000"/>
+            </a:schemeClr>
+          </a:solidFill>
+          <a:ln>
+            <a:noFill/>
+          </a:ln>
+        </p:spPr>
+        <p:style>
+          <a:lnRef idx="2">
+            <a:schemeClr val="accent1">
+              <a:shade val="50000"/>
+            </a:schemeClr>
+          </a:lnRef>
+          <a:fillRef idx="1">
+            <a:schemeClr val="accent1"/>
+          </a:fillRef>
+          <a:effectRef idx="0">
+            <a:schemeClr val="accent1"/>
+          </a:effectRef>
+          <a:fontRef idx="minor">
+            <a:schemeClr val="lt1"/>
+          </a:fontRef>
+        </p:style>
+        <p:txBody>
+          <a:bodyPr lIns="0" rIns="0" anchor="ctr"/>
+          <a:lstStyle/>
+          <a:p>
+            <a:pPr lvl="0" algn="ctr">
+              <a:defRPr/>
+            </a:pPr>
+            <a:r>
+              <a:rPr lang="en-US" altLang="ko-KR" sz="1050" b="1"/>
+              <a:t>1</a:t>
+            </a:r>
+            <a:endParaRPr lang="ko-KR" altLang="en-US" sz="1050" b="1"/>
+          </a:p>
+        </p:txBody>
+      </p:sp>
+      <p:sp>
+        <p:nvSpPr>
+          <p:cNvPr id="139" name="모서리가 둥근 직사각형 138"/>
+          <p:cNvSpPr/>
+          <p:nvPr/>
+        </p:nvSpPr>
+        <p:spPr>
+          <a:xfrm>
+            <a:off x="2339752" y="1491630"/>
+            <a:ext cx="216024" cy="203003"/>
+          </a:xfrm>
+          <a:prstGeom prst="roundRect">
+            <a:avLst>
+              <a:gd name="adj" fmla="val 0"/>
+            </a:avLst>
+          </a:prstGeom>
+          <a:solidFill>
+            <a:schemeClr val="accent6">
+              <a:lumMod val="75000"/>
+            </a:schemeClr>
+          </a:solidFill>
+          <a:ln>
+            <a:noFill/>
+          </a:ln>
+        </p:spPr>
+        <p:style>
+          <a:lnRef idx="2">
+            <a:schemeClr val="accent1">
+              <a:shade val="50000"/>
+            </a:schemeClr>
+          </a:lnRef>
+          <a:fillRef idx="1">
+            <a:schemeClr val="accent1"/>
+          </a:fillRef>
+          <a:effectRef idx="0">
+            <a:schemeClr val="accent1"/>
+          </a:effectRef>
+          <a:fontRef idx="minor">
+            <a:schemeClr val="lt1"/>
+          </a:fontRef>
+        </p:style>
+        <p:txBody>
+          <a:bodyPr lIns="0" rIns="0" anchor="ctr"/>
+          <a:lstStyle/>
+          <a:p>
+            <a:pPr lvl="0" algn="ctr">
+              <a:defRPr/>
+            </a:pPr>
+            <a:r>
+              <a:rPr lang="en-US" altLang="ko-KR" sz="1050" b="1"/>
+              <a:t>2</a:t>
+            </a:r>
+            <a:endParaRPr lang="en-US" altLang="ko-KR" sz="1050" b="1"/>
+          </a:p>
+        </p:txBody>
+      </p:sp>
+      <p:sp>
+        <p:nvSpPr>
+          <p:cNvPr id="140" name="모서리가 둥근 직사각형 139"/>
+          <p:cNvSpPr/>
+          <p:nvPr/>
+        </p:nvSpPr>
+        <p:spPr>
+          <a:xfrm>
+            <a:off x="2339752" y="2224730"/>
+            <a:ext cx="216024" cy="203003"/>
+          </a:xfrm>
+          <a:prstGeom prst="roundRect">
+            <a:avLst>
+              <a:gd name="adj" fmla="val 0"/>
+            </a:avLst>
+          </a:prstGeom>
+          <a:solidFill>
+            <a:schemeClr val="accent6">
+              <a:lumMod val="75000"/>
+            </a:schemeClr>
+          </a:solidFill>
+          <a:ln>
+            <a:noFill/>
+          </a:ln>
+        </p:spPr>
+        <p:style>
+          <a:lnRef idx="2">
+            <a:schemeClr val="accent1">
+              <a:shade val="50000"/>
+            </a:schemeClr>
+          </a:lnRef>
+          <a:fillRef idx="1">
+            <a:schemeClr val="accent1"/>
+          </a:fillRef>
+          <a:effectRef idx="0">
+            <a:schemeClr val="accent1"/>
+          </a:effectRef>
+          <a:fontRef idx="minor">
+            <a:schemeClr val="lt1"/>
+          </a:fontRef>
+        </p:style>
+        <p:txBody>
+          <a:bodyPr lIns="0" rIns="0" anchor="ctr"/>
+          <a:lstStyle/>
+          <a:p>
+            <a:pPr lvl="0" algn="ctr">
+              <a:defRPr/>
+            </a:pPr>
+            <a:r>
+              <a:rPr lang="en-US" altLang="ko-KR" sz="1050" b="1"/>
+              <a:t>3</a:t>
+            </a:r>
+            <a:endParaRPr lang="en-US" altLang="ko-KR" sz="1050" b="1"/>
+          </a:p>
+        </p:txBody>
+      </p:sp>
+      <p:sp>
+        <p:nvSpPr>
+          <p:cNvPr id="141" name="모서리가 둥근 직사각형 140"/>
+          <p:cNvSpPr/>
+          <p:nvPr/>
+        </p:nvSpPr>
+        <p:spPr>
+          <a:xfrm>
+            <a:off x="2699792" y="2546670"/>
+            <a:ext cx="216024" cy="203003"/>
+          </a:xfrm>
+          <a:prstGeom prst="roundRect">
+            <a:avLst>
+              <a:gd name="adj" fmla="val 0"/>
+            </a:avLst>
+          </a:prstGeom>
+          <a:solidFill>
+            <a:schemeClr val="accent6">
+              <a:lumMod val="75000"/>
+            </a:schemeClr>
+          </a:solidFill>
+          <a:ln>
+            <a:noFill/>
+          </a:ln>
+        </p:spPr>
+        <p:style>
+          <a:lnRef idx="2">
+            <a:schemeClr val="accent1">
+              <a:shade val="50000"/>
+            </a:schemeClr>
+          </a:lnRef>
+          <a:fillRef idx="1">
+            <a:schemeClr val="accent1"/>
+          </a:fillRef>
+          <a:effectRef idx="0">
+            <a:schemeClr val="accent1"/>
+          </a:effectRef>
+          <a:fontRef idx="minor">
+            <a:schemeClr val="lt1"/>
+          </a:fontRef>
+        </p:style>
+        <p:txBody>
+          <a:bodyPr lIns="0" rIns="0" anchor="ctr"/>
+          <a:lstStyle/>
+          <a:p>
+            <a:pPr lvl="0" algn="ctr">
+              <a:defRPr/>
+            </a:pPr>
+            <a:r>
+              <a:rPr lang="en-US" altLang="ko-KR" sz="1050" b="1"/>
+              <a:t>4</a:t>
+            </a:r>
+            <a:endParaRPr lang="en-US" altLang="ko-KR" sz="1050" b="1"/>
+          </a:p>
+        </p:txBody>
+      </p:sp>
+      <p:sp>
+        <p:nvSpPr>
+          <p:cNvPr id="142" name="모서리가 둥근 직사각형 141"/>
+          <p:cNvSpPr/>
+          <p:nvPr/>
+        </p:nvSpPr>
+        <p:spPr>
+          <a:xfrm>
+            <a:off x="2699792" y="2819844"/>
+            <a:ext cx="216024" cy="203003"/>
+          </a:xfrm>
+          <a:prstGeom prst="roundRect">
+            <a:avLst>
+              <a:gd name="adj" fmla="val 0"/>
+            </a:avLst>
+          </a:prstGeom>
+          <a:solidFill>
+            <a:schemeClr val="accent6">
+              <a:lumMod val="75000"/>
+            </a:schemeClr>
+          </a:solidFill>
+          <a:ln>
+            <a:noFill/>
+          </a:ln>
+        </p:spPr>
+        <p:style>
+          <a:lnRef idx="2">
+            <a:schemeClr val="accent1">
+              <a:shade val="50000"/>
+            </a:schemeClr>
+          </a:lnRef>
+          <a:fillRef idx="1">
+            <a:schemeClr val="accent1"/>
+          </a:fillRef>
+          <a:effectRef idx="0">
+            <a:schemeClr val="accent1"/>
+          </a:effectRef>
+          <a:fontRef idx="minor">
+            <a:schemeClr val="lt1"/>
+          </a:fontRef>
+        </p:style>
+        <p:txBody>
+          <a:bodyPr lIns="0" rIns="0" anchor="ctr"/>
+          <a:lstStyle/>
+          <a:p>
+            <a:pPr lvl="0" algn="ctr">
+              <a:defRPr/>
+            </a:pPr>
+            <a:r>
+              <a:rPr lang="en-US" altLang="ko-KR" sz="1050" b="1"/>
+              <a:t>5</a:t>
+            </a:r>
+            <a:endParaRPr lang="en-US" altLang="ko-KR" sz="1050" b="1"/>
+          </a:p>
+        </p:txBody>
+      </p:sp>
+      <p:sp>
+        <p:nvSpPr>
+          <p:cNvPr id="143" name="모서리가 둥근 직사각형 142"/>
+          <p:cNvSpPr/>
+          <p:nvPr/>
+        </p:nvSpPr>
+        <p:spPr>
+          <a:xfrm>
+            <a:off x="2555776" y="3147814"/>
+            <a:ext cx="216024" cy="203003"/>
+          </a:xfrm>
+          <a:prstGeom prst="roundRect">
+            <a:avLst>
+              <a:gd name="adj" fmla="val 0"/>
+            </a:avLst>
+          </a:prstGeom>
+          <a:solidFill>
+            <a:schemeClr val="accent6">
+              <a:lumMod val="75000"/>
+            </a:schemeClr>
+          </a:solidFill>
+          <a:ln>
+            <a:noFill/>
+          </a:ln>
+        </p:spPr>
+        <p:style>
+          <a:lnRef idx="2">
+            <a:schemeClr val="accent1">
+              <a:shade val="50000"/>
+            </a:schemeClr>
+          </a:lnRef>
+          <a:fillRef idx="1">
+            <a:schemeClr val="accent1"/>
+          </a:fillRef>
+          <a:effectRef idx="0">
+            <a:schemeClr val="accent1"/>
+          </a:effectRef>
+          <a:fontRef idx="minor">
+            <a:schemeClr val="lt1"/>
+          </a:fontRef>
+        </p:style>
+        <p:txBody>
+          <a:bodyPr lIns="0" rIns="0" anchor="ctr"/>
+          <a:lstStyle/>
+          <a:p>
+            <a:pPr lvl="0" algn="ctr">
+              <a:defRPr/>
+            </a:pPr>
+            <a:r>
+              <a:rPr lang="en-US" altLang="ko-KR" sz="1050" b="1"/>
+              <a:t>6</a:t>
+            </a:r>
+            <a:endParaRPr lang="en-US" altLang="ko-KR" sz="1050" b="1"/>
+          </a:p>
+        </p:txBody>
+      </p:sp>
+      <p:sp>
+        <p:nvSpPr>
+          <p:cNvPr id="144" name="모서리가 둥근 직사각형 143"/>
+          <p:cNvSpPr/>
+          <p:nvPr/>
+        </p:nvSpPr>
+        <p:spPr>
+          <a:xfrm>
+            <a:off x="3419872" y="3160834"/>
+            <a:ext cx="216024" cy="203003"/>
+          </a:xfrm>
+          <a:prstGeom prst="roundRect">
+            <a:avLst>
+              <a:gd name="adj" fmla="val 0"/>
+            </a:avLst>
+          </a:prstGeom>
+          <a:solidFill>
+            <a:schemeClr val="accent6">
+              <a:lumMod val="75000"/>
+            </a:schemeClr>
+          </a:solidFill>
+          <a:ln>
+            <a:noFill/>
+          </a:ln>
+        </p:spPr>
+        <p:style>
+          <a:lnRef idx="2">
+            <a:schemeClr val="accent1">
+              <a:shade val="50000"/>
+            </a:schemeClr>
+          </a:lnRef>
+          <a:fillRef idx="1">
+            <a:schemeClr val="accent1"/>
+          </a:fillRef>
+          <a:effectRef idx="0">
+            <a:schemeClr val="accent1"/>
+          </a:effectRef>
+          <a:fontRef idx="minor">
+            <a:schemeClr val="lt1"/>
+          </a:fontRef>
+        </p:style>
+        <p:txBody>
+          <a:bodyPr lIns="0" rIns="0" anchor="ctr"/>
+          <a:lstStyle/>
+          <a:p>
+            <a:pPr lvl="0" algn="ctr">
+              <a:defRPr/>
+            </a:pPr>
+            <a:r>
+              <a:rPr lang="en-US" altLang="ko-KR" sz="1050" b="1"/>
+              <a:t>7</a:t>
+            </a:r>
+            <a:endParaRPr lang="en-US" altLang="ko-KR" sz="1050" b="1"/>
+          </a:p>
+        </p:txBody>
+      </p:sp>
+    </p:spTree>
+  </p:cSld>
+  <p:clrMapOvr>
+    <a:masterClrMapping/>
+  </p:clrMapOvr>
+</p:sld>
+</file>
+
+<file path=ppt/slides/slide2.xml><?xml version="1.0" encoding="utf-8"?>
+<p:sld xmlns:r="http://schemas.openxmlformats.org/officeDocument/2006/relationships" xmlns:c="http://schemas.openxmlformats.org/drawingml/2006/chart" xmlns:a="http://schemas.openxmlformats.org/drawingml/2006/main" xmlns:dgm="http://schemas.openxmlformats.org/drawingml/2006/diagram" xmlns:dsp="http://schemas.microsoft.com/office/drawing/2008/diagram" xmlns:p="http://schemas.openxmlformats.org/presentationml/2006/main">
+  <p:cSld>
+    <p:spTree>
+      <p:nvGrpSpPr>
+        <p:cNvPr id="1" name=""/>
+        <p:cNvGrpSpPr/>
+        <p:nvPr/>
+      </p:nvGrpSpPr>
+      <p:grpSpPr>
+        <a:xfrm>
+          <a:off x="0" y="0"/>
+          <a:ext cx="0" cy="0"/>
+          <a:chOff x="0" y="0"/>
+          <a:chExt cx="0" cy="0"/>
+        </a:xfrm>
+      </p:grpSpPr>
+      <p:sp>
+        <p:nvSpPr>
+          <p:cNvPr id="34" name="직사각형 33"/>
+          <p:cNvSpPr/>
+          <p:nvPr/>
+        </p:nvSpPr>
+        <p:spPr>
+          <a:xfrm>
+            <a:off x="99752" y="319935"/>
+            <a:ext cx="6708373" cy="4628079"/>
+          </a:xfrm>
+          <a:prstGeom prst="rect">
+            <a:avLst/>
+          </a:prstGeom>
+          <a:solidFill>
+            <a:schemeClr val="bg1">
+              <a:alpha val="70000"/>
+            </a:schemeClr>
+          </a:solidFill>
+          <a:ln w="9525">
+            <a:solidFill>
+              <a:schemeClr val="bg1">
+                <a:lumMod val="65000"/>
+              </a:schemeClr>
+            </a:solidFill>
+          </a:ln>
+        </p:spPr>
+        <p:style>
+          <a:lnRef idx="2">
+            <a:schemeClr val="accent1">
+              <a:shade val="50000"/>
+            </a:schemeClr>
+          </a:lnRef>
+          <a:fillRef idx="1">
+            <a:schemeClr val="accent1"/>
+          </a:fillRef>
+          <a:effectRef idx="0">
+            <a:schemeClr val="accent1"/>
+          </a:effectRef>
+          <a:fontRef idx="minor">
+            <a:schemeClr val="lt1"/>
+          </a:fontRef>
+        </p:style>
+        <p:txBody>
+          <a:bodyPr anchor="ctr"/>
+          <a:lstStyle/>
+          <a:p>
+            <a:pPr lvl="0" algn="ctr">
+              <a:defRPr/>
+            </a:pPr>
+            <a:endParaRPr lang="ko-KR" altLang="en-US">
+              <a:solidFill>
+                <a:prstClr val="white"/>
+              </a:solidFill>
+              <a:latin typeface="+mn-ea"/>
+              <a:ea typeface="+mn-ea"/>
+            </a:endParaRPr>
+          </a:p>
+        </p:txBody>
+      </p:sp>
+      <p:sp>
+        <p:nvSpPr>
+          <p:cNvPr id="112" name="직사각형 111"/>
+          <p:cNvSpPr/>
+          <p:nvPr/>
+        </p:nvSpPr>
+        <p:spPr>
+          <a:xfrm>
+            <a:off x="107504" y="4155927"/>
+            <a:ext cx="6696744" cy="212530"/>
+          </a:xfrm>
+          <a:prstGeom prst="rect">
+            <a:avLst/>
+          </a:prstGeom>
+          <a:solidFill>
+            <a:schemeClr val="bg1">
+              <a:lumMod val="50000"/>
+            </a:schemeClr>
+          </a:solidFill>
+          <a:ln>
+            <a:noFill/>
+          </a:ln>
+        </p:spPr>
+        <p:style>
+          <a:lnRef idx="2">
+            <a:schemeClr val="accent1">
+              <a:shade val="50000"/>
+            </a:schemeClr>
+          </a:lnRef>
+          <a:fillRef idx="1">
+            <a:schemeClr val="accent1"/>
+          </a:fillRef>
+          <a:effectRef idx="0">
+            <a:schemeClr val="accent1"/>
+          </a:effectRef>
+          <a:fontRef idx="minor">
+            <a:schemeClr val="lt1"/>
+          </a:fontRef>
+        </p:style>
+        <p:txBody>
+          <a:bodyPr anchor="ctr"/>
+          <a:lstStyle/>
+          <a:p>
+            <a:pPr lvl="0" algn="ctr">
+              <a:defRPr/>
+            </a:pPr>
+            <a:endParaRPr lang="ko-KR" altLang="en-US"/>
+          </a:p>
+        </p:txBody>
+      </p:sp>
+      <p:sp>
+        <p:nvSpPr>
+          <p:cNvPr id="47" name="직사각형 46"/>
+          <p:cNvSpPr/>
+          <p:nvPr/>
+        </p:nvSpPr>
+        <p:spPr>
+          <a:xfrm>
+            <a:off x="99752" y="898788"/>
+            <a:ext cx="6708373" cy="3113122"/>
+          </a:xfrm>
+          <a:prstGeom prst="rect">
+            <a:avLst/>
+          </a:prstGeom>
+          <a:solidFill>
+            <a:schemeClr val="bg1">
+              <a:lumMod val="95000"/>
+              <a:alpha val="70000"/>
+            </a:schemeClr>
+          </a:solidFill>
+          <a:ln w="9525">
+            <a:solidFill>
+              <a:schemeClr val="bg1">
+                <a:lumMod val="65000"/>
+              </a:schemeClr>
+            </a:solidFill>
+          </a:ln>
+        </p:spPr>
+        <p:style>
+          <a:lnRef idx="2">
+            <a:schemeClr val="accent1">
+              <a:shade val="50000"/>
+            </a:schemeClr>
+          </a:lnRef>
+          <a:fillRef idx="1">
+            <a:schemeClr val="accent1"/>
+          </a:fillRef>
+          <a:effectRef idx="0">
+            <a:schemeClr val="accent1"/>
+          </a:effectRef>
+          <a:fontRef idx="minor">
+            <a:schemeClr val="lt1"/>
+          </a:fontRef>
+        </p:style>
+        <p:txBody>
+          <a:bodyPr anchor="ctr"/>
+          <a:lstStyle/>
+          <a:p>
+            <a:pPr lvl="0" algn="ctr">
+              <a:defRPr/>
+            </a:pPr>
+            <a:r>
+              <a:rPr lang="en-US" altLang="ko-KR" b="1">
+                <a:solidFill>
+                  <a:prstClr val="white"/>
+                </a:solidFill>
+                <a:latin typeface="+mn-ea"/>
+                <a:ea typeface="+mn-ea"/>
+              </a:rPr>
+              <a:t>`</a:t>
+            </a:r>
+            <a:endParaRPr lang="ko-KR" altLang="en-US" b="1">
+              <a:solidFill>
+                <a:prstClr val="white"/>
+              </a:solidFill>
+              <a:latin typeface="+mn-ea"/>
+              <a:ea typeface="+mn-ea"/>
+            </a:endParaRPr>
+          </a:p>
+        </p:txBody>
+      </p:sp>
+      <p:sp>
+        <p:nvSpPr>
+          <p:cNvPr id="32" name="텍스트 개체 틀 31"/>
+          <p:cNvSpPr>
+            <a:spLocks noGrp="1"/>
+          </p:cNvSpPr>
+          <p:nvPr>
+            <p:ph type="body" sz="quarter" idx="10"/>
+          </p:nvPr>
+        </p:nvSpPr>
+        <p:spPr>
+          <a:xfrm>
+            <a:off x="6876256" y="483518"/>
+            <a:ext cx="2267744" cy="4464496"/>
+          </a:xfrm>
+        </p:spPr>
+        <p:txBody>
+          <a:bodyPr/>
+          <a:lstStyle/>
+          <a:p>
+            <a:pPr marL="0" lvl="0" indent="0">
+              <a:buNone/>
+              <a:defRPr/>
+            </a:pPr>
+            <a:r>
+              <a:rPr lang="ko-KR" altLang="en-US" sz="1000"/>
+              <a:t>① 이름 </a:t>
+            </a:r>
+            <a:r>
+              <a:rPr lang="en-US" altLang="ko-KR" sz="1000"/>
+              <a:t>:</a:t>
+            </a:r>
+            <a:r>
+              <a:rPr lang="ko-KR" altLang="en-US" sz="1000"/>
+              <a:t> 이름을 하게 하고 최대 </a:t>
+            </a:r>
+            <a:r>
+              <a:rPr lang="en-US" altLang="ko-KR" sz="1000"/>
+              <a:t>30</a:t>
+            </a:r>
+            <a:r>
+              <a:rPr lang="ko-KR" altLang="en-US" sz="1000"/>
+              <a:t>자</a:t>
+            </a:r>
+            <a:endParaRPr lang="ko-KR" altLang="en-US" sz="1000"/>
+          </a:p>
+          <a:p>
+            <a:pPr marL="0" lvl="0" indent="0">
+              <a:buNone/>
+              <a:defRPr/>
+            </a:pPr>
+            <a:r>
+              <a:rPr lang="ko-KR" altLang="en-US" sz="1000"/>
+              <a:t>② </a:t>
+            </a:r>
+            <a:r>
+              <a:rPr lang="en-US" altLang="ko-KR" sz="1000"/>
+              <a:t>‘-’</a:t>
+            </a:r>
+            <a:r>
+              <a:rPr lang="ko-KR" altLang="en-US" sz="1000"/>
+              <a:t> 생략한 숫자만 입력하게 한다</a:t>
+            </a:r>
+            <a:r>
+              <a:rPr lang="en-US" altLang="ko-KR" sz="1000"/>
+              <a:t>.</a:t>
+            </a:r>
+            <a:endParaRPr lang="en-US" altLang="ko-KR" sz="1000"/>
+          </a:p>
+          <a:p>
+            <a:pPr marL="0" lvl="0" indent="0">
+              <a:buNone/>
+              <a:defRPr/>
+            </a:pPr>
+            <a:r>
+              <a:rPr lang="ko-KR" altLang="en-US" sz="1000"/>
+              <a:t>③ 아이디 찾기로 넘어가는 창</a:t>
+            </a:r>
+            <a:endParaRPr lang="ko-KR" altLang="en-US" sz="1000"/>
+          </a:p>
+          <a:p>
+            <a:pPr marL="0" lvl="0" indent="0">
+              <a:buNone/>
+              <a:defRPr/>
+            </a:pPr>
+            <a:r>
+              <a:rPr lang="en-US" altLang="ko-KR" sz="1000"/>
+              <a:t>-</a:t>
+            </a:r>
+            <a:r>
+              <a:rPr lang="ko-KR" altLang="en-US" sz="1000"/>
+              <a:t> 이름을 입력하지 않으면 팝업으로 </a:t>
+            </a:r>
+            <a:r>
+              <a:rPr lang="en-US" altLang="ko-KR" sz="1000"/>
+              <a:t>“</a:t>
+            </a:r>
+            <a:r>
+              <a:rPr lang="ko-KR" altLang="en-US" sz="1000"/>
+              <a:t>이름을 입력하세요</a:t>
+            </a:r>
+            <a:r>
+              <a:rPr lang="en-US" altLang="ko-KR" sz="1000"/>
+              <a:t>.”</a:t>
+            </a:r>
+            <a:r>
+              <a:rPr lang="ko-KR" altLang="en-US" sz="1000"/>
+              <a:t>가 나온다</a:t>
+            </a:r>
+            <a:r>
+              <a:rPr lang="en-US" altLang="ko-KR" sz="1000"/>
+              <a:t>.</a:t>
+            </a:r>
+            <a:r>
+              <a:rPr lang="ko-KR" altLang="en-US" sz="1000"/>
+              <a:t> 이름은 적고 휴대전화를 입력하지 않으면 팝업으로 </a:t>
+            </a:r>
+            <a:r>
+              <a:rPr lang="en-US" altLang="ko-KR" sz="1000"/>
+              <a:t>“</a:t>
+            </a:r>
+            <a:r>
+              <a:rPr lang="ko-KR" altLang="en-US" sz="1000"/>
+              <a:t>휴대전화번호를 입력하세요</a:t>
+            </a:r>
+            <a:r>
+              <a:rPr lang="en-US" altLang="ko-KR" sz="1000"/>
+              <a:t>.”</a:t>
+            </a:r>
+            <a:r>
+              <a:rPr lang="ko-KR" altLang="en-US" sz="1000"/>
+              <a:t>가 나온다</a:t>
+            </a:r>
+            <a:r>
+              <a:rPr lang="en-US" altLang="ko-KR" sz="1000"/>
+              <a:t>.</a:t>
+            </a:r>
+            <a:endParaRPr lang="en-US" altLang="ko-KR" sz="1000"/>
+          </a:p>
+          <a:p>
+            <a:pPr marL="0" lvl="0" indent="0">
+              <a:buNone/>
+              <a:defRPr/>
+            </a:pPr>
+            <a:r>
+              <a:rPr lang="en-US" altLang="ko-KR" sz="1000"/>
+              <a:t>-</a:t>
+            </a:r>
+            <a:r>
+              <a:rPr lang="ko-KR" altLang="en-US" sz="1000"/>
+              <a:t> ①</a:t>
+            </a:r>
+            <a:r>
+              <a:rPr lang="en-US" altLang="ko-KR" sz="1000"/>
+              <a:t>,</a:t>
+            </a:r>
+            <a:r>
+              <a:rPr lang="ko-KR" altLang="en-US" sz="1000"/>
+              <a:t> ② 둘 다 입력하면 아이디 찾기 결과 창으로 넘어간다</a:t>
+            </a:r>
+            <a:r>
+              <a:rPr lang="en-US" altLang="ko-KR" sz="1000"/>
+              <a:t>.</a:t>
+            </a:r>
+            <a:endParaRPr lang="en-US" altLang="ko-KR" sz="1000"/>
+          </a:p>
+        </p:txBody>
+      </p:sp>
+      <p:sp>
+        <p:nvSpPr>
+          <p:cNvPr id="31" name="제목 30"/>
+          <p:cNvSpPr>
+            <a:spLocks noGrp="1"/>
+          </p:cNvSpPr>
+          <p:nvPr>
+            <p:ph type="title" idx="0"/>
+          </p:nvPr>
+        </p:nvSpPr>
+        <p:spPr/>
+        <p:txBody>
+          <a:bodyPr>
+            <a:normAutofit fontScale="90000"/>
+          </a:bodyPr>
+          <a:lstStyle/>
+          <a:p>
+            <a:pPr lvl="0">
+              <a:defRPr/>
+            </a:pPr>
+            <a:r>
+              <a:rPr lang="en-US" altLang="ko-KR"/>
+              <a:t>Case A</a:t>
+            </a:r>
+            <a:endParaRPr lang="ko-KR" altLang="en-US"/>
+          </a:p>
+        </p:txBody>
+      </p:sp>
+      <p:sp>
+        <p:nvSpPr>
+          <p:cNvPr id="33" name="텍스트 개체 틀 32"/>
+          <p:cNvSpPr>
+            <a:spLocks noGrp="1"/>
+          </p:cNvSpPr>
+          <p:nvPr>
+            <p:ph type="body" sz="quarter" idx="11"/>
+          </p:nvPr>
+        </p:nvSpPr>
+        <p:spPr/>
+        <p:txBody>
+          <a:bodyPr/>
+          <a:lstStyle/>
+          <a:p>
+            <a:pPr lvl="0">
+              <a:defRPr/>
+            </a:pPr>
+            <a:r>
+              <a:rPr lang="en-US" altLang="ko-KR"/>
+              <a:t>3.1</a:t>
+            </a:r>
+            <a:endParaRPr lang="ko-KR" altLang="en-US"/>
+          </a:p>
+        </p:txBody>
+      </p:sp>
+      <p:sp>
+        <p:nvSpPr>
+          <p:cNvPr id="70" name="갈매기형 수장 69"/>
+          <p:cNvSpPr/>
+          <p:nvPr/>
+        </p:nvSpPr>
+        <p:spPr>
+          <a:xfrm>
+            <a:off x="6513942" y="1646637"/>
+            <a:ext cx="117594" cy="546931"/>
+          </a:xfrm>
+          <a:prstGeom prst="chevron">
+            <a:avLst>
+              <a:gd name="adj" fmla="val 50000"/>
+            </a:avLst>
+          </a:prstGeom>
+          <a:solidFill>
+            <a:schemeClr val="bg1"/>
+          </a:solidFill>
+          <a:ln w="9525">
+            <a:solidFill>
+              <a:schemeClr val="bg1">
+                <a:lumMod val="65000"/>
+              </a:schemeClr>
+            </a:solidFill>
+          </a:ln>
+        </p:spPr>
+        <p:style>
+          <a:lnRef idx="2">
+            <a:schemeClr val="accent1">
+              <a:shade val="50000"/>
+            </a:schemeClr>
+          </a:lnRef>
+          <a:fillRef idx="1">
+            <a:schemeClr val="accent1"/>
+          </a:fillRef>
+          <a:effectRef idx="0">
+            <a:schemeClr val="accent1"/>
+          </a:effectRef>
+          <a:fontRef idx="minor">
+            <a:schemeClr val="lt1"/>
+          </a:fontRef>
+        </p:style>
+        <p:txBody>
+          <a:bodyPr anchor="ctr"/>
+          <a:lstStyle/>
+          <a:p>
+            <a:pPr lvl="0" algn="ctr">
+              <a:defRPr/>
+            </a:pPr>
+            <a:endParaRPr lang="ko-KR" altLang="en-US">
+              <a:solidFill>
+                <a:schemeClr val="tx1"/>
+              </a:solidFill>
+            </a:endParaRPr>
+          </a:p>
+        </p:txBody>
+      </p:sp>
+      <p:sp>
+        <p:nvSpPr>
+          <p:cNvPr id="71" name="갈매기형 수장 70"/>
+          <p:cNvSpPr/>
+          <p:nvPr/>
+        </p:nvSpPr>
+        <p:spPr>
+          <a:xfrm flipH="1">
+            <a:off x="196553" y="1646637"/>
+            <a:ext cx="121688" cy="546931"/>
+          </a:xfrm>
+          <a:prstGeom prst="chevron">
+            <a:avLst>
+              <a:gd name="adj" fmla="val 50000"/>
+            </a:avLst>
+          </a:prstGeom>
+          <a:solidFill>
+            <a:schemeClr val="bg1"/>
+          </a:solidFill>
+          <a:ln w="9525">
+            <a:solidFill>
+              <a:schemeClr val="bg1">
+                <a:lumMod val="65000"/>
+              </a:schemeClr>
+            </a:solidFill>
+          </a:ln>
+        </p:spPr>
+        <p:style>
+          <a:lnRef idx="2">
+            <a:schemeClr val="accent1">
+              <a:shade val="50000"/>
+            </a:schemeClr>
+          </a:lnRef>
+          <a:fillRef idx="1">
+            <a:schemeClr val="accent1"/>
+          </a:fillRef>
+          <a:effectRef idx="0">
+            <a:schemeClr val="accent1"/>
+          </a:effectRef>
+          <a:fontRef idx="minor">
+            <a:schemeClr val="lt1"/>
+          </a:fontRef>
+        </p:style>
+        <p:txBody>
+          <a:bodyPr anchor="ctr"/>
+          <a:lstStyle/>
+          <a:p>
+            <a:pPr lvl="0" algn="ctr">
+              <a:defRPr/>
+            </a:pPr>
+            <a:endParaRPr lang="ko-KR" altLang="en-US">
+              <a:solidFill>
+                <a:schemeClr val="tx1"/>
+              </a:solidFill>
+            </a:endParaRPr>
+          </a:p>
+        </p:txBody>
+      </p:sp>
+      <p:sp>
+        <p:nvSpPr>
+          <p:cNvPr id="74" name="직사각형 73"/>
+          <p:cNvSpPr/>
+          <p:nvPr/>
+        </p:nvSpPr>
+        <p:spPr>
+          <a:xfrm>
+            <a:off x="99752" y="319935"/>
+            <a:ext cx="6708373" cy="576064"/>
+          </a:xfrm>
+          <a:prstGeom prst="rect">
+            <a:avLst/>
+          </a:prstGeom>
+          <a:solidFill>
+            <a:schemeClr val="bg1">
+              <a:alpha val="70000"/>
+            </a:schemeClr>
+          </a:solidFill>
+          <a:ln w="9525">
+            <a:solidFill>
+              <a:schemeClr val="bg1">
+                <a:lumMod val="65000"/>
+              </a:schemeClr>
+            </a:solidFill>
+          </a:ln>
+        </p:spPr>
+        <p:style>
+          <a:lnRef idx="2">
+            <a:schemeClr val="accent1">
+              <a:shade val="50000"/>
+            </a:schemeClr>
+          </a:lnRef>
+          <a:fillRef idx="1">
+            <a:schemeClr val="accent1"/>
+          </a:fillRef>
+          <a:effectRef idx="0">
+            <a:schemeClr val="accent1"/>
+          </a:effectRef>
+          <a:fontRef idx="minor">
+            <a:schemeClr val="lt1"/>
+          </a:fontRef>
+        </p:style>
+        <p:txBody>
+          <a:bodyPr anchor="ctr"/>
+          <a:lstStyle/>
+          <a:p>
+            <a:pPr lvl="0" algn="ctr">
+              <a:defRPr/>
+            </a:pPr>
+            <a:endParaRPr lang="ko-KR" altLang="en-US">
+              <a:solidFill>
+                <a:prstClr val="white"/>
+              </a:solidFill>
+              <a:latin typeface="+mn-ea"/>
+              <a:ea typeface="+mn-ea"/>
+            </a:endParaRPr>
+          </a:p>
+        </p:txBody>
+      </p:sp>
+      <p:sp>
+        <p:nvSpPr>
+          <p:cNvPr id="75" name="직사각형 74"/>
+          <p:cNvSpPr/>
+          <p:nvPr/>
+        </p:nvSpPr>
+        <p:spPr>
+          <a:xfrm>
+            <a:off x="99752" y="319935"/>
+            <a:ext cx="6708373" cy="576064"/>
+          </a:xfrm>
+          <a:prstGeom prst="rect">
+            <a:avLst/>
+          </a:prstGeom>
+          <a:solidFill>
+            <a:schemeClr val="bg1">
+              <a:alpha val="70000"/>
+            </a:schemeClr>
+          </a:solidFill>
+          <a:ln w="9525">
+            <a:solidFill>
+              <a:schemeClr val="bg1">
+                <a:lumMod val="65000"/>
+              </a:schemeClr>
+            </a:solidFill>
+          </a:ln>
+        </p:spPr>
+        <p:style>
+          <a:lnRef idx="2">
+            <a:schemeClr val="accent1">
+              <a:shade val="50000"/>
+            </a:schemeClr>
+          </a:lnRef>
+          <a:fillRef idx="1">
+            <a:schemeClr val="accent1"/>
+          </a:fillRef>
+          <a:effectRef idx="0">
+            <a:schemeClr val="accent1"/>
+          </a:effectRef>
+          <a:fontRef idx="minor">
+            <a:schemeClr val="lt1"/>
+          </a:fontRef>
+        </p:style>
+        <p:txBody>
+          <a:bodyPr anchor="ctr"/>
+          <a:lstStyle/>
+          <a:p>
+            <a:pPr lvl="0" algn="ctr">
+              <a:defRPr/>
+            </a:pPr>
+            <a:r>
+              <a:rPr lang="en-US" altLang="ko-KR">
+                <a:solidFill>
+                  <a:prstClr val="white"/>
+                </a:solidFill>
+                <a:latin typeface="+mn-ea"/>
+                <a:ea typeface="+mn-ea"/>
+              </a:rPr>
+              <a:t>`</a:t>
+            </a:r>
+            <a:endParaRPr lang="ko-KR" altLang="en-US">
+              <a:solidFill>
+                <a:prstClr val="white"/>
+              </a:solidFill>
+              <a:latin typeface="+mn-ea"/>
+              <a:ea typeface="+mn-ea"/>
+            </a:endParaRPr>
+          </a:p>
+        </p:txBody>
+      </p:sp>
+      <p:sp>
+        <p:nvSpPr>
+          <p:cNvPr id="76" name="TextBox 75"/>
+          <p:cNvSpPr txBox="1"/>
+          <p:nvPr/>
+        </p:nvSpPr>
+        <p:spPr>
+          <a:xfrm>
+            <a:off x="3885113" y="552737"/>
+            <a:ext cx="2832827" cy="253916"/>
+          </a:xfrm>
+          <a:prstGeom prst="rect">
+            <a:avLst/>
+          </a:prstGeom>
+          <a:noFill/>
+        </p:spPr>
+        <p:txBody>
+          <a:bodyPr wrap="none">
+            <a:spAutoFit/>
+          </a:bodyPr>
+          <a:lstStyle/>
+          <a:p>
+            <a:pPr lvl="0">
+              <a:defRPr/>
+            </a:pPr>
+            <a:r>
+              <a:rPr lang="en-US" altLang="ko-KR" sz="1050">
+                <a:solidFill>
+                  <a:schemeClr val="tx1"/>
+                </a:solidFill>
+                <a:latin typeface="+mn-ea"/>
+                <a:ea typeface="+mn-ea"/>
+              </a:rPr>
+              <a:t>About US | </a:t>
+            </a:r>
+            <a:r>
+              <a:rPr lang="ko-KR" altLang="en-US" sz="1050">
+                <a:solidFill>
+                  <a:schemeClr val="tx1"/>
+                </a:solidFill>
+                <a:latin typeface="+mn-ea"/>
+                <a:ea typeface="+mn-ea"/>
+              </a:rPr>
+              <a:t>사업소개 </a:t>
+            </a:r>
+            <a:r>
+              <a:rPr lang="en-US" altLang="ko-KR" sz="1050">
+                <a:solidFill>
+                  <a:schemeClr val="tx1"/>
+                </a:solidFill>
+                <a:latin typeface="+mn-ea"/>
+                <a:ea typeface="+mn-ea"/>
+              </a:rPr>
+              <a:t>| </a:t>
+            </a:r>
+            <a:r>
+              <a:rPr lang="ko-KR" altLang="en-US" sz="1050">
+                <a:solidFill>
+                  <a:schemeClr val="tx1"/>
+                </a:solidFill>
+                <a:latin typeface="+mn-ea"/>
+                <a:ea typeface="+mn-ea"/>
+              </a:rPr>
+              <a:t>제품소개 </a:t>
+            </a:r>
+            <a:r>
+              <a:rPr lang="en-US" altLang="ko-KR" sz="1050">
+                <a:solidFill>
+                  <a:schemeClr val="tx1"/>
+                </a:solidFill>
+                <a:latin typeface="+mn-ea"/>
+                <a:ea typeface="+mn-ea"/>
+              </a:rPr>
+              <a:t>| </a:t>
+            </a:r>
+            <a:r>
+              <a:rPr lang="ko-KR" altLang="en-US" sz="1050">
+                <a:solidFill>
+                  <a:schemeClr val="tx1"/>
+                </a:solidFill>
+                <a:latin typeface="+mn-ea"/>
+                <a:ea typeface="+mn-ea"/>
+              </a:rPr>
+              <a:t>고객센터</a:t>
+            </a:r>
+            <a:endParaRPr lang="ko-KR" altLang="en-US" sz="1050">
+              <a:solidFill>
+                <a:schemeClr val="tx1"/>
+              </a:solidFill>
+              <a:latin typeface="+mn-ea"/>
+              <a:ea typeface="+mn-ea"/>
+            </a:endParaRPr>
+          </a:p>
+        </p:txBody>
+      </p:sp>
+      <p:sp>
+        <p:nvSpPr>
+          <p:cNvPr id="77" name="TextBox 76"/>
+          <p:cNvSpPr txBox="1"/>
+          <p:nvPr/>
+        </p:nvSpPr>
+        <p:spPr>
+          <a:xfrm>
+            <a:off x="5868144" y="306307"/>
+            <a:ext cx="712054" cy="184666"/>
+          </a:xfrm>
+          <a:prstGeom prst="rect">
+            <a:avLst/>
+          </a:prstGeom>
+          <a:noFill/>
+        </p:spPr>
+        <p:txBody>
+          <a:bodyPr wrap="none">
+            <a:spAutoFit/>
+          </a:bodyPr>
+          <a:lstStyle/>
+          <a:p>
+            <a:pPr lvl="0">
+              <a:defRPr/>
+            </a:pPr>
+            <a:r>
+              <a:rPr lang="en-US" altLang="ko-KR" sz="600" b="0">
+                <a:solidFill>
+                  <a:schemeClr val="tx1"/>
+                </a:solidFill>
+                <a:latin typeface="+mn-ea"/>
+                <a:ea typeface="+mn-ea"/>
+              </a:rPr>
+              <a:t>Login | Join US</a:t>
+            </a:r>
+            <a:endParaRPr lang="ko-KR" altLang="en-US" sz="600" b="0">
+              <a:solidFill>
+                <a:schemeClr val="tx1"/>
+              </a:solidFill>
+              <a:latin typeface="+mn-ea"/>
+              <a:ea typeface="+mn-ea"/>
+            </a:endParaRPr>
+          </a:p>
+        </p:txBody>
+      </p:sp>
       <p:grpSp>
         <p:nvGrpSpPr>
-          <p:cNvPr id="93" name="그룹 92"/>
+          <p:cNvPr id="78" name="그룹 77"/>
           <p:cNvGrpSpPr/>
           <p:nvPr/>
         </p:nvGrpSpPr>
         <p:grpSpPr>
-          <a:xfrm>
-            <a:off x="1331640" y="3075806"/>
-            <a:ext cx="648072" cy="648072"/>
-            <a:chOff x="323528" y="3075806"/>
-            <a:chExt cx="648072" cy="648072"/>
+          <a:xfrm rot="0">
+            <a:off x="179512" y="391943"/>
+            <a:ext cx="1296144" cy="432049"/>
+            <a:chOff x="179512" y="411510"/>
+            <a:chExt cx="1296144" cy="432049"/>
           </a:xfrm>
         </p:grpSpPr>
         <p:sp>
           <p:nvSpPr>
-            <p:cNvPr id="87" name="타원 86"/>
+            <p:cNvPr id="79" name="직사각형 78"/>
             <p:cNvSpPr/>
             <p:nvPr/>
           </p:nvSpPr>
           <p:spPr>
             <a:xfrm>
-              <a:off x="323528" y="3075806"/>
-              <a:ext cx="648072" cy="648072"/>
+              <a:off x="179512" y="411511"/>
+              <a:ext cx="1296144" cy="432048"/>
             </a:xfrm>
-            <a:prstGeom prst="ellipse">
+            <a:prstGeom prst="rect">
               <a:avLst/>
             </a:prstGeom>
             <a:solidFill>
               <a:schemeClr val="bg1">
                 <a:lumMod val="95000"/>
+                <a:alpha val="70000"/>
               </a:schemeClr>
             </a:solidFill>
-            <a:ln w="6350">
+            <a:ln w="9525">
               <a:solidFill>
                 <a:schemeClr val="bg1">
-                  <a:lumMod val="50000"/>
+                  <a:lumMod val="65000"/>
                 </a:schemeClr>
               </a:solidFill>
             </a:ln>
@@ -5781,27 +8018,42 @@
             </a:fontRef>
           </p:style>
           <p:txBody>
-            <a:bodyPr rtlCol="0" anchor="ctr"/>
+            <a:bodyPr anchor="ctr"/>
             <a:lstStyle/>
             <a:p>
-              <a:pPr algn="ctr"/>
-              <a:endParaRPr lang="ko-KR" altLang="en-US"/>
+              <a:pPr lvl="0" algn="ctr">
+                <a:defRPr/>
+              </a:pPr>
+              <a:r>
+                <a:rPr lang="en-US" altLang="ko-KR">
+                  <a:solidFill>
+                    <a:prstClr val="white"/>
+                  </a:solidFill>
+                  <a:latin typeface="+mn-ea"/>
+                  <a:ea typeface="+mn-ea"/>
+                </a:rPr>
+                <a:t>`</a:t>
+              </a:r>
+              <a:endParaRPr lang="ko-KR" altLang="en-US">
+                <a:solidFill>
+                  <a:prstClr val="white"/>
+                </a:solidFill>
+                <a:latin typeface="+mn-ea"/>
+                <a:ea typeface="+mn-ea"/>
+              </a:endParaRPr>
             </a:p>
           </p:txBody>
         </p:sp>
         <p:cxnSp>
           <p:nvCxnSpPr>
-            <p:cNvPr id="90" name="직선 연결선 89"/>
-            <p:cNvCxnSpPr>
-              <a:stCxn id="87" idx="7"/>
-              <a:endCxn id="87" idx="3"/>
-            </p:cNvCxnSpPr>
+            <p:cNvPr id="80" name="직선 연결선 79"/>
+            <p:cNvCxnSpPr/>
             <p:nvPr/>
           </p:nvCxnSpPr>
           <p:spPr>
             <a:xfrm flipH="1">
-              <a:off x="418436" y="3170714"/>
-              <a:ext cx="458256" cy="458256"/>
+              <a:off x="179512" y="411510"/>
+              <a:ext cx="1296144" cy="432048"/>
             </a:xfrm>
             <a:prstGeom prst="line">
               <a:avLst/>
@@ -5830,43 +8082,1597 @@
           </p:style>
         </p:cxnSp>
       </p:grpSp>
+      <p:sp>
+        <p:nvSpPr>
+          <p:cNvPr id="81" name="TextBox 80"/>
+          <p:cNvSpPr txBox="1"/>
+          <p:nvPr/>
+        </p:nvSpPr>
+        <p:spPr>
+          <a:xfrm>
+            <a:off x="185633" y="463951"/>
+            <a:ext cx="679801" cy="307777"/>
+          </a:xfrm>
+          <a:prstGeom prst="rect">
+            <a:avLst/>
+          </a:prstGeom>
+          <a:noFill/>
+        </p:spPr>
+        <p:txBody>
+          <a:bodyPr wrap="none">
+            <a:spAutoFit/>
+          </a:bodyPr>
+          <a:lstStyle/>
+          <a:p>
+            <a:pPr lvl="0">
+              <a:defRPr/>
+            </a:pPr>
+            <a:r>
+              <a:rPr lang="en-US" altLang="ko-KR" sz="1400" b="1">
+                <a:solidFill>
+                  <a:schemeClr val="tx1"/>
+                </a:solidFill>
+                <a:latin typeface="+mn-ea"/>
+                <a:ea typeface="+mn-ea"/>
+              </a:rPr>
+              <a:t>LOGO</a:t>
+            </a:r>
+            <a:endParaRPr lang="ko-KR" altLang="en-US" sz="1400" b="1">
+              <a:solidFill>
+                <a:schemeClr val="tx1"/>
+              </a:solidFill>
+              <a:latin typeface="+mn-ea"/>
+              <a:ea typeface="+mn-ea"/>
+            </a:endParaRPr>
+          </a:p>
+        </p:txBody>
+      </p:sp>
+      <p:sp>
+        <p:nvSpPr>
+          <p:cNvPr id="111" name="모서리가 둥근 직사각형 110"/>
+          <p:cNvSpPr/>
+          <p:nvPr/>
+        </p:nvSpPr>
+        <p:spPr>
+          <a:xfrm>
+            <a:off x="299794" y="4159689"/>
+            <a:ext cx="709387" cy="229725"/>
+          </a:xfrm>
+          <a:prstGeom prst="roundRect">
+            <a:avLst>
+              <a:gd name="adj" fmla="val 9813"/>
+            </a:avLst>
+          </a:prstGeom>
+          <a:noFill/>
+          <a:ln w="6350">
+            <a:noFill/>
+          </a:ln>
+        </p:spPr>
+        <p:style>
+          <a:lnRef idx="2">
+            <a:schemeClr val="accent1">
+              <a:shade val="50000"/>
+            </a:schemeClr>
+          </a:lnRef>
+          <a:fillRef idx="1">
+            <a:schemeClr val="accent1"/>
+          </a:fillRef>
+          <a:effectRef idx="0">
+            <a:schemeClr val="accent1"/>
+          </a:effectRef>
+          <a:fontRef idx="minor">
+            <a:schemeClr val="lt1"/>
+          </a:fontRef>
+        </p:style>
+        <p:txBody>
+          <a:bodyPr anchor="ctr"/>
+          <a:lstStyle/>
+          <a:p>
+            <a:pPr lvl="0">
+              <a:defRPr/>
+            </a:pPr>
+            <a:r>
+              <a:rPr lang="ko-KR" altLang="en-US" sz="900" b="1">
+                <a:solidFill>
+                  <a:schemeClr val="bg1"/>
+                </a:solidFill>
+                <a:latin typeface="+mn-ea"/>
+              </a:rPr>
+              <a:t>공지사항</a:t>
+            </a:r>
+            <a:endParaRPr lang="en-US" altLang="ko-KR" sz="900" b="1">
+              <a:solidFill>
+                <a:schemeClr val="bg1"/>
+              </a:solidFill>
+              <a:latin typeface="+mn-ea"/>
+            </a:endParaRPr>
+          </a:p>
+        </p:txBody>
+      </p:sp>
+      <p:sp>
+        <p:nvSpPr>
+          <p:cNvPr id="113" name="모서리가 둥근 직사각형 112"/>
+          <p:cNvSpPr/>
+          <p:nvPr/>
+        </p:nvSpPr>
+        <p:spPr>
+          <a:xfrm>
+            <a:off x="286509" y="4411359"/>
+            <a:ext cx="3853443" cy="464647"/>
+          </a:xfrm>
+          <a:prstGeom prst="roundRect">
+            <a:avLst>
+              <a:gd name="adj" fmla="val 9813"/>
+            </a:avLst>
+          </a:prstGeom>
+          <a:noFill/>
+          <a:ln w="6350">
+            <a:noFill/>
+          </a:ln>
+        </p:spPr>
+        <p:style>
+          <a:lnRef idx="2">
+            <a:schemeClr val="accent1">
+              <a:shade val="50000"/>
+            </a:schemeClr>
+          </a:lnRef>
+          <a:fillRef idx="1">
+            <a:schemeClr val="accent1"/>
+          </a:fillRef>
+          <a:effectRef idx="0">
+            <a:schemeClr val="accent1"/>
+          </a:effectRef>
+          <a:fontRef idx="minor">
+            <a:schemeClr val="lt1"/>
+          </a:fontRef>
+        </p:style>
+        <p:txBody>
+          <a:bodyPr anchor="ctr"/>
+          <a:lstStyle/>
+          <a:p>
+            <a:pPr lvl="0">
+              <a:lnSpc>
+                <a:spcPct val="150000"/>
+              </a:lnSpc>
+              <a:defRPr/>
+            </a:pPr>
+            <a:r>
+              <a:rPr lang="ko-KR" altLang="en-US" sz="700">
+                <a:solidFill>
+                  <a:schemeClr val="tx1">
+                    <a:lumMod val="65000"/>
+                    <a:lumOff val="35000"/>
+                  </a:schemeClr>
+                </a:solidFill>
+                <a:latin typeface="+mn-ea"/>
+              </a:rPr>
+              <a:t>주요 공지사항입니다</a:t>
+            </a:r>
+            <a:r>
+              <a:rPr lang="en-US" altLang="ko-KR" sz="700">
+                <a:solidFill>
+                  <a:schemeClr val="tx1">
+                    <a:lumMod val="65000"/>
+                    <a:lumOff val="35000"/>
+                  </a:schemeClr>
+                </a:solidFill>
+                <a:latin typeface="+mn-ea"/>
+              </a:rPr>
+              <a:t>.   2017.03.03</a:t>
+            </a:r>
+            <a:endParaRPr lang="en-US" altLang="ko-KR" sz="700">
+              <a:solidFill>
+                <a:schemeClr val="tx1">
+                  <a:lumMod val="65000"/>
+                  <a:lumOff val="35000"/>
+                </a:schemeClr>
+              </a:solidFill>
+              <a:latin typeface="+mn-ea"/>
+            </a:endParaRPr>
+          </a:p>
+          <a:p>
+            <a:pPr lvl="0">
+              <a:lnSpc>
+                <a:spcPct val="150000"/>
+              </a:lnSpc>
+              <a:defRPr/>
+            </a:pPr>
+            <a:r>
+              <a:rPr lang="ko-KR" altLang="en-US" sz="700">
+                <a:solidFill>
+                  <a:schemeClr val="tx1">
+                    <a:lumMod val="65000"/>
+                    <a:lumOff val="35000"/>
+                  </a:schemeClr>
+                </a:solidFill>
+                <a:latin typeface="+mn-ea"/>
+              </a:rPr>
+              <a:t>오픈이벤트입니다</a:t>
+            </a:r>
+            <a:r>
+              <a:rPr lang="en-US" altLang="ko-KR" sz="700">
+                <a:solidFill>
+                  <a:schemeClr val="tx1">
+                    <a:lumMod val="65000"/>
+                    <a:lumOff val="35000"/>
+                  </a:schemeClr>
+                </a:solidFill>
+                <a:latin typeface="+mn-ea"/>
+              </a:rPr>
+              <a:t>. 2017.02.03</a:t>
+            </a:r>
+            <a:endParaRPr lang="en-US" altLang="ko-KR" sz="700">
+              <a:solidFill>
+                <a:schemeClr val="tx1">
+                  <a:lumMod val="65000"/>
+                  <a:lumOff val="35000"/>
+                </a:schemeClr>
+              </a:solidFill>
+              <a:latin typeface="+mn-ea"/>
+            </a:endParaRPr>
+          </a:p>
+          <a:p>
+            <a:pPr lvl="0">
+              <a:lnSpc>
+                <a:spcPct val="150000"/>
+              </a:lnSpc>
+              <a:defRPr/>
+            </a:pPr>
+            <a:r>
+              <a:rPr lang="ko-KR" altLang="en-US" sz="700">
+                <a:solidFill>
+                  <a:schemeClr val="tx1">
+                    <a:lumMod val="65000"/>
+                    <a:lumOff val="35000"/>
+                  </a:schemeClr>
+                </a:solidFill>
+                <a:latin typeface="+mn-ea"/>
+              </a:rPr>
+              <a:t>홈페이지 오픈을 축하해 주세요</a:t>
+            </a:r>
+            <a:r>
+              <a:rPr lang="en-US" altLang="ko-KR" sz="700">
+                <a:solidFill>
+                  <a:schemeClr val="tx1">
+                    <a:lumMod val="65000"/>
+                    <a:lumOff val="35000"/>
+                  </a:schemeClr>
+                </a:solidFill>
+                <a:latin typeface="+mn-ea"/>
+              </a:rPr>
+              <a:t>. 2017.01.31</a:t>
+            </a:r>
+            <a:endParaRPr lang="en-US" altLang="ko-KR" sz="700">
+              <a:solidFill>
+                <a:schemeClr val="tx1">
+                  <a:lumMod val="65000"/>
+                  <a:lumOff val="35000"/>
+                </a:schemeClr>
+              </a:solidFill>
+              <a:latin typeface="+mn-ea"/>
+            </a:endParaRPr>
+          </a:p>
+        </p:txBody>
+      </p:sp>
+      <p:sp>
+        <p:nvSpPr>
+          <p:cNvPr id="126" name="가로 글상자 125"/>
+          <p:cNvSpPr txBox="1"/>
+          <p:nvPr/>
+        </p:nvSpPr>
+        <p:spPr>
+          <a:xfrm>
+            <a:off x="2843808" y="915566"/>
+            <a:ext cx="1512167" cy="358879"/>
+          </a:xfrm>
+          <a:prstGeom prst="rect">
+            <a:avLst/>
+          </a:prstGeom>
+        </p:spPr>
+        <p:txBody>
+          <a:bodyPr wrap="square">
+            <a:spAutoFit/>
+          </a:bodyPr>
+          <a:p>
+            <a:pPr lvl="0" algn="ctr">
+              <a:defRPr/>
+            </a:pPr>
+            <a:r>
+              <a:rPr lang="ko-KR" altLang="en-US"/>
+              <a:t>아이디 찾기</a:t>
+            </a:r>
+            <a:endParaRPr lang="ko-KR" altLang="en-US"/>
+          </a:p>
+        </p:txBody>
+      </p:sp>
+      <p:sp>
+        <p:nvSpPr>
+          <p:cNvPr id="127" name="가로 글상자 126"/>
+          <p:cNvSpPr txBox="1"/>
+          <p:nvPr/>
+        </p:nvSpPr>
+        <p:spPr>
+          <a:xfrm>
+            <a:off x="2051720" y="1481356"/>
+            <a:ext cx="637763" cy="298306"/>
+          </a:xfrm>
+          <a:prstGeom prst="rect">
+            <a:avLst/>
+          </a:prstGeom>
+        </p:spPr>
+        <p:txBody>
+          <a:bodyPr wrap="square">
+            <a:spAutoFit/>
+          </a:bodyPr>
+          <a:p>
+            <a:pPr lvl="0">
+              <a:defRPr/>
+            </a:pPr>
+            <a:r>
+              <a:rPr lang="ko-KR" altLang="en-US" sz="1400"/>
+              <a:t>이 름</a:t>
+            </a:r>
+            <a:endParaRPr lang="ko-KR" altLang="en-US" sz="1400"/>
+          </a:p>
+        </p:txBody>
+      </p:sp>
+      <p:sp>
+        <p:nvSpPr>
+          <p:cNvPr id="128" name="가로 글상자 127"/>
+          <p:cNvSpPr txBox="1"/>
+          <p:nvPr/>
+        </p:nvSpPr>
+        <p:spPr>
+          <a:xfrm>
+            <a:off x="2011353" y="2184291"/>
+            <a:ext cx="976471" cy="299829"/>
+          </a:xfrm>
+          <a:prstGeom prst="rect">
+            <a:avLst/>
+          </a:prstGeom>
+        </p:spPr>
+        <p:txBody>
+          <a:bodyPr wrap="square">
+            <a:spAutoFit/>
+          </a:bodyPr>
+          <a:p>
+            <a:pPr lvl="0">
+              <a:defRPr/>
+            </a:pPr>
+            <a:r>
+              <a:rPr lang="ko-KR" altLang="en-US" sz="1400"/>
+              <a:t>전화번호</a:t>
+            </a:r>
+            <a:endParaRPr lang="ko-KR" altLang="en-US" sz="1400"/>
+          </a:p>
+        </p:txBody>
+      </p:sp>
       <p:grpSp>
         <p:nvGrpSpPr>
-          <p:cNvPr id="94" name="그룹 93"/>
+          <p:cNvPr id="154" name=""/>
           <p:cNvGrpSpPr/>
           <p:nvPr/>
         </p:nvGrpSpPr>
         <p:grpSpPr>
-          <a:xfrm>
-            <a:off x="2246040" y="3075806"/>
-            <a:ext cx="648072" cy="648072"/>
-            <a:chOff x="323528" y="3075806"/>
-            <a:chExt cx="648072" cy="648072"/>
+          <a:xfrm rot="0">
+            <a:off x="3059832" y="2868166"/>
+            <a:ext cx="1152128" cy="216029"/>
+            <a:chOff x="3059832" y="2868166"/>
+            <a:chExt cx="1152128" cy="216029"/>
           </a:xfrm>
         </p:grpSpPr>
         <p:sp>
           <p:nvSpPr>
-            <p:cNvPr id="95" name="타원 94"/>
+            <p:cNvPr id="133" name="모서리가 둥근 직사각형 132"/>
             <p:cNvSpPr/>
             <p:nvPr/>
           </p:nvSpPr>
           <p:spPr>
             <a:xfrm>
-              <a:off x="323528" y="3075806"/>
-              <a:ext cx="648072" cy="648072"/>
+              <a:off x="3059832" y="2868166"/>
+              <a:ext cx="1152128" cy="216024"/>
             </a:xfrm>
-            <a:prstGeom prst="ellipse">
+            <a:prstGeom prst="roundRect">
+              <a:avLst>
+                <a:gd name="adj" fmla="val 16667"/>
+              </a:avLst>
+            </a:prstGeom>
+          </p:spPr>
+          <p:style>
+            <a:lnRef idx="2">
+              <a:schemeClr val="accent1">
+                <a:shade val="20000"/>
+              </a:schemeClr>
+            </a:lnRef>
+            <a:fillRef idx="1">
+              <a:schemeClr val="accent1"/>
+            </a:fillRef>
+            <a:effectRef idx="0">
+              <a:schemeClr val="accent1"/>
+            </a:effectRef>
+            <a:fontRef idx="minor">
+              <a:schemeClr val="lt1"/>
+            </a:fontRef>
+          </p:style>
+          <p:txBody>
+            <a:bodyPr anchor="ctr"/>
+            <a:p>
+              <a:pPr lvl="0" algn="ctr">
+                <a:defRPr/>
+              </a:pPr>
+              <a:endParaRPr lang="ko-KR" altLang="en-US"/>
+            </a:p>
+          </p:txBody>
+        </p:sp>
+        <p:sp>
+          <p:nvSpPr>
+            <p:cNvPr id="135" name="가로 글상자 134"/>
+            <p:cNvSpPr txBox="1"/>
+            <p:nvPr/>
+          </p:nvSpPr>
+          <p:spPr>
+            <a:xfrm>
+              <a:off x="3131840" y="2868166"/>
+              <a:ext cx="1008112" cy="216029"/>
+            </a:xfrm>
+            <a:prstGeom prst="rect">
+              <a:avLst/>
+            </a:prstGeom>
+          </p:spPr>
+          <p:txBody>
+            <a:bodyPr wrap="square">
+              <a:spAutoFit/>
+            </a:bodyPr>
+            <a:p>
+              <a:pPr lvl="0" algn="ctr">
+                <a:defRPr/>
+              </a:pPr>
+              <a:r>
+                <a:rPr lang="ko-KR" altLang="en-US" sz="900"/>
+                <a:t>다음</a:t>
+              </a:r>
+              <a:endParaRPr lang="ko-KR" altLang="en-US" sz="900"/>
+            </a:p>
+          </p:txBody>
+        </p:sp>
+      </p:grpSp>
+      <p:sp>
+        <p:nvSpPr>
+          <p:cNvPr id="139" name="모서리가 둥근 직사각형 138"/>
+          <p:cNvSpPr/>
+          <p:nvPr/>
+        </p:nvSpPr>
+        <p:spPr>
+          <a:xfrm>
+            <a:off x="1835696" y="1491630"/>
+            <a:ext cx="216024" cy="203003"/>
+          </a:xfrm>
+          <a:prstGeom prst="roundRect">
+            <a:avLst>
+              <a:gd name="adj" fmla="val 0"/>
+            </a:avLst>
+          </a:prstGeom>
+          <a:solidFill>
+            <a:schemeClr val="accent6">
+              <a:lumMod val="75000"/>
+            </a:schemeClr>
+          </a:solidFill>
+          <a:ln>
+            <a:noFill/>
+          </a:ln>
+        </p:spPr>
+        <p:style>
+          <a:lnRef idx="2">
+            <a:schemeClr val="accent1">
+              <a:shade val="50000"/>
+            </a:schemeClr>
+          </a:lnRef>
+          <a:fillRef idx="1">
+            <a:schemeClr val="accent1"/>
+          </a:fillRef>
+          <a:effectRef idx="0">
+            <a:schemeClr val="accent1"/>
+          </a:effectRef>
+          <a:fontRef idx="minor">
+            <a:schemeClr val="lt1"/>
+          </a:fontRef>
+        </p:style>
+        <p:txBody>
+          <a:bodyPr lIns="0" rIns="0" anchor="ctr"/>
+          <a:lstStyle/>
+          <a:p>
+            <a:pPr lvl="0" algn="ctr">
+              <a:defRPr/>
+            </a:pPr>
+            <a:r>
+              <a:rPr lang="en-US" altLang="ko-KR" sz="1050" b="1"/>
+              <a:t>1</a:t>
+            </a:r>
+            <a:endParaRPr lang="en-US" altLang="ko-KR" sz="1050" b="1"/>
+          </a:p>
+        </p:txBody>
+      </p:sp>
+      <p:sp>
+        <p:nvSpPr>
+          <p:cNvPr id="142" name="모서리가 둥근 직사각형 141"/>
+          <p:cNvSpPr/>
+          <p:nvPr/>
+        </p:nvSpPr>
+        <p:spPr>
+          <a:xfrm>
+            <a:off x="2699792" y="2819844"/>
+            <a:ext cx="216024" cy="203003"/>
+          </a:xfrm>
+          <a:prstGeom prst="roundRect">
+            <a:avLst>
+              <a:gd name="adj" fmla="val 0"/>
+            </a:avLst>
+          </a:prstGeom>
+          <a:solidFill>
+            <a:schemeClr val="accent6">
+              <a:lumMod val="75000"/>
+            </a:schemeClr>
+          </a:solidFill>
+          <a:ln>
+            <a:noFill/>
+          </a:ln>
+        </p:spPr>
+        <p:style>
+          <a:lnRef idx="2">
+            <a:schemeClr val="accent1">
+              <a:shade val="50000"/>
+            </a:schemeClr>
+          </a:lnRef>
+          <a:fillRef idx="1">
+            <a:schemeClr val="accent1"/>
+          </a:fillRef>
+          <a:effectRef idx="0">
+            <a:schemeClr val="accent1"/>
+          </a:effectRef>
+          <a:fontRef idx="minor">
+            <a:schemeClr val="lt1"/>
+          </a:fontRef>
+        </p:style>
+        <p:txBody>
+          <a:bodyPr lIns="0" rIns="0" anchor="ctr"/>
+          <a:lstStyle/>
+          <a:p>
+            <a:pPr lvl="0" algn="ctr">
+              <a:defRPr/>
+            </a:pPr>
+            <a:r>
+              <a:rPr lang="en-US" altLang="ko-KR" sz="1050" b="1"/>
+              <a:t>3</a:t>
+            </a:r>
+            <a:endParaRPr lang="en-US" altLang="ko-KR" sz="1050" b="1"/>
+          </a:p>
+        </p:txBody>
+      </p:sp>
+      <p:sp>
+        <p:nvSpPr>
+          <p:cNvPr id="149" name="모서리가 둥근 직사각형 148"/>
+          <p:cNvSpPr/>
+          <p:nvPr/>
+        </p:nvSpPr>
+        <p:spPr>
+          <a:xfrm>
+            <a:off x="1835696" y="2067694"/>
+            <a:ext cx="216024" cy="203003"/>
+          </a:xfrm>
+          <a:prstGeom prst="roundRect">
+            <a:avLst>
+              <a:gd name="adj" fmla="val 0"/>
+            </a:avLst>
+          </a:prstGeom>
+          <a:solidFill>
+            <a:schemeClr val="accent6">
+              <a:lumMod val="75000"/>
+            </a:schemeClr>
+          </a:solidFill>
+          <a:ln>
+            <a:noFill/>
+          </a:ln>
+        </p:spPr>
+        <p:style>
+          <a:lnRef idx="2">
+            <a:schemeClr val="accent1">
+              <a:shade val="50000"/>
+            </a:schemeClr>
+          </a:lnRef>
+          <a:fillRef idx="1">
+            <a:schemeClr val="accent1"/>
+          </a:fillRef>
+          <a:effectRef idx="0">
+            <a:schemeClr val="accent1"/>
+          </a:effectRef>
+          <a:fontRef idx="minor">
+            <a:schemeClr val="lt1"/>
+          </a:fontRef>
+        </p:style>
+        <p:txBody>
+          <a:bodyPr lIns="0" rIns="0" anchor="ctr"/>
+          <a:lstStyle/>
+          <a:p>
+            <a:pPr lvl="0" algn="ctr">
+              <a:defRPr/>
+            </a:pPr>
+            <a:r>
+              <a:rPr lang="en-US" altLang="ko-KR" sz="1050" b="1"/>
+              <a:t>2</a:t>
+            </a:r>
+            <a:endParaRPr lang="en-US" altLang="ko-KR" sz="1050" b="1"/>
+          </a:p>
+        </p:txBody>
+      </p:sp>
+      <p:grpSp>
+        <p:nvGrpSpPr>
+          <p:cNvPr id="153" name=""/>
+          <p:cNvGrpSpPr/>
+          <p:nvPr/>
+        </p:nvGrpSpPr>
+        <p:grpSpPr>
+          <a:xfrm rot="0">
+            <a:off x="2915816" y="2211710"/>
+            <a:ext cx="2304256" cy="288032"/>
+            <a:chOff x="2915816" y="2211710"/>
+            <a:chExt cx="2304256" cy="288032"/>
+          </a:xfrm>
+        </p:grpSpPr>
+        <p:sp>
+          <p:nvSpPr>
+            <p:cNvPr id="130" name="직사각형 129"/>
+            <p:cNvSpPr/>
+            <p:nvPr/>
+          </p:nvSpPr>
+          <p:spPr>
+            <a:xfrm>
+              <a:off x="2915816" y="2211710"/>
+              <a:ext cx="2304256" cy="288032"/>
+            </a:xfrm>
+            <a:prstGeom prst="rect">
+              <a:avLst/>
+            </a:prstGeom>
+            <a:solidFill>
+              <a:schemeClr val="lt1"/>
+            </a:solidFill>
+            <a:ln>
+              <a:solidFill>
+                <a:schemeClr val="dk1"/>
+              </a:solidFill>
+            </a:ln>
+          </p:spPr>
+          <p:style>
+            <a:lnRef idx="2">
+              <a:schemeClr val="accent1">
+                <a:shade val="20000"/>
+              </a:schemeClr>
+            </a:lnRef>
+            <a:fillRef idx="1">
+              <a:schemeClr val="accent1"/>
+            </a:fillRef>
+            <a:effectRef idx="0">
+              <a:schemeClr val="accent1"/>
+            </a:effectRef>
+            <a:fontRef idx="minor">
+              <a:schemeClr val="lt1"/>
+            </a:fontRef>
+          </p:style>
+          <p:txBody>
+            <a:bodyPr anchor="ctr"/>
+            <a:p>
+              <a:pPr lvl="0" algn="ctr">
+                <a:defRPr/>
+              </a:pPr>
+              <a:endParaRPr lang="ko-KR" altLang="en-US"/>
+            </a:p>
+          </p:txBody>
+        </p:sp>
+        <p:sp>
+          <p:nvSpPr>
+            <p:cNvPr id="150" name="가로 글상자 149"/>
+            <p:cNvSpPr txBox="1"/>
+            <p:nvPr/>
+          </p:nvSpPr>
+          <p:spPr>
+            <a:xfrm>
+              <a:off x="2915816" y="2211710"/>
+              <a:ext cx="1584176" cy="272410"/>
+            </a:xfrm>
+            <a:prstGeom prst="rect">
+              <a:avLst/>
+            </a:prstGeom>
+          </p:spPr>
+          <p:txBody>
+            <a:bodyPr wrap="square">
+              <a:spAutoFit/>
+            </a:bodyPr>
+            <a:p>
+              <a:pPr lvl="0">
+                <a:defRPr/>
+              </a:pPr>
+              <a:r>
+                <a:rPr lang="ko-KR" altLang="en-US" sz="1200">
+                  <a:solidFill>
+                    <a:srgbClr val="858585"/>
+                  </a:solidFill>
+                </a:rPr>
+                <a:t>휴대전화번호</a:t>
+              </a:r>
+              <a:r>
+                <a:rPr lang="en-US" altLang="ko-KR" sz="1200">
+                  <a:solidFill>
+                    <a:srgbClr val="858585"/>
+                  </a:solidFill>
+                </a:rPr>
+                <a:t>(-</a:t>
+              </a:r>
+              <a:r>
+                <a:rPr lang="ko-KR" altLang="en-US" sz="1200">
+                  <a:solidFill>
+                    <a:srgbClr val="858585"/>
+                  </a:solidFill>
+                </a:rPr>
+                <a:t>생략</a:t>
+              </a:r>
+              <a:r>
+                <a:rPr lang="en-US" altLang="ko-KR" sz="1200">
+                  <a:solidFill>
+                    <a:srgbClr val="858585"/>
+                  </a:solidFill>
+                </a:rPr>
+                <a:t>)</a:t>
+              </a:r>
+              <a:endParaRPr lang="en-US" altLang="ko-KR" sz="1200">
+                <a:solidFill>
+                  <a:srgbClr val="858585"/>
+                </a:solidFill>
+              </a:endParaRPr>
+            </a:p>
+          </p:txBody>
+        </p:sp>
+      </p:grpSp>
+      <p:grpSp>
+        <p:nvGrpSpPr>
+          <p:cNvPr id="152" name=""/>
+          <p:cNvGrpSpPr/>
+          <p:nvPr/>
+        </p:nvGrpSpPr>
+        <p:grpSpPr>
+          <a:xfrm rot="0">
+            <a:off x="2915816" y="1506488"/>
+            <a:ext cx="2304256" cy="273174"/>
+            <a:chOff x="2915816" y="1506488"/>
+            <a:chExt cx="2304256" cy="273174"/>
+          </a:xfrm>
+        </p:grpSpPr>
+        <p:sp>
+          <p:nvSpPr>
+            <p:cNvPr id="146" name="직사각형 145"/>
+            <p:cNvSpPr/>
+            <p:nvPr/>
+          </p:nvSpPr>
+          <p:spPr>
+            <a:xfrm>
+              <a:off x="2915816" y="1506488"/>
+              <a:ext cx="2304256" cy="273174"/>
+            </a:xfrm>
+            <a:prstGeom prst="rect">
+              <a:avLst/>
+            </a:prstGeom>
+            <a:solidFill>
+              <a:schemeClr val="lt1"/>
+            </a:solidFill>
+            <a:ln>
+              <a:solidFill>
+                <a:schemeClr val="dk1"/>
+              </a:solidFill>
+            </a:ln>
+          </p:spPr>
+          <p:style>
+            <a:lnRef idx="2">
+              <a:schemeClr val="accent1">
+                <a:shade val="20000"/>
+              </a:schemeClr>
+            </a:lnRef>
+            <a:fillRef idx="1">
+              <a:schemeClr val="accent1"/>
+            </a:fillRef>
+            <a:effectRef idx="0">
+              <a:schemeClr val="accent1"/>
+            </a:effectRef>
+            <a:fontRef idx="minor">
+              <a:schemeClr val="lt1"/>
+            </a:fontRef>
+          </p:style>
+          <p:txBody>
+            <a:bodyPr anchor="ctr"/>
+            <a:p>
+              <a:pPr lvl="0" algn="ctr">
+                <a:defRPr/>
+              </a:pPr>
+              <a:endParaRPr lang="ko-KR" altLang="en-US"/>
+            </a:p>
+          </p:txBody>
+        </p:sp>
+        <p:sp>
+          <p:nvSpPr>
+            <p:cNvPr id="151" name="가로 글상자 150"/>
+            <p:cNvSpPr txBox="1"/>
+            <p:nvPr/>
+          </p:nvSpPr>
+          <p:spPr>
+            <a:xfrm>
+              <a:off x="2915816" y="1511072"/>
+              <a:ext cx="1512168" cy="268590"/>
+            </a:xfrm>
+            <a:prstGeom prst="rect">
+              <a:avLst/>
+            </a:prstGeom>
+          </p:spPr>
+          <p:txBody>
+            <a:bodyPr wrap="square">
+              <a:spAutoFit/>
+            </a:bodyPr>
+            <a:p>
+              <a:pPr lvl="0">
+                <a:defRPr/>
+              </a:pPr>
+              <a:r>
+                <a:rPr lang="ko-KR" altLang="en-US" sz="1200">
+                  <a:solidFill>
+                    <a:srgbClr val="858585"/>
+                  </a:solidFill>
+                </a:rPr>
+                <a:t>이름을 입력하시오</a:t>
+              </a:r>
+              <a:endParaRPr lang="ko-KR" altLang="en-US" sz="1200">
+                <a:solidFill>
+                  <a:srgbClr val="858585"/>
+                </a:solidFill>
+              </a:endParaRPr>
+            </a:p>
+          </p:txBody>
+        </p:sp>
+      </p:grpSp>
+    </p:spTree>
+    <p:extLst>
+      <p:ext uri="{BB962C8B-B14F-4D97-AF65-F5344CB8AC3E}">
+        <p14:creationId xmlns:p14="http://schemas.microsoft.com/office/powerpoint/2010/main" val="253305969"/>
+      </p:ext>
+    </p:extLst>
+  </p:cSld>
+  <p:clrMapOvr>
+    <a:masterClrMapping/>
+  </p:clrMapOvr>
+</p:sld>
+</file>
+
+<file path=ppt/slides/slide3.xml><?xml version="1.0" encoding="utf-8"?>
+<p:sld xmlns:r="http://schemas.openxmlformats.org/officeDocument/2006/relationships" xmlns:c="http://schemas.openxmlformats.org/drawingml/2006/chart" xmlns:a="http://schemas.openxmlformats.org/drawingml/2006/main" xmlns:dgm="http://schemas.openxmlformats.org/drawingml/2006/diagram" xmlns:dsp="http://schemas.microsoft.com/office/drawing/2008/diagram" xmlns:p="http://schemas.openxmlformats.org/presentationml/2006/main">
+  <p:cSld>
+    <p:spTree>
+      <p:nvGrpSpPr>
+        <p:cNvPr id="1" name=""/>
+        <p:cNvGrpSpPr/>
+        <p:nvPr/>
+      </p:nvGrpSpPr>
+      <p:grpSpPr>
+        <a:xfrm>
+          <a:off x="0" y="0"/>
+          <a:ext cx="0" cy="0"/>
+          <a:chOff x="0" y="0"/>
+          <a:chExt cx="0" cy="0"/>
+        </a:xfrm>
+      </p:grpSpPr>
+      <p:sp>
+        <p:nvSpPr>
+          <p:cNvPr id="34" name="직사각형 33"/>
+          <p:cNvSpPr/>
+          <p:nvPr/>
+        </p:nvSpPr>
+        <p:spPr>
+          <a:xfrm>
+            <a:off x="99752" y="319935"/>
+            <a:ext cx="6708373" cy="4628079"/>
+          </a:xfrm>
+          <a:prstGeom prst="rect">
+            <a:avLst/>
+          </a:prstGeom>
+          <a:solidFill>
+            <a:schemeClr val="bg1">
+              <a:alpha val="70000"/>
+            </a:schemeClr>
+          </a:solidFill>
+          <a:ln w="9525">
+            <a:solidFill>
+              <a:schemeClr val="bg1">
+                <a:lumMod val="65000"/>
+              </a:schemeClr>
+            </a:solidFill>
+          </a:ln>
+        </p:spPr>
+        <p:style>
+          <a:lnRef idx="2">
+            <a:schemeClr val="accent1">
+              <a:shade val="50000"/>
+            </a:schemeClr>
+          </a:lnRef>
+          <a:fillRef idx="1">
+            <a:schemeClr val="accent1"/>
+          </a:fillRef>
+          <a:effectRef idx="0">
+            <a:schemeClr val="accent1"/>
+          </a:effectRef>
+          <a:fontRef idx="minor">
+            <a:schemeClr val="lt1"/>
+          </a:fontRef>
+        </p:style>
+        <p:txBody>
+          <a:bodyPr anchor="ctr"/>
+          <a:lstStyle/>
+          <a:p>
+            <a:pPr lvl="0" algn="ctr">
+              <a:defRPr/>
+            </a:pPr>
+            <a:endParaRPr lang="ko-KR" altLang="en-US">
+              <a:solidFill>
+                <a:prstClr val="white"/>
+              </a:solidFill>
+              <a:latin typeface="+mn-ea"/>
+              <a:ea typeface="+mn-ea"/>
+            </a:endParaRPr>
+          </a:p>
+        </p:txBody>
+      </p:sp>
+      <p:sp>
+        <p:nvSpPr>
+          <p:cNvPr id="112" name="직사각형 111"/>
+          <p:cNvSpPr/>
+          <p:nvPr/>
+        </p:nvSpPr>
+        <p:spPr>
+          <a:xfrm>
+            <a:off x="107504" y="4155927"/>
+            <a:ext cx="6696744" cy="212530"/>
+          </a:xfrm>
+          <a:prstGeom prst="rect">
+            <a:avLst/>
+          </a:prstGeom>
+          <a:solidFill>
+            <a:schemeClr val="bg1">
+              <a:lumMod val="50000"/>
+            </a:schemeClr>
+          </a:solidFill>
+          <a:ln>
+            <a:noFill/>
+          </a:ln>
+        </p:spPr>
+        <p:style>
+          <a:lnRef idx="2">
+            <a:schemeClr val="accent1">
+              <a:shade val="50000"/>
+            </a:schemeClr>
+          </a:lnRef>
+          <a:fillRef idx="1">
+            <a:schemeClr val="accent1"/>
+          </a:fillRef>
+          <a:effectRef idx="0">
+            <a:schemeClr val="accent1"/>
+          </a:effectRef>
+          <a:fontRef idx="minor">
+            <a:schemeClr val="lt1"/>
+          </a:fontRef>
+        </p:style>
+        <p:txBody>
+          <a:bodyPr anchor="ctr"/>
+          <a:lstStyle/>
+          <a:p>
+            <a:pPr lvl="0" algn="ctr">
+              <a:defRPr/>
+            </a:pPr>
+            <a:endParaRPr lang="ko-KR" altLang="en-US"/>
+          </a:p>
+        </p:txBody>
+      </p:sp>
+      <p:sp>
+        <p:nvSpPr>
+          <p:cNvPr id="47" name="직사각형 46"/>
+          <p:cNvSpPr/>
+          <p:nvPr/>
+        </p:nvSpPr>
+        <p:spPr>
+          <a:xfrm>
+            <a:off x="99752" y="898788"/>
+            <a:ext cx="6708373" cy="3113122"/>
+          </a:xfrm>
+          <a:prstGeom prst="rect">
+            <a:avLst/>
+          </a:prstGeom>
+          <a:solidFill>
+            <a:schemeClr val="bg1">
+              <a:lumMod val="95000"/>
+              <a:alpha val="70000"/>
+            </a:schemeClr>
+          </a:solidFill>
+          <a:ln w="9525">
+            <a:solidFill>
+              <a:schemeClr val="bg1">
+                <a:lumMod val="65000"/>
+              </a:schemeClr>
+            </a:solidFill>
+          </a:ln>
+        </p:spPr>
+        <p:style>
+          <a:lnRef idx="2">
+            <a:schemeClr val="accent1">
+              <a:shade val="50000"/>
+            </a:schemeClr>
+          </a:lnRef>
+          <a:fillRef idx="1">
+            <a:schemeClr val="accent1"/>
+          </a:fillRef>
+          <a:effectRef idx="0">
+            <a:schemeClr val="accent1"/>
+          </a:effectRef>
+          <a:fontRef idx="minor">
+            <a:schemeClr val="lt1"/>
+          </a:fontRef>
+        </p:style>
+        <p:txBody>
+          <a:bodyPr anchor="ctr"/>
+          <a:lstStyle/>
+          <a:p>
+            <a:pPr lvl="0" algn="ctr">
+              <a:defRPr/>
+            </a:pPr>
+            <a:r>
+              <a:rPr lang="en-US" altLang="ko-KR" b="1">
+                <a:solidFill>
+                  <a:prstClr val="white"/>
+                </a:solidFill>
+                <a:latin typeface="+mn-ea"/>
+                <a:ea typeface="+mn-ea"/>
+              </a:rPr>
+              <a:t>`</a:t>
+            </a:r>
+            <a:endParaRPr lang="ko-KR" altLang="en-US" b="1">
+              <a:solidFill>
+                <a:prstClr val="white"/>
+              </a:solidFill>
+              <a:latin typeface="+mn-ea"/>
+              <a:ea typeface="+mn-ea"/>
+            </a:endParaRPr>
+          </a:p>
+        </p:txBody>
+      </p:sp>
+      <p:sp>
+        <p:nvSpPr>
+          <p:cNvPr id="32" name="텍스트 개체 틀 31"/>
+          <p:cNvSpPr>
+            <a:spLocks noGrp="1"/>
+          </p:cNvSpPr>
+          <p:nvPr>
+            <p:ph type="body" sz="quarter" idx="10"/>
+          </p:nvPr>
+        </p:nvSpPr>
+        <p:spPr>
+          <a:xfrm>
+            <a:off x="6876256" y="483518"/>
+            <a:ext cx="2267744" cy="4464496"/>
+          </a:xfrm>
+        </p:spPr>
+        <p:txBody>
+          <a:bodyPr/>
+          <a:lstStyle/>
+          <a:p>
+            <a:pPr marL="0" lvl="0" indent="0">
+              <a:buNone/>
+              <a:defRPr/>
+            </a:pPr>
+            <a:r>
+              <a:rPr lang="ko-KR" altLang="en-US" sz="1000"/>
+              <a:t>① </a:t>
+            </a:r>
+            <a:endParaRPr lang="ko-KR" altLang="en-US" sz="1000"/>
+          </a:p>
+          <a:p>
+            <a:pPr marL="0" lvl="0" indent="0">
+              <a:buNone/>
+              <a:defRPr/>
+            </a:pPr>
+            <a:r>
+              <a:rPr lang="ko-KR" altLang="en-US" sz="1000"/>
+              <a:t>② </a:t>
+            </a:r>
+            <a:endParaRPr lang="en-US" altLang="ko-KR" sz="1000"/>
+          </a:p>
+          <a:p>
+            <a:pPr marL="0" lvl="0" indent="0">
+              <a:buNone/>
+              <a:defRPr/>
+            </a:pPr>
+            <a:endParaRPr lang="en-US" altLang="ko-KR" sz="1000"/>
+          </a:p>
+        </p:txBody>
+      </p:sp>
+      <p:sp>
+        <p:nvSpPr>
+          <p:cNvPr id="31" name="제목 30"/>
+          <p:cNvSpPr>
+            <a:spLocks noGrp="1"/>
+          </p:cNvSpPr>
+          <p:nvPr>
+            <p:ph type="title" idx="0"/>
+          </p:nvPr>
+        </p:nvSpPr>
+        <p:spPr/>
+        <p:txBody>
+          <a:bodyPr>
+            <a:normAutofit fontScale="90000"/>
+          </a:bodyPr>
+          <a:lstStyle/>
+          <a:p>
+            <a:pPr lvl="0">
+              <a:defRPr/>
+            </a:pPr>
+            <a:r>
+              <a:rPr lang="en-US" altLang="ko-KR"/>
+              <a:t>Case A</a:t>
+            </a:r>
+            <a:endParaRPr lang="ko-KR" altLang="en-US"/>
+          </a:p>
+        </p:txBody>
+      </p:sp>
+      <p:sp>
+        <p:nvSpPr>
+          <p:cNvPr id="33" name="텍스트 개체 틀 32"/>
+          <p:cNvSpPr>
+            <a:spLocks noGrp="1"/>
+          </p:cNvSpPr>
+          <p:nvPr>
+            <p:ph type="body" sz="quarter" idx="11"/>
+          </p:nvPr>
+        </p:nvSpPr>
+        <p:spPr/>
+        <p:txBody>
+          <a:bodyPr/>
+          <a:lstStyle/>
+          <a:p>
+            <a:pPr lvl="0">
+              <a:defRPr/>
+            </a:pPr>
+            <a:r>
+              <a:rPr lang="en-US" altLang="ko-KR"/>
+              <a:t>3.1</a:t>
+            </a:r>
+            <a:endParaRPr lang="ko-KR" altLang="en-US"/>
+          </a:p>
+        </p:txBody>
+      </p:sp>
+      <p:sp>
+        <p:nvSpPr>
+          <p:cNvPr id="70" name="갈매기형 수장 69"/>
+          <p:cNvSpPr/>
+          <p:nvPr/>
+        </p:nvSpPr>
+        <p:spPr>
+          <a:xfrm>
+            <a:off x="6513942" y="1646637"/>
+            <a:ext cx="117594" cy="546931"/>
+          </a:xfrm>
+          <a:prstGeom prst="chevron">
+            <a:avLst>
+              <a:gd name="adj" fmla="val 50000"/>
+            </a:avLst>
+          </a:prstGeom>
+          <a:solidFill>
+            <a:schemeClr val="bg1"/>
+          </a:solidFill>
+          <a:ln w="9525">
+            <a:solidFill>
+              <a:schemeClr val="bg1">
+                <a:lumMod val="65000"/>
+              </a:schemeClr>
+            </a:solidFill>
+          </a:ln>
+        </p:spPr>
+        <p:style>
+          <a:lnRef idx="2">
+            <a:schemeClr val="accent1">
+              <a:shade val="50000"/>
+            </a:schemeClr>
+          </a:lnRef>
+          <a:fillRef idx="1">
+            <a:schemeClr val="accent1"/>
+          </a:fillRef>
+          <a:effectRef idx="0">
+            <a:schemeClr val="accent1"/>
+          </a:effectRef>
+          <a:fontRef idx="minor">
+            <a:schemeClr val="lt1"/>
+          </a:fontRef>
+        </p:style>
+        <p:txBody>
+          <a:bodyPr anchor="ctr"/>
+          <a:lstStyle/>
+          <a:p>
+            <a:pPr lvl="0" algn="ctr">
+              <a:defRPr/>
+            </a:pPr>
+            <a:endParaRPr lang="ko-KR" altLang="en-US">
+              <a:solidFill>
+                <a:schemeClr val="tx1"/>
+              </a:solidFill>
+            </a:endParaRPr>
+          </a:p>
+        </p:txBody>
+      </p:sp>
+      <p:sp>
+        <p:nvSpPr>
+          <p:cNvPr id="71" name="갈매기형 수장 70"/>
+          <p:cNvSpPr/>
+          <p:nvPr/>
+        </p:nvSpPr>
+        <p:spPr>
+          <a:xfrm flipH="1">
+            <a:off x="196553" y="1646637"/>
+            <a:ext cx="121688" cy="546931"/>
+          </a:xfrm>
+          <a:prstGeom prst="chevron">
+            <a:avLst>
+              <a:gd name="adj" fmla="val 50000"/>
+            </a:avLst>
+          </a:prstGeom>
+          <a:solidFill>
+            <a:schemeClr val="bg1"/>
+          </a:solidFill>
+          <a:ln w="9525">
+            <a:solidFill>
+              <a:schemeClr val="bg1">
+                <a:lumMod val="65000"/>
+              </a:schemeClr>
+            </a:solidFill>
+          </a:ln>
+        </p:spPr>
+        <p:style>
+          <a:lnRef idx="2">
+            <a:schemeClr val="accent1">
+              <a:shade val="50000"/>
+            </a:schemeClr>
+          </a:lnRef>
+          <a:fillRef idx="1">
+            <a:schemeClr val="accent1"/>
+          </a:fillRef>
+          <a:effectRef idx="0">
+            <a:schemeClr val="accent1"/>
+          </a:effectRef>
+          <a:fontRef idx="minor">
+            <a:schemeClr val="lt1"/>
+          </a:fontRef>
+        </p:style>
+        <p:txBody>
+          <a:bodyPr anchor="ctr"/>
+          <a:lstStyle/>
+          <a:p>
+            <a:pPr lvl="0" algn="ctr">
+              <a:defRPr/>
+            </a:pPr>
+            <a:endParaRPr lang="ko-KR" altLang="en-US">
+              <a:solidFill>
+                <a:schemeClr val="tx1"/>
+              </a:solidFill>
+            </a:endParaRPr>
+          </a:p>
+        </p:txBody>
+      </p:sp>
+      <p:sp>
+        <p:nvSpPr>
+          <p:cNvPr id="74" name="직사각형 73"/>
+          <p:cNvSpPr/>
+          <p:nvPr/>
+        </p:nvSpPr>
+        <p:spPr>
+          <a:xfrm>
+            <a:off x="99752" y="319935"/>
+            <a:ext cx="6708373" cy="576064"/>
+          </a:xfrm>
+          <a:prstGeom prst="rect">
+            <a:avLst/>
+          </a:prstGeom>
+          <a:solidFill>
+            <a:schemeClr val="bg1">
+              <a:alpha val="70000"/>
+            </a:schemeClr>
+          </a:solidFill>
+          <a:ln w="9525">
+            <a:solidFill>
+              <a:schemeClr val="bg1">
+                <a:lumMod val="65000"/>
+              </a:schemeClr>
+            </a:solidFill>
+          </a:ln>
+        </p:spPr>
+        <p:style>
+          <a:lnRef idx="2">
+            <a:schemeClr val="accent1">
+              <a:shade val="50000"/>
+            </a:schemeClr>
+          </a:lnRef>
+          <a:fillRef idx="1">
+            <a:schemeClr val="accent1"/>
+          </a:fillRef>
+          <a:effectRef idx="0">
+            <a:schemeClr val="accent1"/>
+          </a:effectRef>
+          <a:fontRef idx="minor">
+            <a:schemeClr val="lt1"/>
+          </a:fontRef>
+        </p:style>
+        <p:txBody>
+          <a:bodyPr anchor="ctr"/>
+          <a:lstStyle/>
+          <a:p>
+            <a:pPr lvl="0" algn="ctr">
+              <a:defRPr/>
+            </a:pPr>
+            <a:endParaRPr lang="ko-KR" altLang="en-US">
+              <a:solidFill>
+                <a:prstClr val="white"/>
+              </a:solidFill>
+              <a:latin typeface="+mn-ea"/>
+              <a:ea typeface="+mn-ea"/>
+            </a:endParaRPr>
+          </a:p>
+        </p:txBody>
+      </p:sp>
+      <p:sp>
+        <p:nvSpPr>
+          <p:cNvPr id="75" name="직사각형 74"/>
+          <p:cNvSpPr/>
+          <p:nvPr/>
+        </p:nvSpPr>
+        <p:spPr>
+          <a:xfrm>
+            <a:off x="99752" y="319935"/>
+            <a:ext cx="6708373" cy="576064"/>
+          </a:xfrm>
+          <a:prstGeom prst="rect">
+            <a:avLst/>
+          </a:prstGeom>
+          <a:solidFill>
+            <a:schemeClr val="bg1">
+              <a:alpha val="70000"/>
+            </a:schemeClr>
+          </a:solidFill>
+          <a:ln w="9525">
+            <a:solidFill>
+              <a:schemeClr val="bg1">
+                <a:lumMod val="65000"/>
+              </a:schemeClr>
+            </a:solidFill>
+          </a:ln>
+        </p:spPr>
+        <p:style>
+          <a:lnRef idx="2">
+            <a:schemeClr val="accent1">
+              <a:shade val="50000"/>
+            </a:schemeClr>
+          </a:lnRef>
+          <a:fillRef idx="1">
+            <a:schemeClr val="accent1"/>
+          </a:fillRef>
+          <a:effectRef idx="0">
+            <a:schemeClr val="accent1"/>
+          </a:effectRef>
+          <a:fontRef idx="minor">
+            <a:schemeClr val="lt1"/>
+          </a:fontRef>
+        </p:style>
+        <p:txBody>
+          <a:bodyPr anchor="ctr"/>
+          <a:lstStyle/>
+          <a:p>
+            <a:pPr lvl="0" algn="ctr">
+              <a:defRPr/>
+            </a:pPr>
+            <a:r>
+              <a:rPr lang="en-US" altLang="ko-KR">
+                <a:solidFill>
+                  <a:prstClr val="white"/>
+                </a:solidFill>
+                <a:latin typeface="+mn-ea"/>
+                <a:ea typeface="+mn-ea"/>
+              </a:rPr>
+              <a:t>`</a:t>
+            </a:r>
+            <a:endParaRPr lang="ko-KR" altLang="en-US">
+              <a:solidFill>
+                <a:prstClr val="white"/>
+              </a:solidFill>
+              <a:latin typeface="+mn-ea"/>
+              <a:ea typeface="+mn-ea"/>
+            </a:endParaRPr>
+          </a:p>
+        </p:txBody>
+      </p:sp>
+      <p:sp>
+        <p:nvSpPr>
+          <p:cNvPr id="76" name="TextBox 75"/>
+          <p:cNvSpPr txBox="1"/>
+          <p:nvPr/>
+        </p:nvSpPr>
+        <p:spPr>
+          <a:xfrm>
+            <a:off x="3885113" y="552737"/>
+            <a:ext cx="2832827" cy="253916"/>
+          </a:xfrm>
+          <a:prstGeom prst="rect">
+            <a:avLst/>
+          </a:prstGeom>
+          <a:noFill/>
+        </p:spPr>
+        <p:txBody>
+          <a:bodyPr wrap="none">
+            <a:spAutoFit/>
+          </a:bodyPr>
+          <a:lstStyle/>
+          <a:p>
+            <a:pPr lvl="0">
+              <a:defRPr/>
+            </a:pPr>
+            <a:r>
+              <a:rPr lang="en-US" altLang="ko-KR" sz="1050">
+                <a:solidFill>
+                  <a:schemeClr val="tx1"/>
+                </a:solidFill>
+                <a:latin typeface="+mn-ea"/>
+                <a:ea typeface="+mn-ea"/>
+              </a:rPr>
+              <a:t>About US | </a:t>
+            </a:r>
+            <a:r>
+              <a:rPr lang="ko-KR" altLang="en-US" sz="1050">
+                <a:solidFill>
+                  <a:schemeClr val="tx1"/>
+                </a:solidFill>
+                <a:latin typeface="+mn-ea"/>
+                <a:ea typeface="+mn-ea"/>
+              </a:rPr>
+              <a:t>사업소개 </a:t>
+            </a:r>
+            <a:r>
+              <a:rPr lang="en-US" altLang="ko-KR" sz="1050">
+                <a:solidFill>
+                  <a:schemeClr val="tx1"/>
+                </a:solidFill>
+                <a:latin typeface="+mn-ea"/>
+                <a:ea typeface="+mn-ea"/>
+              </a:rPr>
+              <a:t>| </a:t>
+            </a:r>
+            <a:r>
+              <a:rPr lang="ko-KR" altLang="en-US" sz="1050">
+                <a:solidFill>
+                  <a:schemeClr val="tx1"/>
+                </a:solidFill>
+                <a:latin typeface="+mn-ea"/>
+                <a:ea typeface="+mn-ea"/>
+              </a:rPr>
+              <a:t>제품소개 </a:t>
+            </a:r>
+            <a:r>
+              <a:rPr lang="en-US" altLang="ko-KR" sz="1050">
+                <a:solidFill>
+                  <a:schemeClr val="tx1"/>
+                </a:solidFill>
+                <a:latin typeface="+mn-ea"/>
+                <a:ea typeface="+mn-ea"/>
+              </a:rPr>
+              <a:t>| </a:t>
+            </a:r>
+            <a:r>
+              <a:rPr lang="ko-KR" altLang="en-US" sz="1050">
+                <a:solidFill>
+                  <a:schemeClr val="tx1"/>
+                </a:solidFill>
+                <a:latin typeface="+mn-ea"/>
+                <a:ea typeface="+mn-ea"/>
+              </a:rPr>
+              <a:t>고객센터</a:t>
+            </a:r>
+            <a:endParaRPr lang="ko-KR" altLang="en-US" sz="1050">
+              <a:solidFill>
+                <a:schemeClr val="tx1"/>
+              </a:solidFill>
+              <a:latin typeface="+mn-ea"/>
+              <a:ea typeface="+mn-ea"/>
+            </a:endParaRPr>
+          </a:p>
+        </p:txBody>
+      </p:sp>
+      <p:sp>
+        <p:nvSpPr>
+          <p:cNvPr id="77" name="TextBox 76"/>
+          <p:cNvSpPr txBox="1"/>
+          <p:nvPr/>
+        </p:nvSpPr>
+        <p:spPr>
+          <a:xfrm>
+            <a:off x="5868144" y="306307"/>
+            <a:ext cx="712054" cy="184666"/>
+          </a:xfrm>
+          <a:prstGeom prst="rect">
+            <a:avLst/>
+          </a:prstGeom>
+          <a:noFill/>
+        </p:spPr>
+        <p:txBody>
+          <a:bodyPr wrap="none">
+            <a:spAutoFit/>
+          </a:bodyPr>
+          <a:lstStyle/>
+          <a:p>
+            <a:pPr lvl="0">
+              <a:defRPr/>
+            </a:pPr>
+            <a:r>
+              <a:rPr lang="en-US" altLang="ko-KR" sz="600" b="0">
+                <a:solidFill>
+                  <a:schemeClr val="tx1"/>
+                </a:solidFill>
+                <a:latin typeface="+mn-ea"/>
+                <a:ea typeface="+mn-ea"/>
+              </a:rPr>
+              <a:t>Login | Join US</a:t>
+            </a:r>
+            <a:endParaRPr lang="ko-KR" altLang="en-US" sz="600" b="0">
+              <a:solidFill>
+                <a:schemeClr val="tx1"/>
+              </a:solidFill>
+              <a:latin typeface="+mn-ea"/>
+              <a:ea typeface="+mn-ea"/>
+            </a:endParaRPr>
+          </a:p>
+        </p:txBody>
+      </p:sp>
+      <p:grpSp>
+        <p:nvGrpSpPr>
+          <p:cNvPr id="78" name="그룹 77"/>
+          <p:cNvGrpSpPr/>
+          <p:nvPr/>
+        </p:nvGrpSpPr>
+        <p:grpSpPr>
+          <a:xfrm rot="0">
+            <a:off x="179512" y="391943"/>
+            <a:ext cx="1296144" cy="432049"/>
+            <a:chOff x="179512" y="411510"/>
+            <a:chExt cx="1296144" cy="432049"/>
+          </a:xfrm>
+        </p:grpSpPr>
+        <p:sp>
+          <p:nvSpPr>
+            <p:cNvPr id="79" name="직사각형 78"/>
+            <p:cNvSpPr/>
+            <p:nvPr/>
+          </p:nvSpPr>
+          <p:spPr>
+            <a:xfrm>
+              <a:off x="179512" y="411511"/>
+              <a:ext cx="1296144" cy="432048"/>
+            </a:xfrm>
+            <a:prstGeom prst="rect">
               <a:avLst/>
             </a:prstGeom>
             <a:solidFill>
               <a:schemeClr val="bg1">
                 <a:lumMod val="95000"/>
+                <a:alpha val="70000"/>
               </a:schemeClr>
             </a:solidFill>
-            <a:ln w="6350">
+            <a:ln w="9525">
               <a:solidFill>
                 <a:schemeClr val="bg1">
-                  <a:lumMod val="50000"/>
+                  <a:lumMod val="65000"/>
                 </a:schemeClr>
               </a:solidFill>
             </a:ln>
@@ -5888,27 +9694,42 @@
             </a:fontRef>
           </p:style>
           <p:txBody>
-            <a:bodyPr rtlCol="0" anchor="ctr"/>
+            <a:bodyPr anchor="ctr"/>
             <a:lstStyle/>
             <a:p>
-              <a:pPr algn="ctr"/>
-              <a:endParaRPr lang="ko-KR" altLang="en-US"/>
+              <a:pPr lvl="0" algn="ctr">
+                <a:defRPr/>
+              </a:pPr>
+              <a:r>
+                <a:rPr lang="en-US" altLang="ko-KR">
+                  <a:solidFill>
+                    <a:prstClr val="white"/>
+                  </a:solidFill>
+                  <a:latin typeface="+mn-ea"/>
+                  <a:ea typeface="+mn-ea"/>
+                </a:rPr>
+                <a:t>`</a:t>
+              </a:r>
+              <a:endParaRPr lang="ko-KR" altLang="en-US">
+                <a:solidFill>
+                  <a:prstClr val="white"/>
+                </a:solidFill>
+                <a:latin typeface="+mn-ea"/>
+                <a:ea typeface="+mn-ea"/>
+              </a:endParaRPr>
             </a:p>
           </p:txBody>
         </p:sp>
         <p:cxnSp>
           <p:nvCxnSpPr>
-            <p:cNvPr id="96" name="직선 연결선 95"/>
-            <p:cNvCxnSpPr>
-              <a:stCxn id="95" idx="7"/>
-              <a:endCxn id="95" idx="3"/>
-            </p:cNvCxnSpPr>
+            <p:cNvPr id="80" name="직선 연결선 79"/>
+            <p:cNvCxnSpPr/>
             <p:nvPr/>
           </p:nvCxnSpPr>
           <p:spPr>
             <a:xfrm flipH="1">
-              <a:off x="418436" y="3170714"/>
-              <a:ext cx="458256" cy="458256"/>
+              <a:off x="179512" y="411510"/>
+              <a:ext cx="1296144" cy="432048"/>
             </a:xfrm>
             <a:prstGeom prst="line">
               <a:avLst/>
@@ -5937,43 +9758,1453 @@
           </p:style>
         </p:cxnSp>
       </p:grpSp>
+      <p:sp>
+        <p:nvSpPr>
+          <p:cNvPr id="81" name="TextBox 80"/>
+          <p:cNvSpPr txBox="1"/>
+          <p:nvPr/>
+        </p:nvSpPr>
+        <p:spPr>
+          <a:xfrm>
+            <a:off x="185633" y="463951"/>
+            <a:ext cx="679801" cy="307777"/>
+          </a:xfrm>
+          <a:prstGeom prst="rect">
+            <a:avLst/>
+          </a:prstGeom>
+          <a:noFill/>
+        </p:spPr>
+        <p:txBody>
+          <a:bodyPr wrap="none">
+            <a:spAutoFit/>
+          </a:bodyPr>
+          <a:lstStyle/>
+          <a:p>
+            <a:pPr lvl="0">
+              <a:defRPr/>
+            </a:pPr>
+            <a:r>
+              <a:rPr lang="en-US" altLang="ko-KR" sz="1400" b="1">
+                <a:solidFill>
+                  <a:schemeClr val="tx1"/>
+                </a:solidFill>
+                <a:latin typeface="+mn-ea"/>
+                <a:ea typeface="+mn-ea"/>
+              </a:rPr>
+              <a:t>LOGO</a:t>
+            </a:r>
+            <a:endParaRPr lang="ko-KR" altLang="en-US" sz="1400" b="1">
+              <a:solidFill>
+                <a:schemeClr val="tx1"/>
+              </a:solidFill>
+              <a:latin typeface="+mn-ea"/>
+              <a:ea typeface="+mn-ea"/>
+            </a:endParaRPr>
+          </a:p>
+        </p:txBody>
+      </p:sp>
+      <p:sp>
+        <p:nvSpPr>
+          <p:cNvPr id="111" name="모서리가 둥근 직사각형 110"/>
+          <p:cNvSpPr/>
+          <p:nvPr/>
+        </p:nvSpPr>
+        <p:spPr>
+          <a:xfrm>
+            <a:off x="299794" y="4159689"/>
+            <a:ext cx="709387" cy="229725"/>
+          </a:xfrm>
+          <a:prstGeom prst="roundRect">
+            <a:avLst>
+              <a:gd name="adj" fmla="val 9813"/>
+            </a:avLst>
+          </a:prstGeom>
+          <a:noFill/>
+          <a:ln w="6350">
+            <a:noFill/>
+          </a:ln>
+        </p:spPr>
+        <p:style>
+          <a:lnRef idx="2">
+            <a:schemeClr val="accent1">
+              <a:shade val="50000"/>
+            </a:schemeClr>
+          </a:lnRef>
+          <a:fillRef idx="1">
+            <a:schemeClr val="accent1"/>
+          </a:fillRef>
+          <a:effectRef idx="0">
+            <a:schemeClr val="accent1"/>
+          </a:effectRef>
+          <a:fontRef idx="minor">
+            <a:schemeClr val="lt1"/>
+          </a:fontRef>
+        </p:style>
+        <p:txBody>
+          <a:bodyPr anchor="ctr"/>
+          <a:lstStyle/>
+          <a:p>
+            <a:pPr lvl="0">
+              <a:defRPr/>
+            </a:pPr>
+            <a:r>
+              <a:rPr lang="ko-KR" altLang="en-US" sz="900" b="1">
+                <a:solidFill>
+                  <a:schemeClr val="bg1"/>
+                </a:solidFill>
+                <a:latin typeface="+mn-ea"/>
+              </a:rPr>
+              <a:t>공지사항</a:t>
+            </a:r>
+            <a:endParaRPr lang="en-US" altLang="ko-KR" sz="900" b="1">
+              <a:solidFill>
+                <a:schemeClr val="bg1"/>
+              </a:solidFill>
+              <a:latin typeface="+mn-ea"/>
+            </a:endParaRPr>
+          </a:p>
+        </p:txBody>
+      </p:sp>
+      <p:sp>
+        <p:nvSpPr>
+          <p:cNvPr id="113" name="모서리가 둥근 직사각형 112"/>
+          <p:cNvSpPr/>
+          <p:nvPr/>
+        </p:nvSpPr>
+        <p:spPr>
+          <a:xfrm>
+            <a:off x="286509" y="4411359"/>
+            <a:ext cx="3853443" cy="464647"/>
+          </a:xfrm>
+          <a:prstGeom prst="roundRect">
+            <a:avLst>
+              <a:gd name="adj" fmla="val 9813"/>
+            </a:avLst>
+          </a:prstGeom>
+          <a:noFill/>
+          <a:ln w="6350">
+            <a:noFill/>
+          </a:ln>
+        </p:spPr>
+        <p:style>
+          <a:lnRef idx="2">
+            <a:schemeClr val="accent1">
+              <a:shade val="50000"/>
+            </a:schemeClr>
+          </a:lnRef>
+          <a:fillRef idx="1">
+            <a:schemeClr val="accent1"/>
+          </a:fillRef>
+          <a:effectRef idx="0">
+            <a:schemeClr val="accent1"/>
+          </a:effectRef>
+          <a:fontRef idx="minor">
+            <a:schemeClr val="lt1"/>
+          </a:fontRef>
+        </p:style>
+        <p:txBody>
+          <a:bodyPr anchor="ctr"/>
+          <a:lstStyle/>
+          <a:p>
+            <a:pPr lvl="0">
+              <a:lnSpc>
+                <a:spcPct val="150000"/>
+              </a:lnSpc>
+              <a:defRPr/>
+            </a:pPr>
+            <a:r>
+              <a:rPr lang="ko-KR" altLang="en-US" sz="700">
+                <a:solidFill>
+                  <a:schemeClr val="tx1">
+                    <a:lumMod val="65000"/>
+                    <a:lumOff val="35000"/>
+                  </a:schemeClr>
+                </a:solidFill>
+                <a:latin typeface="+mn-ea"/>
+              </a:rPr>
+              <a:t>주요 공지사항입니다</a:t>
+            </a:r>
+            <a:r>
+              <a:rPr lang="en-US" altLang="ko-KR" sz="700">
+                <a:solidFill>
+                  <a:schemeClr val="tx1">
+                    <a:lumMod val="65000"/>
+                    <a:lumOff val="35000"/>
+                  </a:schemeClr>
+                </a:solidFill>
+                <a:latin typeface="+mn-ea"/>
+              </a:rPr>
+              <a:t>.   2017.03.03</a:t>
+            </a:r>
+            <a:endParaRPr lang="en-US" altLang="ko-KR" sz="700">
+              <a:solidFill>
+                <a:schemeClr val="tx1">
+                  <a:lumMod val="65000"/>
+                  <a:lumOff val="35000"/>
+                </a:schemeClr>
+              </a:solidFill>
+              <a:latin typeface="+mn-ea"/>
+            </a:endParaRPr>
+          </a:p>
+          <a:p>
+            <a:pPr lvl="0">
+              <a:lnSpc>
+                <a:spcPct val="150000"/>
+              </a:lnSpc>
+              <a:defRPr/>
+            </a:pPr>
+            <a:r>
+              <a:rPr lang="ko-KR" altLang="en-US" sz="700">
+                <a:solidFill>
+                  <a:schemeClr val="tx1">
+                    <a:lumMod val="65000"/>
+                    <a:lumOff val="35000"/>
+                  </a:schemeClr>
+                </a:solidFill>
+                <a:latin typeface="+mn-ea"/>
+              </a:rPr>
+              <a:t>오픈이벤트입니다</a:t>
+            </a:r>
+            <a:r>
+              <a:rPr lang="en-US" altLang="ko-KR" sz="700">
+                <a:solidFill>
+                  <a:schemeClr val="tx1">
+                    <a:lumMod val="65000"/>
+                    <a:lumOff val="35000"/>
+                  </a:schemeClr>
+                </a:solidFill>
+                <a:latin typeface="+mn-ea"/>
+              </a:rPr>
+              <a:t>. 2017.02.03</a:t>
+            </a:r>
+            <a:endParaRPr lang="en-US" altLang="ko-KR" sz="700">
+              <a:solidFill>
+                <a:schemeClr val="tx1">
+                  <a:lumMod val="65000"/>
+                  <a:lumOff val="35000"/>
+                </a:schemeClr>
+              </a:solidFill>
+              <a:latin typeface="+mn-ea"/>
+            </a:endParaRPr>
+          </a:p>
+          <a:p>
+            <a:pPr lvl="0">
+              <a:lnSpc>
+                <a:spcPct val="150000"/>
+              </a:lnSpc>
+              <a:defRPr/>
+            </a:pPr>
+            <a:r>
+              <a:rPr lang="ko-KR" altLang="en-US" sz="700">
+                <a:solidFill>
+                  <a:schemeClr val="tx1">
+                    <a:lumMod val="65000"/>
+                    <a:lumOff val="35000"/>
+                  </a:schemeClr>
+                </a:solidFill>
+                <a:latin typeface="+mn-ea"/>
+              </a:rPr>
+              <a:t>홈페이지 오픈을 축하해 주세요</a:t>
+            </a:r>
+            <a:r>
+              <a:rPr lang="en-US" altLang="ko-KR" sz="700">
+                <a:solidFill>
+                  <a:schemeClr val="tx1">
+                    <a:lumMod val="65000"/>
+                    <a:lumOff val="35000"/>
+                  </a:schemeClr>
+                </a:solidFill>
+                <a:latin typeface="+mn-ea"/>
+              </a:rPr>
+              <a:t>. 2017.01.31</a:t>
+            </a:r>
+            <a:endParaRPr lang="en-US" altLang="ko-KR" sz="700">
+              <a:solidFill>
+                <a:schemeClr val="tx1">
+                  <a:lumMod val="65000"/>
+                  <a:lumOff val="35000"/>
+                </a:schemeClr>
+              </a:solidFill>
+              <a:latin typeface="+mn-ea"/>
+            </a:endParaRPr>
+          </a:p>
+        </p:txBody>
+      </p:sp>
+      <p:sp>
+        <p:nvSpPr>
+          <p:cNvPr id="126" name="가로 글상자 125"/>
+          <p:cNvSpPr txBox="1"/>
+          <p:nvPr/>
+        </p:nvSpPr>
+        <p:spPr>
+          <a:xfrm>
+            <a:off x="2699792" y="915566"/>
+            <a:ext cx="1872208" cy="358879"/>
+          </a:xfrm>
+          <a:prstGeom prst="rect">
+            <a:avLst/>
+          </a:prstGeom>
+        </p:spPr>
+        <p:txBody>
+          <a:bodyPr wrap="square">
+            <a:spAutoFit/>
+          </a:bodyPr>
+          <a:p>
+            <a:pPr lvl="0" algn="ctr">
+              <a:defRPr/>
+            </a:pPr>
+            <a:r>
+              <a:rPr lang="ko-KR" altLang="en-US"/>
+              <a:t>비밀번호 재설정</a:t>
+            </a:r>
+            <a:endParaRPr lang="ko-KR" altLang="en-US"/>
+          </a:p>
+        </p:txBody>
+      </p:sp>
+      <p:sp>
+        <p:nvSpPr>
+          <p:cNvPr id="127" name="가로 글상자 126"/>
+          <p:cNvSpPr txBox="1"/>
+          <p:nvPr/>
+        </p:nvSpPr>
+        <p:spPr>
+          <a:xfrm>
+            <a:off x="2051720" y="1481356"/>
+            <a:ext cx="1173445" cy="297914"/>
+          </a:xfrm>
+          <a:prstGeom prst="rect">
+            <a:avLst/>
+          </a:prstGeom>
+        </p:spPr>
+        <p:txBody>
+          <a:bodyPr wrap="square">
+            <a:spAutoFit/>
+          </a:bodyPr>
+          <a:p>
+            <a:pPr lvl="0">
+              <a:defRPr/>
+            </a:pPr>
+            <a:r>
+              <a:rPr lang="ko-KR" altLang="en-US" sz="1400"/>
+              <a:t>이메일 주소</a:t>
+            </a:r>
+            <a:endParaRPr lang="ko-KR" altLang="en-US" sz="1400"/>
+          </a:p>
+        </p:txBody>
+      </p:sp>
       <p:grpSp>
         <p:nvGrpSpPr>
-          <p:cNvPr id="97" name="그룹 96"/>
+          <p:cNvPr id="154" name=""/>
           <p:cNvGrpSpPr/>
           <p:nvPr/>
         </p:nvGrpSpPr>
         <p:grpSpPr>
-          <a:xfrm>
-            <a:off x="3203848" y="3075806"/>
-            <a:ext cx="648072" cy="648072"/>
-            <a:chOff x="323528" y="3075806"/>
-            <a:chExt cx="648072" cy="648072"/>
+          <a:xfrm rot="0">
+            <a:off x="2987823" y="2283711"/>
+            <a:ext cx="1296144" cy="219458"/>
+            <a:chOff x="3059832" y="2868164"/>
+            <a:chExt cx="1152128" cy="219458"/>
           </a:xfrm>
         </p:grpSpPr>
         <p:sp>
           <p:nvSpPr>
-            <p:cNvPr id="98" name="타원 97"/>
+            <p:cNvPr id="133" name="모서리가 둥근 직사각형 132"/>
             <p:cNvSpPr/>
             <p:nvPr/>
           </p:nvSpPr>
           <p:spPr>
             <a:xfrm>
-              <a:off x="323528" y="3075806"/>
-              <a:ext cx="648072" cy="648072"/>
+              <a:off x="3059832" y="2868166"/>
+              <a:ext cx="1152128" cy="216024"/>
             </a:xfrm>
-            <a:prstGeom prst="ellipse">
+            <a:prstGeom prst="roundRect">
+              <a:avLst>
+                <a:gd name="adj" fmla="val 16667"/>
+              </a:avLst>
+            </a:prstGeom>
+          </p:spPr>
+          <p:style>
+            <a:lnRef idx="2">
+              <a:schemeClr val="accent1">
+                <a:shade val="20000"/>
+              </a:schemeClr>
+            </a:lnRef>
+            <a:fillRef idx="1">
+              <a:schemeClr val="accent1"/>
+            </a:fillRef>
+            <a:effectRef idx="0">
+              <a:schemeClr val="accent1"/>
+            </a:effectRef>
+            <a:fontRef idx="minor">
+              <a:schemeClr val="lt1"/>
+            </a:fontRef>
+          </p:style>
+          <p:txBody>
+            <a:bodyPr anchor="ctr"/>
+            <a:p>
+              <a:pPr lvl="0" algn="ctr">
+                <a:defRPr/>
+              </a:pPr>
+              <a:endParaRPr lang="ko-KR" altLang="en-US"/>
+            </a:p>
+          </p:txBody>
+        </p:sp>
+        <p:sp>
+          <p:nvSpPr>
+            <p:cNvPr id="135" name="가로 글상자 134"/>
+            <p:cNvSpPr txBox="1"/>
+            <p:nvPr/>
+          </p:nvSpPr>
+          <p:spPr>
+            <a:xfrm>
+              <a:off x="3059832" y="2868164"/>
+              <a:ext cx="1144127" cy="219458"/>
+            </a:xfrm>
+            <a:prstGeom prst="rect">
+              <a:avLst/>
+            </a:prstGeom>
+          </p:spPr>
+          <p:txBody>
+            <a:bodyPr wrap="square">
+              <a:spAutoFit/>
+            </a:bodyPr>
+            <a:p>
+              <a:pPr lvl="0" algn="ctr">
+                <a:defRPr/>
+              </a:pPr>
+              <a:r>
+                <a:rPr lang="ko-KR" altLang="en-US" sz="900"/>
+                <a:t>재설정 링크 보내기</a:t>
+              </a:r>
+              <a:endParaRPr lang="ko-KR" altLang="en-US" sz="900"/>
+            </a:p>
+          </p:txBody>
+        </p:sp>
+      </p:grpSp>
+      <p:sp>
+        <p:nvSpPr>
+          <p:cNvPr id="139" name="모서리가 둥근 직사각형 138"/>
+          <p:cNvSpPr/>
+          <p:nvPr/>
+        </p:nvSpPr>
+        <p:spPr>
+          <a:xfrm>
+            <a:off x="1835696" y="1491630"/>
+            <a:ext cx="216024" cy="203003"/>
+          </a:xfrm>
+          <a:prstGeom prst="roundRect">
+            <a:avLst>
+              <a:gd name="adj" fmla="val 0"/>
+            </a:avLst>
+          </a:prstGeom>
+          <a:solidFill>
+            <a:schemeClr val="accent6">
+              <a:lumMod val="75000"/>
+            </a:schemeClr>
+          </a:solidFill>
+          <a:ln>
+            <a:noFill/>
+          </a:ln>
+        </p:spPr>
+        <p:style>
+          <a:lnRef idx="2">
+            <a:schemeClr val="accent1">
+              <a:shade val="50000"/>
+            </a:schemeClr>
+          </a:lnRef>
+          <a:fillRef idx="1">
+            <a:schemeClr val="accent1"/>
+          </a:fillRef>
+          <a:effectRef idx="0">
+            <a:schemeClr val="accent1"/>
+          </a:effectRef>
+          <a:fontRef idx="minor">
+            <a:schemeClr val="lt1"/>
+          </a:fontRef>
+        </p:style>
+        <p:txBody>
+          <a:bodyPr lIns="0" rIns="0" anchor="ctr"/>
+          <a:lstStyle/>
+          <a:p>
+            <a:pPr lvl="0" algn="ctr">
+              <a:defRPr/>
+            </a:pPr>
+            <a:r>
+              <a:rPr lang="en-US" altLang="ko-KR" sz="1050" b="1"/>
+              <a:t>1</a:t>
+            </a:r>
+            <a:endParaRPr lang="en-US" altLang="ko-KR" sz="1050" b="1"/>
+          </a:p>
+        </p:txBody>
+      </p:sp>
+      <p:sp>
+        <p:nvSpPr>
+          <p:cNvPr id="149" name="모서리가 둥근 직사각형 148"/>
+          <p:cNvSpPr/>
+          <p:nvPr/>
+        </p:nvSpPr>
+        <p:spPr>
+          <a:xfrm>
+            <a:off x="2692231" y="2110596"/>
+            <a:ext cx="216024" cy="203003"/>
+          </a:xfrm>
+          <a:prstGeom prst="roundRect">
+            <a:avLst>
+              <a:gd name="adj" fmla="val 0"/>
+            </a:avLst>
+          </a:prstGeom>
+          <a:solidFill>
+            <a:schemeClr val="accent6">
+              <a:lumMod val="75000"/>
+            </a:schemeClr>
+          </a:solidFill>
+          <a:ln>
+            <a:noFill/>
+          </a:ln>
+        </p:spPr>
+        <p:style>
+          <a:lnRef idx="2">
+            <a:schemeClr val="accent1">
+              <a:shade val="50000"/>
+            </a:schemeClr>
+          </a:lnRef>
+          <a:fillRef idx="1">
+            <a:schemeClr val="accent1"/>
+          </a:fillRef>
+          <a:effectRef idx="0">
+            <a:schemeClr val="accent1"/>
+          </a:effectRef>
+          <a:fontRef idx="minor">
+            <a:schemeClr val="lt1"/>
+          </a:fontRef>
+        </p:style>
+        <p:txBody>
+          <a:bodyPr lIns="0" rIns="0" anchor="ctr"/>
+          <a:lstStyle/>
+          <a:p>
+            <a:pPr lvl="0" algn="ctr">
+              <a:defRPr/>
+            </a:pPr>
+            <a:r>
+              <a:rPr lang="en-US" altLang="ko-KR" sz="1050" b="1"/>
+              <a:t>2</a:t>
+            </a:r>
+            <a:endParaRPr lang="en-US" altLang="ko-KR" sz="1050" b="1"/>
+          </a:p>
+        </p:txBody>
+      </p:sp>
+      <p:grpSp>
+        <p:nvGrpSpPr>
+          <p:cNvPr id="152" name=""/>
+          <p:cNvGrpSpPr/>
+          <p:nvPr/>
+        </p:nvGrpSpPr>
+        <p:grpSpPr>
+          <a:xfrm rot="0">
+            <a:off x="2123728" y="1794520"/>
+            <a:ext cx="3456384" cy="273174"/>
+            <a:chOff x="2915816" y="1506488"/>
+            <a:chExt cx="2304256" cy="273174"/>
+          </a:xfrm>
+        </p:grpSpPr>
+        <p:sp>
+          <p:nvSpPr>
+            <p:cNvPr id="146" name="직사각형 145"/>
+            <p:cNvSpPr/>
+            <p:nvPr/>
+          </p:nvSpPr>
+          <p:spPr>
+            <a:xfrm>
+              <a:off x="2915816" y="1506488"/>
+              <a:ext cx="2304256" cy="273174"/>
+            </a:xfrm>
+            <a:prstGeom prst="rect">
+              <a:avLst/>
+            </a:prstGeom>
+            <a:solidFill>
+              <a:schemeClr val="lt1"/>
+            </a:solidFill>
+            <a:ln>
+              <a:solidFill>
+                <a:schemeClr val="dk1"/>
+              </a:solidFill>
+            </a:ln>
+          </p:spPr>
+          <p:style>
+            <a:lnRef idx="2">
+              <a:schemeClr val="accent1">
+                <a:shade val="20000"/>
+              </a:schemeClr>
+            </a:lnRef>
+            <a:fillRef idx="1">
+              <a:schemeClr val="accent1"/>
+            </a:fillRef>
+            <a:effectRef idx="0">
+              <a:schemeClr val="accent1"/>
+            </a:effectRef>
+            <a:fontRef idx="minor">
+              <a:schemeClr val="lt1"/>
+            </a:fontRef>
+          </p:style>
+          <p:txBody>
+            <a:bodyPr anchor="ctr"/>
+            <a:p>
+              <a:pPr lvl="0" algn="ctr">
+                <a:defRPr/>
+              </a:pPr>
+              <a:endParaRPr lang="ko-KR" altLang="en-US"/>
+            </a:p>
+          </p:txBody>
+        </p:sp>
+        <p:sp>
+          <p:nvSpPr>
+            <p:cNvPr id="151" name="가로 글상자 150"/>
+            <p:cNvSpPr txBox="1"/>
+            <p:nvPr/>
+          </p:nvSpPr>
+          <p:spPr>
+            <a:xfrm>
+              <a:off x="2915816" y="1511072"/>
+              <a:ext cx="1512168" cy="268590"/>
+            </a:xfrm>
+            <a:prstGeom prst="rect">
+              <a:avLst/>
+            </a:prstGeom>
+          </p:spPr>
+          <p:txBody>
+            <a:bodyPr wrap="square">
+              <a:spAutoFit/>
+            </a:bodyPr>
+            <a:p>
+              <a:pPr lvl="0">
+                <a:defRPr/>
+              </a:pPr>
+              <a:r>
+                <a:rPr lang="ko-KR" altLang="en-US" sz="1200">
+                  <a:solidFill>
+                    <a:srgbClr val="858585"/>
+                  </a:solidFill>
+                </a:rPr>
+                <a:t>이메일을 입력하세요</a:t>
+              </a:r>
+              <a:endParaRPr lang="ko-KR" altLang="en-US" sz="1200">
+                <a:solidFill>
+                  <a:srgbClr val="858585"/>
+                </a:solidFill>
+              </a:endParaRPr>
+            </a:p>
+          </p:txBody>
+        </p:sp>
+      </p:grpSp>
+    </p:spTree>
+    <p:extLst>
+      <p:ext uri="{BB962C8B-B14F-4D97-AF65-F5344CB8AC3E}">
+        <p14:creationId xmlns:p14="http://schemas.microsoft.com/office/powerpoint/2010/main" val="3147842060"/>
+      </p:ext>
+    </p:extLst>
+  </p:cSld>
+  <p:clrMapOvr>
+    <a:masterClrMapping/>
+  </p:clrMapOvr>
+</p:sld>
+</file>
+
+<file path=ppt/slides/slide4.xml><?xml version="1.0" encoding="utf-8"?>
+<p:sld xmlns:r="http://schemas.openxmlformats.org/officeDocument/2006/relationships" xmlns:c="http://schemas.openxmlformats.org/drawingml/2006/chart" xmlns:a="http://schemas.openxmlformats.org/drawingml/2006/main" xmlns:dgm="http://schemas.openxmlformats.org/drawingml/2006/diagram" xmlns:dsp="http://schemas.microsoft.com/office/drawing/2008/diagram" xmlns:p="http://schemas.openxmlformats.org/presentationml/2006/main">
+  <p:cSld>
+    <p:spTree>
+      <p:nvGrpSpPr>
+        <p:cNvPr id="1" name=""/>
+        <p:cNvGrpSpPr/>
+        <p:nvPr/>
+      </p:nvGrpSpPr>
+      <p:grpSpPr>
+        <a:xfrm>
+          <a:off x="0" y="0"/>
+          <a:ext cx="0" cy="0"/>
+          <a:chOff x="0" y="0"/>
+          <a:chExt cx="0" cy="0"/>
+        </a:xfrm>
+      </p:grpSpPr>
+      <p:sp>
+        <p:nvSpPr>
+          <p:cNvPr id="34" name="직사각형 33"/>
+          <p:cNvSpPr/>
+          <p:nvPr/>
+        </p:nvSpPr>
+        <p:spPr>
+          <a:xfrm>
+            <a:off x="99752" y="319935"/>
+            <a:ext cx="6708373" cy="4628079"/>
+          </a:xfrm>
+          <a:prstGeom prst="rect">
+            <a:avLst/>
+          </a:prstGeom>
+          <a:solidFill>
+            <a:schemeClr val="bg1">
+              <a:alpha val="70000"/>
+            </a:schemeClr>
+          </a:solidFill>
+          <a:ln w="9525">
+            <a:solidFill>
+              <a:schemeClr val="bg1">
+                <a:lumMod val="65000"/>
+              </a:schemeClr>
+            </a:solidFill>
+          </a:ln>
+        </p:spPr>
+        <p:style>
+          <a:lnRef idx="2">
+            <a:schemeClr val="accent1">
+              <a:shade val="50000"/>
+            </a:schemeClr>
+          </a:lnRef>
+          <a:fillRef idx="1">
+            <a:schemeClr val="accent1"/>
+          </a:fillRef>
+          <a:effectRef idx="0">
+            <a:schemeClr val="accent1"/>
+          </a:effectRef>
+          <a:fontRef idx="minor">
+            <a:schemeClr val="lt1"/>
+          </a:fontRef>
+        </p:style>
+        <p:txBody>
+          <a:bodyPr anchor="ctr"/>
+          <a:lstStyle/>
+          <a:p>
+            <a:pPr lvl="0" algn="ctr">
+              <a:defRPr/>
+            </a:pPr>
+            <a:endParaRPr lang="ko-KR" altLang="en-US">
+              <a:solidFill>
+                <a:prstClr val="white"/>
+              </a:solidFill>
+              <a:latin typeface="+mn-ea"/>
+              <a:ea typeface="+mn-ea"/>
+            </a:endParaRPr>
+          </a:p>
+        </p:txBody>
+      </p:sp>
+      <p:sp>
+        <p:nvSpPr>
+          <p:cNvPr id="112" name="직사각형 111"/>
+          <p:cNvSpPr/>
+          <p:nvPr/>
+        </p:nvSpPr>
+        <p:spPr>
+          <a:xfrm>
+            <a:off x="107504" y="4155927"/>
+            <a:ext cx="6696744" cy="212530"/>
+          </a:xfrm>
+          <a:prstGeom prst="rect">
+            <a:avLst/>
+          </a:prstGeom>
+          <a:solidFill>
+            <a:schemeClr val="bg1">
+              <a:lumMod val="50000"/>
+            </a:schemeClr>
+          </a:solidFill>
+          <a:ln>
+            <a:noFill/>
+          </a:ln>
+        </p:spPr>
+        <p:style>
+          <a:lnRef idx="2">
+            <a:schemeClr val="accent1">
+              <a:shade val="50000"/>
+            </a:schemeClr>
+          </a:lnRef>
+          <a:fillRef idx="1">
+            <a:schemeClr val="accent1"/>
+          </a:fillRef>
+          <a:effectRef idx="0">
+            <a:schemeClr val="accent1"/>
+          </a:effectRef>
+          <a:fontRef idx="minor">
+            <a:schemeClr val="lt1"/>
+          </a:fontRef>
+        </p:style>
+        <p:txBody>
+          <a:bodyPr anchor="ctr"/>
+          <a:lstStyle/>
+          <a:p>
+            <a:pPr lvl="0" algn="ctr">
+              <a:defRPr/>
+            </a:pPr>
+            <a:endParaRPr lang="ko-KR" altLang="en-US"/>
+          </a:p>
+        </p:txBody>
+      </p:sp>
+      <p:sp>
+        <p:nvSpPr>
+          <p:cNvPr id="47" name="직사각형 46"/>
+          <p:cNvSpPr/>
+          <p:nvPr/>
+        </p:nvSpPr>
+        <p:spPr>
+          <a:xfrm>
+            <a:off x="99752" y="898788"/>
+            <a:ext cx="6708373" cy="3113122"/>
+          </a:xfrm>
+          <a:prstGeom prst="rect">
+            <a:avLst/>
+          </a:prstGeom>
+          <a:solidFill>
+            <a:schemeClr val="bg1">
+              <a:lumMod val="95000"/>
+              <a:alpha val="70000"/>
+            </a:schemeClr>
+          </a:solidFill>
+          <a:ln w="9525">
+            <a:solidFill>
+              <a:schemeClr val="bg1">
+                <a:lumMod val="65000"/>
+              </a:schemeClr>
+            </a:solidFill>
+          </a:ln>
+        </p:spPr>
+        <p:style>
+          <a:lnRef idx="2">
+            <a:schemeClr val="accent1">
+              <a:shade val="50000"/>
+            </a:schemeClr>
+          </a:lnRef>
+          <a:fillRef idx="1">
+            <a:schemeClr val="accent1"/>
+          </a:fillRef>
+          <a:effectRef idx="0">
+            <a:schemeClr val="accent1"/>
+          </a:effectRef>
+          <a:fontRef idx="minor">
+            <a:schemeClr val="lt1"/>
+          </a:fontRef>
+        </p:style>
+        <p:txBody>
+          <a:bodyPr anchor="ctr"/>
+          <a:lstStyle/>
+          <a:p>
+            <a:pPr lvl="0" algn="ctr">
+              <a:defRPr/>
+            </a:pPr>
+            <a:r>
+              <a:rPr lang="en-US" altLang="ko-KR" b="1">
+                <a:solidFill>
+                  <a:prstClr val="white"/>
+                </a:solidFill>
+                <a:latin typeface="+mn-ea"/>
+                <a:ea typeface="+mn-ea"/>
+              </a:rPr>
+              <a:t>`</a:t>
+            </a:r>
+            <a:endParaRPr lang="ko-KR" altLang="en-US" b="1">
+              <a:solidFill>
+                <a:prstClr val="white"/>
+              </a:solidFill>
+              <a:latin typeface="+mn-ea"/>
+              <a:ea typeface="+mn-ea"/>
+            </a:endParaRPr>
+          </a:p>
+        </p:txBody>
+      </p:sp>
+      <p:sp>
+        <p:nvSpPr>
+          <p:cNvPr id="32" name="텍스트 개체 틀 31"/>
+          <p:cNvSpPr>
+            <a:spLocks noGrp="1"/>
+          </p:cNvSpPr>
+          <p:nvPr>
+            <p:ph type="body" sz="quarter" idx="10"/>
+          </p:nvPr>
+        </p:nvSpPr>
+        <p:spPr>
+          <a:xfrm>
+            <a:off x="6876256" y="483518"/>
+            <a:ext cx="2267744" cy="4464496"/>
+          </a:xfrm>
+        </p:spPr>
+        <p:txBody>
+          <a:bodyPr/>
+          <a:lstStyle/>
+          <a:p>
+            <a:pPr marL="0" lvl="0" indent="0">
+              <a:buNone/>
+              <a:defRPr/>
+            </a:pPr>
+            <a:r>
+              <a:rPr lang="ko-KR" altLang="en-US" sz="1000"/>
+              <a:t>① 아이디 찾기 결과창</a:t>
+            </a:r>
+            <a:endParaRPr lang="ko-KR" altLang="en-US" sz="1000"/>
+          </a:p>
+          <a:p>
+            <a:pPr marL="0" lvl="0" indent="0">
+              <a:buNone/>
+              <a:defRPr/>
+            </a:pPr>
+            <a:r>
+              <a:rPr lang="en-US" altLang="ko-KR" sz="1000"/>
+              <a:t>-</a:t>
+            </a:r>
+            <a:r>
+              <a:rPr lang="ko-KR" altLang="en-US" sz="1000"/>
+              <a:t> 이름과 휴대전화가 일치하는 아이디가 있을시 아이디를 가르쳐주는 결과창이 뜬다</a:t>
+            </a:r>
+            <a:r>
+              <a:rPr lang="en-US" altLang="ko-KR" sz="1000"/>
+              <a:t>.</a:t>
+            </a:r>
+            <a:endParaRPr lang="en-US" altLang="ko-KR" sz="1000"/>
+          </a:p>
+          <a:p>
+            <a:pPr marL="0" lvl="0" indent="0">
+              <a:buNone/>
+              <a:defRPr/>
+            </a:pPr>
+            <a:r>
+              <a:rPr lang="en-US" altLang="ko-KR" sz="1000"/>
+              <a:t>-</a:t>
+            </a:r>
+            <a:r>
+              <a:rPr lang="ko-KR" altLang="en-US" sz="1000"/>
+              <a:t> 이름과 휴대전화가 일치하는 아이디가 없을시 </a:t>
+            </a:r>
+            <a:r>
+              <a:rPr lang="en-US" altLang="ko-KR" sz="1000"/>
+              <a:t>“</a:t>
+            </a:r>
+            <a:r>
+              <a:rPr lang="ko-KR" altLang="en-US" sz="1000"/>
+              <a:t>일치하는 결과가 없습니다</a:t>
+            </a:r>
+            <a:r>
+              <a:rPr lang="en-US" altLang="ko-KR" sz="1000"/>
+              <a:t>.”</a:t>
+            </a:r>
+            <a:r>
+              <a:rPr lang="ko-KR" altLang="en-US" sz="1000"/>
+              <a:t>가 뜬다</a:t>
+            </a:r>
+            <a:r>
+              <a:rPr lang="en-US" altLang="ko-KR" sz="1000"/>
+              <a:t>.</a:t>
+            </a:r>
+            <a:r>
+              <a:rPr lang="ko-KR" altLang="en-US" sz="1000"/>
+              <a:t> </a:t>
+            </a:r>
+            <a:endParaRPr lang="ko-KR" altLang="en-US" sz="1000"/>
+          </a:p>
+          <a:p>
+            <a:pPr marL="0" lvl="0" indent="0">
+              <a:buNone/>
+              <a:defRPr/>
+            </a:pPr>
+            <a:r>
+              <a:rPr lang="ko-KR" altLang="en-US" sz="1000"/>
+              <a:t>② 로그인 하기 창으로 전환된다</a:t>
+            </a:r>
+            <a:r>
+              <a:rPr lang="en-US" altLang="ko-KR" sz="1000"/>
+              <a:t>.</a:t>
+            </a:r>
+            <a:endParaRPr lang="en-US" altLang="ko-KR" sz="1000"/>
+          </a:p>
+          <a:p>
+            <a:pPr marL="0" lvl="0" indent="0">
+              <a:buNone/>
+              <a:defRPr/>
+            </a:pPr>
+            <a:r>
+              <a:rPr lang="ko-KR" altLang="en-US" sz="1000"/>
+              <a:t>③ 비밀번호 찾기 화면으로 이동하여 비밀번호를 재설정한다</a:t>
+            </a:r>
+            <a:r>
+              <a:rPr lang="en-US" altLang="ko-KR" sz="1000"/>
+              <a:t>.</a:t>
+            </a:r>
+            <a:endParaRPr lang="en-US" altLang="ko-KR" sz="1000"/>
+          </a:p>
+        </p:txBody>
+      </p:sp>
+      <p:sp>
+        <p:nvSpPr>
+          <p:cNvPr id="31" name="제목 30"/>
+          <p:cNvSpPr>
+            <a:spLocks noGrp="1"/>
+          </p:cNvSpPr>
+          <p:nvPr>
+            <p:ph type="title" idx="0"/>
+          </p:nvPr>
+        </p:nvSpPr>
+        <p:spPr/>
+        <p:txBody>
+          <a:bodyPr>
+            <a:normAutofit fontScale="90000"/>
+          </a:bodyPr>
+          <a:lstStyle/>
+          <a:p>
+            <a:pPr lvl="0">
+              <a:defRPr/>
+            </a:pPr>
+            <a:r>
+              <a:rPr lang="en-US" altLang="ko-KR"/>
+              <a:t>Case A</a:t>
+            </a:r>
+            <a:endParaRPr lang="ko-KR" altLang="en-US"/>
+          </a:p>
+        </p:txBody>
+      </p:sp>
+      <p:sp>
+        <p:nvSpPr>
+          <p:cNvPr id="33" name="텍스트 개체 틀 32"/>
+          <p:cNvSpPr>
+            <a:spLocks noGrp="1"/>
+          </p:cNvSpPr>
+          <p:nvPr>
+            <p:ph type="body" sz="quarter" idx="11"/>
+          </p:nvPr>
+        </p:nvSpPr>
+        <p:spPr/>
+        <p:txBody>
+          <a:bodyPr/>
+          <a:lstStyle/>
+          <a:p>
+            <a:pPr lvl="0">
+              <a:defRPr/>
+            </a:pPr>
+            <a:r>
+              <a:rPr lang="en-US" altLang="ko-KR"/>
+              <a:t>3.1</a:t>
+            </a:r>
+            <a:endParaRPr lang="ko-KR" altLang="en-US"/>
+          </a:p>
+        </p:txBody>
+      </p:sp>
+      <p:sp>
+        <p:nvSpPr>
+          <p:cNvPr id="70" name="갈매기형 수장 69"/>
+          <p:cNvSpPr/>
+          <p:nvPr/>
+        </p:nvSpPr>
+        <p:spPr>
+          <a:xfrm>
+            <a:off x="6513942" y="1646637"/>
+            <a:ext cx="117594" cy="546931"/>
+          </a:xfrm>
+          <a:prstGeom prst="chevron">
+            <a:avLst>
+              <a:gd name="adj" fmla="val 50000"/>
+            </a:avLst>
+          </a:prstGeom>
+          <a:solidFill>
+            <a:schemeClr val="bg1"/>
+          </a:solidFill>
+          <a:ln w="9525">
+            <a:solidFill>
+              <a:schemeClr val="bg1">
+                <a:lumMod val="65000"/>
+              </a:schemeClr>
+            </a:solidFill>
+          </a:ln>
+        </p:spPr>
+        <p:style>
+          <a:lnRef idx="2">
+            <a:schemeClr val="accent1">
+              <a:shade val="50000"/>
+            </a:schemeClr>
+          </a:lnRef>
+          <a:fillRef idx="1">
+            <a:schemeClr val="accent1"/>
+          </a:fillRef>
+          <a:effectRef idx="0">
+            <a:schemeClr val="accent1"/>
+          </a:effectRef>
+          <a:fontRef idx="minor">
+            <a:schemeClr val="lt1"/>
+          </a:fontRef>
+        </p:style>
+        <p:txBody>
+          <a:bodyPr anchor="ctr"/>
+          <a:lstStyle/>
+          <a:p>
+            <a:pPr lvl="0" algn="ctr">
+              <a:defRPr/>
+            </a:pPr>
+            <a:endParaRPr lang="ko-KR" altLang="en-US">
+              <a:solidFill>
+                <a:schemeClr val="tx1"/>
+              </a:solidFill>
+            </a:endParaRPr>
+          </a:p>
+        </p:txBody>
+      </p:sp>
+      <p:sp>
+        <p:nvSpPr>
+          <p:cNvPr id="71" name="갈매기형 수장 70"/>
+          <p:cNvSpPr/>
+          <p:nvPr/>
+        </p:nvSpPr>
+        <p:spPr>
+          <a:xfrm flipH="1">
+            <a:off x="196553" y="1646637"/>
+            <a:ext cx="121688" cy="546931"/>
+          </a:xfrm>
+          <a:prstGeom prst="chevron">
+            <a:avLst>
+              <a:gd name="adj" fmla="val 50000"/>
+            </a:avLst>
+          </a:prstGeom>
+          <a:solidFill>
+            <a:schemeClr val="bg1"/>
+          </a:solidFill>
+          <a:ln w="9525">
+            <a:solidFill>
+              <a:schemeClr val="bg1">
+                <a:lumMod val="65000"/>
+              </a:schemeClr>
+            </a:solidFill>
+          </a:ln>
+        </p:spPr>
+        <p:style>
+          <a:lnRef idx="2">
+            <a:schemeClr val="accent1">
+              <a:shade val="50000"/>
+            </a:schemeClr>
+          </a:lnRef>
+          <a:fillRef idx="1">
+            <a:schemeClr val="accent1"/>
+          </a:fillRef>
+          <a:effectRef idx="0">
+            <a:schemeClr val="accent1"/>
+          </a:effectRef>
+          <a:fontRef idx="minor">
+            <a:schemeClr val="lt1"/>
+          </a:fontRef>
+        </p:style>
+        <p:txBody>
+          <a:bodyPr anchor="ctr"/>
+          <a:lstStyle/>
+          <a:p>
+            <a:pPr lvl="0" algn="ctr">
+              <a:defRPr/>
+            </a:pPr>
+            <a:endParaRPr lang="ko-KR" altLang="en-US">
+              <a:solidFill>
+                <a:schemeClr val="tx1"/>
+              </a:solidFill>
+            </a:endParaRPr>
+          </a:p>
+        </p:txBody>
+      </p:sp>
+      <p:sp>
+        <p:nvSpPr>
+          <p:cNvPr id="74" name="직사각형 73"/>
+          <p:cNvSpPr/>
+          <p:nvPr/>
+        </p:nvSpPr>
+        <p:spPr>
+          <a:xfrm>
+            <a:off x="99752" y="319935"/>
+            <a:ext cx="6708373" cy="576064"/>
+          </a:xfrm>
+          <a:prstGeom prst="rect">
+            <a:avLst/>
+          </a:prstGeom>
+          <a:solidFill>
+            <a:schemeClr val="bg1">
+              <a:alpha val="70000"/>
+            </a:schemeClr>
+          </a:solidFill>
+          <a:ln w="9525">
+            <a:solidFill>
+              <a:schemeClr val="bg1">
+                <a:lumMod val="65000"/>
+              </a:schemeClr>
+            </a:solidFill>
+          </a:ln>
+        </p:spPr>
+        <p:style>
+          <a:lnRef idx="2">
+            <a:schemeClr val="accent1">
+              <a:shade val="50000"/>
+            </a:schemeClr>
+          </a:lnRef>
+          <a:fillRef idx="1">
+            <a:schemeClr val="accent1"/>
+          </a:fillRef>
+          <a:effectRef idx="0">
+            <a:schemeClr val="accent1"/>
+          </a:effectRef>
+          <a:fontRef idx="minor">
+            <a:schemeClr val="lt1"/>
+          </a:fontRef>
+        </p:style>
+        <p:txBody>
+          <a:bodyPr anchor="ctr"/>
+          <a:lstStyle/>
+          <a:p>
+            <a:pPr lvl="0" algn="ctr">
+              <a:defRPr/>
+            </a:pPr>
+            <a:endParaRPr lang="ko-KR" altLang="en-US">
+              <a:solidFill>
+                <a:prstClr val="white"/>
+              </a:solidFill>
+              <a:latin typeface="+mn-ea"/>
+              <a:ea typeface="+mn-ea"/>
+            </a:endParaRPr>
+          </a:p>
+        </p:txBody>
+      </p:sp>
+      <p:sp>
+        <p:nvSpPr>
+          <p:cNvPr id="75" name="직사각형 74"/>
+          <p:cNvSpPr/>
+          <p:nvPr/>
+        </p:nvSpPr>
+        <p:spPr>
+          <a:xfrm>
+            <a:off x="99752" y="319935"/>
+            <a:ext cx="6708373" cy="576064"/>
+          </a:xfrm>
+          <a:prstGeom prst="rect">
+            <a:avLst/>
+          </a:prstGeom>
+          <a:solidFill>
+            <a:schemeClr val="bg1">
+              <a:alpha val="70000"/>
+            </a:schemeClr>
+          </a:solidFill>
+          <a:ln w="9525">
+            <a:solidFill>
+              <a:schemeClr val="bg1">
+                <a:lumMod val="65000"/>
+              </a:schemeClr>
+            </a:solidFill>
+          </a:ln>
+        </p:spPr>
+        <p:style>
+          <a:lnRef idx="2">
+            <a:schemeClr val="accent1">
+              <a:shade val="50000"/>
+            </a:schemeClr>
+          </a:lnRef>
+          <a:fillRef idx="1">
+            <a:schemeClr val="accent1"/>
+          </a:fillRef>
+          <a:effectRef idx="0">
+            <a:schemeClr val="accent1"/>
+          </a:effectRef>
+          <a:fontRef idx="minor">
+            <a:schemeClr val="lt1"/>
+          </a:fontRef>
+        </p:style>
+        <p:txBody>
+          <a:bodyPr anchor="ctr"/>
+          <a:lstStyle/>
+          <a:p>
+            <a:pPr lvl="0" algn="ctr">
+              <a:defRPr/>
+            </a:pPr>
+            <a:r>
+              <a:rPr lang="en-US" altLang="ko-KR">
+                <a:solidFill>
+                  <a:prstClr val="white"/>
+                </a:solidFill>
+                <a:latin typeface="+mn-ea"/>
+                <a:ea typeface="+mn-ea"/>
+              </a:rPr>
+              <a:t>`</a:t>
+            </a:r>
+            <a:endParaRPr lang="ko-KR" altLang="en-US">
+              <a:solidFill>
+                <a:prstClr val="white"/>
+              </a:solidFill>
+              <a:latin typeface="+mn-ea"/>
+              <a:ea typeface="+mn-ea"/>
+            </a:endParaRPr>
+          </a:p>
+        </p:txBody>
+      </p:sp>
+      <p:sp>
+        <p:nvSpPr>
+          <p:cNvPr id="76" name="TextBox 75"/>
+          <p:cNvSpPr txBox="1"/>
+          <p:nvPr/>
+        </p:nvSpPr>
+        <p:spPr>
+          <a:xfrm>
+            <a:off x="3885113" y="552737"/>
+            <a:ext cx="2832827" cy="253916"/>
+          </a:xfrm>
+          <a:prstGeom prst="rect">
+            <a:avLst/>
+          </a:prstGeom>
+          <a:noFill/>
+        </p:spPr>
+        <p:txBody>
+          <a:bodyPr wrap="none">
+            <a:spAutoFit/>
+          </a:bodyPr>
+          <a:lstStyle/>
+          <a:p>
+            <a:pPr lvl="0">
+              <a:defRPr/>
+            </a:pPr>
+            <a:r>
+              <a:rPr lang="en-US" altLang="ko-KR" sz="1050">
+                <a:solidFill>
+                  <a:schemeClr val="tx1"/>
+                </a:solidFill>
+                <a:latin typeface="+mn-ea"/>
+                <a:ea typeface="+mn-ea"/>
+              </a:rPr>
+              <a:t>About US | </a:t>
+            </a:r>
+            <a:r>
+              <a:rPr lang="ko-KR" altLang="en-US" sz="1050">
+                <a:solidFill>
+                  <a:schemeClr val="tx1"/>
+                </a:solidFill>
+                <a:latin typeface="+mn-ea"/>
+                <a:ea typeface="+mn-ea"/>
+              </a:rPr>
+              <a:t>사업소개 </a:t>
+            </a:r>
+            <a:r>
+              <a:rPr lang="en-US" altLang="ko-KR" sz="1050">
+                <a:solidFill>
+                  <a:schemeClr val="tx1"/>
+                </a:solidFill>
+                <a:latin typeface="+mn-ea"/>
+                <a:ea typeface="+mn-ea"/>
+              </a:rPr>
+              <a:t>| </a:t>
+            </a:r>
+            <a:r>
+              <a:rPr lang="ko-KR" altLang="en-US" sz="1050">
+                <a:solidFill>
+                  <a:schemeClr val="tx1"/>
+                </a:solidFill>
+                <a:latin typeface="+mn-ea"/>
+                <a:ea typeface="+mn-ea"/>
+              </a:rPr>
+              <a:t>제품소개 </a:t>
+            </a:r>
+            <a:r>
+              <a:rPr lang="en-US" altLang="ko-KR" sz="1050">
+                <a:solidFill>
+                  <a:schemeClr val="tx1"/>
+                </a:solidFill>
+                <a:latin typeface="+mn-ea"/>
+                <a:ea typeface="+mn-ea"/>
+              </a:rPr>
+              <a:t>| </a:t>
+            </a:r>
+            <a:r>
+              <a:rPr lang="ko-KR" altLang="en-US" sz="1050">
+                <a:solidFill>
+                  <a:schemeClr val="tx1"/>
+                </a:solidFill>
+                <a:latin typeface="+mn-ea"/>
+                <a:ea typeface="+mn-ea"/>
+              </a:rPr>
+              <a:t>고객센터</a:t>
+            </a:r>
+            <a:endParaRPr lang="ko-KR" altLang="en-US" sz="1050">
+              <a:solidFill>
+                <a:schemeClr val="tx1"/>
+              </a:solidFill>
+              <a:latin typeface="+mn-ea"/>
+              <a:ea typeface="+mn-ea"/>
+            </a:endParaRPr>
+          </a:p>
+        </p:txBody>
+      </p:sp>
+      <p:sp>
+        <p:nvSpPr>
+          <p:cNvPr id="77" name="TextBox 76"/>
+          <p:cNvSpPr txBox="1"/>
+          <p:nvPr/>
+        </p:nvSpPr>
+        <p:spPr>
+          <a:xfrm>
+            <a:off x="5868144" y="306307"/>
+            <a:ext cx="712054" cy="184666"/>
+          </a:xfrm>
+          <a:prstGeom prst="rect">
+            <a:avLst/>
+          </a:prstGeom>
+          <a:noFill/>
+        </p:spPr>
+        <p:txBody>
+          <a:bodyPr wrap="none">
+            <a:spAutoFit/>
+          </a:bodyPr>
+          <a:lstStyle/>
+          <a:p>
+            <a:pPr lvl="0">
+              <a:defRPr/>
+            </a:pPr>
+            <a:r>
+              <a:rPr lang="en-US" altLang="ko-KR" sz="600" b="0">
+                <a:solidFill>
+                  <a:schemeClr val="tx1"/>
+                </a:solidFill>
+                <a:latin typeface="+mn-ea"/>
+                <a:ea typeface="+mn-ea"/>
+              </a:rPr>
+              <a:t>Login | Join US</a:t>
+            </a:r>
+            <a:endParaRPr lang="ko-KR" altLang="en-US" sz="600" b="0">
+              <a:solidFill>
+                <a:schemeClr val="tx1"/>
+              </a:solidFill>
+              <a:latin typeface="+mn-ea"/>
+              <a:ea typeface="+mn-ea"/>
+            </a:endParaRPr>
+          </a:p>
+        </p:txBody>
+      </p:sp>
+      <p:grpSp>
+        <p:nvGrpSpPr>
+          <p:cNvPr id="78" name="그룹 77"/>
+          <p:cNvGrpSpPr/>
+          <p:nvPr/>
+        </p:nvGrpSpPr>
+        <p:grpSpPr>
+          <a:xfrm rot="0">
+            <a:off x="179512" y="391943"/>
+            <a:ext cx="1296144" cy="432049"/>
+            <a:chOff x="179512" y="411510"/>
+            <a:chExt cx="1296144" cy="432049"/>
+          </a:xfrm>
+        </p:grpSpPr>
+        <p:sp>
+          <p:nvSpPr>
+            <p:cNvPr id="79" name="직사각형 78"/>
+            <p:cNvSpPr/>
+            <p:nvPr/>
+          </p:nvSpPr>
+          <p:spPr>
+            <a:xfrm>
+              <a:off x="179512" y="411511"/>
+              <a:ext cx="1296144" cy="432048"/>
+            </a:xfrm>
+            <a:prstGeom prst="rect">
               <a:avLst/>
             </a:prstGeom>
             <a:solidFill>
               <a:schemeClr val="bg1">
                 <a:lumMod val="95000"/>
+                <a:alpha val="70000"/>
               </a:schemeClr>
             </a:solidFill>
-            <a:ln w="6350">
+            <a:ln w="9525">
               <a:solidFill>
                 <a:schemeClr val="bg1">
-                  <a:lumMod val="50000"/>
+                  <a:lumMod val="65000"/>
                 </a:schemeClr>
               </a:solidFill>
             </a:ln>
@@ -5995,27 +11226,42 @@
             </a:fontRef>
           </p:style>
           <p:txBody>
-            <a:bodyPr rtlCol="0" anchor="ctr"/>
+            <a:bodyPr anchor="ctr"/>
             <a:lstStyle/>
             <a:p>
-              <a:pPr algn="ctr"/>
-              <a:endParaRPr lang="ko-KR" altLang="en-US"/>
+              <a:pPr lvl="0" algn="ctr">
+                <a:defRPr/>
+              </a:pPr>
+              <a:r>
+                <a:rPr lang="en-US" altLang="ko-KR">
+                  <a:solidFill>
+                    <a:prstClr val="white"/>
+                  </a:solidFill>
+                  <a:latin typeface="+mn-ea"/>
+                  <a:ea typeface="+mn-ea"/>
+                </a:rPr>
+                <a:t>`</a:t>
+              </a:r>
+              <a:endParaRPr lang="ko-KR" altLang="en-US">
+                <a:solidFill>
+                  <a:prstClr val="white"/>
+                </a:solidFill>
+                <a:latin typeface="+mn-ea"/>
+                <a:ea typeface="+mn-ea"/>
+              </a:endParaRPr>
             </a:p>
           </p:txBody>
         </p:sp>
         <p:cxnSp>
           <p:nvCxnSpPr>
-            <p:cNvPr id="99" name="직선 연결선 98"/>
-            <p:cNvCxnSpPr>
-              <a:stCxn id="98" idx="7"/>
-              <a:endCxn id="98" idx="3"/>
-            </p:cNvCxnSpPr>
+            <p:cNvPr id="80" name="직선 연결선 79"/>
+            <p:cNvCxnSpPr/>
             <p:nvPr/>
           </p:nvCxnSpPr>
           <p:spPr>
             <a:xfrm flipH="1">
-              <a:off x="418436" y="3170714"/>
-              <a:ext cx="458256" cy="458256"/>
+              <a:off x="179512" y="411510"/>
+              <a:ext cx="1296144" cy="432048"/>
             </a:xfrm>
             <a:prstGeom prst="line">
               <a:avLst/>
@@ -6044,51 +11290,344 @@
           </p:style>
         </p:cxnSp>
       </p:grpSp>
+      <p:sp>
+        <p:nvSpPr>
+          <p:cNvPr id="81" name="TextBox 80"/>
+          <p:cNvSpPr txBox="1"/>
+          <p:nvPr/>
+        </p:nvSpPr>
+        <p:spPr>
+          <a:xfrm>
+            <a:off x="185633" y="463951"/>
+            <a:ext cx="679801" cy="307777"/>
+          </a:xfrm>
+          <a:prstGeom prst="rect">
+            <a:avLst/>
+          </a:prstGeom>
+          <a:noFill/>
+        </p:spPr>
+        <p:txBody>
+          <a:bodyPr wrap="none">
+            <a:spAutoFit/>
+          </a:bodyPr>
+          <a:lstStyle/>
+          <a:p>
+            <a:pPr lvl="0">
+              <a:defRPr/>
+            </a:pPr>
+            <a:r>
+              <a:rPr lang="en-US" altLang="ko-KR" sz="1400" b="1">
+                <a:solidFill>
+                  <a:schemeClr val="tx1"/>
+                </a:solidFill>
+                <a:latin typeface="+mn-ea"/>
+                <a:ea typeface="+mn-ea"/>
+              </a:rPr>
+              <a:t>LOGO</a:t>
+            </a:r>
+            <a:endParaRPr lang="ko-KR" altLang="en-US" sz="1400" b="1">
+              <a:solidFill>
+                <a:schemeClr val="tx1"/>
+              </a:solidFill>
+              <a:latin typeface="+mn-ea"/>
+              <a:ea typeface="+mn-ea"/>
+            </a:endParaRPr>
+          </a:p>
+        </p:txBody>
+      </p:sp>
+      <p:sp>
+        <p:nvSpPr>
+          <p:cNvPr id="111" name="모서리가 둥근 직사각형 110"/>
+          <p:cNvSpPr/>
+          <p:nvPr/>
+        </p:nvSpPr>
+        <p:spPr>
+          <a:xfrm>
+            <a:off x="299794" y="4159689"/>
+            <a:ext cx="709387" cy="229725"/>
+          </a:xfrm>
+          <a:prstGeom prst="roundRect">
+            <a:avLst>
+              <a:gd name="adj" fmla="val 9813"/>
+            </a:avLst>
+          </a:prstGeom>
+          <a:noFill/>
+          <a:ln w="6350">
+            <a:noFill/>
+          </a:ln>
+        </p:spPr>
+        <p:style>
+          <a:lnRef idx="2">
+            <a:schemeClr val="accent1">
+              <a:shade val="50000"/>
+            </a:schemeClr>
+          </a:lnRef>
+          <a:fillRef idx="1">
+            <a:schemeClr val="accent1"/>
+          </a:fillRef>
+          <a:effectRef idx="0">
+            <a:schemeClr val="accent1"/>
+          </a:effectRef>
+          <a:fontRef idx="minor">
+            <a:schemeClr val="lt1"/>
+          </a:fontRef>
+        </p:style>
+        <p:txBody>
+          <a:bodyPr anchor="ctr"/>
+          <a:lstStyle/>
+          <a:p>
+            <a:pPr lvl="0">
+              <a:defRPr/>
+            </a:pPr>
+            <a:r>
+              <a:rPr lang="ko-KR" altLang="en-US" sz="900" b="1">
+                <a:solidFill>
+                  <a:schemeClr val="bg1"/>
+                </a:solidFill>
+                <a:latin typeface="+mn-ea"/>
+              </a:rPr>
+              <a:t>공지사항</a:t>
+            </a:r>
+            <a:endParaRPr lang="en-US" altLang="ko-KR" sz="900" b="1">
+              <a:solidFill>
+                <a:schemeClr val="bg1"/>
+              </a:solidFill>
+              <a:latin typeface="+mn-ea"/>
+            </a:endParaRPr>
+          </a:p>
+        </p:txBody>
+      </p:sp>
+      <p:sp>
+        <p:nvSpPr>
+          <p:cNvPr id="113" name="모서리가 둥근 직사각형 112"/>
+          <p:cNvSpPr/>
+          <p:nvPr/>
+        </p:nvSpPr>
+        <p:spPr>
+          <a:xfrm>
+            <a:off x="286509" y="4411359"/>
+            <a:ext cx="3853443" cy="464647"/>
+          </a:xfrm>
+          <a:prstGeom prst="roundRect">
+            <a:avLst>
+              <a:gd name="adj" fmla="val 9813"/>
+            </a:avLst>
+          </a:prstGeom>
+          <a:noFill/>
+          <a:ln w="6350">
+            <a:noFill/>
+          </a:ln>
+        </p:spPr>
+        <p:style>
+          <a:lnRef idx="2">
+            <a:schemeClr val="accent1">
+              <a:shade val="50000"/>
+            </a:schemeClr>
+          </a:lnRef>
+          <a:fillRef idx="1">
+            <a:schemeClr val="accent1"/>
+          </a:fillRef>
+          <a:effectRef idx="0">
+            <a:schemeClr val="accent1"/>
+          </a:effectRef>
+          <a:fontRef idx="minor">
+            <a:schemeClr val="lt1"/>
+          </a:fontRef>
+        </p:style>
+        <p:txBody>
+          <a:bodyPr anchor="ctr"/>
+          <a:lstStyle/>
+          <a:p>
+            <a:pPr lvl="0">
+              <a:lnSpc>
+                <a:spcPct val="150000"/>
+              </a:lnSpc>
+              <a:defRPr/>
+            </a:pPr>
+            <a:r>
+              <a:rPr lang="ko-KR" altLang="en-US" sz="700">
+                <a:solidFill>
+                  <a:schemeClr val="tx1">
+                    <a:lumMod val="65000"/>
+                    <a:lumOff val="35000"/>
+                  </a:schemeClr>
+                </a:solidFill>
+                <a:latin typeface="+mn-ea"/>
+              </a:rPr>
+              <a:t>주요 공지사항입니다</a:t>
+            </a:r>
+            <a:r>
+              <a:rPr lang="en-US" altLang="ko-KR" sz="700">
+                <a:solidFill>
+                  <a:schemeClr val="tx1">
+                    <a:lumMod val="65000"/>
+                    <a:lumOff val="35000"/>
+                  </a:schemeClr>
+                </a:solidFill>
+                <a:latin typeface="+mn-ea"/>
+              </a:rPr>
+              <a:t>.   2017.03.03</a:t>
+            </a:r>
+            <a:endParaRPr lang="en-US" altLang="ko-KR" sz="700">
+              <a:solidFill>
+                <a:schemeClr val="tx1">
+                  <a:lumMod val="65000"/>
+                  <a:lumOff val="35000"/>
+                </a:schemeClr>
+              </a:solidFill>
+              <a:latin typeface="+mn-ea"/>
+            </a:endParaRPr>
+          </a:p>
+          <a:p>
+            <a:pPr lvl="0">
+              <a:lnSpc>
+                <a:spcPct val="150000"/>
+              </a:lnSpc>
+              <a:defRPr/>
+            </a:pPr>
+            <a:r>
+              <a:rPr lang="ko-KR" altLang="en-US" sz="700">
+                <a:solidFill>
+                  <a:schemeClr val="tx1">
+                    <a:lumMod val="65000"/>
+                    <a:lumOff val="35000"/>
+                  </a:schemeClr>
+                </a:solidFill>
+                <a:latin typeface="+mn-ea"/>
+              </a:rPr>
+              <a:t>오픈이벤트입니다</a:t>
+            </a:r>
+            <a:r>
+              <a:rPr lang="en-US" altLang="ko-KR" sz="700">
+                <a:solidFill>
+                  <a:schemeClr val="tx1">
+                    <a:lumMod val="65000"/>
+                    <a:lumOff val="35000"/>
+                  </a:schemeClr>
+                </a:solidFill>
+                <a:latin typeface="+mn-ea"/>
+              </a:rPr>
+              <a:t>. 2017.02.03</a:t>
+            </a:r>
+            <a:endParaRPr lang="en-US" altLang="ko-KR" sz="700">
+              <a:solidFill>
+                <a:schemeClr val="tx1">
+                  <a:lumMod val="65000"/>
+                  <a:lumOff val="35000"/>
+                </a:schemeClr>
+              </a:solidFill>
+              <a:latin typeface="+mn-ea"/>
+            </a:endParaRPr>
+          </a:p>
+          <a:p>
+            <a:pPr lvl="0">
+              <a:lnSpc>
+                <a:spcPct val="150000"/>
+              </a:lnSpc>
+              <a:defRPr/>
+            </a:pPr>
+            <a:r>
+              <a:rPr lang="ko-KR" altLang="en-US" sz="700">
+                <a:solidFill>
+                  <a:schemeClr val="tx1">
+                    <a:lumMod val="65000"/>
+                    <a:lumOff val="35000"/>
+                  </a:schemeClr>
+                </a:solidFill>
+                <a:latin typeface="+mn-ea"/>
+              </a:rPr>
+              <a:t>홈페이지 오픈을 축하해 주세요</a:t>
+            </a:r>
+            <a:r>
+              <a:rPr lang="en-US" altLang="ko-KR" sz="700">
+                <a:solidFill>
+                  <a:schemeClr val="tx1">
+                    <a:lumMod val="65000"/>
+                    <a:lumOff val="35000"/>
+                  </a:schemeClr>
+                </a:solidFill>
+                <a:latin typeface="+mn-ea"/>
+              </a:rPr>
+              <a:t>. 2017.01.31</a:t>
+            </a:r>
+            <a:endParaRPr lang="en-US" altLang="ko-KR" sz="700">
+              <a:solidFill>
+                <a:schemeClr val="tx1">
+                  <a:lumMod val="65000"/>
+                  <a:lumOff val="35000"/>
+                </a:schemeClr>
+              </a:solidFill>
+              <a:latin typeface="+mn-ea"/>
+            </a:endParaRPr>
+          </a:p>
+        </p:txBody>
+      </p:sp>
+      <p:sp>
+        <p:nvSpPr>
+          <p:cNvPr id="126" name="가로 글상자 125"/>
+          <p:cNvSpPr txBox="1"/>
+          <p:nvPr/>
+        </p:nvSpPr>
+        <p:spPr>
+          <a:xfrm>
+            <a:off x="2665095" y="915566"/>
+            <a:ext cx="1906905" cy="358879"/>
+          </a:xfrm>
+          <a:prstGeom prst="rect">
+            <a:avLst/>
+          </a:prstGeom>
+        </p:spPr>
+        <p:txBody>
+          <a:bodyPr wrap="square">
+            <a:spAutoFit/>
+          </a:bodyPr>
+          <a:p>
+            <a:pPr lvl="0" algn="ctr">
+              <a:defRPr/>
+            </a:pPr>
+            <a:r>
+              <a:rPr lang="ko-KR" altLang="en-US"/>
+              <a:t>비밀번호 재설정</a:t>
+            </a:r>
+            <a:endParaRPr lang="ko-KR" altLang="en-US"/>
+          </a:p>
+        </p:txBody>
+      </p:sp>
       <p:grpSp>
         <p:nvGrpSpPr>
-          <p:cNvPr id="100" name="그룹 99"/>
+          <p:cNvPr id="154" name=""/>
           <p:cNvGrpSpPr/>
           <p:nvPr/>
         </p:nvGrpSpPr>
         <p:grpSpPr>
-          <a:xfrm>
-            <a:off x="4139952" y="3075806"/>
-            <a:ext cx="648072" cy="648072"/>
-            <a:chOff x="323528" y="3075806"/>
-            <a:chExt cx="648072" cy="648072"/>
+          <a:xfrm rot="0">
+            <a:off x="2267744" y="2427734"/>
+            <a:ext cx="1152128" cy="224413"/>
+            <a:chOff x="3059832" y="2859777"/>
+            <a:chExt cx="1152128" cy="224413"/>
           </a:xfrm>
         </p:grpSpPr>
         <p:sp>
           <p:nvSpPr>
-            <p:cNvPr id="101" name="타원 100"/>
+            <p:cNvPr id="133" name="모서리가 둥근 직사각형 132"/>
             <p:cNvSpPr/>
             <p:nvPr/>
           </p:nvSpPr>
           <p:spPr>
             <a:xfrm>
-              <a:off x="323528" y="3075806"/>
-              <a:ext cx="648072" cy="648072"/>
+              <a:off x="3059832" y="2868166"/>
+              <a:ext cx="1152128" cy="216024"/>
             </a:xfrm>
-            <a:prstGeom prst="ellipse">
-              <a:avLst/>
+            <a:prstGeom prst="roundRect">
+              <a:avLst>
+                <a:gd name="adj" fmla="val 16667"/>
+              </a:avLst>
             </a:prstGeom>
-            <a:solidFill>
-              <a:schemeClr val="bg1">
-                <a:lumMod val="95000"/>
-              </a:schemeClr>
-            </a:solidFill>
-            <a:ln w="6350">
-              <a:solidFill>
-                <a:schemeClr val="bg1">
-                  <a:lumMod val="50000"/>
-                </a:schemeClr>
-              </a:solidFill>
-            </a:ln>
           </p:spPr>
           <p:style>
             <a:lnRef idx="2">
               <a:schemeClr val="accent1">
-                <a:shade val="50000"/>
+                <a:shade val="20000"/>
               </a:schemeClr>
             </a:lnRef>
             <a:fillRef idx="1">
@@ -6102,100 +11641,238 @@
             </a:fontRef>
           </p:style>
           <p:txBody>
-            <a:bodyPr rtlCol="0" anchor="ctr"/>
-            <a:lstStyle/>
+            <a:bodyPr anchor="ctr"/>
             <a:p>
-              <a:pPr algn="ctr"/>
+              <a:pPr lvl="0" algn="ctr">
+                <a:defRPr/>
+              </a:pPr>
               <a:endParaRPr lang="ko-KR" altLang="en-US"/>
             </a:p>
           </p:txBody>
         </p:sp>
-        <p:cxnSp>
-          <p:nvCxnSpPr>
-            <p:cNvPr id="102" name="직선 연결선 101"/>
-            <p:cNvCxnSpPr>
-              <a:stCxn id="101" idx="7"/>
-              <a:endCxn id="101" idx="3"/>
-            </p:cNvCxnSpPr>
+        <p:sp>
+          <p:nvSpPr>
+            <p:cNvPr id="135" name="가로 글상자 134"/>
+            <p:cNvSpPr txBox="1"/>
             <p:nvPr/>
-          </p:nvCxnSpPr>
+          </p:nvSpPr>
           <p:spPr>
-            <a:xfrm flipH="1">
-              <a:off x="418436" y="3170714"/>
-              <a:ext cx="458256" cy="458256"/>
+            <a:xfrm>
+              <a:off x="3131840" y="2859777"/>
+              <a:ext cx="1008112" cy="218311"/>
             </a:xfrm>
-            <a:prstGeom prst="line">
+            <a:prstGeom prst="rect">
               <a:avLst/>
             </a:prstGeom>
-            <a:ln>
-              <a:solidFill>
-                <a:schemeClr val="bg1">
-                  <a:lumMod val="50000"/>
-                </a:schemeClr>
-              </a:solidFill>
-            </a:ln>
           </p:spPr>
-          <p:style>
-            <a:lnRef idx="1">
-              <a:schemeClr val="accent1"/>
-            </a:lnRef>
-            <a:fillRef idx="0">
-              <a:schemeClr val="accent1"/>
-            </a:fillRef>
-            <a:effectRef idx="0">
-              <a:schemeClr val="accent1"/>
-            </a:effectRef>
-            <a:fontRef idx="minor">
-              <a:schemeClr val="tx1"/>
-            </a:fontRef>
-          </p:style>
-        </p:cxnSp>
+          <p:txBody>
+            <a:bodyPr wrap="square">
+              <a:spAutoFit/>
+            </a:bodyPr>
+            <a:p>
+              <a:pPr lvl="0" algn="ctr">
+                <a:defRPr/>
+              </a:pPr>
+              <a:r>
+                <a:rPr lang="ko-KR" altLang="en-US" sz="900"/>
+                <a:t>로그인 하기</a:t>
+              </a:r>
+              <a:endParaRPr lang="ko-KR" altLang="en-US" sz="900"/>
+            </a:p>
+          </p:txBody>
+        </p:sp>
       </p:grpSp>
+      <p:sp>
+        <p:nvSpPr>
+          <p:cNvPr id="139" name="모서리가 둥근 직사각형 138"/>
+          <p:cNvSpPr/>
+          <p:nvPr/>
+        </p:nvSpPr>
+        <p:spPr>
+          <a:xfrm>
+            <a:off x="1835696" y="1491630"/>
+            <a:ext cx="216024" cy="203003"/>
+          </a:xfrm>
+          <a:prstGeom prst="roundRect">
+            <a:avLst>
+              <a:gd name="adj" fmla="val 0"/>
+            </a:avLst>
+          </a:prstGeom>
+          <a:solidFill>
+            <a:schemeClr val="accent6">
+              <a:lumMod val="75000"/>
+            </a:schemeClr>
+          </a:solidFill>
+          <a:ln>
+            <a:noFill/>
+          </a:ln>
+        </p:spPr>
+        <p:style>
+          <a:lnRef idx="2">
+            <a:schemeClr val="accent1">
+              <a:shade val="50000"/>
+            </a:schemeClr>
+          </a:lnRef>
+          <a:fillRef idx="1">
+            <a:schemeClr val="accent1"/>
+          </a:fillRef>
+          <a:effectRef idx="0">
+            <a:schemeClr val="accent1"/>
+          </a:effectRef>
+          <a:fontRef idx="minor">
+            <a:schemeClr val="lt1"/>
+          </a:fontRef>
+        </p:style>
+        <p:txBody>
+          <a:bodyPr lIns="0" rIns="0" anchor="ctr"/>
+          <a:lstStyle/>
+          <a:p>
+            <a:pPr lvl="0" algn="ctr">
+              <a:defRPr/>
+            </a:pPr>
+            <a:r>
+              <a:rPr lang="en-US" altLang="ko-KR" sz="1050" b="1"/>
+              <a:t>1</a:t>
+            </a:r>
+            <a:endParaRPr lang="en-US" altLang="ko-KR" sz="1050" b="1"/>
+          </a:p>
+        </p:txBody>
+      </p:sp>
+      <p:sp>
+        <p:nvSpPr>
+          <p:cNvPr id="146" name="직사각형 145"/>
+          <p:cNvSpPr/>
+          <p:nvPr/>
+        </p:nvSpPr>
+        <p:spPr>
+          <a:xfrm>
+            <a:off x="2123728" y="1707654"/>
+            <a:ext cx="3096344" cy="432048"/>
+          </a:xfrm>
+          <a:prstGeom prst="rect">
+            <a:avLst/>
+          </a:prstGeom>
+          <a:solidFill>
+            <a:schemeClr val="lt1"/>
+          </a:solidFill>
+          <a:ln>
+            <a:solidFill>
+              <a:schemeClr val="dk1"/>
+            </a:solidFill>
+          </a:ln>
+        </p:spPr>
+        <p:style>
+          <a:lnRef idx="2">
+            <a:schemeClr val="accent1">
+              <a:shade val="20000"/>
+            </a:schemeClr>
+          </a:lnRef>
+          <a:fillRef idx="1">
+            <a:schemeClr val="accent1"/>
+          </a:fillRef>
+          <a:effectRef idx="0">
+            <a:schemeClr val="accent1"/>
+          </a:effectRef>
+          <a:fontRef idx="minor">
+            <a:schemeClr val="lt1"/>
+          </a:fontRef>
+        </p:style>
+        <p:txBody>
+          <a:bodyPr anchor="ctr"/>
+          <a:p>
+            <a:pPr lvl="0" algn="ctr">
+              <a:defRPr/>
+            </a:pPr>
+            <a:endParaRPr lang="ko-KR" altLang="en-US"/>
+          </a:p>
+        </p:txBody>
+      </p:sp>
+      <p:sp>
+        <p:nvSpPr>
+          <p:cNvPr id="155" name="가로 글상자 154"/>
+          <p:cNvSpPr txBox="1"/>
+          <p:nvPr/>
+        </p:nvSpPr>
+        <p:spPr>
+          <a:xfrm>
+            <a:off x="2195736" y="1635646"/>
+            <a:ext cx="3024336" cy="334124"/>
+          </a:xfrm>
+          <a:prstGeom prst="rect">
+            <a:avLst/>
+          </a:prstGeom>
+        </p:spPr>
+        <p:txBody>
+          <a:bodyPr wrap="square">
+            <a:spAutoFit/>
+          </a:bodyPr>
+          <a:p>
+            <a:pPr lvl="0">
+              <a:defRPr/>
+            </a:pPr>
+            <a:r>
+              <a:rPr lang="ko-KR" altLang="en-US" sz="1500"/>
+              <a:t>고객님의 </a:t>
+            </a:r>
+            <a:r>
+              <a:rPr lang="en-US" altLang="ko-KR" sz="1500"/>
+              <a:t>ID</a:t>
+            </a:r>
+            <a:r>
+              <a:rPr lang="ko-KR" altLang="en-US" sz="1500"/>
+              <a:t>는 </a:t>
+            </a:r>
+            <a:r>
+              <a:rPr lang="en-US" altLang="ko-KR" sz="1600" b="1"/>
+              <a:t>userId</a:t>
+            </a:r>
+            <a:r>
+              <a:rPr lang="ko-KR" altLang="en-US" sz="1500"/>
+              <a:t> 입니다</a:t>
+            </a:r>
+            <a:r>
+              <a:rPr lang="en-US" altLang="ko-KR" sz="1500"/>
+              <a:t>.</a:t>
+            </a:r>
+            <a:endParaRPr lang="en-US" altLang="ko-KR" sz="1500"/>
+          </a:p>
+        </p:txBody>
+      </p:sp>
       <p:grpSp>
         <p:nvGrpSpPr>
-          <p:cNvPr id="103" name="그룹 102"/>
+          <p:cNvPr id="158" name="그룹 157"/>
           <p:cNvGrpSpPr/>
           <p:nvPr/>
         </p:nvGrpSpPr>
         <p:grpSpPr>
-          <a:xfrm>
-            <a:off x="5076056" y="3075806"/>
-            <a:ext cx="648072" cy="648072"/>
-            <a:chOff x="323528" y="3075806"/>
-            <a:chExt cx="648072" cy="648072"/>
+          <a:xfrm rot="0">
+            <a:off x="3851920" y="2427734"/>
+            <a:ext cx="1152128" cy="224413"/>
+            <a:chOff x="3059832" y="2859777"/>
+            <a:chExt cx="1152128" cy="224413"/>
           </a:xfrm>
         </p:grpSpPr>
         <p:sp>
           <p:nvSpPr>
-            <p:cNvPr id="104" name="타원 103"/>
+            <p:cNvPr id="159" name="모서리가 둥근 직사각형 132"/>
             <p:cNvSpPr/>
             <p:nvPr/>
           </p:nvSpPr>
           <p:spPr>
             <a:xfrm>
-              <a:off x="323528" y="3075806"/>
-              <a:ext cx="648072" cy="648072"/>
+              <a:off x="3059832" y="2868166"/>
+              <a:ext cx="1152128" cy="216024"/>
             </a:xfrm>
-            <a:prstGeom prst="ellipse">
-              <a:avLst/>
+            <a:prstGeom prst="roundRect">
+              <a:avLst>
+                <a:gd name="adj" fmla="val 16667"/>
+              </a:avLst>
             </a:prstGeom>
-            <a:solidFill>
-              <a:schemeClr val="bg1">
-                <a:lumMod val="95000"/>
-              </a:schemeClr>
-            </a:solidFill>
-            <a:ln w="6350">
-              <a:solidFill>
-                <a:schemeClr val="bg1">
-                  <a:lumMod val="50000"/>
-                </a:schemeClr>
-              </a:solidFill>
-            </a:ln>
           </p:spPr>
           <p:style>
             <a:lnRef idx="2">
               <a:schemeClr val="accent1">
-                <a:shade val="50000"/>
+                <a:shade val="20000"/>
               </a:schemeClr>
             </a:lnRef>
             <a:fillRef idx="1">
@@ -6209,626 +11886,62 @@
             </a:fontRef>
           </p:style>
           <p:txBody>
-            <a:bodyPr rtlCol="0" anchor="ctr"/>
-            <a:lstStyle/>
+            <a:bodyPr anchor="ctr"/>
             <a:p>
-              <a:pPr algn="ctr"/>
+              <a:pPr lvl="0" algn="ctr">
+                <a:defRPr/>
+              </a:pPr>
               <a:endParaRPr lang="ko-KR" altLang="en-US"/>
             </a:p>
           </p:txBody>
         </p:sp>
-        <p:cxnSp>
-          <p:nvCxnSpPr>
-            <p:cNvPr id="105" name="직선 연결선 104"/>
-            <p:cNvCxnSpPr>
-              <a:stCxn id="104" idx="7"/>
-              <a:endCxn id="104" idx="3"/>
-            </p:cNvCxnSpPr>
+        <p:sp>
+          <p:nvSpPr>
+            <p:cNvPr id="160" name="가로 글상자 134"/>
+            <p:cNvSpPr txBox="1"/>
             <p:nvPr/>
-          </p:nvCxnSpPr>
+          </p:nvSpPr>
           <p:spPr>
-            <a:xfrm flipH="1">
-              <a:off x="418436" y="3170714"/>
-              <a:ext cx="458256" cy="458256"/>
+            <a:xfrm>
+              <a:off x="3131840" y="2859777"/>
+              <a:ext cx="1008112" cy="218311"/>
             </a:xfrm>
-            <a:prstGeom prst="line">
+            <a:prstGeom prst="rect">
               <a:avLst/>
             </a:prstGeom>
-            <a:ln>
-              <a:solidFill>
-                <a:schemeClr val="bg1">
-                  <a:lumMod val="50000"/>
-                </a:schemeClr>
-              </a:solidFill>
-            </a:ln>
           </p:spPr>
-          <p:style>
-            <a:lnRef idx="1">
-              <a:schemeClr val="accent1"/>
-            </a:lnRef>
-            <a:fillRef idx="0">
-              <a:schemeClr val="accent1"/>
-            </a:fillRef>
-            <a:effectRef idx="0">
-              <a:schemeClr val="accent1"/>
-            </a:effectRef>
-            <a:fontRef idx="minor">
-              <a:schemeClr val="tx1"/>
-            </a:fontRef>
-          </p:style>
-        </p:cxnSp>
+          <p:txBody>
+            <a:bodyPr wrap="square">
+              <a:spAutoFit/>
+            </a:bodyPr>
+            <a:p>
+              <a:pPr lvl="0" algn="ctr">
+                <a:defRPr/>
+              </a:pPr>
+              <a:r>
+                <a:rPr lang="ko-KR" altLang="en-US" sz="900"/>
+                <a:t>비밀번호 찾기</a:t>
+              </a:r>
+              <a:endParaRPr lang="ko-KR" altLang="en-US" sz="900"/>
+            </a:p>
+          </p:txBody>
+        </p:sp>
       </p:grpSp>
       <p:sp>
         <p:nvSpPr>
-          <p:cNvPr id="106" name="모서리가 둥근 직사각형 105"/>
+          <p:cNvPr id="161" name="모서리가 둥근 직사각형 160"/>
           <p:cNvSpPr/>
           <p:nvPr/>
         </p:nvSpPr>
         <p:spPr>
           <a:xfrm>
-            <a:off x="1365196" y="3757018"/>
-            <a:ext cx="709387" cy="229725"/>
+            <a:off x="1988096" y="2296738"/>
+            <a:ext cx="216024" cy="203003"/>
           </a:xfrm>
           <a:prstGeom prst="roundRect">
             <a:avLst>
-              <a:gd name="adj" fmla="val 9813"/>
+              <a:gd name="adj" fmla="val 0"/>
             </a:avLst>
-          </a:prstGeom>
-          <a:noFill/>
-          <a:ln w="6350">
-            <a:noFill/>
-          </a:ln>
-        </p:spPr>
-        <p:style>
-          <a:lnRef idx="2">
-            <a:schemeClr val="accent1">
-              <a:shade val="50000"/>
-            </a:schemeClr>
-          </a:lnRef>
-          <a:fillRef idx="1">
-            <a:schemeClr val="accent1"/>
-          </a:fillRef>
-          <a:effectRef idx="0">
-            <a:schemeClr val="accent1"/>
-          </a:effectRef>
-          <a:fontRef idx="minor">
-            <a:schemeClr val="lt1"/>
-          </a:fontRef>
-        </p:style>
-        <p:txBody>
-          <a:bodyPr rtlCol="0" anchor="ctr"/>
-          <a:lstStyle/>
-          <a:p>
-            <a:r>
-              <a:rPr lang="ko-KR" altLang="en-US" sz="700" dirty="0">
-                <a:solidFill>
-                  <a:schemeClr val="tx1">
-                    <a:lumMod val="65000"/>
-                    <a:lumOff val="35000"/>
-                  </a:schemeClr>
-                </a:solidFill>
-                <a:latin typeface="+mn-ea"/>
-              </a:rPr>
-              <a:t>주요제품</a:t>
-            </a:r>
-            <a:r>
-              <a:rPr lang="en-US" altLang="ko-KR" sz="700" dirty="0">
-                <a:solidFill>
-                  <a:schemeClr val="tx1">
-                    <a:lumMod val="65000"/>
-                    <a:lumOff val="35000"/>
-                  </a:schemeClr>
-                </a:solidFill>
-                <a:latin typeface="+mn-ea"/>
-              </a:rPr>
-              <a:t>1</a:t>
-            </a:r>
-          </a:p>
-        </p:txBody>
-      </p:sp>
-      <p:sp>
-        <p:nvSpPr>
-          <p:cNvPr id="107" name="모서리가 둥근 직사각형 106"/>
-          <p:cNvSpPr/>
-          <p:nvPr/>
-        </p:nvSpPr>
-        <p:spPr>
-          <a:xfrm>
-            <a:off x="2308500" y="3757018"/>
-            <a:ext cx="709387" cy="229725"/>
-          </a:xfrm>
-          <a:prstGeom prst="roundRect">
-            <a:avLst>
-              <a:gd name="adj" fmla="val 9813"/>
-            </a:avLst>
-          </a:prstGeom>
-          <a:noFill/>
-          <a:ln w="6350">
-            <a:noFill/>
-          </a:ln>
-        </p:spPr>
-        <p:style>
-          <a:lnRef idx="2">
-            <a:schemeClr val="accent1">
-              <a:shade val="50000"/>
-            </a:schemeClr>
-          </a:lnRef>
-          <a:fillRef idx="1">
-            <a:schemeClr val="accent1"/>
-          </a:fillRef>
-          <a:effectRef idx="0">
-            <a:schemeClr val="accent1"/>
-          </a:effectRef>
-          <a:fontRef idx="minor">
-            <a:schemeClr val="lt1"/>
-          </a:fontRef>
-        </p:style>
-        <p:txBody>
-          <a:bodyPr rtlCol="0" anchor="ctr"/>
-          <a:lstStyle/>
-          <a:p>
-            <a:r>
-              <a:rPr lang="ko-KR" altLang="en-US" sz="700" dirty="0">
-                <a:solidFill>
-                  <a:schemeClr val="tx1">
-                    <a:lumMod val="65000"/>
-                    <a:lumOff val="35000"/>
-                  </a:schemeClr>
-                </a:solidFill>
-                <a:latin typeface="+mn-ea"/>
-              </a:rPr>
-              <a:t>주요제품</a:t>
-            </a:r>
-            <a:r>
-              <a:rPr lang="en-US" altLang="ko-KR" sz="700" dirty="0">
-                <a:solidFill>
-                  <a:schemeClr val="tx1">
-                    <a:lumMod val="65000"/>
-                    <a:lumOff val="35000"/>
-                  </a:schemeClr>
-                </a:solidFill>
-                <a:latin typeface="+mn-ea"/>
-              </a:rPr>
-              <a:t>2</a:t>
-            </a:r>
-          </a:p>
-        </p:txBody>
-      </p:sp>
-      <p:sp>
-        <p:nvSpPr>
-          <p:cNvPr id="108" name="모서리가 둥근 직사각형 107"/>
-          <p:cNvSpPr/>
-          <p:nvPr/>
-        </p:nvSpPr>
-        <p:spPr>
-          <a:xfrm>
-            <a:off x="3269497" y="3757018"/>
-            <a:ext cx="709387" cy="229725"/>
-          </a:xfrm>
-          <a:prstGeom prst="roundRect">
-            <a:avLst>
-              <a:gd name="adj" fmla="val 9813"/>
-            </a:avLst>
-          </a:prstGeom>
-          <a:noFill/>
-          <a:ln w="6350">
-            <a:noFill/>
-          </a:ln>
-        </p:spPr>
-        <p:style>
-          <a:lnRef idx="2">
-            <a:schemeClr val="accent1">
-              <a:shade val="50000"/>
-            </a:schemeClr>
-          </a:lnRef>
-          <a:fillRef idx="1">
-            <a:schemeClr val="accent1"/>
-          </a:fillRef>
-          <a:effectRef idx="0">
-            <a:schemeClr val="accent1"/>
-          </a:effectRef>
-          <a:fontRef idx="minor">
-            <a:schemeClr val="lt1"/>
-          </a:fontRef>
-        </p:style>
-        <p:txBody>
-          <a:bodyPr rtlCol="0" anchor="ctr"/>
-          <a:lstStyle/>
-          <a:p>
-            <a:r>
-              <a:rPr lang="ko-KR" altLang="en-US" sz="700" dirty="0">
-                <a:solidFill>
-                  <a:schemeClr val="tx1">
-                    <a:lumMod val="65000"/>
-                    <a:lumOff val="35000"/>
-                  </a:schemeClr>
-                </a:solidFill>
-                <a:latin typeface="+mn-ea"/>
-              </a:rPr>
-              <a:t>주요제품</a:t>
-            </a:r>
-            <a:r>
-              <a:rPr lang="en-US" altLang="ko-KR" sz="700" dirty="0">
-                <a:solidFill>
-                  <a:schemeClr val="tx1">
-                    <a:lumMod val="65000"/>
-                    <a:lumOff val="35000"/>
-                  </a:schemeClr>
-                </a:solidFill>
-                <a:latin typeface="+mn-ea"/>
-              </a:rPr>
-              <a:t>3</a:t>
-            </a:r>
-          </a:p>
-        </p:txBody>
-      </p:sp>
-      <p:sp>
-        <p:nvSpPr>
-          <p:cNvPr id="109" name="모서리가 둥근 직사각형 108"/>
-          <p:cNvSpPr/>
-          <p:nvPr/>
-        </p:nvSpPr>
-        <p:spPr>
-          <a:xfrm>
-            <a:off x="4212801" y="3757018"/>
-            <a:ext cx="709387" cy="229725"/>
-          </a:xfrm>
-          <a:prstGeom prst="roundRect">
-            <a:avLst>
-              <a:gd name="adj" fmla="val 9813"/>
-            </a:avLst>
-          </a:prstGeom>
-          <a:noFill/>
-          <a:ln w="6350">
-            <a:noFill/>
-          </a:ln>
-        </p:spPr>
-        <p:style>
-          <a:lnRef idx="2">
-            <a:schemeClr val="accent1">
-              <a:shade val="50000"/>
-            </a:schemeClr>
-          </a:lnRef>
-          <a:fillRef idx="1">
-            <a:schemeClr val="accent1"/>
-          </a:fillRef>
-          <a:effectRef idx="0">
-            <a:schemeClr val="accent1"/>
-          </a:effectRef>
-          <a:fontRef idx="minor">
-            <a:schemeClr val="lt1"/>
-          </a:fontRef>
-        </p:style>
-        <p:txBody>
-          <a:bodyPr rtlCol="0" anchor="ctr"/>
-          <a:lstStyle/>
-          <a:p>
-            <a:r>
-              <a:rPr lang="ko-KR" altLang="en-US" sz="700" dirty="0">
-                <a:solidFill>
-                  <a:schemeClr val="tx1">
-                    <a:lumMod val="65000"/>
-                    <a:lumOff val="35000"/>
-                  </a:schemeClr>
-                </a:solidFill>
-                <a:latin typeface="+mn-ea"/>
-              </a:rPr>
-              <a:t>주요제품</a:t>
-            </a:r>
-            <a:r>
-              <a:rPr lang="en-US" altLang="ko-KR" sz="700" dirty="0">
-                <a:solidFill>
-                  <a:schemeClr val="tx1">
-                    <a:lumMod val="65000"/>
-                    <a:lumOff val="35000"/>
-                  </a:schemeClr>
-                </a:solidFill>
-                <a:latin typeface="+mn-ea"/>
-              </a:rPr>
-              <a:t>4</a:t>
-            </a:r>
-          </a:p>
-        </p:txBody>
-      </p:sp>
-      <p:sp>
-        <p:nvSpPr>
-          <p:cNvPr id="110" name="모서리가 둥근 직사각형 109"/>
-          <p:cNvSpPr/>
-          <p:nvPr/>
-        </p:nvSpPr>
-        <p:spPr>
-          <a:xfrm>
-            <a:off x="5110423" y="3757018"/>
-            <a:ext cx="709387" cy="229725"/>
-          </a:xfrm>
-          <a:prstGeom prst="roundRect">
-            <a:avLst>
-              <a:gd name="adj" fmla="val 9813"/>
-            </a:avLst>
-          </a:prstGeom>
-          <a:noFill/>
-          <a:ln w="6350">
-            <a:noFill/>
-          </a:ln>
-        </p:spPr>
-        <p:style>
-          <a:lnRef idx="2">
-            <a:schemeClr val="accent1">
-              <a:shade val="50000"/>
-            </a:schemeClr>
-          </a:lnRef>
-          <a:fillRef idx="1">
-            <a:schemeClr val="accent1"/>
-          </a:fillRef>
-          <a:effectRef idx="0">
-            <a:schemeClr val="accent1"/>
-          </a:effectRef>
-          <a:fontRef idx="minor">
-            <a:schemeClr val="lt1"/>
-          </a:fontRef>
-        </p:style>
-        <p:txBody>
-          <a:bodyPr rtlCol="0" anchor="ctr"/>
-          <a:lstStyle/>
-          <a:p>
-            <a:r>
-              <a:rPr lang="ko-KR" altLang="en-US" sz="700" dirty="0">
-                <a:solidFill>
-                  <a:schemeClr val="tx1">
-                    <a:lumMod val="65000"/>
-                    <a:lumOff val="35000"/>
-                  </a:schemeClr>
-                </a:solidFill>
-                <a:latin typeface="+mn-ea"/>
-              </a:rPr>
-              <a:t>주요제품</a:t>
-            </a:r>
-            <a:r>
-              <a:rPr lang="en-US" altLang="ko-KR" sz="700" dirty="0">
-                <a:solidFill>
-                  <a:schemeClr val="tx1">
-                    <a:lumMod val="65000"/>
-                    <a:lumOff val="35000"/>
-                  </a:schemeClr>
-                </a:solidFill>
-                <a:latin typeface="+mn-ea"/>
-              </a:rPr>
-              <a:t>5</a:t>
-            </a:r>
-          </a:p>
-        </p:txBody>
-      </p:sp>
-      <p:sp>
-        <p:nvSpPr>
-          <p:cNvPr id="111" name="모서리가 둥근 직사각형 110"/>
-          <p:cNvSpPr/>
-          <p:nvPr/>
-        </p:nvSpPr>
-        <p:spPr>
-          <a:xfrm>
-            <a:off x="299794" y="4159689"/>
-            <a:ext cx="709387" cy="229725"/>
-          </a:xfrm>
-          <a:prstGeom prst="roundRect">
-            <a:avLst>
-              <a:gd name="adj" fmla="val 9813"/>
-            </a:avLst>
-          </a:prstGeom>
-          <a:noFill/>
-          <a:ln w="6350">
-            <a:noFill/>
-          </a:ln>
-        </p:spPr>
-        <p:style>
-          <a:lnRef idx="2">
-            <a:schemeClr val="accent1">
-              <a:shade val="50000"/>
-            </a:schemeClr>
-          </a:lnRef>
-          <a:fillRef idx="1">
-            <a:schemeClr val="accent1"/>
-          </a:fillRef>
-          <a:effectRef idx="0">
-            <a:schemeClr val="accent1"/>
-          </a:effectRef>
-          <a:fontRef idx="minor">
-            <a:schemeClr val="lt1"/>
-          </a:fontRef>
-        </p:style>
-        <p:txBody>
-          <a:bodyPr rtlCol="0" anchor="ctr"/>
-          <a:lstStyle/>
-          <a:p>
-            <a:r>
-              <a:rPr lang="ko-KR" altLang="en-US" sz="900" b="1" dirty="0">
-                <a:solidFill>
-                  <a:schemeClr val="bg1"/>
-                </a:solidFill>
-                <a:latin typeface="+mn-ea"/>
-              </a:rPr>
-              <a:t>공지사항</a:t>
-            </a:r>
-            <a:endParaRPr lang="en-US" altLang="ko-KR" sz="900" b="1" dirty="0">
-              <a:solidFill>
-                <a:schemeClr val="bg1"/>
-              </a:solidFill>
-              <a:latin typeface="+mn-ea"/>
-            </a:endParaRPr>
-          </a:p>
-        </p:txBody>
-      </p:sp>
-      <p:sp>
-        <p:nvSpPr>
-          <p:cNvPr id="113" name="모서리가 둥근 직사각형 112"/>
-          <p:cNvSpPr/>
-          <p:nvPr/>
-        </p:nvSpPr>
-        <p:spPr>
-          <a:xfrm>
-            <a:off x="286509" y="4411359"/>
-            <a:ext cx="3853443" cy="464647"/>
-          </a:xfrm>
-          <a:prstGeom prst="roundRect">
-            <a:avLst>
-              <a:gd name="adj" fmla="val 9813"/>
-            </a:avLst>
-          </a:prstGeom>
-          <a:noFill/>
-          <a:ln w="6350">
-            <a:noFill/>
-          </a:ln>
-        </p:spPr>
-        <p:style>
-          <a:lnRef idx="2">
-            <a:schemeClr val="accent1">
-              <a:shade val="50000"/>
-            </a:schemeClr>
-          </a:lnRef>
-          <a:fillRef idx="1">
-            <a:schemeClr val="accent1"/>
-          </a:fillRef>
-          <a:effectRef idx="0">
-            <a:schemeClr val="accent1"/>
-          </a:effectRef>
-          <a:fontRef idx="minor">
-            <a:schemeClr val="lt1"/>
-          </a:fontRef>
-        </p:style>
-        <p:txBody>
-          <a:bodyPr rtlCol="0" anchor="ctr"/>
-          <a:lstStyle/>
-          <a:p>
-            <a:pPr>
-              <a:lnSpc>
-                <a:spcPct val="150000"/>
-              </a:lnSpc>
-            </a:pPr>
-            <a:r>
-              <a:rPr lang="ko-KR" altLang="en-US" sz="700" dirty="0">
-                <a:solidFill>
-                  <a:schemeClr val="tx1">
-                    <a:lumMod val="65000"/>
-                    <a:lumOff val="35000"/>
-                  </a:schemeClr>
-                </a:solidFill>
-                <a:latin typeface="+mn-ea"/>
-              </a:rPr>
-              <a:t>주요 공지사항입니다</a:t>
-            </a:r>
-            <a:r>
-              <a:rPr lang="en-US" altLang="ko-KR" sz="700" dirty="0">
-                <a:solidFill>
-                  <a:schemeClr val="tx1">
-                    <a:lumMod val="65000"/>
-                    <a:lumOff val="35000"/>
-                  </a:schemeClr>
-                </a:solidFill>
-                <a:latin typeface="+mn-ea"/>
-              </a:rPr>
-              <a:t>.   2017.03.03</a:t>
-            </a:r>
-          </a:p>
-          <a:p>
-            <a:pPr>
-              <a:lnSpc>
-                <a:spcPct val="150000"/>
-              </a:lnSpc>
-            </a:pPr>
-            <a:r>
-              <a:rPr lang="ko-KR" altLang="en-US" sz="700" dirty="0" err="1">
-                <a:solidFill>
-                  <a:schemeClr val="tx1">
-                    <a:lumMod val="65000"/>
-                    <a:lumOff val="35000"/>
-                  </a:schemeClr>
-                </a:solidFill>
-                <a:latin typeface="+mn-ea"/>
-              </a:rPr>
-              <a:t>오픈이벤트입니다</a:t>
-            </a:r>
-            <a:r>
-              <a:rPr lang="en-US" altLang="ko-KR" sz="700" dirty="0">
-                <a:solidFill>
-                  <a:schemeClr val="tx1">
-                    <a:lumMod val="65000"/>
-                    <a:lumOff val="35000"/>
-                  </a:schemeClr>
-                </a:solidFill>
-                <a:latin typeface="+mn-ea"/>
-              </a:rPr>
-              <a:t>. 2017.02.03</a:t>
-            </a:r>
-          </a:p>
-          <a:p>
-            <a:pPr>
-              <a:lnSpc>
-                <a:spcPct val="150000"/>
-              </a:lnSpc>
-            </a:pPr>
-            <a:r>
-              <a:rPr lang="ko-KR" altLang="en-US" sz="700" dirty="0">
-                <a:solidFill>
-                  <a:schemeClr val="tx1">
-                    <a:lumMod val="65000"/>
-                    <a:lumOff val="35000"/>
-                  </a:schemeClr>
-                </a:solidFill>
-                <a:latin typeface="+mn-ea"/>
-              </a:rPr>
-              <a:t>홈페이지 </a:t>
-            </a:r>
-            <a:r>
-              <a:rPr lang="ko-KR" altLang="en-US" sz="700" dirty="0" err="1">
-                <a:solidFill>
-                  <a:schemeClr val="tx1">
-                    <a:lumMod val="65000"/>
-                    <a:lumOff val="35000"/>
-                  </a:schemeClr>
-                </a:solidFill>
-                <a:latin typeface="+mn-ea"/>
-              </a:rPr>
-              <a:t>오픈을</a:t>
-            </a:r>
-            <a:r>
-              <a:rPr lang="ko-KR" altLang="en-US" sz="700" dirty="0">
-                <a:solidFill>
-                  <a:schemeClr val="tx1">
-                    <a:lumMod val="65000"/>
-                    <a:lumOff val="35000"/>
-                  </a:schemeClr>
-                </a:solidFill>
-                <a:latin typeface="+mn-ea"/>
-              </a:rPr>
-              <a:t> 축하해 주세요</a:t>
-            </a:r>
-            <a:r>
-              <a:rPr lang="en-US" altLang="ko-KR" sz="700" dirty="0">
-                <a:solidFill>
-                  <a:schemeClr val="tx1">
-                    <a:lumMod val="65000"/>
-                    <a:lumOff val="35000"/>
-                  </a:schemeClr>
-                </a:solidFill>
-                <a:latin typeface="+mn-ea"/>
-              </a:rPr>
-              <a:t>. 2017.01.31</a:t>
-            </a:r>
-          </a:p>
-        </p:txBody>
-      </p:sp>
-      <p:sp>
-        <p:nvSpPr>
-          <p:cNvPr id="123" name="모서리가 둥근 직사각형 122"/>
-          <p:cNvSpPr/>
-          <p:nvPr/>
-        </p:nvSpPr>
-        <p:spPr>
-          <a:xfrm>
-            <a:off x="1259632" y="3147814"/>
-            <a:ext cx="216024" cy="216024"/>
-          </a:xfrm>
-          <a:prstGeom prst="roundRect">
-            <a:avLst/>
           </a:prstGeom>
           <a:solidFill>
             <a:schemeClr val="accent6">
@@ -6856,31 +11969,35 @@
           </a:fontRef>
         </p:style>
         <p:txBody>
-          <a:bodyPr lIns="0" rIns="0" rtlCol="0" anchor="ctr"/>
+          <a:bodyPr lIns="0" rIns="0" anchor="ctr"/>
           <a:lstStyle/>
           <a:p>
-            <a:pPr algn="ctr"/>
-            <a:r>
-              <a:rPr lang="en-US" altLang="ko-KR" sz="1050" b="1" dirty="0"/>
+            <a:pPr lvl="0" algn="ctr">
+              <a:defRPr/>
+            </a:pPr>
+            <a:r>
+              <a:rPr lang="en-US" altLang="ko-KR" sz="1050" b="1"/>
               <a:t>2</a:t>
             </a:r>
-            <a:endParaRPr lang="ko-KR" altLang="en-US" sz="1050" b="1" dirty="0"/>
-          </a:p>
-        </p:txBody>
-      </p:sp>
-      <p:sp>
-        <p:nvSpPr>
-          <p:cNvPr id="124" name="모서리가 둥근 직사각형 123"/>
+            <a:endParaRPr lang="en-US" altLang="ko-KR" sz="1050" b="1"/>
+          </a:p>
+        </p:txBody>
+      </p:sp>
+      <p:sp>
+        <p:nvSpPr>
+          <p:cNvPr id="162" name="모서리가 둥근 직사각형 161"/>
           <p:cNvSpPr/>
           <p:nvPr/>
         </p:nvSpPr>
         <p:spPr>
           <a:xfrm>
-            <a:off x="3419872" y="1779662"/>
-            <a:ext cx="216024" cy="216024"/>
+            <a:off x="3563888" y="2296738"/>
+            <a:ext cx="216024" cy="203003"/>
           </a:xfrm>
           <a:prstGeom prst="roundRect">
-            <a:avLst/>
+            <a:avLst>
+              <a:gd name="adj" fmla="val 0"/>
+            </a:avLst>
           </a:prstGeom>
           <a:solidFill>
             <a:schemeClr val="accent6">
@@ -6908,71 +12025,26 @@
           </a:fontRef>
         </p:style>
         <p:txBody>
-          <a:bodyPr lIns="0" rIns="0" rtlCol="0" anchor="ctr"/>
+          <a:bodyPr lIns="0" rIns="0" anchor="ctr"/>
           <a:lstStyle/>
           <a:p>
-            <a:pPr algn="ctr"/>
-            <a:r>
-              <a:rPr lang="en-US" altLang="ko-KR" sz="1050" b="1" dirty="0"/>
-              <a:t>1</a:t>
-            </a:r>
-            <a:endParaRPr lang="ko-KR" altLang="en-US" sz="1050" b="1" dirty="0"/>
-          </a:p>
-        </p:txBody>
-      </p:sp>
-      <p:sp>
-        <p:nvSpPr>
-          <p:cNvPr id="125" name="모서리가 둥근 직사각형 124"/>
-          <p:cNvSpPr/>
-          <p:nvPr/>
-        </p:nvSpPr>
-        <p:spPr>
-          <a:xfrm>
-            <a:off x="152286" y="4171271"/>
-            <a:ext cx="216024" cy="216024"/>
-          </a:xfrm>
-          <a:prstGeom prst="roundRect">
-            <a:avLst/>
-          </a:prstGeom>
-          <a:solidFill>
-            <a:schemeClr val="accent6">
-              <a:lumMod val="75000"/>
-            </a:schemeClr>
-          </a:solidFill>
-          <a:ln>
-            <a:noFill/>
-          </a:ln>
-        </p:spPr>
-        <p:style>
-          <a:lnRef idx="2">
-            <a:schemeClr val="accent1">
-              <a:shade val="50000"/>
-            </a:schemeClr>
-          </a:lnRef>
-          <a:fillRef idx="1">
-            <a:schemeClr val="accent1"/>
-          </a:fillRef>
-          <a:effectRef idx="0">
-            <a:schemeClr val="accent1"/>
-          </a:effectRef>
-          <a:fontRef idx="minor">
-            <a:schemeClr val="lt1"/>
-          </a:fontRef>
-        </p:style>
-        <p:txBody>
-          <a:bodyPr lIns="0" rIns="0" rtlCol="0" anchor="ctr"/>
-          <a:lstStyle/>
-          <a:p>
-            <a:pPr algn="ctr"/>
-            <a:r>
-              <a:rPr lang="en-US" altLang="ko-KR" sz="1050" b="1" dirty="0"/>
+            <a:pPr lvl="0" algn="ctr">
+              <a:defRPr/>
+            </a:pPr>
+            <a:r>
+              <a:rPr lang="en-US" altLang="ko-KR" sz="1050" b="1"/>
               <a:t>3</a:t>
             </a:r>
-            <a:endParaRPr lang="ko-KR" altLang="en-US" sz="1050" b="1" dirty="0"/>
+            <a:endParaRPr lang="en-US" altLang="ko-KR" sz="1050" b="1"/>
           </a:p>
         </p:txBody>
       </p:sp>
     </p:spTree>
+    <p:extLst>
+      <p:ext uri="{BB962C8B-B14F-4D97-AF65-F5344CB8AC3E}">
+        <p14:creationId xmlns:p14="http://schemas.microsoft.com/office/powerpoint/2010/main" val="921327404"/>
+      </p:ext>
+    </p:extLst>
   </p:cSld>
   <p:clrMapOvr>
     <a:masterClrMapping/>
@@ -6980,7 +12052,7 @@
 </p:sld>
 </file>
 
-<file path=ppt/slides/slide2.xml><?xml version="1.0" encoding="utf-8"?>
+<file path=ppt/slides/slide5.xml><?xml version="1.0" encoding="utf-8"?>
 <p:sld xmlns:r="http://schemas.openxmlformats.org/officeDocument/2006/relationships" xmlns:c="http://schemas.openxmlformats.org/drawingml/2006/chart" xmlns:a="http://schemas.openxmlformats.org/drawingml/2006/main" xmlns:dgm="http://schemas.openxmlformats.org/drawingml/2006/diagram" xmlns:dsp="http://schemas.microsoft.com/office/drawing/2008/diagram" xmlns:p="http://schemas.openxmlformats.org/presentationml/2006/main">
   <p:cSld>
     <p:spTree>
@@ -9153,13 +14225,13 @@
       </p:sp>
       <p:sp>
         <p:nvSpPr>
-          <p:cNvPr id="124" name="모서리가 둥근 직사각형 123"/>
+          <p:cNvPr id="125" name="모서리가 둥근 직사각형 124"/>
           <p:cNvSpPr/>
           <p:nvPr/>
         </p:nvSpPr>
         <p:spPr>
           <a:xfrm>
-            <a:off x="3419872" y="1779662"/>
+            <a:off x="152286" y="4171271"/>
             <a:ext cx="216024" cy="216024"/>
           </a:xfrm>
           <a:prstGeom prst="roundRect">
@@ -9201,62 +14273,6 @@
             </a:pPr>
             <a:r>
               <a:rPr lang="en-US" altLang="ko-KR" sz="1050" b="1"/>
-              <a:t>1</a:t>
-            </a:r>
-            <a:endParaRPr lang="ko-KR" altLang="en-US" sz="1050" b="1"/>
-          </a:p>
-        </p:txBody>
-      </p:sp>
-      <p:sp>
-        <p:nvSpPr>
-          <p:cNvPr id="125" name="모서리가 둥근 직사각형 124"/>
-          <p:cNvSpPr/>
-          <p:nvPr/>
-        </p:nvSpPr>
-        <p:spPr>
-          <a:xfrm>
-            <a:off x="152286" y="4171271"/>
-            <a:ext cx="216024" cy="216024"/>
-          </a:xfrm>
-          <a:prstGeom prst="roundRect">
-            <a:avLst>
-              <a:gd name="adj" fmla="val 16667"/>
-            </a:avLst>
-          </a:prstGeom>
-          <a:solidFill>
-            <a:schemeClr val="accent6">
-              <a:lumMod val="75000"/>
-            </a:schemeClr>
-          </a:solidFill>
-          <a:ln>
-            <a:noFill/>
-          </a:ln>
-        </p:spPr>
-        <p:style>
-          <a:lnRef idx="2">
-            <a:schemeClr val="accent1">
-              <a:shade val="50000"/>
-            </a:schemeClr>
-          </a:lnRef>
-          <a:fillRef idx="1">
-            <a:schemeClr val="accent1"/>
-          </a:fillRef>
-          <a:effectRef idx="0">
-            <a:schemeClr val="accent1"/>
-          </a:effectRef>
-          <a:fontRef idx="minor">
-            <a:schemeClr val="lt1"/>
-          </a:fontRef>
-        </p:style>
-        <p:txBody>
-          <a:bodyPr lIns="0" rIns="0" anchor="ctr"/>
-          <a:lstStyle/>
-          <a:p>
-            <a:pPr lvl="0" algn="ctr">
-              <a:defRPr/>
-            </a:pPr>
-            <a:r>
-              <a:rPr lang="en-US" altLang="ko-KR" sz="1050" b="1"/>
               <a:t>3</a:t>
             </a:r>
             <a:endParaRPr lang="ko-KR" altLang="en-US" sz="1050" b="1"/>
@@ -9276,7 +14292,7 @@
 </p:sld>
 </file>
 
-<file path=ppt/slides/slide3.xml><?xml version="1.0" encoding="utf-8"?>
+<file path=ppt/slides/slide6.xml><?xml version="1.0" encoding="utf-8"?>
 <p:sld xmlns:r="http://schemas.openxmlformats.org/officeDocument/2006/relationships" xmlns:c="http://schemas.openxmlformats.org/drawingml/2006/chart" xmlns:a="http://schemas.openxmlformats.org/drawingml/2006/main" xmlns:dgm="http://schemas.openxmlformats.org/drawingml/2006/diagram" xmlns:dsp="http://schemas.microsoft.com/office/drawing/2008/diagram" xmlns:p="http://schemas.openxmlformats.org/presentationml/2006/main">
   <p:cSld>
     <p:spTree>
@@ -11572,7 +16588,7 @@
 </p:sld>
 </file>
 
-<file path=ppt/slides/slide4.xml><?xml version="1.0" encoding="utf-8"?>
+<file path=ppt/slides/slide7.xml><?xml version="1.0" encoding="utf-8"?>
 <p:sld xmlns:r="http://schemas.openxmlformats.org/officeDocument/2006/relationships" xmlns:c="http://schemas.openxmlformats.org/drawingml/2006/chart" xmlns:a="http://schemas.openxmlformats.org/drawingml/2006/main" xmlns:dgm="http://schemas.openxmlformats.org/drawingml/2006/diagram" xmlns:dsp="http://schemas.microsoft.com/office/drawing/2008/diagram" xmlns:p="http://schemas.openxmlformats.org/presentationml/2006/main">
   <p:cSld>
     <p:spTree>

--- a/documents/storyBoard/JuHyenjun/jhj_Story_Board.pptx
+++ b/documents/storyBoard/JuHyenjun/jhj_Story_Board.pptx
@@ -13,11 +13,12 @@
   <p:sldIdLst>
     <p:sldId id="267" r:id="rId4"/>
     <p:sldId id="272" r:id="rId5"/>
-    <p:sldId id="273" r:id="rId6"/>
-    <p:sldId id="271" r:id="rId7"/>
-    <p:sldId id="268" r:id="rId8"/>
-    <p:sldId id="269" r:id="rId9"/>
-    <p:sldId id="270" r:id="rId10"/>
+    <p:sldId id="271" r:id="rId6"/>
+    <p:sldId id="273" r:id="rId7"/>
+    <p:sldId id="274" r:id="rId8"/>
+    <p:sldId id="268" r:id="rId9"/>
+    <p:sldId id="269" r:id="rId10"/>
+    <p:sldId id="270" r:id="rId11"/>
   </p:sldIdLst>
   <p:sldSz cx="9144000" cy="5143500" type="screen16x9"/>
   <p:notesSz cx="6858000" cy="9144000"/>
@@ -841,7 +842,7 @@
     </p:spTree>
     <p:extLst>
       <p:ext uri="{BB962C8B-B14F-4D97-AF65-F5344CB8AC3E}">
-        <p14:creationId xmlns:p14="http://schemas.microsoft.com/office/powerpoint/2010/main" val="2038016139"/>
+        <p14:creationId xmlns:p14="http://schemas.microsoft.com/office/powerpoint/2010/main" val="1941540995"/>
       </p:ext>
     </p:extLst>
   </p:cSld>
@@ -938,7 +939,105 @@
     </p:spTree>
     <p:extLst>
       <p:ext uri="{BB962C8B-B14F-4D97-AF65-F5344CB8AC3E}">
-        <p14:creationId xmlns:p14="http://schemas.microsoft.com/office/powerpoint/2010/main" val="1941540995"/>
+        <p14:creationId xmlns:p14="http://schemas.microsoft.com/office/powerpoint/2010/main" val="2038016139"/>
+      </p:ext>
+    </p:extLst>
+  </p:cSld>
+  <p:clrMapOvr>
+    <a:masterClrMapping/>
+  </p:clrMapOvr>
+</p:notes>
+</file>
+
+<file path=ppt/notesSlides/notesSlide4.xml><?xml version="1.0" encoding="utf-8"?>
+<p:notes xmlns:r="http://schemas.openxmlformats.org/officeDocument/2006/relationships" xmlns:c="http://schemas.openxmlformats.org/drawingml/2006/chart" xmlns:a="http://schemas.openxmlformats.org/drawingml/2006/main" xmlns:dgm="http://schemas.openxmlformats.org/drawingml/2006/diagram" xmlns:dsp="http://schemas.microsoft.com/office/drawing/2008/diagram" xmlns:p="http://schemas.openxmlformats.org/presentationml/2006/main">
+  <p:cSld>
+    <p:spTree>
+      <p:nvGrpSpPr>
+        <p:cNvPr id="1" name=""/>
+        <p:cNvGrpSpPr/>
+        <p:nvPr/>
+      </p:nvGrpSpPr>
+      <p:grpSpPr>
+        <a:xfrm>
+          <a:off x="0" y="0"/>
+          <a:ext cx="0" cy="0"/>
+          <a:chOff x="0" y="0"/>
+          <a:chExt cx="0" cy="0"/>
+        </a:xfrm>
+      </p:grpSpPr>
+      <p:sp>
+        <p:nvSpPr>
+          <p:cNvPr id="2" name="슬라이드 이미지 개체 틀 3"/>
+          <p:cNvSpPr>
+            <a:spLocks noGrp="1" noRot="1" noChangeAspect="1" noTextEdit="1"/>
+          </p:cNvSpPr>
+          <p:nvPr>
+            <p:ph type="sldImg" idx="2"/>
+          </p:nvPr>
+        </p:nvSpPr>
+        <p:spPr/>
+        <p:txBody>
+          <a:bodyPr/>
+          <a:p>
+            <a:pPr lvl="0"/>
+            <a:endParaRPr lang="ko-KR" altLang="en-US"/>
+          </a:p>
+        </p:txBody>
+      </p:sp>
+      <p:sp>
+        <p:nvSpPr>
+          <p:cNvPr id="3" name="슬라이드 노트 개체 틀 4"/>
+          <p:cNvSpPr>
+            <a:spLocks noGrp="1"/>
+          </p:cNvSpPr>
+          <p:nvPr>
+            <p:ph type="body" sz="quarter" idx="3"/>
+          </p:nvPr>
+        </p:nvSpPr>
+        <p:spPr/>
+        <p:txBody>
+          <a:bodyPr/>
+          <a:p>
+            <a:pPr lvl="0">
+              <a:defRPr/>
+            </a:pPr>
+            <a:r>
+              <a:rPr lang="ko-KR" altLang="en-US"/>
+              <a:t/>
+            </a:r>
+            <a:endParaRPr lang="ko-KR" altLang="en-US"/>
+          </a:p>
+        </p:txBody>
+      </p:sp>
+      <p:sp>
+        <p:nvSpPr>
+          <p:cNvPr id="4" name="슬라이드 번호 개체 틀 6"/>
+          <p:cNvSpPr>
+            <a:spLocks noGrp="1"/>
+          </p:cNvSpPr>
+          <p:nvPr>
+            <p:ph type="sldNum" sz="quarter" idx="5"/>
+          </p:nvPr>
+        </p:nvSpPr>
+        <p:spPr/>
+        <p:txBody>
+          <a:bodyPr/>
+          <a:p>
+            <a:pPr lvl="0"/>
+            <a:fld id="{0B55FC6C-CF9B-400A-B7B2-D752D6F85B9D}" type="slidenum">
+              <a:rPr lang="ko-KR" altLang="en-US" smtClean="0"/>
+              <a:pPr/>
+              <a:t>5</a:t>
+            </a:fld>
+            <a:endParaRPr lang="ko-KR" altLang="en-US"/>
+          </a:p>
+        </p:txBody>
+      </p:sp>
+    </p:spTree>
+    <p:extLst>
+      <p:ext uri="{BB962C8B-B14F-4D97-AF65-F5344CB8AC3E}">
+        <p14:creationId xmlns:p14="http://schemas.microsoft.com/office/powerpoint/2010/main" val="1500703865"/>
       </p:ext>
     </p:extLst>
   </p:cSld>
@@ -6360,7 +6459,7 @@
         </p:nvSpPr>
         <p:spPr>
           <a:xfrm>
-            <a:off x="2915816" y="915566"/>
+            <a:off x="2915816" y="1001291"/>
             <a:ext cx="1296144" cy="358879"/>
           </a:xfrm>
           <a:prstGeom prst="rect">
@@ -6391,7 +6490,7 @@
         </p:nvSpPr>
         <p:spPr>
           <a:xfrm>
-            <a:off x="2267744" y="1203598"/>
+            <a:off x="2267744" y="1289323"/>
             <a:ext cx="936104" cy="298306"/>
           </a:xfrm>
           <a:prstGeom prst="rect">
@@ -6422,7 +6521,7 @@
         </p:nvSpPr>
         <p:spPr>
           <a:xfrm>
-            <a:off x="2267744" y="1825769"/>
+            <a:off x="2267744" y="1911494"/>
             <a:ext cx="1152128" cy="313933"/>
           </a:xfrm>
           <a:prstGeom prst="rect">
@@ -6453,7 +6552,7 @@
         </p:nvSpPr>
         <p:spPr>
           <a:xfrm>
-            <a:off x="2627784" y="1511821"/>
+            <a:off x="2627784" y="1597546"/>
             <a:ext cx="2016224" cy="288032"/>
           </a:xfrm>
           <a:prstGeom prst="rect">
@@ -6502,7 +6601,7 @@
         </p:nvSpPr>
         <p:spPr>
           <a:xfrm>
-            <a:off x="2627784" y="2188468"/>
+            <a:off x="2627784" y="2274193"/>
             <a:ext cx="2016224" cy="288032"/>
           </a:xfrm>
           <a:prstGeom prst="rect">
@@ -6551,7 +6650,7 @@
         </p:nvSpPr>
         <p:spPr>
           <a:xfrm>
-            <a:off x="3059832" y="2580134"/>
+            <a:off x="3059832" y="2665859"/>
             <a:ext cx="1152128" cy="216024"/>
           </a:xfrm>
           <a:prstGeom prst="roundRect">
@@ -6594,7 +6693,7 @@
         </p:nvSpPr>
         <p:spPr>
           <a:xfrm>
-            <a:off x="3131840" y="2580134"/>
+            <a:off x="3131840" y="2665859"/>
             <a:ext cx="1008112" cy="218311"/>
           </a:xfrm>
           <a:prstGeom prst="rect">
@@ -6625,7 +6724,7 @@
         </p:nvSpPr>
         <p:spPr>
           <a:xfrm>
-            <a:off x="3059832" y="2868166"/>
+            <a:off x="3059832" y="2953891"/>
             <a:ext cx="1152128" cy="216024"/>
           </a:xfrm>
           <a:prstGeom prst="roundRect">
@@ -6668,7 +6767,7 @@
         </p:nvSpPr>
         <p:spPr>
           <a:xfrm>
-            <a:off x="3131840" y="2868166"/>
+            <a:off x="3131840" y="2953891"/>
             <a:ext cx="1008112" cy="216029"/>
           </a:xfrm>
           <a:prstGeom prst="rect">
@@ -6699,7 +6798,7 @@
         </p:nvSpPr>
         <p:spPr>
           <a:xfrm>
-            <a:off x="2699792" y="3156198"/>
+            <a:off x="2699792" y="3241923"/>
             <a:ext cx="864096" cy="223272"/>
           </a:xfrm>
           <a:prstGeom prst="rect">
@@ -6730,7 +6829,7 @@
         </p:nvSpPr>
         <p:spPr>
           <a:xfrm>
-            <a:off x="3563888" y="3156198"/>
+            <a:off x="3563888" y="3241923"/>
             <a:ext cx="936104" cy="223272"/>
           </a:xfrm>
           <a:prstGeom prst="rect">
@@ -6761,7 +6860,7 @@
         </p:nvSpPr>
         <p:spPr>
           <a:xfrm>
-            <a:off x="2915816" y="966169"/>
+            <a:off x="2915816" y="1051894"/>
             <a:ext cx="216024" cy="216024"/>
           </a:xfrm>
           <a:prstGeom prst="roundRect">
@@ -6817,7 +6916,7 @@
         </p:nvSpPr>
         <p:spPr>
           <a:xfrm>
-            <a:off x="2339752" y="1491630"/>
+            <a:off x="2339752" y="1577355"/>
             <a:ext cx="216024" cy="203003"/>
           </a:xfrm>
           <a:prstGeom prst="roundRect">
@@ -6873,7 +6972,7 @@
         </p:nvSpPr>
         <p:spPr>
           <a:xfrm>
-            <a:off x="2339752" y="2224730"/>
+            <a:off x="2339752" y="2310455"/>
             <a:ext cx="216024" cy="203003"/>
           </a:xfrm>
           <a:prstGeom prst="roundRect">
@@ -6929,7 +7028,7 @@
         </p:nvSpPr>
         <p:spPr>
           <a:xfrm>
-            <a:off x="2699792" y="2546670"/>
+            <a:off x="2699792" y="2632395"/>
             <a:ext cx="216024" cy="203003"/>
           </a:xfrm>
           <a:prstGeom prst="roundRect">
@@ -6985,7 +7084,7 @@
         </p:nvSpPr>
         <p:spPr>
           <a:xfrm>
-            <a:off x="2699792" y="2819844"/>
+            <a:off x="2699792" y="2905569"/>
             <a:ext cx="216024" cy="203003"/>
           </a:xfrm>
           <a:prstGeom prst="roundRect">
@@ -7041,7 +7140,7 @@
         </p:nvSpPr>
         <p:spPr>
           <a:xfrm>
-            <a:off x="2555776" y="3147814"/>
+            <a:off x="2555776" y="3233539"/>
             <a:ext cx="216024" cy="203003"/>
           </a:xfrm>
           <a:prstGeom prst="roundRect">
@@ -7097,7 +7196,7 @@
         </p:nvSpPr>
         <p:spPr>
           <a:xfrm>
-            <a:off x="3419872" y="3160834"/>
+            <a:off x="3419872" y="3246559"/>
             <a:ext cx="216024" cy="203003"/>
           </a:xfrm>
           <a:prstGeom prst="roundRect">
@@ -7510,6 +7609,21 @@
             <a:r>
               <a:rPr lang="ko-KR" altLang="en-US" sz="1000"/>
               <a:t> ② 둘 다 입력하면 아이디 찾기 결과 창으로 넘어간다</a:t>
+            </a:r>
+            <a:r>
+              <a:rPr lang="en-US" altLang="ko-KR" sz="1000"/>
+              <a:t>.</a:t>
+            </a:r>
+            <a:endParaRPr lang="en-US" altLang="ko-KR" sz="1000"/>
+          </a:p>
+          <a:p>
+            <a:pPr marL="0" lvl="0" indent="0">
+              <a:buNone/>
+              <a:defRPr/>
+            </a:pPr>
+            <a:r>
+              <a:rPr lang="ko-KR" altLang="en-US" sz="1000"/>
+              <a:t>④ 아이디 찾기 단계를 표시한다</a:t>
             </a:r>
             <a:r>
               <a:rPr lang="en-US" altLang="ko-KR" sz="1000"/>
@@ -8362,7 +8476,7 @@
         </p:nvSpPr>
         <p:spPr>
           <a:xfrm>
-            <a:off x="2843808" y="915566"/>
+            <a:off x="2843808" y="988735"/>
             <a:ext cx="1512167" cy="358879"/>
           </a:xfrm>
           <a:prstGeom prst="rect">
@@ -8934,6 +9048,151 @@
           </p:txBody>
         </p:sp>
       </p:grpSp>
+      <p:cxnSp>
+        <p:nvCxnSpPr>
+          <p:cNvPr id="155" name="선 154"/>
+          <p:cNvCxnSpPr/>
+          <p:nvPr/>
+        </p:nvCxnSpPr>
+        <p:spPr>
+          <a:xfrm>
+            <a:off x="1619672" y="1347614"/>
+            <a:ext cx="4176464" cy="0"/>
+          </a:xfrm>
+          <a:prstGeom prst="line">
+            <a:avLst/>
+          </a:prstGeom>
+        </p:spPr>
+        <p:style>
+          <a:lnRef idx="1">
+            <a:schemeClr val="accent1"/>
+          </a:lnRef>
+          <a:fillRef idx="0">
+            <a:schemeClr val="accent1"/>
+          </a:fillRef>
+          <a:effectRef idx="0">
+            <a:schemeClr val="accent1"/>
+          </a:effectRef>
+          <a:fontRef idx="minor">
+            <a:schemeClr val="tx1"/>
+          </a:fontRef>
+        </p:style>
+      </p:cxnSp>
+      <p:sp>
+        <p:nvSpPr>
+          <p:cNvPr id="156" name="가로 글상자 155"/>
+          <p:cNvSpPr txBox="1"/>
+          <p:nvPr/>
+        </p:nvSpPr>
+        <p:spPr>
+          <a:xfrm>
+            <a:off x="4427984" y="1162467"/>
+            <a:ext cx="1321306" cy="185147"/>
+          </a:xfrm>
+          <a:prstGeom prst="rect">
+            <a:avLst/>
+          </a:prstGeom>
+        </p:spPr>
+        <p:txBody>
+          <a:bodyPr wrap="square">
+            <a:spAutoFit/>
+          </a:bodyPr>
+          <a:p>
+            <a:pPr lvl="0">
+              <a:defRPr/>
+            </a:pPr>
+            <a:r>
+              <a:rPr lang="en-US" altLang="ko-KR" sz="600">
+                <a:solidFill>
+                  <a:schemeClr val="accent6"/>
+                </a:solidFill>
+              </a:rPr>
+              <a:t>01.</a:t>
+            </a:r>
+            <a:r>
+              <a:rPr lang="ko-KR" altLang="en-US" sz="600">
+                <a:solidFill>
+                  <a:schemeClr val="accent6"/>
+                </a:solidFill>
+              </a:rPr>
+              <a:t> 본인 확인 </a:t>
+            </a:r>
+            <a:r>
+              <a:rPr lang="en-US" altLang="ko-KR" sz="600"/>
+              <a:t>&gt;</a:t>
+            </a:r>
+            <a:r>
+              <a:rPr lang="ko-KR" altLang="en-US" sz="600"/>
+              <a:t> </a:t>
+            </a:r>
+            <a:r>
+              <a:rPr lang="en-US" altLang="ko-KR" sz="600"/>
+              <a:t>02.</a:t>
+            </a:r>
+            <a:r>
+              <a:rPr lang="ko-KR" altLang="en-US" sz="600"/>
+              <a:t> 아이디 찾기</a:t>
+            </a:r>
+            <a:endParaRPr lang="ko-KR" altLang="en-US" sz="600"/>
+          </a:p>
+        </p:txBody>
+      </p:sp>
+      <p:sp>
+        <p:nvSpPr>
+          <p:cNvPr id="157" name="모서리가 둥근 직사각형 156"/>
+          <p:cNvSpPr/>
+          <p:nvPr/>
+        </p:nvSpPr>
+        <p:spPr>
+          <a:xfrm>
+            <a:off x="4355976" y="975632"/>
+            <a:ext cx="216024" cy="203003"/>
+          </a:xfrm>
+          <a:prstGeom prst="roundRect">
+            <a:avLst>
+              <a:gd name="adj" fmla="val 0"/>
+            </a:avLst>
+          </a:prstGeom>
+          <a:solidFill>
+            <a:schemeClr val="accent6">
+              <a:lumMod val="75000"/>
+            </a:schemeClr>
+          </a:solidFill>
+          <a:ln>
+            <a:noFill/>
+          </a:ln>
+        </p:spPr>
+        <p:style>
+          <a:lnRef idx="2">
+            <a:schemeClr val="accent1">
+              <a:shade val="50000"/>
+            </a:schemeClr>
+          </a:lnRef>
+          <a:fillRef idx="1">
+            <a:schemeClr val="accent1"/>
+          </a:fillRef>
+          <a:effectRef idx="0">
+            <a:schemeClr val="accent1"/>
+          </a:effectRef>
+          <a:fontRef idx="minor">
+            <a:schemeClr val="lt1"/>
+          </a:fontRef>
+        </p:style>
+        <p:txBody>
+          <a:bodyPr lIns="0" rIns="0" anchor="ctr"/>
+          <a:lstStyle/>
+          <a:p>
+            <a:pPr lvl="0" algn="ctr">
+              <a:defRPr/>
+            </a:pPr>
+            <a:r>
+              <a:rPr lang="en-US" altLang="ko-KR" sz="1050" b="1"/>
+              <a:t>4</a:t>
+            </a:r>
+            <a:endParaRPr lang="en-US" altLang="ko-KR" sz="1050" b="1"/>
+          </a:p>
+        </p:txBody>
+      </p:sp>
     </p:spTree>
     <p:extLst>
       <p:ext uri="{BB962C8B-B14F-4D97-AF65-F5344CB8AC3E}">
@@ -9171,7 +9430,7 @@
             </a:pPr>
             <a:r>
               <a:rPr lang="ko-KR" altLang="en-US" sz="1000"/>
-              <a:t>① </a:t>
+              <a:t>① 아이디 찾기 결과창</a:t>
             </a:r>
             <a:endParaRPr lang="ko-KR" altLang="en-US" sz="1000"/>
           </a:p>
@@ -9181,8 +9440,16 @@
               <a:defRPr/>
             </a:pPr>
             <a:r>
+              <a:rPr lang="en-US" altLang="ko-KR" sz="1000"/>
+              <a:t>-</a:t>
+            </a:r>
+            <a:r>
               <a:rPr lang="ko-KR" altLang="en-US" sz="1000"/>
-              <a:t>② </a:t>
+              <a:t> 이름과 휴대전화가 일치하는 아이디가 있을시 아이디를 가르쳐주는 결과창이 뜬다</a:t>
+            </a:r>
+            <a:r>
+              <a:rPr lang="en-US" altLang="ko-KR" sz="1000"/>
+              <a:t>.</a:t>
             </a:r>
             <a:endParaRPr lang="en-US" altLang="ko-KR" sz="1000"/>
           </a:p>
@@ -9191,6 +9458,83 @@
               <a:buNone/>
               <a:defRPr/>
             </a:pPr>
+            <a:r>
+              <a:rPr lang="en-US" altLang="ko-KR" sz="1000"/>
+              <a:t>-</a:t>
+            </a:r>
+            <a:r>
+              <a:rPr lang="ko-KR" altLang="en-US" sz="1000"/>
+              <a:t> 이름과 휴대전화가 일치하는 아이디가 없을시 </a:t>
+            </a:r>
+            <a:r>
+              <a:rPr lang="en-US" altLang="ko-KR" sz="1000"/>
+              <a:t>“</a:t>
+            </a:r>
+            <a:r>
+              <a:rPr lang="ko-KR" altLang="en-US" sz="1000"/>
+              <a:t>일치하는 결과가 없습니다</a:t>
+            </a:r>
+            <a:r>
+              <a:rPr lang="en-US" altLang="ko-KR" sz="1000"/>
+              <a:t>.”</a:t>
+            </a:r>
+            <a:r>
+              <a:rPr lang="ko-KR" altLang="en-US" sz="1000"/>
+              <a:t>가 뜬다</a:t>
+            </a:r>
+            <a:r>
+              <a:rPr lang="en-US" altLang="ko-KR" sz="1000"/>
+              <a:t>.</a:t>
+            </a:r>
+            <a:r>
+              <a:rPr lang="ko-KR" altLang="en-US" sz="1000"/>
+              <a:t> </a:t>
+            </a:r>
+            <a:endParaRPr lang="ko-KR" altLang="en-US" sz="1000"/>
+          </a:p>
+          <a:p>
+            <a:pPr marL="0" lvl="0" indent="0">
+              <a:buNone/>
+              <a:defRPr/>
+            </a:pPr>
+            <a:r>
+              <a:rPr lang="ko-KR" altLang="en-US" sz="1000"/>
+              <a:t>② 로그인 하기 창으로 전환된다</a:t>
+            </a:r>
+            <a:r>
+              <a:rPr lang="en-US" altLang="ko-KR" sz="1000"/>
+              <a:t>.</a:t>
+            </a:r>
+            <a:endParaRPr lang="en-US" altLang="ko-KR" sz="1000"/>
+          </a:p>
+          <a:p>
+            <a:pPr marL="0" lvl="0" indent="0">
+              <a:buNone/>
+              <a:defRPr/>
+            </a:pPr>
+            <a:r>
+              <a:rPr lang="ko-KR" altLang="en-US" sz="1000"/>
+              <a:t>③ 비밀번호 찾기 화면으로 이동하여 비밀번호를 재설정한다</a:t>
+            </a:r>
+            <a:r>
+              <a:rPr lang="en-US" altLang="ko-KR" sz="1000"/>
+              <a:t>.</a:t>
+            </a:r>
+            <a:endParaRPr lang="en-US" altLang="ko-KR" sz="1000"/>
+          </a:p>
+          <a:p>
+            <a:pPr marL="0" lvl="0" indent="0">
+              <a:buNone/>
+              <a:defRPr/>
+            </a:pPr>
+            <a:r>
+              <a:rPr lang="ko-KR" altLang="en-US" sz="1000"/>
+              <a:t>④ 아이디 찾기 단계를 표시한다</a:t>
+            </a:r>
+            <a:r>
+              <a:rPr lang="en-US" altLang="ko-KR" sz="1000"/>
+              <a:t>.</a:t>
+            </a:r>
             <a:endParaRPr lang="en-US" altLang="ko-KR" sz="1000"/>
           </a:p>
         </p:txBody>
@@ -10038,7 +10382,1815 @@
         </p:nvSpPr>
         <p:spPr>
           <a:xfrm>
-            <a:off x="2699792" y="915566"/>
+            <a:off x="2665095" y="1059582"/>
+            <a:ext cx="1906905" cy="358879"/>
+          </a:xfrm>
+          <a:prstGeom prst="rect">
+            <a:avLst/>
+          </a:prstGeom>
+        </p:spPr>
+        <p:txBody>
+          <a:bodyPr wrap="square">
+            <a:spAutoFit/>
+          </a:bodyPr>
+          <a:p>
+            <a:pPr lvl="0" algn="ctr">
+              <a:defRPr/>
+            </a:pPr>
+            <a:r>
+              <a:rPr lang="ko-KR" altLang="en-US"/>
+              <a:t>아이디 찾기</a:t>
+            </a:r>
+            <a:endParaRPr lang="ko-KR" altLang="en-US"/>
+          </a:p>
+        </p:txBody>
+      </p:sp>
+      <p:grpSp>
+        <p:nvGrpSpPr>
+          <p:cNvPr id="154" name=""/>
+          <p:cNvGrpSpPr/>
+          <p:nvPr/>
+        </p:nvGrpSpPr>
+        <p:grpSpPr>
+          <a:xfrm rot="0">
+            <a:off x="2267744" y="2427734"/>
+            <a:ext cx="1152128" cy="224413"/>
+            <a:chOff x="3059832" y="2859777"/>
+            <a:chExt cx="1152128" cy="224413"/>
+          </a:xfrm>
+        </p:grpSpPr>
+        <p:sp>
+          <p:nvSpPr>
+            <p:cNvPr id="133" name="모서리가 둥근 직사각형 132"/>
+            <p:cNvSpPr/>
+            <p:nvPr/>
+          </p:nvSpPr>
+          <p:spPr>
+            <a:xfrm>
+              <a:off x="3059832" y="2868166"/>
+              <a:ext cx="1152128" cy="216024"/>
+            </a:xfrm>
+            <a:prstGeom prst="roundRect">
+              <a:avLst>
+                <a:gd name="adj" fmla="val 16667"/>
+              </a:avLst>
+            </a:prstGeom>
+          </p:spPr>
+          <p:style>
+            <a:lnRef idx="2">
+              <a:schemeClr val="accent1">
+                <a:shade val="20000"/>
+              </a:schemeClr>
+            </a:lnRef>
+            <a:fillRef idx="1">
+              <a:schemeClr val="accent1"/>
+            </a:fillRef>
+            <a:effectRef idx="0">
+              <a:schemeClr val="accent1"/>
+            </a:effectRef>
+            <a:fontRef idx="minor">
+              <a:schemeClr val="lt1"/>
+            </a:fontRef>
+          </p:style>
+          <p:txBody>
+            <a:bodyPr anchor="ctr"/>
+            <a:p>
+              <a:pPr lvl="0" algn="ctr">
+                <a:defRPr/>
+              </a:pPr>
+              <a:endParaRPr lang="ko-KR" altLang="en-US"/>
+            </a:p>
+          </p:txBody>
+        </p:sp>
+        <p:sp>
+          <p:nvSpPr>
+            <p:cNvPr id="135" name="가로 글상자 134"/>
+            <p:cNvSpPr txBox="1"/>
+            <p:nvPr/>
+          </p:nvSpPr>
+          <p:spPr>
+            <a:xfrm>
+              <a:off x="3131840" y="2859777"/>
+              <a:ext cx="1008112" cy="218311"/>
+            </a:xfrm>
+            <a:prstGeom prst="rect">
+              <a:avLst/>
+            </a:prstGeom>
+          </p:spPr>
+          <p:txBody>
+            <a:bodyPr wrap="square">
+              <a:spAutoFit/>
+            </a:bodyPr>
+            <a:p>
+              <a:pPr lvl="0" algn="ctr">
+                <a:defRPr/>
+              </a:pPr>
+              <a:r>
+                <a:rPr lang="ko-KR" altLang="en-US" sz="900"/>
+                <a:t>로그인 하기</a:t>
+              </a:r>
+              <a:endParaRPr lang="ko-KR" altLang="en-US" sz="900"/>
+            </a:p>
+          </p:txBody>
+        </p:sp>
+      </p:grpSp>
+      <p:sp>
+        <p:nvSpPr>
+          <p:cNvPr id="139" name="모서리가 둥근 직사각형 138"/>
+          <p:cNvSpPr/>
+          <p:nvPr/>
+        </p:nvSpPr>
+        <p:spPr>
+          <a:xfrm>
+            <a:off x="1835696" y="1491630"/>
+            <a:ext cx="216024" cy="203003"/>
+          </a:xfrm>
+          <a:prstGeom prst="roundRect">
+            <a:avLst>
+              <a:gd name="adj" fmla="val 0"/>
+            </a:avLst>
+          </a:prstGeom>
+          <a:solidFill>
+            <a:schemeClr val="accent6">
+              <a:lumMod val="75000"/>
+            </a:schemeClr>
+          </a:solidFill>
+          <a:ln>
+            <a:noFill/>
+          </a:ln>
+        </p:spPr>
+        <p:style>
+          <a:lnRef idx="2">
+            <a:schemeClr val="accent1">
+              <a:shade val="50000"/>
+            </a:schemeClr>
+          </a:lnRef>
+          <a:fillRef idx="1">
+            <a:schemeClr val="accent1"/>
+          </a:fillRef>
+          <a:effectRef idx="0">
+            <a:schemeClr val="accent1"/>
+          </a:effectRef>
+          <a:fontRef idx="minor">
+            <a:schemeClr val="lt1"/>
+          </a:fontRef>
+        </p:style>
+        <p:txBody>
+          <a:bodyPr lIns="0" rIns="0" anchor="ctr"/>
+          <a:lstStyle/>
+          <a:p>
+            <a:pPr lvl="0" algn="ctr">
+              <a:defRPr/>
+            </a:pPr>
+            <a:r>
+              <a:rPr lang="en-US" altLang="ko-KR" sz="1050" b="1"/>
+              <a:t>1</a:t>
+            </a:r>
+            <a:endParaRPr lang="en-US" altLang="ko-KR" sz="1050" b="1"/>
+          </a:p>
+        </p:txBody>
+      </p:sp>
+      <p:sp>
+        <p:nvSpPr>
+          <p:cNvPr id="146" name="직사각형 145"/>
+          <p:cNvSpPr/>
+          <p:nvPr/>
+        </p:nvSpPr>
+        <p:spPr>
+          <a:xfrm>
+            <a:off x="2123728" y="1707654"/>
+            <a:ext cx="3096344" cy="432048"/>
+          </a:xfrm>
+          <a:prstGeom prst="rect">
+            <a:avLst/>
+          </a:prstGeom>
+          <a:solidFill>
+            <a:schemeClr val="lt1"/>
+          </a:solidFill>
+          <a:ln>
+            <a:solidFill>
+              <a:schemeClr val="dk1"/>
+            </a:solidFill>
+          </a:ln>
+        </p:spPr>
+        <p:style>
+          <a:lnRef idx="2">
+            <a:schemeClr val="accent1">
+              <a:shade val="20000"/>
+            </a:schemeClr>
+          </a:lnRef>
+          <a:fillRef idx="1">
+            <a:schemeClr val="accent1"/>
+          </a:fillRef>
+          <a:effectRef idx="0">
+            <a:schemeClr val="accent1"/>
+          </a:effectRef>
+          <a:fontRef idx="minor">
+            <a:schemeClr val="lt1"/>
+          </a:fontRef>
+        </p:style>
+        <p:txBody>
+          <a:bodyPr anchor="ctr"/>
+          <a:p>
+            <a:pPr lvl="0" algn="ctr">
+              <a:defRPr/>
+            </a:pPr>
+            <a:endParaRPr lang="ko-KR" altLang="en-US"/>
+          </a:p>
+        </p:txBody>
+      </p:sp>
+      <p:sp>
+        <p:nvSpPr>
+          <p:cNvPr id="155" name="가로 글상자 154"/>
+          <p:cNvSpPr txBox="1"/>
+          <p:nvPr/>
+        </p:nvSpPr>
+        <p:spPr>
+          <a:xfrm>
+            <a:off x="2195736" y="1733570"/>
+            <a:ext cx="3024336" cy="334124"/>
+          </a:xfrm>
+          <a:prstGeom prst="rect">
+            <a:avLst/>
+          </a:prstGeom>
+        </p:spPr>
+        <p:txBody>
+          <a:bodyPr wrap="square">
+            <a:spAutoFit/>
+          </a:bodyPr>
+          <a:p>
+            <a:pPr lvl="0">
+              <a:defRPr/>
+            </a:pPr>
+            <a:r>
+              <a:rPr lang="ko-KR" altLang="en-US" sz="1500"/>
+              <a:t>고객님의 </a:t>
+            </a:r>
+            <a:r>
+              <a:rPr lang="en-US" altLang="ko-KR" sz="1500"/>
+              <a:t>ID</a:t>
+            </a:r>
+            <a:r>
+              <a:rPr lang="ko-KR" altLang="en-US" sz="1500"/>
+              <a:t>는 </a:t>
+            </a:r>
+            <a:r>
+              <a:rPr lang="en-US" altLang="ko-KR" sz="1600" b="1"/>
+              <a:t>userId</a:t>
+            </a:r>
+            <a:r>
+              <a:rPr lang="ko-KR" altLang="en-US" sz="1500"/>
+              <a:t> 입니다</a:t>
+            </a:r>
+            <a:r>
+              <a:rPr lang="en-US" altLang="ko-KR" sz="1500"/>
+              <a:t>.</a:t>
+            </a:r>
+            <a:endParaRPr lang="en-US" altLang="ko-KR" sz="1500"/>
+          </a:p>
+        </p:txBody>
+      </p:sp>
+      <p:grpSp>
+        <p:nvGrpSpPr>
+          <p:cNvPr id="158" name="그룹 157"/>
+          <p:cNvGrpSpPr/>
+          <p:nvPr/>
+        </p:nvGrpSpPr>
+        <p:grpSpPr>
+          <a:xfrm rot="0">
+            <a:off x="3851920" y="2427734"/>
+            <a:ext cx="1152128" cy="224413"/>
+            <a:chOff x="3059832" y="2859777"/>
+            <a:chExt cx="1152128" cy="224413"/>
+          </a:xfrm>
+        </p:grpSpPr>
+        <p:sp>
+          <p:nvSpPr>
+            <p:cNvPr id="159" name="모서리가 둥근 직사각형 132"/>
+            <p:cNvSpPr/>
+            <p:nvPr/>
+          </p:nvSpPr>
+          <p:spPr>
+            <a:xfrm>
+              <a:off x="3059832" y="2868166"/>
+              <a:ext cx="1152128" cy="216024"/>
+            </a:xfrm>
+            <a:prstGeom prst="roundRect">
+              <a:avLst>
+                <a:gd name="adj" fmla="val 16667"/>
+              </a:avLst>
+            </a:prstGeom>
+          </p:spPr>
+          <p:style>
+            <a:lnRef idx="2">
+              <a:schemeClr val="accent1">
+                <a:shade val="20000"/>
+              </a:schemeClr>
+            </a:lnRef>
+            <a:fillRef idx="1">
+              <a:schemeClr val="accent1"/>
+            </a:fillRef>
+            <a:effectRef idx="0">
+              <a:schemeClr val="accent1"/>
+            </a:effectRef>
+            <a:fontRef idx="minor">
+              <a:schemeClr val="lt1"/>
+            </a:fontRef>
+          </p:style>
+          <p:txBody>
+            <a:bodyPr anchor="ctr"/>
+            <a:p>
+              <a:pPr lvl="0" algn="ctr">
+                <a:defRPr/>
+              </a:pPr>
+              <a:endParaRPr lang="ko-KR" altLang="en-US"/>
+            </a:p>
+          </p:txBody>
+        </p:sp>
+        <p:sp>
+          <p:nvSpPr>
+            <p:cNvPr id="160" name="가로 글상자 134"/>
+            <p:cNvSpPr txBox="1"/>
+            <p:nvPr/>
+          </p:nvSpPr>
+          <p:spPr>
+            <a:xfrm>
+              <a:off x="3131840" y="2859777"/>
+              <a:ext cx="1008112" cy="218311"/>
+            </a:xfrm>
+            <a:prstGeom prst="rect">
+              <a:avLst/>
+            </a:prstGeom>
+          </p:spPr>
+          <p:txBody>
+            <a:bodyPr wrap="square">
+              <a:spAutoFit/>
+            </a:bodyPr>
+            <a:p>
+              <a:pPr lvl="0" algn="ctr">
+                <a:defRPr/>
+              </a:pPr>
+              <a:r>
+                <a:rPr lang="ko-KR" altLang="en-US" sz="900"/>
+                <a:t>비밀번호 찾기</a:t>
+              </a:r>
+              <a:endParaRPr lang="ko-KR" altLang="en-US" sz="900"/>
+            </a:p>
+          </p:txBody>
+        </p:sp>
+      </p:grpSp>
+      <p:sp>
+        <p:nvSpPr>
+          <p:cNvPr id="161" name="모서리가 둥근 직사각형 160"/>
+          <p:cNvSpPr/>
+          <p:nvPr/>
+        </p:nvSpPr>
+        <p:spPr>
+          <a:xfrm>
+            <a:off x="1988096" y="2296738"/>
+            <a:ext cx="216024" cy="203003"/>
+          </a:xfrm>
+          <a:prstGeom prst="roundRect">
+            <a:avLst>
+              <a:gd name="adj" fmla="val 0"/>
+            </a:avLst>
+          </a:prstGeom>
+          <a:solidFill>
+            <a:schemeClr val="accent6">
+              <a:lumMod val="75000"/>
+            </a:schemeClr>
+          </a:solidFill>
+          <a:ln>
+            <a:noFill/>
+          </a:ln>
+        </p:spPr>
+        <p:style>
+          <a:lnRef idx="2">
+            <a:schemeClr val="accent1">
+              <a:shade val="50000"/>
+            </a:schemeClr>
+          </a:lnRef>
+          <a:fillRef idx="1">
+            <a:schemeClr val="accent1"/>
+          </a:fillRef>
+          <a:effectRef idx="0">
+            <a:schemeClr val="accent1"/>
+          </a:effectRef>
+          <a:fontRef idx="minor">
+            <a:schemeClr val="lt1"/>
+          </a:fontRef>
+        </p:style>
+        <p:txBody>
+          <a:bodyPr lIns="0" rIns="0" anchor="ctr"/>
+          <a:lstStyle/>
+          <a:p>
+            <a:pPr lvl="0" algn="ctr">
+              <a:defRPr/>
+            </a:pPr>
+            <a:r>
+              <a:rPr lang="en-US" altLang="ko-KR" sz="1050" b="1"/>
+              <a:t>2</a:t>
+            </a:r>
+            <a:endParaRPr lang="en-US" altLang="ko-KR" sz="1050" b="1"/>
+          </a:p>
+        </p:txBody>
+      </p:sp>
+      <p:sp>
+        <p:nvSpPr>
+          <p:cNvPr id="162" name="모서리가 둥근 직사각형 161"/>
+          <p:cNvSpPr/>
+          <p:nvPr/>
+        </p:nvSpPr>
+        <p:spPr>
+          <a:xfrm>
+            <a:off x="3563888" y="2296738"/>
+            <a:ext cx="216024" cy="203003"/>
+          </a:xfrm>
+          <a:prstGeom prst="roundRect">
+            <a:avLst>
+              <a:gd name="adj" fmla="val 0"/>
+            </a:avLst>
+          </a:prstGeom>
+          <a:solidFill>
+            <a:schemeClr val="accent6">
+              <a:lumMod val="75000"/>
+            </a:schemeClr>
+          </a:solidFill>
+          <a:ln>
+            <a:noFill/>
+          </a:ln>
+        </p:spPr>
+        <p:style>
+          <a:lnRef idx="2">
+            <a:schemeClr val="accent1">
+              <a:shade val="50000"/>
+            </a:schemeClr>
+          </a:lnRef>
+          <a:fillRef idx="1">
+            <a:schemeClr val="accent1"/>
+          </a:fillRef>
+          <a:effectRef idx="0">
+            <a:schemeClr val="accent1"/>
+          </a:effectRef>
+          <a:fontRef idx="minor">
+            <a:schemeClr val="lt1"/>
+          </a:fontRef>
+        </p:style>
+        <p:txBody>
+          <a:bodyPr lIns="0" rIns="0" anchor="ctr"/>
+          <a:lstStyle/>
+          <a:p>
+            <a:pPr lvl="0" algn="ctr">
+              <a:defRPr/>
+            </a:pPr>
+            <a:r>
+              <a:rPr lang="en-US" altLang="ko-KR" sz="1050" b="1"/>
+              <a:t>3</a:t>
+            </a:r>
+            <a:endParaRPr lang="en-US" altLang="ko-KR" sz="1050" b="1"/>
+          </a:p>
+        </p:txBody>
+      </p:sp>
+      <p:cxnSp>
+        <p:nvCxnSpPr>
+          <p:cNvPr id="163" name="선 162"/>
+          <p:cNvCxnSpPr/>
+          <p:nvPr/>
+        </p:nvCxnSpPr>
+        <p:spPr>
+          <a:xfrm>
+            <a:off x="1619672" y="1419622"/>
+            <a:ext cx="4176464" cy="0"/>
+          </a:xfrm>
+          <a:prstGeom prst="line">
+            <a:avLst/>
+          </a:prstGeom>
+        </p:spPr>
+        <p:style>
+          <a:lnRef idx="1">
+            <a:schemeClr val="accent1"/>
+          </a:lnRef>
+          <a:fillRef idx="0">
+            <a:schemeClr val="accent1"/>
+          </a:fillRef>
+          <a:effectRef idx="0">
+            <a:schemeClr val="accent1"/>
+          </a:effectRef>
+          <a:fontRef idx="minor">
+            <a:schemeClr val="tx1"/>
+          </a:fontRef>
+        </p:style>
+      </p:cxnSp>
+      <p:sp>
+        <p:nvSpPr>
+          <p:cNvPr id="164" name="가로 글상자 163"/>
+          <p:cNvSpPr txBox="1"/>
+          <p:nvPr/>
+        </p:nvSpPr>
+        <p:spPr>
+          <a:xfrm>
+            <a:off x="4427984" y="1234475"/>
+            <a:ext cx="1321306" cy="185147"/>
+          </a:xfrm>
+          <a:prstGeom prst="rect">
+            <a:avLst/>
+          </a:prstGeom>
+        </p:spPr>
+        <p:txBody>
+          <a:bodyPr wrap="square">
+            <a:spAutoFit/>
+          </a:bodyPr>
+          <a:p>
+            <a:pPr lvl="0">
+              <a:defRPr/>
+            </a:pPr>
+            <a:r>
+              <a:rPr lang="en-US" altLang="ko-KR" sz="600">
+                <a:solidFill>
+                  <a:schemeClr val="dk1"/>
+                </a:solidFill>
+              </a:rPr>
+              <a:t>01.</a:t>
+            </a:r>
+            <a:r>
+              <a:rPr lang="ko-KR" altLang="en-US" sz="600">
+                <a:solidFill>
+                  <a:schemeClr val="dk1"/>
+                </a:solidFill>
+              </a:rPr>
+              <a:t> 본인 확인 </a:t>
+            </a:r>
+            <a:r>
+              <a:rPr lang="en-US" altLang="ko-KR" sz="600">
+                <a:solidFill>
+                  <a:schemeClr val="dk1"/>
+                </a:solidFill>
+              </a:rPr>
+              <a:t>&gt;</a:t>
+            </a:r>
+            <a:r>
+              <a:rPr lang="ko-KR" altLang="en-US" sz="600">
+                <a:solidFill>
+                  <a:schemeClr val="dk1"/>
+                </a:solidFill>
+              </a:rPr>
+              <a:t> </a:t>
+            </a:r>
+            <a:r>
+              <a:rPr lang="en-US" altLang="ko-KR" sz="600">
+                <a:solidFill>
+                  <a:schemeClr val="accent6"/>
+                </a:solidFill>
+              </a:rPr>
+              <a:t>02.</a:t>
+            </a:r>
+            <a:r>
+              <a:rPr lang="ko-KR" altLang="en-US" sz="600">
+                <a:solidFill>
+                  <a:schemeClr val="accent6"/>
+                </a:solidFill>
+              </a:rPr>
+              <a:t> 아이디 찾기</a:t>
+            </a:r>
+            <a:endParaRPr lang="ko-KR" altLang="en-US" sz="600">
+              <a:solidFill>
+                <a:schemeClr val="accent6"/>
+              </a:solidFill>
+            </a:endParaRPr>
+          </a:p>
+        </p:txBody>
+      </p:sp>
+      <p:sp>
+        <p:nvSpPr>
+          <p:cNvPr id="166" name="모서리가 둥근 직사각형 165"/>
+          <p:cNvSpPr/>
+          <p:nvPr/>
+        </p:nvSpPr>
+        <p:spPr>
+          <a:xfrm>
+            <a:off x="4355976" y="975632"/>
+            <a:ext cx="216024" cy="203003"/>
+          </a:xfrm>
+          <a:prstGeom prst="roundRect">
+            <a:avLst>
+              <a:gd name="adj" fmla="val 0"/>
+            </a:avLst>
+          </a:prstGeom>
+          <a:solidFill>
+            <a:schemeClr val="accent6">
+              <a:lumMod val="75000"/>
+            </a:schemeClr>
+          </a:solidFill>
+          <a:ln>
+            <a:noFill/>
+          </a:ln>
+        </p:spPr>
+        <p:style>
+          <a:lnRef idx="2">
+            <a:schemeClr val="accent1">
+              <a:shade val="50000"/>
+            </a:schemeClr>
+          </a:lnRef>
+          <a:fillRef idx="1">
+            <a:schemeClr val="accent1"/>
+          </a:fillRef>
+          <a:effectRef idx="0">
+            <a:schemeClr val="accent1"/>
+          </a:effectRef>
+          <a:fontRef idx="minor">
+            <a:schemeClr val="lt1"/>
+          </a:fontRef>
+        </p:style>
+        <p:txBody>
+          <a:bodyPr lIns="0" rIns="0" anchor="ctr"/>
+          <a:lstStyle/>
+          <a:p>
+            <a:pPr lvl="0" algn="ctr">
+              <a:defRPr/>
+            </a:pPr>
+            <a:r>
+              <a:rPr lang="en-US" altLang="ko-KR" sz="1050" b="1"/>
+              <a:t>4</a:t>
+            </a:r>
+            <a:endParaRPr lang="en-US" altLang="ko-KR" sz="1050" b="1"/>
+          </a:p>
+        </p:txBody>
+      </p:sp>
+    </p:spTree>
+    <p:extLst>
+      <p:ext uri="{BB962C8B-B14F-4D97-AF65-F5344CB8AC3E}">
+        <p14:creationId xmlns:p14="http://schemas.microsoft.com/office/powerpoint/2010/main" val="921327404"/>
+      </p:ext>
+    </p:extLst>
+  </p:cSld>
+  <p:clrMapOvr>
+    <a:masterClrMapping/>
+  </p:clrMapOvr>
+</p:sld>
+</file>
+
+<file path=ppt/slides/slide4.xml><?xml version="1.0" encoding="utf-8"?>
+<p:sld xmlns:r="http://schemas.openxmlformats.org/officeDocument/2006/relationships" xmlns:c="http://schemas.openxmlformats.org/drawingml/2006/chart" xmlns:a="http://schemas.openxmlformats.org/drawingml/2006/main" xmlns:dgm="http://schemas.openxmlformats.org/drawingml/2006/diagram" xmlns:dsp="http://schemas.microsoft.com/office/drawing/2008/diagram" xmlns:p="http://schemas.openxmlformats.org/presentationml/2006/main">
+  <p:cSld>
+    <p:spTree>
+      <p:nvGrpSpPr>
+        <p:cNvPr id="1" name=""/>
+        <p:cNvGrpSpPr/>
+        <p:nvPr/>
+      </p:nvGrpSpPr>
+      <p:grpSpPr>
+        <a:xfrm>
+          <a:off x="0" y="0"/>
+          <a:ext cx="0" cy="0"/>
+          <a:chOff x="0" y="0"/>
+          <a:chExt cx="0" cy="0"/>
+        </a:xfrm>
+      </p:grpSpPr>
+      <p:sp>
+        <p:nvSpPr>
+          <p:cNvPr id="34" name="직사각형 33"/>
+          <p:cNvSpPr/>
+          <p:nvPr/>
+        </p:nvSpPr>
+        <p:spPr>
+          <a:xfrm>
+            <a:off x="99752" y="319935"/>
+            <a:ext cx="6708373" cy="4628079"/>
+          </a:xfrm>
+          <a:prstGeom prst="rect">
+            <a:avLst/>
+          </a:prstGeom>
+          <a:solidFill>
+            <a:schemeClr val="bg1">
+              <a:alpha val="70000"/>
+            </a:schemeClr>
+          </a:solidFill>
+          <a:ln w="9525">
+            <a:solidFill>
+              <a:schemeClr val="bg1">
+                <a:lumMod val="65000"/>
+              </a:schemeClr>
+            </a:solidFill>
+          </a:ln>
+        </p:spPr>
+        <p:style>
+          <a:lnRef idx="2">
+            <a:schemeClr val="accent1">
+              <a:shade val="50000"/>
+            </a:schemeClr>
+          </a:lnRef>
+          <a:fillRef idx="1">
+            <a:schemeClr val="accent1"/>
+          </a:fillRef>
+          <a:effectRef idx="0">
+            <a:schemeClr val="accent1"/>
+          </a:effectRef>
+          <a:fontRef idx="minor">
+            <a:schemeClr val="lt1"/>
+          </a:fontRef>
+        </p:style>
+        <p:txBody>
+          <a:bodyPr anchor="ctr"/>
+          <a:lstStyle/>
+          <a:p>
+            <a:pPr lvl="0" algn="ctr">
+              <a:defRPr/>
+            </a:pPr>
+            <a:endParaRPr lang="ko-KR" altLang="en-US">
+              <a:solidFill>
+                <a:prstClr val="white"/>
+              </a:solidFill>
+              <a:latin typeface="+mn-ea"/>
+              <a:ea typeface="+mn-ea"/>
+            </a:endParaRPr>
+          </a:p>
+        </p:txBody>
+      </p:sp>
+      <p:sp>
+        <p:nvSpPr>
+          <p:cNvPr id="112" name="직사각형 111"/>
+          <p:cNvSpPr/>
+          <p:nvPr/>
+        </p:nvSpPr>
+        <p:spPr>
+          <a:xfrm>
+            <a:off x="107504" y="4155927"/>
+            <a:ext cx="6696744" cy="212530"/>
+          </a:xfrm>
+          <a:prstGeom prst="rect">
+            <a:avLst/>
+          </a:prstGeom>
+          <a:solidFill>
+            <a:schemeClr val="bg1">
+              <a:lumMod val="50000"/>
+            </a:schemeClr>
+          </a:solidFill>
+          <a:ln>
+            <a:noFill/>
+          </a:ln>
+        </p:spPr>
+        <p:style>
+          <a:lnRef idx="2">
+            <a:schemeClr val="accent1">
+              <a:shade val="50000"/>
+            </a:schemeClr>
+          </a:lnRef>
+          <a:fillRef idx="1">
+            <a:schemeClr val="accent1"/>
+          </a:fillRef>
+          <a:effectRef idx="0">
+            <a:schemeClr val="accent1"/>
+          </a:effectRef>
+          <a:fontRef idx="minor">
+            <a:schemeClr val="lt1"/>
+          </a:fontRef>
+        </p:style>
+        <p:txBody>
+          <a:bodyPr anchor="ctr"/>
+          <a:lstStyle/>
+          <a:p>
+            <a:pPr lvl="0" algn="ctr">
+              <a:defRPr/>
+            </a:pPr>
+            <a:endParaRPr lang="ko-KR" altLang="en-US"/>
+          </a:p>
+        </p:txBody>
+      </p:sp>
+      <p:sp>
+        <p:nvSpPr>
+          <p:cNvPr id="47" name="직사각형 46"/>
+          <p:cNvSpPr/>
+          <p:nvPr/>
+        </p:nvSpPr>
+        <p:spPr>
+          <a:xfrm>
+            <a:off x="99752" y="898788"/>
+            <a:ext cx="6708373" cy="3113122"/>
+          </a:xfrm>
+          <a:prstGeom prst="rect">
+            <a:avLst/>
+          </a:prstGeom>
+          <a:solidFill>
+            <a:schemeClr val="bg1">
+              <a:lumMod val="95000"/>
+              <a:alpha val="70000"/>
+            </a:schemeClr>
+          </a:solidFill>
+          <a:ln w="9525">
+            <a:solidFill>
+              <a:schemeClr val="bg1">
+                <a:lumMod val="65000"/>
+              </a:schemeClr>
+            </a:solidFill>
+          </a:ln>
+        </p:spPr>
+        <p:style>
+          <a:lnRef idx="2">
+            <a:schemeClr val="accent1">
+              <a:shade val="50000"/>
+            </a:schemeClr>
+          </a:lnRef>
+          <a:fillRef idx="1">
+            <a:schemeClr val="accent1"/>
+          </a:fillRef>
+          <a:effectRef idx="0">
+            <a:schemeClr val="accent1"/>
+          </a:effectRef>
+          <a:fontRef idx="minor">
+            <a:schemeClr val="lt1"/>
+          </a:fontRef>
+        </p:style>
+        <p:txBody>
+          <a:bodyPr anchor="ctr"/>
+          <a:lstStyle/>
+          <a:p>
+            <a:pPr lvl="0" algn="ctr">
+              <a:defRPr/>
+            </a:pPr>
+            <a:r>
+              <a:rPr lang="en-US" altLang="ko-KR" b="1">
+                <a:solidFill>
+                  <a:prstClr val="white"/>
+                </a:solidFill>
+                <a:latin typeface="+mn-ea"/>
+                <a:ea typeface="+mn-ea"/>
+              </a:rPr>
+              <a:t>`</a:t>
+            </a:r>
+            <a:endParaRPr lang="ko-KR" altLang="en-US" b="1">
+              <a:solidFill>
+                <a:prstClr val="white"/>
+              </a:solidFill>
+              <a:latin typeface="+mn-ea"/>
+              <a:ea typeface="+mn-ea"/>
+            </a:endParaRPr>
+          </a:p>
+        </p:txBody>
+      </p:sp>
+      <p:sp>
+        <p:nvSpPr>
+          <p:cNvPr id="32" name="텍스트 개체 틀 31"/>
+          <p:cNvSpPr>
+            <a:spLocks noGrp="1"/>
+          </p:cNvSpPr>
+          <p:nvPr>
+            <p:ph type="body" sz="quarter" idx="10"/>
+          </p:nvPr>
+        </p:nvSpPr>
+        <p:spPr>
+          <a:xfrm>
+            <a:off x="6876256" y="483518"/>
+            <a:ext cx="2267744" cy="4464496"/>
+          </a:xfrm>
+        </p:spPr>
+        <p:txBody>
+          <a:bodyPr/>
+          <a:lstStyle/>
+          <a:p>
+            <a:pPr marL="0" lvl="0" indent="0">
+              <a:buNone/>
+              <a:defRPr/>
+            </a:pPr>
+            <a:r>
+              <a:rPr lang="ko-KR" altLang="en-US" sz="1000"/>
+              <a:t>① 가입할 당시 입력했던 이메일 창을 입력하게 한다</a:t>
+            </a:r>
+            <a:r>
+              <a:rPr lang="en-US" altLang="ko-KR" sz="1000"/>
+              <a:t>.</a:t>
+            </a:r>
+            <a:endParaRPr lang="en-US" altLang="ko-KR" sz="1000"/>
+          </a:p>
+          <a:p>
+            <a:pPr marL="0" lvl="0" indent="0">
+              <a:buNone/>
+              <a:defRPr/>
+            </a:pPr>
+            <a:r>
+              <a:rPr lang="ko-KR" altLang="en-US" sz="1000"/>
+              <a:t>② 재설정 링크 보내기 버튼을 클릭시</a:t>
+            </a:r>
+            <a:endParaRPr lang="ko-KR" altLang="en-US" sz="1000"/>
+          </a:p>
+          <a:p>
+            <a:pPr marL="0" lvl="0" indent="0">
+              <a:buNone/>
+              <a:defRPr/>
+            </a:pPr>
+            <a:r>
+              <a:rPr lang="en-US" altLang="ko-KR" sz="1000"/>
+              <a:t>-</a:t>
+            </a:r>
+            <a:r>
+              <a:rPr lang="ko-KR" altLang="en-US" sz="1000"/>
+              <a:t> 가입시 입력한 메일 주소시 </a:t>
+            </a:r>
+            <a:r>
+              <a:rPr lang="en-US" altLang="ko-KR" sz="1000"/>
+              <a:t>:</a:t>
+            </a:r>
+            <a:r>
+              <a:rPr lang="ko-KR" altLang="en-US" sz="1000"/>
+              <a:t> 재설정 링크 메일을 입력한 메일 주소에 보내고 그 곳을 통해 최종 비밀번호 재설청 창을 열기 한다</a:t>
+            </a:r>
+            <a:r>
+              <a:rPr lang="en-US" altLang="ko-KR" sz="1000"/>
+              <a:t>.</a:t>
+            </a:r>
+            <a:endParaRPr lang="en-US" altLang="ko-KR" sz="1000"/>
+          </a:p>
+          <a:p>
+            <a:pPr marL="0" lvl="0" indent="0">
+              <a:buNone/>
+              <a:defRPr/>
+            </a:pPr>
+            <a:r>
+              <a:rPr lang="en-US" altLang="ko-KR" sz="1000"/>
+              <a:t>-</a:t>
+            </a:r>
+            <a:r>
+              <a:rPr lang="ko-KR" altLang="en-US" sz="1000"/>
+              <a:t> 가입시 입력한 메일 주소가 아닐때 </a:t>
+            </a:r>
+            <a:r>
+              <a:rPr lang="en-US" altLang="ko-KR" sz="1000"/>
+              <a:t>:</a:t>
+            </a:r>
+            <a:r>
+              <a:rPr lang="ko-KR" altLang="en-US" sz="1000"/>
+              <a:t> 올바른 메일 주소가 아닙니다</a:t>
+            </a:r>
+            <a:r>
+              <a:rPr lang="en-US" altLang="ko-KR" sz="1000"/>
+              <a:t>.</a:t>
+            </a:r>
+            <a:r>
+              <a:rPr lang="ko-KR" altLang="en-US" sz="1000"/>
+              <a:t> 팝업창이 뜬다</a:t>
+            </a:r>
+            <a:r>
+              <a:rPr lang="en-US" altLang="ko-KR" sz="1000"/>
+              <a:t>.</a:t>
+            </a:r>
+            <a:endParaRPr lang="en-US" altLang="ko-KR" sz="1000"/>
+          </a:p>
+          <a:p>
+            <a:pPr marL="0" lvl="0" indent="0">
+              <a:buNone/>
+              <a:defRPr/>
+            </a:pPr>
+            <a:r>
+              <a:rPr lang="ko-KR" altLang="en-US" sz="1000"/>
+              <a:t>③ 재설정 링크 보내기 창에 대한 설명④ 비밀번호 재설정 단계 표시</a:t>
+            </a:r>
+            <a:endParaRPr lang="ko-KR" altLang="en-US" sz="1000"/>
+          </a:p>
+        </p:txBody>
+      </p:sp>
+      <p:sp>
+        <p:nvSpPr>
+          <p:cNvPr id="31" name="제목 30"/>
+          <p:cNvSpPr>
+            <a:spLocks noGrp="1"/>
+          </p:cNvSpPr>
+          <p:nvPr>
+            <p:ph type="title" idx="0"/>
+          </p:nvPr>
+        </p:nvSpPr>
+        <p:spPr/>
+        <p:txBody>
+          <a:bodyPr>
+            <a:normAutofit fontScale="90000"/>
+          </a:bodyPr>
+          <a:lstStyle/>
+          <a:p>
+            <a:pPr lvl="0">
+              <a:defRPr/>
+            </a:pPr>
+            <a:r>
+              <a:rPr lang="en-US" altLang="ko-KR"/>
+              <a:t>Case A</a:t>
+            </a:r>
+            <a:endParaRPr lang="ko-KR" altLang="en-US"/>
+          </a:p>
+        </p:txBody>
+      </p:sp>
+      <p:sp>
+        <p:nvSpPr>
+          <p:cNvPr id="33" name="텍스트 개체 틀 32"/>
+          <p:cNvSpPr>
+            <a:spLocks noGrp="1"/>
+          </p:cNvSpPr>
+          <p:nvPr>
+            <p:ph type="body" sz="quarter" idx="11"/>
+          </p:nvPr>
+        </p:nvSpPr>
+        <p:spPr/>
+        <p:txBody>
+          <a:bodyPr/>
+          <a:lstStyle/>
+          <a:p>
+            <a:pPr lvl="0">
+              <a:defRPr/>
+            </a:pPr>
+            <a:r>
+              <a:rPr lang="en-US" altLang="ko-KR"/>
+              <a:t>3.1</a:t>
+            </a:r>
+            <a:endParaRPr lang="ko-KR" altLang="en-US"/>
+          </a:p>
+        </p:txBody>
+      </p:sp>
+      <p:sp>
+        <p:nvSpPr>
+          <p:cNvPr id="70" name="갈매기형 수장 69"/>
+          <p:cNvSpPr/>
+          <p:nvPr/>
+        </p:nvSpPr>
+        <p:spPr>
+          <a:xfrm>
+            <a:off x="6513942" y="1646637"/>
+            <a:ext cx="117594" cy="546931"/>
+          </a:xfrm>
+          <a:prstGeom prst="chevron">
+            <a:avLst>
+              <a:gd name="adj" fmla="val 50000"/>
+            </a:avLst>
+          </a:prstGeom>
+          <a:solidFill>
+            <a:schemeClr val="bg1"/>
+          </a:solidFill>
+          <a:ln w="9525">
+            <a:solidFill>
+              <a:schemeClr val="bg1">
+                <a:lumMod val="65000"/>
+              </a:schemeClr>
+            </a:solidFill>
+          </a:ln>
+        </p:spPr>
+        <p:style>
+          <a:lnRef idx="2">
+            <a:schemeClr val="accent1">
+              <a:shade val="50000"/>
+            </a:schemeClr>
+          </a:lnRef>
+          <a:fillRef idx="1">
+            <a:schemeClr val="accent1"/>
+          </a:fillRef>
+          <a:effectRef idx="0">
+            <a:schemeClr val="accent1"/>
+          </a:effectRef>
+          <a:fontRef idx="minor">
+            <a:schemeClr val="lt1"/>
+          </a:fontRef>
+        </p:style>
+        <p:txBody>
+          <a:bodyPr anchor="ctr"/>
+          <a:lstStyle/>
+          <a:p>
+            <a:pPr lvl="0" algn="ctr">
+              <a:defRPr/>
+            </a:pPr>
+            <a:endParaRPr lang="ko-KR" altLang="en-US">
+              <a:solidFill>
+                <a:schemeClr val="tx1"/>
+              </a:solidFill>
+            </a:endParaRPr>
+          </a:p>
+        </p:txBody>
+      </p:sp>
+      <p:sp>
+        <p:nvSpPr>
+          <p:cNvPr id="71" name="갈매기형 수장 70"/>
+          <p:cNvSpPr/>
+          <p:nvPr/>
+        </p:nvSpPr>
+        <p:spPr>
+          <a:xfrm flipH="1">
+            <a:off x="196553" y="1646637"/>
+            <a:ext cx="121688" cy="546931"/>
+          </a:xfrm>
+          <a:prstGeom prst="chevron">
+            <a:avLst>
+              <a:gd name="adj" fmla="val 50000"/>
+            </a:avLst>
+          </a:prstGeom>
+          <a:solidFill>
+            <a:schemeClr val="bg1"/>
+          </a:solidFill>
+          <a:ln w="9525">
+            <a:solidFill>
+              <a:schemeClr val="bg1">
+                <a:lumMod val="65000"/>
+              </a:schemeClr>
+            </a:solidFill>
+          </a:ln>
+        </p:spPr>
+        <p:style>
+          <a:lnRef idx="2">
+            <a:schemeClr val="accent1">
+              <a:shade val="50000"/>
+            </a:schemeClr>
+          </a:lnRef>
+          <a:fillRef idx="1">
+            <a:schemeClr val="accent1"/>
+          </a:fillRef>
+          <a:effectRef idx="0">
+            <a:schemeClr val="accent1"/>
+          </a:effectRef>
+          <a:fontRef idx="minor">
+            <a:schemeClr val="lt1"/>
+          </a:fontRef>
+        </p:style>
+        <p:txBody>
+          <a:bodyPr anchor="ctr"/>
+          <a:lstStyle/>
+          <a:p>
+            <a:pPr lvl="0" algn="ctr">
+              <a:defRPr/>
+            </a:pPr>
+            <a:endParaRPr lang="ko-KR" altLang="en-US">
+              <a:solidFill>
+                <a:schemeClr val="tx1"/>
+              </a:solidFill>
+            </a:endParaRPr>
+          </a:p>
+        </p:txBody>
+      </p:sp>
+      <p:sp>
+        <p:nvSpPr>
+          <p:cNvPr id="74" name="직사각형 73"/>
+          <p:cNvSpPr/>
+          <p:nvPr/>
+        </p:nvSpPr>
+        <p:spPr>
+          <a:xfrm>
+            <a:off x="99752" y="319935"/>
+            <a:ext cx="6708373" cy="576064"/>
+          </a:xfrm>
+          <a:prstGeom prst="rect">
+            <a:avLst/>
+          </a:prstGeom>
+          <a:solidFill>
+            <a:schemeClr val="bg1">
+              <a:alpha val="70000"/>
+            </a:schemeClr>
+          </a:solidFill>
+          <a:ln w="9525">
+            <a:solidFill>
+              <a:schemeClr val="bg1">
+                <a:lumMod val="65000"/>
+              </a:schemeClr>
+            </a:solidFill>
+          </a:ln>
+        </p:spPr>
+        <p:style>
+          <a:lnRef idx="2">
+            <a:schemeClr val="accent1">
+              <a:shade val="50000"/>
+            </a:schemeClr>
+          </a:lnRef>
+          <a:fillRef idx="1">
+            <a:schemeClr val="accent1"/>
+          </a:fillRef>
+          <a:effectRef idx="0">
+            <a:schemeClr val="accent1"/>
+          </a:effectRef>
+          <a:fontRef idx="minor">
+            <a:schemeClr val="lt1"/>
+          </a:fontRef>
+        </p:style>
+        <p:txBody>
+          <a:bodyPr anchor="ctr"/>
+          <a:lstStyle/>
+          <a:p>
+            <a:pPr lvl="0" algn="ctr">
+              <a:defRPr/>
+            </a:pPr>
+            <a:endParaRPr lang="ko-KR" altLang="en-US">
+              <a:solidFill>
+                <a:prstClr val="white"/>
+              </a:solidFill>
+              <a:latin typeface="+mn-ea"/>
+              <a:ea typeface="+mn-ea"/>
+            </a:endParaRPr>
+          </a:p>
+        </p:txBody>
+      </p:sp>
+      <p:sp>
+        <p:nvSpPr>
+          <p:cNvPr id="75" name="직사각형 74"/>
+          <p:cNvSpPr/>
+          <p:nvPr/>
+        </p:nvSpPr>
+        <p:spPr>
+          <a:xfrm>
+            <a:off x="99752" y="319935"/>
+            <a:ext cx="6708373" cy="576064"/>
+          </a:xfrm>
+          <a:prstGeom prst="rect">
+            <a:avLst/>
+          </a:prstGeom>
+          <a:solidFill>
+            <a:schemeClr val="bg1">
+              <a:alpha val="70000"/>
+            </a:schemeClr>
+          </a:solidFill>
+          <a:ln w="9525">
+            <a:solidFill>
+              <a:schemeClr val="bg1">
+                <a:lumMod val="65000"/>
+              </a:schemeClr>
+            </a:solidFill>
+          </a:ln>
+        </p:spPr>
+        <p:style>
+          <a:lnRef idx="2">
+            <a:schemeClr val="accent1">
+              <a:shade val="50000"/>
+            </a:schemeClr>
+          </a:lnRef>
+          <a:fillRef idx="1">
+            <a:schemeClr val="accent1"/>
+          </a:fillRef>
+          <a:effectRef idx="0">
+            <a:schemeClr val="accent1"/>
+          </a:effectRef>
+          <a:fontRef idx="minor">
+            <a:schemeClr val="lt1"/>
+          </a:fontRef>
+        </p:style>
+        <p:txBody>
+          <a:bodyPr anchor="ctr"/>
+          <a:lstStyle/>
+          <a:p>
+            <a:pPr lvl="0" algn="ctr">
+              <a:defRPr/>
+            </a:pPr>
+            <a:r>
+              <a:rPr lang="en-US" altLang="ko-KR">
+                <a:solidFill>
+                  <a:prstClr val="white"/>
+                </a:solidFill>
+                <a:latin typeface="+mn-ea"/>
+                <a:ea typeface="+mn-ea"/>
+              </a:rPr>
+              <a:t>`</a:t>
+            </a:r>
+            <a:endParaRPr lang="ko-KR" altLang="en-US">
+              <a:solidFill>
+                <a:prstClr val="white"/>
+              </a:solidFill>
+              <a:latin typeface="+mn-ea"/>
+              <a:ea typeface="+mn-ea"/>
+            </a:endParaRPr>
+          </a:p>
+        </p:txBody>
+      </p:sp>
+      <p:sp>
+        <p:nvSpPr>
+          <p:cNvPr id="76" name="TextBox 75"/>
+          <p:cNvSpPr txBox="1"/>
+          <p:nvPr/>
+        </p:nvSpPr>
+        <p:spPr>
+          <a:xfrm>
+            <a:off x="3885113" y="552737"/>
+            <a:ext cx="2832827" cy="253916"/>
+          </a:xfrm>
+          <a:prstGeom prst="rect">
+            <a:avLst/>
+          </a:prstGeom>
+          <a:noFill/>
+        </p:spPr>
+        <p:txBody>
+          <a:bodyPr wrap="none">
+            <a:spAutoFit/>
+          </a:bodyPr>
+          <a:lstStyle/>
+          <a:p>
+            <a:pPr lvl="0">
+              <a:defRPr/>
+            </a:pPr>
+            <a:r>
+              <a:rPr lang="en-US" altLang="ko-KR" sz="1050">
+                <a:solidFill>
+                  <a:schemeClr val="tx1"/>
+                </a:solidFill>
+                <a:latin typeface="+mn-ea"/>
+                <a:ea typeface="+mn-ea"/>
+              </a:rPr>
+              <a:t>About US | </a:t>
+            </a:r>
+            <a:r>
+              <a:rPr lang="ko-KR" altLang="en-US" sz="1050">
+                <a:solidFill>
+                  <a:schemeClr val="tx1"/>
+                </a:solidFill>
+                <a:latin typeface="+mn-ea"/>
+                <a:ea typeface="+mn-ea"/>
+              </a:rPr>
+              <a:t>사업소개 </a:t>
+            </a:r>
+            <a:r>
+              <a:rPr lang="en-US" altLang="ko-KR" sz="1050">
+                <a:solidFill>
+                  <a:schemeClr val="tx1"/>
+                </a:solidFill>
+                <a:latin typeface="+mn-ea"/>
+                <a:ea typeface="+mn-ea"/>
+              </a:rPr>
+              <a:t>| </a:t>
+            </a:r>
+            <a:r>
+              <a:rPr lang="ko-KR" altLang="en-US" sz="1050">
+                <a:solidFill>
+                  <a:schemeClr val="tx1"/>
+                </a:solidFill>
+                <a:latin typeface="+mn-ea"/>
+                <a:ea typeface="+mn-ea"/>
+              </a:rPr>
+              <a:t>제품소개 </a:t>
+            </a:r>
+            <a:r>
+              <a:rPr lang="en-US" altLang="ko-KR" sz="1050">
+                <a:solidFill>
+                  <a:schemeClr val="tx1"/>
+                </a:solidFill>
+                <a:latin typeface="+mn-ea"/>
+                <a:ea typeface="+mn-ea"/>
+              </a:rPr>
+              <a:t>| </a:t>
+            </a:r>
+            <a:r>
+              <a:rPr lang="ko-KR" altLang="en-US" sz="1050">
+                <a:solidFill>
+                  <a:schemeClr val="tx1"/>
+                </a:solidFill>
+                <a:latin typeface="+mn-ea"/>
+                <a:ea typeface="+mn-ea"/>
+              </a:rPr>
+              <a:t>고객센터</a:t>
+            </a:r>
+            <a:endParaRPr lang="ko-KR" altLang="en-US" sz="1050">
+              <a:solidFill>
+                <a:schemeClr val="tx1"/>
+              </a:solidFill>
+              <a:latin typeface="+mn-ea"/>
+              <a:ea typeface="+mn-ea"/>
+            </a:endParaRPr>
+          </a:p>
+        </p:txBody>
+      </p:sp>
+      <p:sp>
+        <p:nvSpPr>
+          <p:cNvPr id="77" name="TextBox 76"/>
+          <p:cNvSpPr txBox="1"/>
+          <p:nvPr/>
+        </p:nvSpPr>
+        <p:spPr>
+          <a:xfrm>
+            <a:off x="5868144" y="306307"/>
+            <a:ext cx="712054" cy="184666"/>
+          </a:xfrm>
+          <a:prstGeom prst="rect">
+            <a:avLst/>
+          </a:prstGeom>
+          <a:noFill/>
+        </p:spPr>
+        <p:txBody>
+          <a:bodyPr wrap="none">
+            <a:spAutoFit/>
+          </a:bodyPr>
+          <a:lstStyle/>
+          <a:p>
+            <a:pPr lvl="0">
+              <a:defRPr/>
+            </a:pPr>
+            <a:r>
+              <a:rPr lang="en-US" altLang="ko-KR" sz="600" b="0">
+                <a:solidFill>
+                  <a:schemeClr val="tx1"/>
+                </a:solidFill>
+                <a:latin typeface="+mn-ea"/>
+                <a:ea typeface="+mn-ea"/>
+              </a:rPr>
+              <a:t>Login | Join US</a:t>
+            </a:r>
+            <a:endParaRPr lang="ko-KR" altLang="en-US" sz="600" b="0">
+              <a:solidFill>
+                <a:schemeClr val="tx1"/>
+              </a:solidFill>
+              <a:latin typeface="+mn-ea"/>
+              <a:ea typeface="+mn-ea"/>
+            </a:endParaRPr>
+          </a:p>
+        </p:txBody>
+      </p:sp>
+      <p:grpSp>
+        <p:nvGrpSpPr>
+          <p:cNvPr id="78" name="그룹 77"/>
+          <p:cNvGrpSpPr/>
+          <p:nvPr/>
+        </p:nvGrpSpPr>
+        <p:grpSpPr>
+          <a:xfrm rot="0">
+            <a:off x="179512" y="391943"/>
+            <a:ext cx="1296144" cy="432049"/>
+            <a:chOff x="179512" y="411510"/>
+            <a:chExt cx="1296144" cy="432049"/>
+          </a:xfrm>
+        </p:grpSpPr>
+        <p:sp>
+          <p:nvSpPr>
+            <p:cNvPr id="79" name="직사각형 78"/>
+            <p:cNvSpPr/>
+            <p:nvPr/>
+          </p:nvSpPr>
+          <p:spPr>
+            <a:xfrm>
+              <a:off x="179512" y="411511"/>
+              <a:ext cx="1296144" cy="432048"/>
+            </a:xfrm>
+            <a:prstGeom prst="rect">
+              <a:avLst/>
+            </a:prstGeom>
+            <a:solidFill>
+              <a:schemeClr val="bg1">
+                <a:lumMod val="95000"/>
+                <a:alpha val="70000"/>
+              </a:schemeClr>
+            </a:solidFill>
+            <a:ln w="9525">
+              <a:solidFill>
+                <a:schemeClr val="bg1">
+                  <a:lumMod val="65000"/>
+                </a:schemeClr>
+              </a:solidFill>
+            </a:ln>
+          </p:spPr>
+          <p:style>
+            <a:lnRef idx="2">
+              <a:schemeClr val="accent1">
+                <a:shade val="50000"/>
+              </a:schemeClr>
+            </a:lnRef>
+            <a:fillRef idx="1">
+              <a:schemeClr val="accent1"/>
+            </a:fillRef>
+            <a:effectRef idx="0">
+              <a:schemeClr val="accent1"/>
+            </a:effectRef>
+            <a:fontRef idx="minor">
+              <a:schemeClr val="lt1"/>
+            </a:fontRef>
+          </p:style>
+          <p:txBody>
+            <a:bodyPr anchor="ctr"/>
+            <a:lstStyle/>
+            <a:p>
+              <a:pPr lvl="0" algn="ctr">
+                <a:defRPr/>
+              </a:pPr>
+              <a:r>
+                <a:rPr lang="en-US" altLang="ko-KR">
+                  <a:solidFill>
+                    <a:prstClr val="white"/>
+                  </a:solidFill>
+                  <a:latin typeface="+mn-ea"/>
+                  <a:ea typeface="+mn-ea"/>
+                </a:rPr>
+                <a:t>`</a:t>
+              </a:r>
+              <a:endParaRPr lang="ko-KR" altLang="en-US">
+                <a:solidFill>
+                  <a:prstClr val="white"/>
+                </a:solidFill>
+                <a:latin typeface="+mn-ea"/>
+                <a:ea typeface="+mn-ea"/>
+              </a:endParaRPr>
+            </a:p>
+          </p:txBody>
+        </p:sp>
+        <p:cxnSp>
+          <p:nvCxnSpPr>
+            <p:cNvPr id="80" name="직선 연결선 79"/>
+            <p:cNvCxnSpPr/>
+            <p:nvPr/>
+          </p:nvCxnSpPr>
+          <p:spPr>
+            <a:xfrm flipH="1">
+              <a:off x="179512" y="411510"/>
+              <a:ext cx="1296144" cy="432048"/>
+            </a:xfrm>
+            <a:prstGeom prst="line">
+              <a:avLst/>
+            </a:prstGeom>
+            <a:ln>
+              <a:solidFill>
+                <a:schemeClr val="bg1">
+                  <a:lumMod val="50000"/>
+                </a:schemeClr>
+              </a:solidFill>
+            </a:ln>
+          </p:spPr>
+          <p:style>
+            <a:lnRef idx="1">
+              <a:schemeClr val="accent1"/>
+            </a:lnRef>
+            <a:fillRef idx="0">
+              <a:schemeClr val="accent1"/>
+            </a:fillRef>
+            <a:effectRef idx="0">
+              <a:schemeClr val="accent1"/>
+            </a:effectRef>
+            <a:fontRef idx="minor">
+              <a:schemeClr val="tx1"/>
+            </a:fontRef>
+          </p:style>
+        </p:cxnSp>
+      </p:grpSp>
+      <p:sp>
+        <p:nvSpPr>
+          <p:cNvPr id="81" name="TextBox 80"/>
+          <p:cNvSpPr txBox="1"/>
+          <p:nvPr/>
+        </p:nvSpPr>
+        <p:spPr>
+          <a:xfrm>
+            <a:off x="185633" y="463951"/>
+            <a:ext cx="679801" cy="307777"/>
+          </a:xfrm>
+          <a:prstGeom prst="rect">
+            <a:avLst/>
+          </a:prstGeom>
+          <a:noFill/>
+        </p:spPr>
+        <p:txBody>
+          <a:bodyPr wrap="none">
+            <a:spAutoFit/>
+          </a:bodyPr>
+          <a:lstStyle/>
+          <a:p>
+            <a:pPr lvl="0">
+              <a:defRPr/>
+            </a:pPr>
+            <a:r>
+              <a:rPr lang="en-US" altLang="ko-KR" sz="1400" b="1">
+                <a:solidFill>
+                  <a:schemeClr val="tx1"/>
+                </a:solidFill>
+                <a:latin typeface="+mn-ea"/>
+                <a:ea typeface="+mn-ea"/>
+              </a:rPr>
+              <a:t>LOGO</a:t>
+            </a:r>
+            <a:endParaRPr lang="ko-KR" altLang="en-US" sz="1400" b="1">
+              <a:solidFill>
+                <a:schemeClr val="tx1"/>
+              </a:solidFill>
+              <a:latin typeface="+mn-ea"/>
+              <a:ea typeface="+mn-ea"/>
+            </a:endParaRPr>
+          </a:p>
+        </p:txBody>
+      </p:sp>
+      <p:sp>
+        <p:nvSpPr>
+          <p:cNvPr id="111" name="모서리가 둥근 직사각형 110"/>
+          <p:cNvSpPr/>
+          <p:nvPr/>
+        </p:nvSpPr>
+        <p:spPr>
+          <a:xfrm>
+            <a:off x="299794" y="4159689"/>
+            <a:ext cx="709387" cy="229725"/>
+          </a:xfrm>
+          <a:prstGeom prst="roundRect">
+            <a:avLst>
+              <a:gd name="adj" fmla="val 9813"/>
+            </a:avLst>
+          </a:prstGeom>
+          <a:noFill/>
+          <a:ln w="6350">
+            <a:noFill/>
+          </a:ln>
+        </p:spPr>
+        <p:style>
+          <a:lnRef idx="2">
+            <a:schemeClr val="accent1">
+              <a:shade val="50000"/>
+            </a:schemeClr>
+          </a:lnRef>
+          <a:fillRef idx="1">
+            <a:schemeClr val="accent1"/>
+          </a:fillRef>
+          <a:effectRef idx="0">
+            <a:schemeClr val="accent1"/>
+          </a:effectRef>
+          <a:fontRef idx="minor">
+            <a:schemeClr val="lt1"/>
+          </a:fontRef>
+        </p:style>
+        <p:txBody>
+          <a:bodyPr anchor="ctr"/>
+          <a:lstStyle/>
+          <a:p>
+            <a:pPr lvl="0">
+              <a:defRPr/>
+            </a:pPr>
+            <a:r>
+              <a:rPr lang="ko-KR" altLang="en-US" sz="900" b="1">
+                <a:solidFill>
+                  <a:schemeClr val="bg1"/>
+                </a:solidFill>
+                <a:latin typeface="+mn-ea"/>
+              </a:rPr>
+              <a:t>공지사항</a:t>
+            </a:r>
+            <a:endParaRPr lang="en-US" altLang="ko-KR" sz="900" b="1">
+              <a:solidFill>
+                <a:schemeClr val="bg1"/>
+              </a:solidFill>
+              <a:latin typeface="+mn-ea"/>
+            </a:endParaRPr>
+          </a:p>
+        </p:txBody>
+      </p:sp>
+      <p:sp>
+        <p:nvSpPr>
+          <p:cNvPr id="113" name="모서리가 둥근 직사각형 112"/>
+          <p:cNvSpPr/>
+          <p:nvPr/>
+        </p:nvSpPr>
+        <p:spPr>
+          <a:xfrm>
+            <a:off x="286509" y="4411359"/>
+            <a:ext cx="3853443" cy="464647"/>
+          </a:xfrm>
+          <a:prstGeom prst="roundRect">
+            <a:avLst>
+              <a:gd name="adj" fmla="val 9813"/>
+            </a:avLst>
+          </a:prstGeom>
+          <a:noFill/>
+          <a:ln w="6350">
+            <a:noFill/>
+          </a:ln>
+        </p:spPr>
+        <p:style>
+          <a:lnRef idx="2">
+            <a:schemeClr val="accent1">
+              <a:shade val="50000"/>
+            </a:schemeClr>
+          </a:lnRef>
+          <a:fillRef idx="1">
+            <a:schemeClr val="accent1"/>
+          </a:fillRef>
+          <a:effectRef idx="0">
+            <a:schemeClr val="accent1"/>
+          </a:effectRef>
+          <a:fontRef idx="minor">
+            <a:schemeClr val="lt1"/>
+          </a:fontRef>
+        </p:style>
+        <p:txBody>
+          <a:bodyPr anchor="ctr"/>
+          <a:lstStyle/>
+          <a:p>
+            <a:pPr lvl="0">
+              <a:lnSpc>
+                <a:spcPct val="150000"/>
+              </a:lnSpc>
+              <a:defRPr/>
+            </a:pPr>
+            <a:r>
+              <a:rPr lang="ko-KR" altLang="en-US" sz="700">
+                <a:solidFill>
+                  <a:schemeClr val="tx1">
+                    <a:lumMod val="65000"/>
+                    <a:lumOff val="35000"/>
+                  </a:schemeClr>
+                </a:solidFill>
+                <a:latin typeface="+mn-ea"/>
+              </a:rPr>
+              <a:t>주요 공지사항입니다</a:t>
+            </a:r>
+            <a:r>
+              <a:rPr lang="en-US" altLang="ko-KR" sz="700">
+                <a:solidFill>
+                  <a:schemeClr val="tx1">
+                    <a:lumMod val="65000"/>
+                    <a:lumOff val="35000"/>
+                  </a:schemeClr>
+                </a:solidFill>
+                <a:latin typeface="+mn-ea"/>
+              </a:rPr>
+              <a:t>.   2017.03.03</a:t>
+            </a:r>
+            <a:endParaRPr lang="en-US" altLang="ko-KR" sz="700">
+              <a:solidFill>
+                <a:schemeClr val="tx1">
+                  <a:lumMod val="65000"/>
+                  <a:lumOff val="35000"/>
+                </a:schemeClr>
+              </a:solidFill>
+              <a:latin typeface="+mn-ea"/>
+            </a:endParaRPr>
+          </a:p>
+          <a:p>
+            <a:pPr lvl="0">
+              <a:lnSpc>
+                <a:spcPct val="150000"/>
+              </a:lnSpc>
+              <a:defRPr/>
+            </a:pPr>
+            <a:r>
+              <a:rPr lang="ko-KR" altLang="en-US" sz="700">
+                <a:solidFill>
+                  <a:schemeClr val="tx1">
+                    <a:lumMod val="65000"/>
+                    <a:lumOff val="35000"/>
+                  </a:schemeClr>
+                </a:solidFill>
+                <a:latin typeface="+mn-ea"/>
+              </a:rPr>
+              <a:t>오픈이벤트입니다</a:t>
+            </a:r>
+            <a:r>
+              <a:rPr lang="en-US" altLang="ko-KR" sz="700">
+                <a:solidFill>
+                  <a:schemeClr val="tx1">
+                    <a:lumMod val="65000"/>
+                    <a:lumOff val="35000"/>
+                  </a:schemeClr>
+                </a:solidFill>
+                <a:latin typeface="+mn-ea"/>
+              </a:rPr>
+              <a:t>. 2017.02.03</a:t>
+            </a:r>
+            <a:endParaRPr lang="en-US" altLang="ko-KR" sz="700">
+              <a:solidFill>
+                <a:schemeClr val="tx1">
+                  <a:lumMod val="65000"/>
+                  <a:lumOff val="35000"/>
+                </a:schemeClr>
+              </a:solidFill>
+              <a:latin typeface="+mn-ea"/>
+            </a:endParaRPr>
+          </a:p>
+          <a:p>
+            <a:pPr lvl="0">
+              <a:lnSpc>
+                <a:spcPct val="150000"/>
+              </a:lnSpc>
+              <a:defRPr/>
+            </a:pPr>
+            <a:r>
+              <a:rPr lang="ko-KR" altLang="en-US" sz="700">
+                <a:solidFill>
+                  <a:schemeClr val="tx1">
+                    <a:lumMod val="65000"/>
+                    <a:lumOff val="35000"/>
+                  </a:schemeClr>
+                </a:solidFill>
+                <a:latin typeface="+mn-ea"/>
+              </a:rPr>
+              <a:t>홈페이지 오픈을 축하해 주세요</a:t>
+            </a:r>
+            <a:r>
+              <a:rPr lang="en-US" altLang="ko-KR" sz="700">
+                <a:solidFill>
+                  <a:schemeClr val="tx1">
+                    <a:lumMod val="65000"/>
+                    <a:lumOff val="35000"/>
+                  </a:schemeClr>
+                </a:solidFill>
+                <a:latin typeface="+mn-ea"/>
+              </a:rPr>
+              <a:t>. 2017.01.31</a:t>
+            </a:r>
+            <a:endParaRPr lang="en-US" altLang="ko-KR" sz="700">
+              <a:solidFill>
+                <a:schemeClr val="tx1">
+                  <a:lumMod val="65000"/>
+                  <a:lumOff val="35000"/>
+                </a:schemeClr>
+              </a:solidFill>
+              <a:latin typeface="+mn-ea"/>
+            </a:endParaRPr>
+          </a:p>
+        </p:txBody>
+      </p:sp>
+      <p:sp>
+        <p:nvSpPr>
+          <p:cNvPr id="126" name="가로 글상자 125"/>
+          <p:cNvSpPr txBox="1"/>
+          <p:nvPr/>
+        </p:nvSpPr>
+        <p:spPr>
+          <a:xfrm>
+            <a:off x="2699792" y="988735"/>
             <a:ext cx="1872208" cy="358879"/>
           </a:xfrm>
           <a:prstGeom prst="rect">
@@ -10245,7 +12397,7 @@
         </p:nvSpPr>
         <p:spPr>
           <a:xfrm>
-            <a:off x="2692231" y="2110596"/>
+            <a:off x="2771800" y="2110596"/>
             <a:ext cx="216024" cy="203003"/>
           </a:xfrm>
           <a:prstGeom prst="roundRect">
@@ -10396,6 +12548,270 @@
           </p:txBody>
         </p:sp>
       </p:grpSp>
+      <p:cxnSp>
+        <p:nvCxnSpPr>
+          <p:cNvPr id="155" name="선 154"/>
+          <p:cNvCxnSpPr/>
+          <p:nvPr/>
+        </p:nvCxnSpPr>
+        <p:spPr>
+          <a:xfrm>
+            <a:off x="1619672" y="1347614"/>
+            <a:ext cx="4176464" cy="0"/>
+          </a:xfrm>
+          <a:prstGeom prst="line">
+            <a:avLst/>
+          </a:prstGeom>
+        </p:spPr>
+        <p:style>
+          <a:lnRef idx="1">
+            <a:schemeClr val="accent1"/>
+          </a:lnRef>
+          <a:fillRef idx="0">
+            <a:schemeClr val="accent1"/>
+          </a:fillRef>
+          <a:effectRef idx="0">
+            <a:schemeClr val="accent1"/>
+          </a:effectRef>
+          <a:fontRef idx="minor">
+            <a:schemeClr val="tx1"/>
+          </a:fontRef>
+        </p:style>
+      </p:cxnSp>
+      <p:sp>
+        <p:nvSpPr>
+          <p:cNvPr id="156" name="가로 글상자 155"/>
+          <p:cNvSpPr txBox="1"/>
+          <p:nvPr/>
+        </p:nvSpPr>
+        <p:spPr>
+          <a:xfrm>
+            <a:off x="2699792" y="2571750"/>
+            <a:ext cx="1944216" cy="493395"/>
+          </a:xfrm>
+          <a:prstGeom prst="rect">
+            <a:avLst/>
+          </a:prstGeom>
+        </p:spPr>
+        <p:txBody>
+          <a:bodyPr wrap="square">
+            <a:spAutoFit/>
+          </a:bodyPr>
+          <a:p>
+            <a:pPr lvl="0" algn="ctr">
+              <a:defRPr/>
+            </a:pPr>
+            <a:r>
+              <a:rPr lang="ko-KR" altLang="en-US" sz="700"/>
+              <a:t>가입 시 등록한 이메일을 입력하면 비밀번호 재설정 링크가 발송됩니다</a:t>
+            </a:r>
+            <a:r>
+              <a:rPr lang="ko-KR" altLang="en-US" sz="2000"/>
+              <a:t>.</a:t>
+            </a:r>
+            <a:endParaRPr lang="ko-KR" altLang="en-US" sz="2000"/>
+          </a:p>
+        </p:txBody>
+      </p:sp>
+      <p:sp>
+        <p:nvSpPr>
+          <p:cNvPr id="157" name="모서리가 둥근 직사각형 156"/>
+          <p:cNvSpPr/>
+          <p:nvPr/>
+        </p:nvSpPr>
+        <p:spPr>
+          <a:xfrm>
+            <a:off x="2555776" y="2499742"/>
+            <a:ext cx="216024" cy="203003"/>
+          </a:xfrm>
+          <a:prstGeom prst="roundRect">
+            <a:avLst>
+              <a:gd name="adj" fmla="val 0"/>
+            </a:avLst>
+          </a:prstGeom>
+          <a:solidFill>
+            <a:schemeClr val="accent6">
+              <a:lumMod val="75000"/>
+            </a:schemeClr>
+          </a:solidFill>
+          <a:ln>
+            <a:noFill/>
+          </a:ln>
+        </p:spPr>
+        <p:style>
+          <a:lnRef idx="2">
+            <a:schemeClr val="accent1">
+              <a:shade val="50000"/>
+            </a:schemeClr>
+          </a:lnRef>
+          <a:fillRef idx="1">
+            <a:schemeClr val="accent1"/>
+          </a:fillRef>
+          <a:effectRef idx="0">
+            <a:schemeClr val="accent1"/>
+          </a:effectRef>
+          <a:fontRef idx="minor">
+            <a:schemeClr val="lt1"/>
+          </a:fontRef>
+        </p:style>
+        <p:txBody>
+          <a:bodyPr lIns="0" rIns="0" anchor="ctr"/>
+          <a:lstStyle/>
+          <a:p>
+            <a:pPr lvl="0" algn="ctr">
+              <a:defRPr/>
+            </a:pPr>
+            <a:r>
+              <a:rPr lang="en-US" altLang="ko-KR" sz="1050" b="1"/>
+              <a:t>3</a:t>
+            </a:r>
+            <a:endParaRPr lang="en-US" altLang="ko-KR" sz="1050" b="1"/>
+          </a:p>
+        </p:txBody>
+      </p:sp>
+      <p:sp>
+        <p:nvSpPr>
+          <p:cNvPr id="158" name="가로 글상자 157"/>
+          <p:cNvSpPr txBox="1"/>
+          <p:nvPr/>
+        </p:nvSpPr>
+        <p:spPr>
+          <a:xfrm>
+            <a:off x="4499992" y="1203598"/>
+            <a:ext cx="1465322" cy="185147"/>
+          </a:xfrm>
+          <a:prstGeom prst="rect">
+            <a:avLst/>
+          </a:prstGeom>
+        </p:spPr>
+        <p:txBody>
+          <a:bodyPr wrap="square">
+            <a:spAutoFit/>
+          </a:bodyPr>
+          <a:p>
+            <a:pPr lvl="0">
+              <a:defRPr/>
+            </a:pPr>
+            <a:r>
+              <a:rPr lang="en-US" altLang="ko-KR" sz="600">
+                <a:solidFill>
+                  <a:schemeClr val="accent6"/>
+                </a:solidFill>
+              </a:rPr>
+              <a:t>01.</a:t>
+            </a:r>
+            <a:r>
+              <a:rPr lang="ko-KR" altLang="en-US" sz="600">
+                <a:solidFill>
+                  <a:schemeClr val="accent6"/>
+                </a:solidFill>
+              </a:rPr>
+              <a:t> 본인 확인</a:t>
+            </a:r>
+            <a:r>
+              <a:rPr lang="ko-KR" altLang="en-US" sz="600">
+                <a:solidFill>
+                  <a:schemeClr val="dk1"/>
+                </a:solidFill>
+              </a:rPr>
+              <a:t> </a:t>
+            </a:r>
+            <a:r>
+              <a:rPr lang="en-US" altLang="ko-KR" sz="600">
+                <a:solidFill>
+                  <a:schemeClr val="dk1"/>
+                </a:solidFill>
+              </a:rPr>
+              <a:t>&gt;</a:t>
+            </a:r>
+            <a:r>
+              <a:rPr lang="ko-KR" altLang="en-US" sz="600">
+                <a:solidFill>
+                  <a:schemeClr val="dk1"/>
+                </a:solidFill>
+              </a:rPr>
+              <a:t> </a:t>
+            </a:r>
+            <a:r>
+              <a:rPr lang="en-US" altLang="ko-KR" sz="600">
+                <a:solidFill>
+                  <a:schemeClr val="dk1"/>
+                </a:solidFill>
+              </a:rPr>
+              <a:t>02.</a:t>
+            </a:r>
+            <a:r>
+              <a:rPr lang="ko-KR" altLang="en-US" sz="600">
+                <a:solidFill>
+                  <a:schemeClr val="dk1"/>
+                </a:solidFill>
+              </a:rPr>
+              <a:t> 비밀번호재설정</a:t>
+            </a:r>
+            <a:endParaRPr lang="ko-KR" altLang="en-US" sz="600">
+              <a:solidFill>
+                <a:schemeClr val="dk1"/>
+              </a:solidFill>
+            </a:endParaRPr>
+          </a:p>
+        </p:txBody>
+      </p:sp>
+      <p:sp>
+        <p:nvSpPr>
+          <p:cNvPr id="160" name="모서리가 둥근 직사각형 159"/>
+          <p:cNvSpPr/>
+          <p:nvPr/>
+        </p:nvSpPr>
+        <p:spPr>
+          <a:xfrm>
+            <a:off x="4572000" y="987574"/>
+            <a:ext cx="216024" cy="203003"/>
+          </a:xfrm>
+          <a:prstGeom prst="roundRect">
+            <a:avLst>
+              <a:gd name="adj" fmla="val 0"/>
+            </a:avLst>
+          </a:prstGeom>
+          <a:solidFill>
+            <a:schemeClr val="accent6">
+              <a:lumMod val="75000"/>
+            </a:schemeClr>
+          </a:solidFill>
+          <a:ln>
+            <a:noFill/>
+          </a:ln>
+        </p:spPr>
+        <p:style>
+          <a:lnRef idx="2">
+            <a:schemeClr val="accent1">
+              <a:shade val="50000"/>
+            </a:schemeClr>
+          </a:lnRef>
+          <a:fillRef idx="1">
+            <a:schemeClr val="accent1"/>
+          </a:fillRef>
+          <a:effectRef idx="0">
+            <a:schemeClr val="accent1"/>
+          </a:effectRef>
+          <a:fontRef idx="minor">
+            <a:schemeClr val="lt1"/>
+          </a:fontRef>
+        </p:style>
+        <p:txBody>
+          <a:bodyPr lIns="0" rIns="0" anchor="ctr"/>
+          <a:lstStyle/>
+          <a:p>
+            <a:pPr lvl="0" algn="ctr">
+              <a:defRPr/>
+            </a:pPr>
+            <a:r>
+              <a:rPr lang="en-US" altLang="ko-KR" sz="1050" b="1"/>
+              <a:t>4</a:t>
+            </a:r>
+            <a:endParaRPr lang="en-US" altLang="ko-KR" sz="1050" b="1"/>
+          </a:p>
+        </p:txBody>
+      </p:sp>
     </p:spTree>
     <p:extLst>
       <p:ext uri="{BB962C8B-B14F-4D97-AF65-F5344CB8AC3E}">
@@ -10409,7 +12825,7 @@
 </p:sld>
 </file>
 
-<file path=ppt/slides/slide4.xml><?xml version="1.0" encoding="utf-8"?>
+<file path=ppt/slides/slide5.xml><?xml version="1.0" encoding="utf-8"?>
 <p:sld xmlns:r="http://schemas.openxmlformats.org/officeDocument/2006/relationships" xmlns:c="http://schemas.openxmlformats.org/drawingml/2006/chart" xmlns:a="http://schemas.openxmlformats.org/drawingml/2006/main" xmlns:dgm="http://schemas.openxmlformats.org/drawingml/2006/diagram" xmlns:dsp="http://schemas.microsoft.com/office/drawing/2008/diagram" xmlns:p="http://schemas.openxmlformats.org/presentationml/2006/main">
   <p:cSld>
     <p:spTree>
@@ -10633,7 +13049,7 @@
             </a:pPr>
             <a:r>
               <a:rPr lang="ko-KR" altLang="en-US" sz="1000"/>
-              <a:t>① 아이디 찾기 결과창</a:t>
+              <a:t>① 새 비밀번호를 조건</a:t>
             </a:r>
             <a:endParaRPr lang="ko-KR" altLang="en-US" sz="1000"/>
           </a:p>
@@ -10648,13 +13064,113 @@
             </a:r>
             <a:r>
               <a:rPr lang="ko-KR" altLang="en-US" sz="1000"/>
-              <a:t> 이름과 휴대전화가 일치하는 아이디가 있을시 아이디를 가르쳐주는 결과창이 뜬다</a:t>
+              <a:t> 영문 대소문자</a:t>
+            </a:r>
+            <a:r>
+              <a:rPr lang="en-US" altLang="ko-KR" sz="1000"/>
+              <a:t>,</a:t>
+            </a:r>
+            <a:r>
+              <a:rPr lang="ko-KR" altLang="en-US" sz="1000"/>
+              <a:t> 숫자</a:t>
+            </a:r>
+            <a:r>
+              <a:rPr lang="en-US" altLang="ko-KR" sz="1000"/>
+              <a:t>,</a:t>
+            </a:r>
+            <a:r>
+              <a:rPr lang="ko-KR" altLang="en-US" sz="1000"/>
+              <a:t> 특수문자를 혼합하여 만들어야 합니다. 8자 이상을 입력해야 한다.</a:t>
+            </a:r>
+            <a:endParaRPr lang="ko-KR" altLang="en-US" sz="1000"/>
+          </a:p>
+          <a:p>
+            <a:pPr marL="0" lvl="0" indent="0">
+              <a:buNone/>
+              <a:defRPr/>
+            </a:pPr>
+            <a:r>
+              <a:rPr lang="ko-KR" altLang="en-US" sz="1000"/>
+              <a:t>② 새 비밀번호와 완전이 같은 값을 입력해야함</a:t>
+            </a:r>
+            <a:endParaRPr lang="en-US" altLang="ko-KR" sz="1000"/>
+          </a:p>
+          <a:p>
+            <a:pPr marL="0" lvl="0" indent="0">
+              <a:buNone/>
+              <a:defRPr/>
+            </a:pPr>
+            <a:r>
+              <a:rPr lang="ko-KR" altLang="en-US" sz="1000"/>
+              <a:t>③ 비밀 번호 규칙 설명란</a:t>
+            </a:r>
+            <a:endParaRPr lang="ko-KR" altLang="en-US" sz="1000"/>
+          </a:p>
+          <a:p>
+            <a:pPr marL="0" lvl="0" indent="0">
+              <a:buNone/>
+              <a:defRPr/>
+            </a:pPr>
+            <a:r>
+              <a:rPr lang="ko-KR" altLang="en-US" sz="1000"/>
+              <a:t>④ 확인 버튼</a:t>
+            </a:r>
+            <a:endParaRPr lang="ko-KR" altLang="en-US" sz="1000"/>
+          </a:p>
+          <a:p>
+            <a:pPr marL="0" lvl="0" indent="0">
+              <a:buNone/>
+              <a:defRPr/>
+            </a:pPr>
+            <a:r>
+              <a:rPr lang="en-US" altLang="ko-KR" sz="1000"/>
+              <a:t>-</a:t>
+            </a:r>
+            <a:r>
+              <a:rPr lang="ko-KR" altLang="en-US" sz="1000"/>
+              <a:t> 비밀 번호 규칙이 지켜졌고 ①</a:t>
+            </a:r>
+            <a:r>
+              <a:rPr lang="en-US" altLang="ko-KR" sz="1000"/>
+              <a:t>,</a:t>
+            </a:r>
+            <a:r>
+              <a:rPr lang="ko-KR" altLang="en-US" sz="1000"/>
+              <a:t> ② 일치시 </a:t>
+            </a:r>
+            <a:r>
+              <a:rPr lang="en-US" altLang="ko-KR" sz="1000"/>
+              <a:t>:</a:t>
+            </a:r>
+            <a:r>
+              <a:rPr lang="ko-KR" altLang="en-US" sz="1000"/>
+              <a:t> 팝업창으로 </a:t>
+            </a:r>
+            <a:r>
+              <a:rPr lang="en-US" altLang="ko-KR" sz="1000"/>
+              <a:t>“</a:t>
+            </a:r>
+            <a:r>
+              <a:rPr lang="ko-KR" altLang="en-US" sz="1000"/>
+              <a:t>비밀 번호가 변경되었습니다</a:t>
             </a:r>
             <a:r>
               <a:rPr lang="en-US" altLang="ko-KR" sz="1000"/>
               <a:t>.</a:t>
             </a:r>
-            <a:endParaRPr lang="en-US" altLang="ko-KR" sz="1000"/>
+            <a:r>
+              <a:rPr lang="ko-KR" altLang="en-US" sz="1000"/>
+              <a:t> </a:t>
+            </a:r>
+            <a:r>
+              <a:rPr lang="en-US" altLang="ko-KR" sz="1000"/>
+              <a:t>“</a:t>
+            </a:r>
+            <a:r>
+              <a:rPr lang="ko-KR" altLang="en-US" sz="1000"/>
+              <a:t> 이후 로그인 창으로 넘어감</a:t>
+            </a:r>
+            <a:endParaRPr lang="ko-KR" altLang="en-US" sz="1000"/>
           </a:p>
           <a:p>
             <a:pPr marL="0" lvl="0" indent="0">
@@ -10667,7 +13183,15 @@
             </a:r>
             <a:r>
               <a:rPr lang="ko-KR" altLang="en-US" sz="1000"/>
-              <a:t> 이름과 휴대전화가 일치하는 아이디가 없을시 </a:t>
+              <a:t> 비밀 번호 규칙이 어겨졌을 시 </a:t>
+            </a:r>
+            <a:r>
+              <a:rPr lang="en-US" altLang="ko-KR" sz="1000"/>
+              <a:t>:</a:t>
+            </a:r>
+            <a:r>
+              <a:rPr lang="ko-KR" altLang="en-US" sz="1000"/>
+              <a:t> </a:t>
             </a:r>
             <a:r>
               <a:rPr lang="en-US" altLang="ko-KR" sz="1000"/>
@@ -10675,15 +13199,7 @@
             </a:r>
             <a:r>
               <a:rPr lang="ko-KR" altLang="en-US" sz="1000"/>
-              <a:t>일치하는 결과가 없습니다</a:t>
-            </a:r>
-            <a:r>
-              <a:rPr lang="en-US" altLang="ko-KR" sz="1000"/>
-              <a:t>.”</a:t>
-            </a:r>
-            <a:r>
-              <a:rPr lang="ko-KR" altLang="en-US" sz="1000"/>
-              <a:t>가 뜬다</a:t>
+              <a:t>올바르지 않은 비밀 번호입니다</a:t>
             </a:r>
             <a:r>
               <a:rPr lang="en-US" altLang="ko-KR" sz="1000"/>
@@ -10693,6 +13209,14 @@
               <a:rPr lang="ko-KR" altLang="en-US" sz="1000"/>
               <a:t> </a:t>
             </a:r>
+            <a:r>
+              <a:rPr lang="en-US" altLang="ko-KR" sz="1000"/>
+              <a:t>“</a:t>
+            </a:r>
+            <a:r>
+              <a:rPr lang="ko-KR" altLang="en-US" sz="1000"/>
+              <a:t>팝업창</a:t>
+            </a:r>
             <a:endParaRPr lang="ko-KR" altLang="en-US" sz="1000"/>
           </a:p>
           <a:p>
@@ -10701,14 +13225,46 @@
               <a:defRPr/>
             </a:pPr>
             <a:r>
+              <a:rPr lang="en-US" altLang="ko-KR" sz="1000"/>
+              <a:t>-</a:t>
+            </a:r>
+            <a:r>
               <a:rPr lang="ko-KR" altLang="en-US" sz="1000"/>
-              <a:t>② 로그인 하기 창으로 전환된다</a:t>
+              <a:t> ①</a:t>
             </a:r>
             <a:r>
               <a:rPr lang="en-US" altLang="ko-KR" sz="1000"/>
-              <a:t>.</a:t>
-            </a:r>
-            <a:endParaRPr lang="en-US" altLang="ko-KR" sz="1000"/>
+              <a:t>,</a:t>
+            </a:r>
+            <a:r>
+              <a:rPr lang="ko-KR" altLang="en-US" sz="1000"/>
+              <a:t> ②가 일치 하지 않을 시 </a:t>
+            </a:r>
+            <a:r>
+              <a:rPr lang="en-US" altLang="ko-KR" sz="1000"/>
+              <a:t>:</a:t>
+            </a:r>
+            <a:r>
+              <a:rPr lang="ko-KR" altLang="en-US" sz="1000"/>
+              <a:t> </a:t>
+            </a:r>
+            <a:r>
+              <a:rPr lang="en-US" altLang="ko-KR" sz="1000"/>
+              <a:t>“</a:t>
+            </a:r>
+            <a:r>
+              <a:rPr lang="ko-KR" altLang="en-US" sz="1000"/>
+              <a:t>비밀 번호를 다시 확인해 주세요</a:t>
+            </a:r>
+            <a:r>
+              <a:rPr lang="en-US" altLang="ko-KR" sz="1000"/>
+              <a:t>”</a:t>
+            </a:r>
+            <a:r>
+              <a:rPr lang="ko-KR" altLang="en-US" sz="1000"/>
+              <a:t> 팝업창</a:t>
+            </a:r>
+            <a:endParaRPr lang="ko-KR" altLang="en-US" sz="1000"/>
           </a:p>
           <a:p>
             <a:pPr marL="0" lvl="0" indent="0">
@@ -10717,13 +13273,20 @@
             </a:pPr>
             <a:r>
               <a:rPr lang="ko-KR" altLang="en-US" sz="1000"/>
-              <a:t>③ 비밀번호 찾기 화면으로 이동하여 비밀번호를 재설정한다</a:t>
-            </a:r>
-            <a:r>
-              <a:rPr lang="en-US" altLang="ko-KR" sz="1000"/>
-              <a:t>.</a:t>
-            </a:r>
-            <a:endParaRPr lang="en-US" altLang="ko-KR" sz="1000"/>
+              <a:t>⑤ 취소 버튼 누를 시 메인 화면</a:t>
+            </a:r>
+            <a:endParaRPr lang="ko-KR" altLang="en-US" sz="1000"/>
+          </a:p>
+          <a:p>
+            <a:pPr marL="0" lvl="0" indent="0">
+              <a:buNone/>
+              <a:defRPr/>
+            </a:pPr>
+            <a:r>
+              <a:rPr lang="ko-KR" altLang="en-US" sz="1000"/>
+              <a:t>⑥비밀번호 재설정 단계 표시</a:t>
+            </a:r>
+            <a:endParaRPr lang="ko-KR" altLang="en-US" sz="1000"/>
           </a:p>
         </p:txBody>
       </p:sp>
@@ -11570,8 +14133,8 @@
         </p:nvSpPr>
         <p:spPr>
           <a:xfrm>
-            <a:off x="2665095" y="915566"/>
-            <a:ext cx="1906905" cy="358879"/>
+            <a:off x="2699792" y="988735"/>
+            <a:ext cx="1872208" cy="358879"/>
           </a:xfrm>
           <a:prstGeom prst="rect">
             <a:avLst/>
@@ -11593,95 +14156,6 @@
           </a:p>
         </p:txBody>
       </p:sp>
-      <p:grpSp>
-        <p:nvGrpSpPr>
-          <p:cNvPr id="154" name=""/>
-          <p:cNvGrpSpPr/>
-          <p:nvPr/>
-        </p:nvGrpSpPr>
-        <p:grpSpPr>
-          <a:xfrm rot="0">
-            <a:off x="2267744" y="2427734"/>
-            <a:ext cx="1152128" cy="224413"/>
-            <a:chOff x="3059832" y="2859777"/>
-            <a:chExt cx="1152128" cy="224413"/>
-          </a:xfrm>
-        </p:grpSpPr>
-        <p:sp>
-          <p:nvSpPr>
-            <p:cNvPr id="133" name="모서리가 둥근 직사각형 132"/>
-            <p:cNvSpPr/>
-            <p:nvPr/>
-          </p:nvSpPr>
-          <p:spPr>
-            <a:xfrm>
-              <a:off x="3059832" y="2868166"/>
-              <a:ext cx="1152128" cy="216024"/>
-            </a:xfrm>
-            <a:prstGeom prst="roundRect">
-              <a:avLst>
-                <a:gd name="adj" fmla="val 16667"/>
-              </a:avLst>
-            </a:prstGeom>
-          </p:spPr>
-          <p:style>
-            <a:lnRef idx="2">
-              <a:schemeClr val="accent1">
-                <a:shade val="20000"/>
-              </a:schemeClr>
-            </a:lnRef>
-            <a:fillRef idx="1">
-              <a:schemeClr val="accent1"/>
-            </a:fillRef>
-            <a:effectRef idx="0">
-              <a:schemeClr val="accent1"/>
-            </a:effectRef>
-            <a:fontRef idx="minor">
-              <a:schemeClr val="lt1"/>
-            </a:fontRef>
-          </p:style>
-          <p:txBody>
-            <a:bodyPr anchor="ctr"/>
-            <a:p>
-              <a:pPr lvl="0" algn="ctr">
-                <a:defRPr/>
-              </a:pPr>
-              <a:endParaRPr lang="ko-KR" altLang="en-US"/>
-            </a:p>
-          </p:txBody>
-        </p:sp>
-        <p:sp>
-          <p:nvSpPr>
-            <p:cNvPr id="135" name="가로 글상자 134"/>
-            <p:cNvSpPr txBox="1"/>
-            <p:nvPr/>
-          </p:nvSpPr>
-          <p:spPr>
-            <a:xfrm>
-              <a:off x="3131840" y="2859777"/>
-              <a:ext cx="1008112" cy="218311"/>
-            </a:xfrm>
-            <a:prstGeom prst="rect">
-              <a:avLst/>
-            </a:prstGeom>
-          </p:spPr>
-          <p:txBody>
-            <a:bodyPr wrap="square">
-              <a:spAutoFit/>
-            </a:bodyPr>
-            <a:p>
-              <a:pPr lvl="0" algn="ctr">
-                <a:defRPr/>
-              </a:pPr>
-              <a:r>
-                <a:rPr lang="ko-KR" altLang="en-US" sz="900"/>
-                <a:t>로그인 하기</a:t>
-              </a:r>
-              <a:endParaRPr lang="ko-KR" altLang="en-US" sz="900"/>
-            </a:p>
-          </p:txBody>
-        </p:sp>
-      </p:grpSp>
       <p:sp>
         <p:nvSpPr>
           <p:cNvPr id="139" name="모서리가 둥근 직사각형 138"/>
@@ -11690,7 +14164,7 @@
         </p:nvSpPr>
         <p:spPr>
           <a:xfrm>
-            <a:off x="1835696" y="1491630"/>
+            <a:off x="2195736" y="1491630"/>
             <a:ext cx="216024" cy="203003"/>
           </a:xfrm>
           <a:prstGeom prst="roundRect">
@@ -11740,14 +14214,70 @@
       </p:sp>
       <p:sp>
         <p:nvSpPr>
+          <p:cNvPr id="149" name="모서리가 둥근 직사각형 148"/>
+          <p:cNvSpPr/>
+          <p:nvPr/>
+        </p:nvSpPr>
+        <p:spPr>
+          <a:xfrm>
+            <a:off x="2195736" y="1913796"/>
+            <a:ext cx="216024" cy="203003"/>
+          </a:xfrm>
+          <a:prstGeom prst="roundRect">
+            <a:avLst>
+              <a:gd name="adj" fmla="val 0"/>
+            </a:avLst>
+          </a:prstGeom>
+          <a:solidFill>
+            <a:schemeClr val="accent6">
+              <a:lumMod val="75000"/>
+            </a:schemeClr>
+          </a:solidFill>
+          <a:ln>
+            <a:noFill/>
+          </a:ln>
+        </p:spPr>
+        <p:style>
+          <a:lnRef idx="2">
+            <a:schemeClr val="accent1">
+              <a:shade val="50000"/>
+            </a:schemeClr>
+          </a:lnRef>
+          <a:fillRef idx="1">
+            <a:schemeClr val="accent1"/>
+          </a:fillRef>
+          <a:effectRef idx="0">
+            <a:schemeClr val="accent1"/>
+          </a:effectRef>
+          <a:fontRef idx="minor">
+            <a:schemeClr val="lt1"/>
+          </a:fontRef>
+        </p:style>
+        <p:txBody>
+          <a:bodyPr lIns="0" rIns="0" anchor="ctr"/>
+          <a:lstStyle/>
+          <a:p>
+            <a:pPr lvl="0" algn="ctr">
+              <a:defRPr/>
+            </a:pPr>
+            <a:r>
+              <a:rPr lang="en-US" altLang="ko-KR" sz="1050" b="1"/>
+              <a:t>2</a:t>
+            </a:r>
+            <a:endParaRPr lang="en-US" altLang="ko-KR" sz="1050" b="1"/>
+          </a:p>
+        </p:txBody>
+      </p:sp>
+      <p:sp>
+        <p:nvSpPr>
           <p:cNvPr id="146" name="직사각형 145"/>
           <p:cNvSpPr/>
           <p:nvPr/>
         </p:nvSpPr>
         <p:spPr>
           <a:xfrm>
-            <a:off x="2123728" y="1707654"/>
-            <a:ext cx="3096344" cy="432048"/>
+            <a:off x="2483768" y="1506488"/>
+            <a:ext cx="2016224" cy="273174"/>
           </a:xfrm>
           <a:prstGeom prst="rect">
             <a:avLst/>
@@ -11787,16 +14317,46 @@
           </a:p>
         </p:txBody>
       </p:sp>
-      <p:sp>
-        <p:nvSpPr>
-          <p:cNvPr id="155" name="가로 글상자 154"/>
+      <p:cxnSp>
+        <p:nvCxnSpPr>
+          <p:cNvPr id="155" name="선 154"/>
+          <p:cNvCxnSpPr/>
+          <p:nvPr/>
+        </p:nvCxnSpPr>
+        <p:spPr>
+          <a:xfrm>
+            <a:off x="1619672" y="1347614"/>
+            <a:ext cx="4176464" cy="0"/>
+          </a:xfrm>
+          <a:prstGeom prst="line">
+            <a:avLst/>
+          </a:prstGeom>
+        </p:spPr>
+        <p:style>
+          <a:lnRef idx="1">
+            <a:schemeClr val="accent1"/>
+          </a:lnRef>
+          <a:fillRef idx="0">
+            <a:schemeClr val="accent1"/>
+          </a:fillRef>
+          <a:effectRef idx="0">
+            <a:schemeClr val="accent1"/>
+          </a:effectRef>
+          <a:fontRef idx="minor">
+            <a:schemeClr val="tx1"/>
+          </a:fontRef>
+        </p:style>
+      </p:cxnSp>
+      <p:sp>
+        <p:nvSpPr>
+          <p:cNvPr id="156" name="가로 글상자 155"/>
           <p:cNvSpPr txBox="1"/>
           <p:nvPr/>
         </p:nvSpPr>
         <p:spPr>
           <a:xfrm>
-            <a:off x="2195736" y="1635646"/>
-            <a:ext cx="3024336" cy="334124"/>
+            <a:off x="2195736" y="2211710"/>
+            <a:ext cx="2808312" cy="299862"/>
           </a:xfrm>
           <a:prstGeom prst="rect">
             <a:avLst/>
@@ -11807,135 +14367,43 @@
             <a:spAutoFit/>
           </a:bodyPr>
           <a:p>
-            <a:pPr lvl="0">
-              <a:defRPr/>
-            </a:pPr>
-            <a:r>
-              <a:rPr lang="ko-KR" altLang="en-US" sz="1500"/>
-              <a:t>고객님의 </a:t>
-            </a:r>
-            <a:r>
-              <a:rPr lang="en-US" altLang="ko-KR" sz="1500"/>
-              <a:t>ID</a:t>
-            </a:r>
-            <a:r>
-              <a:rPr lang="ko-KR" altLang="en-US" sz="1500"/>
-              <a:t>는 </a:t>
-            </a:r>
-            <a:r>
-              <a:rPr lang="en-US" altLang="ko-KR" sz="1600" b="1"/>
-              <a:t>userId</a:t>
-            </a:r>
-            <a:r>
-              <a:rPr lang="ko-KR" altLang="en-US" sz="1500"/>
-              <a:t> 입니다</a:t>
-            </a:r>
-            <a:r>
-              <a:rPr lang="en-US" altLang="ko-KR" sz="1500"/>
-              <a:t>.</a:t>
-            </a:r>
-            <a:endParaRPr lang="en-US" altLang="ko-KR" sz="1500"/>
-          </a:p>
-        </p:txBody>
-      </p:sp>
-      <p:grpSp>
-        <p:nvGrpSpPr>
-          <p:cNvPr id="158" name="그룹 157"/>
-          <p:cNvGrpSpPr/>
-          <p:nvPr/>
-        </p:nvGrpSpPr>
-        <p:grpSpPr>
-          <a:xfrm rot="0">
-            <a:off x="3851920" y="2427734"/>
-            <a:ext cx="1152128" cy="224413"/>
-            <a:chOff x="3059832" y="2859777"/>
-            <a:chExt cx="1152128" cy="224413"/>
-          </a:xfrm>
-        </p:grpSpPr>
-        <p:sp>
-          <p:nvSpPr>
-            <p:cNvPr id="159" name="모서리가 둥근 직사각형 132"/>
-            <p:cNvSpPr/>
-            <p:nvPr/>
-          </p:nvSpPr>
-          <p:spPr>
-            <a:xfrm>
-              <a:off x="3059832" y="2868166"/>
-              <a:ext cx="1152128" cy="216024"/>
-            </a:xfrm>
-            <a:prstGeom prst="roundRect">
-              <a:avLst>
-                <a:gd name="adj" fmla="val 16667"/>
-              </a:avLst>
-            </a:prstGeom>
-          </p:spPr>
-          <p:style>
-            <a:lnRef idx="2">
-              <a:schemeClr val="accent1">
-                <a:shade val="20000"/>
-              </a:schemeClr>
-            </a:lnRef>
-            <a:fillRef idx="1">
-              <a:schemeClr val="accent1"/>
-            </a:fillRef>
-            <a:effectRef idx="0">
-              <a:schemeClr val="accent1"/>
-            </a:effectRef>
-            <a:fontRef idx="minor">
-              <a:schemeClr val="lt1"/>
-            </a:fontRef>
-          </p:style>
-          <p:txBody>
-            <a:bodyPr anchor="ctr"/>
-            <a:p>
-              <a:pPr lvl="0" algn="ctr">
-                <a:defRPr/>
-              </a:pPr>
-              <a:endParaRPr lang="ko-KR" altLang="en-US"/>
-            </a:p>
-          </p:txBody>
-        </p:sp>
-        <p:sp>
-          <p:nvSpPr>
-            <p:cNvPr id="160" name="가로 글상자 134"/>
-            <p:cNvSpPr txBox="1"/>
-            <p:nvPr/>
-          </p:nvSpPr>
-          <p:spPr>
-            <a:xfrm>
-              <a:off x="3131840" y="2859777"/>
-              <a:ext cx="1008112" cy="218311"/>
-            </a:xfrm>
-            <a:prstGeom prst="rect">
-              <a:avLst/>
-            </a:prstGeom>
-          </p:spPr>
-          <p:txBody>
-            <a:bodyPr wrap="square">
-              <a:spAutoFit/>
-            </a:bodyPr>
-            <a:p>
-              <a:pPr lvl="0" algn="ctr">
-                <a:defRPr/>
-              </a:pPr>
-              <a:r>
-                <a:rPr lang="ko-KR" altLang="en-US" sz="900"/>
-                <a:t>비밀번호 찾기</a:t>
-              </a:r>
-              <a:endParaRPr lang="ko-KR" altLang="en-US" sz="900"/>
-            </a:p>
-          </p:txBody>
-        </p:sp>
-      </p:grpSp>
-      <p:sp>
-        <p:nvSpPr>
-          <p:cNvPr id="161" name="모서리가 둥근 직사각형 160"/>
+            <a:pPr marL="0" lvl="0" indent="0">
+              <a:buNone/>
+              <a:defRPr/>
+            </a:pPr>
+            <a:r>
+              <a:rPr lang="ko-KR" altLang="en-US" sz="700"/>
+              <a:t>영문 대소문자</a:t>
+            </a:r>
+            <a:r>
+              <a:rPr lang="en-US" altLang="ko-KR" sz="700"/>
+              <a:t>,</a:t>
+            </a:r>
+            <a:r>
+              <a:rPr lang="ko-KR" altLang="en-US" sz="700"/>
+              <a:t> 숫자</a:t>
+            </a:r>
+            <a:r>
+              <a:rPr lang="en-US" altLang="ko-KR" sz="700"/>
+              <a:t>,</a:t>
+            </a:r>
+            <a:r>
+              <a:rPr lang="ko-KR" altLang="en-US" sz="700"/>
+              <a:t> 특수문자를 혼합하여 만들어야 합니다. 8자 이상을 입력해야 한다.</a:t>
+            </a:r>
+            <a:endParaRPr lang="ko-KR" altLang="en-US" sz="2000"/>
+          </a:p>
+        </p:txBody>
+      </p:sp>
+      <p:sp>
+        <p:nvSpPr>
+          <p:cNvPr id="157" name="모서리가 둥근 직사각형 156"/>
           <p:cNvSpPr/>
           <p:nvPr/>
         </p:nvSpPr>
         <p:spPr>
           <a:xfrm>
-            <a:off x="1988096" y="2296738"/>
+            <a:off x="1907704" y="2250933"/>
             <a:ext cx="216024" cy="203003"/>
           </a:xfrm>
           <a:prstGeom prst="roundRect">
@@ -11977,7 +14445,7 @@
             </a:pPr>
             <a:r>
               <a:rPr lang="en-US" altLang="ko-KR" sz="1050" b="1"/>
-              <a:t>2</a:t>
+              <a:t>3</a:t>
             </a:r>
             <a:endParaRPr lang="en-US" altLang="ko-KR" sz="1050" b="1"/>
           </a:p>
@@ -11985,13 +14453,92 @@
       </p:sp>
       <p:sp>
         <p:nvSpPr>
-          <p:cNvPr id="162" name="모서리가 둥근 직사각형 161"/>
+          <p:cNvPr id="158" name="가로 글상자 157"/>
+          <p:cNvSpPr txBox="1"/>
+          <p:nvPr/>
+        </p:nvSpPr>
+        <p:spPr>
+          <a:xfrm>
+            <a:off x="4499992" y="1203598"/>
+            <a:ext cx="1465322" cy="185147"/>
+          </a:xfrm>
+          <a:prstGeom prst="rect">
+            <a:avLst/>
+          </a:prstGeom>
+        </p:spPr>
+        <p:txBody>
+          <a:bodyPr wrap="square">
+            <a:spAutoFit/>
+          </a:bodyPr>
+          <a:p>
+            <a:pPr lvl="0">
+              <a:defRPr/>
+            </a:pPr>
+            <a:r>
+              <a:rPr lang="en-US" altLang="ko-KR" sz="600">
+                <a:solidFill>
+                  <a:schemeClr val="dk1"/>
+                </a:solidFill>
+              </a:rPr>
+              <a:t>01.</a:t>
+            </a:r>
+            <a:r>
+              <a:rPr lang="ko-KR" altLang="en-US" sz="600">
+                <a:solidFill>
+                  <a:schemeClr val="dk1"/>
+                </a:solidFill>
+              </a:rPr>
+              <a:t> 본인 확인 </a:t>
+            </a:r>
+            <a:r>
+              <a:rPr lang="en-US" altLang="ko-KR" sz="600">
+                <a:solidFill>
+                  <a:schemeClr val="dk1"/>
+                </a:solidFill>
+              </a:rPr>
+              <a:t>&gt;</a:t>
+            </a:r>
+            <a:r>
+              <a:rPr lang="ko-KR" altLang="en-US" sz="600">
+                <a:solidFill>
+                  <a:schemeClr val="accent6"/>
+                </a:solidFill>
+              </a:rPr>
+              <a:t> </a:t>
+            </a:r>
+            <a:r>
+              <a:rPr lang="en-US" altLang="ko-KR" sz="600">
+                <a:solidFill>
+                  <a:schemeClr val="accent6"/>
+                </a:solidFill>
+              </a:rPr>
+              <a:t>02.</a:t>
+            </a:r>
+            <a:r>
+              <a:rPr lang="ko-KR" altLang="en-US" sz="600">
+                <a:solidFill>
+                  <a:schemeClr val="accent6"/>
+                </a:solidFill>
+              </a:rPr>
+              <a:t> 비밀번호재설정</a:t>
+            </a:r>
+            <a:endParaRPr lang="ko-KR" altLang="en-US" sz="600">
+              <a:solidFill>
+                <a:schemeClr val="accent6"/>
+              </a:solidFill>
+            </a:endParaRPr>
+          </a:p>
+        </p:txBody>
+      </p:sp>
+      <p:sp>
+        <p:nvSpPr>
+          <p:cNvPr id="160" name="모서리가 둥근 직사각형 159"/>
           <p:cNvSpPr/>
           <p:nvPr/>
         </p:nvSpPr>
         <p:spPr>
           <a:xfrm>
-            <a:off x="3563888" y="2296738"/>
+            <a:off x="4572000" y="987574"/>
             <a:ext cx="216024" cy="203003"/>
           </a:xfrm>
           <a:prstGeom prst="roundRect">
@@ -12033,7 +14580,378 @@
             </a:pPr>
             <a:r>
               <a:rPr lang="en-US" altLang="ko-KR" sz="1050" b="1"/>
-              <a:t>3</a:t>
+              <a:t>6</a:t>
+            </a:r>
+            <a:endParaRPr lang="en-US" altLang="ko-KR" sz="1050" b="1"/>
+          </a:p>
+        </p:txBody>
+      </p:sp>
+      <p:sp>
+        <p:nvSpPr>
+          <p:cNvPr id="161" name="가로 글상자 160"/>
+          <p:cNvSpPr txBox="1"/>
+          <p:nvPr/>
+        </p:nvSpPr>
+        <p:spPr>
+          <a:xfrm>
+            <a:off x="2627784" y="1481748"/>
+            <a:ext cx="1368152" cy="297522"/>
+          </a:xfrm>
+          <a:prstGeom prst="rect">
+            <a:avLst/>
+          </a:prstGeom>
+        </p:spPr>
+        <p:txBody>
+          <a:bodyPr wrap="square">
+            <a:spAutoFit/>
+          </a:bodyPr>
+          <a:p>
+            <a:pPr lvl="0">
+              <a:defRPr/>
+            </a:pPr>
+            <a:r>
+              <a:rPr lang="ko-KR" altLang="en-US" sz="1400"/>
+              <a:t>새 비밀번호</a:t>
+            </a:r>
+            <a:endParaRPr lang="ko-KR" altLang="en-US" sz="1400"/>
+          </a:p>
+        </p:txBody>
+      </p:sp>
+      <p:sp>
+        <p:nvSpPr>
+          <p:cNvPr id="163" name="직사각형 162"/>
+          <p:cNvSpPr/>
+          <p:nvPr/>
+        </p:nvSpPr>
+        <p:spPr>
+          <a:xfrm>
+            <a:off x="2483768" y="1866528"/>
+            <a:ext cx="2016224" cy="273174"/>
+          </a:xfrm>
+          <a:prstGeom prst="rect">
+            <a:avLst/>
+          </a:prstGeom>
+          <a:solidFill>
+            <a:schemeClr val="lt1"/>
+          </a:solidFill>
+          <a:ln>
+            <a:solidFill>
+              <a:schemeClr val="dk1"/>
+            </a:solidFill>
+          </a:ln>
+        </p:spPr>
+        <p:style>
+          <a:lnRef idx="2">
+            <a:schemeClr val="accent1">
+              <a:shade val="20000"/>
+            </a:schemeClr>
+          </a:lnRef>
+          <a:fillRef idx="1">
+            <a:schemeClr val="accent1"/>
+          </a:fillRef>
+          <a:effectRef idx="0">
+            <a:schemeClr val="accent1"/>
+          </a:effectRef>
+          <a:fontRef idx="minor">
+            <a:schemeClr val="lt1"/>
+          </a:fontRef>
+        </p:style>
+        <p:txBody>
+          <a:bodyPr anchor="ctr"/>
+          <a:p>
+            <a:pPr lvl="0" algn="ctr">
+              <a:defRPr/>
+            </a:pPr>
+            <a:endParaRPr lang="ko-KR" altLang="en-US"/>
+          </a:p>
+        </p:txBody>
+      </p:sp>
+      <p:sp>
+        <p:nvSpPr>
+          <p:cNvPr id="164" name="가로 글상자 163"/>
+          <p:cNvSpPr txBox="1"/>
+          <p:nvPr/>
+        </p:nvSpPr>
+        <p:spPr>
+          <a:xfrm>
+            <a:off x="2627784" y="1842180"/>
+            <a:ext cx="1872208" cy="299040"/>
+          </a:xfrm>
+          <a:prstGeom prst="rect">
+            <a:avLst/>
+          </a:prstGeom>
+        </p:spPr>
+        <p:txBody>
+          <a:bodyPr wrap="square">
+            <a:spAutoFit/>
+          </a:bodyPr>
+          <a:p>
+            <a:pPr lvl="0">
+              <a:defRPr/>
+            </a:pPr>
+            <a:r>
+              <a:rPr lang="ko-KR" altLang="en-US" sz="1400"/>
+              <a:t>새 비밀번호 확인</a:t>
+            </a:r>
+            <a:endParaRPr lang="ko-KR" altLang="en-US" sz="1400"/>
+          </a:p>
+        </p:txBody>
+      </p:sp>
+      <p:sp>
+        <p:nvSpPr>
+          <p:cNvPr id="165" name="모서리가 둥근 직사각형 164"/>
+          <p:cNvSpPr/>
+          <p:nvPr/>
+        </p:nvSpPr>
+        <p:spPr>
+          <a:xfrm>
+            <a:off x="2843808" y="2571750"/>
+            <a:ext cx="1152128" cy="216024"/>
+          </a:xfrm>
+          <a:prstGeom prst="roundRect">
+            <a:avLst>
+              <a:gd name="adj" fmla="val 16667"/>
+            </a:avLst>
+          </a:prstGeom>
+        </p:spPr>
+        <p:style>
+          <a:lnRef idx="2">
+            <a:schemeClr val="accent1">
+              <a:shade val="20000"/>
+            </a:schemeClr>
+          </a:lnRef>
+          <a:fillRef idx="1">
+            <a:schemeClr val="accent1"/>
+          </a:fillRef>
+          <a:effectRef idx="0">
+            <a:schemeClr val="accent1"/>
+          </a:effectRef>
+          <a:fontRef idx="minor">
+            <a:schemeClr val="lt1"/>
+          </a:fontRef>
+        </p:style>
+        <p:txBody>
+          <a:bodyPr anchor="ctr"/>
+          <a:p>
+            <a:pPr lvl="0" algn="ctr">
+              <a:defRPr/>
+            </a:pPr>
+            <a:endParaRPr lang="ko-KR" altLang="en-US"/>
+          </a:p>
+        </p:txBody>
+      </p:sp>
+      <p:sp>
+        <p:nvSpPr>
+          <p:cNvPr id="166" name="가로 글상자 165"/>
+          <p:cNvSpPr txBox="1"/>
+          <p:nvPr/>
+        </p:nvSpPr>
+        <p:spPr>
+          <a:xfrm>
+            <a:off x="2915816" y="2571750"/>
+            <a:ext cx="1008112" cy="218311"/>
+          </a:xfrm>
+          <a:prstGeom prst="rect">
+            <a:avLst/>
+          </a:prstGeom>
+        </p:spPr>
+        <p:txBody>
+          <a:bodyPr wrap="square">
+            <a:spAutoFit/>
+          </a:bodyPr>
+          <a:p>
+            <a:pPr lvl="0" algn="ctr">
+              <a:defRPr/>
+            </a:pPr>
+            <a:r>
+              <a:rPr lang="ko-KR" altLang="en-US" sz="900"/>
+              <a:t>확인</a:t>
+            </a:r>
+            <a:endParaRPr lang="ko-KR" altLang="en-US" sz="900"/>
+          </a:p>
+        </p:txBody>
+      </p:sp>
+      <p:sp>
+        <p:nvSpPr>
+          <p:cNvPr id="167" name="모서리가 둥근 직사각형 166"/>
+          <p:cNvSpPr/>
+          <p:nvPr/>
+        </p:nvSpPr>
+        <p:spPr>
+          <a:xfrm>
+            <a:off x="2843808" y="2857495"/>
+            <a:ext cx="1152128" cy="216024"/>
+          </a:xfrm>
+          <a:prstGeom prst="roundRect">
+            <a:avLst>
+              <a:gd name="adj" fmla="val 16667"/>
+            </a:avLst>
+          </a:prstGeom>
+        </p:spPr>
+        <p:style>
+          <a:lnRef idx="2">
+            <a:schemeClr val="accent1">
+              <a:shade val="20000"/>
+            </a:schemeClr>
+          </a:lnRef>
+          <a:fillRef idx="1">
+            <a:schemeClr val="accent1"/>
+          </a:fillRef>
+          <a:effectRef idx="0">
+            <a:schemeClr val="accent1"/>
+          </a:effectRef>
+          <a:fontRef idx="minor">
+            <a:schemeClr val="lt1"/>
+          </a:fontRef>
+        </p:style>
+        <p:txBody>
+          <a:bodyPr anchor="ctr"/>
+          <a:p>
+            <a:pPr lvl="0" algn="ctr">
+              <a:defRPr/>
+            </a:pPr>
+            <a:endParaRPr lang="ko-KR" altLang="en-US"/>
+          </a:p>
+        </p:txBody>
+      </p:sp>
+      <p:sp>
+        <p:nvSpPr>
+          <p:cNvPr id="168" name="가로 글상자 167"/>
+          <p:cNvSpPr txBox="1"/>
+          <p:nvPr/>
+        </p:nvSpPr>
+        <p:spPr>
+          <a:xfrm>
+            <a:off x="2915816" y="2857495"/>
+            <a:ext cx="1008112" cy="218311"/>
+          </a:xfrm>
+          <a:prstGeom prst="rect">
+            <a:avLst/>
+          </a:prstGeom>
+        </p:spPr>
+        <p:txBody>
+          <a:bodyPr wrap="square">
+            <a:spAutoFit/>
+          </a:bodyPr>
+          <a:p>
+            <a:pPr lvl="0" algn="ctr">
+              <a:defRPr/>
+            </a:pPr>
+            <a:r>
+              <a:rPr lang="ko-KR" altLang="en-US" sz="900"/>
+              <a:t>취소</a:t>
+            </a:r>
+            <a:endParaRPr lang="ko-KR" altLang="en-US" sz="900"/>
+          </a:p>
+        </p:txBody>
+      </p:sp>
+      <p:sp>
+        <p:nvSpPr>
+          <p:cNvPr id="169" name="모서리가 둥근 직사각형 168"/>
+          <p:cNvSpPr/>
+          <p:nvPr/>
+        </p:nvSpPr>
+        <p:spPr>
+          <a:xfrm>
+            <a:off x="2555776" y="2571750"/>
+            <a:ext cx="216024" cy="203003"/>
+          </a:xfrm>
+          <a:prstGeom prst="roundRect">
+            <a:avLst>
+              <a:gd name="adj" fmla="val 0"/>
+            </a:avLst>
+          </a:prstGeom>
+          <a:solidFill>
+            <a:schemeClr val="accent6">
+              <a:lumMod val="75000"/>
+            </a:schemeClr>
+          </a:solidFill>
+          <a:ln>
+            <a:noFill/>
+          </a:ln>
+        </p:spPr>
+        <p:style>
+          <a:lnRef idx="2">
+            <a:schemeClr val="accent1">
+              <a:shade val="50000"/>
+            </a:schemeClr>
+          </a:lnRef>
+          <a:fillRef idx="1">
+            <a:schemeClr val="accent1"/>
+          </a:fillRef>
+          <a:effectRef idx="0">
+            <a:schemeClr val="accent1"/>
+          </a:effectRef>
+          <a:fontRef idx="minor">
+            <a:schemeClr val="lt1"/>
+          </a:fontRef>
+        </p:style>
+        <p:txBody>
+          <a:bodyPr lIns="0" rIns="0" anchor="ctr"/>
+          <a:lstStyle/>
+          <a:p>
+            <a:pPr lvl="0" algn="ctr">
+              <a:defRPr/>
+            </a:pPr>
+            <a:r>
+              <a:rPr lang="en-US" altLang="ko-KR" sz="1050" b="1"/>
+              <a:t>4</a:t>
+            </a:r>
+            <a:endParaRPr lang="en-US" altLang="ko-KR" sz="1050" b="1"/>
+          </a:p>
+        </p:txBody>
+      </p:sp>
+      <p:sp>
+        <p:nvSpPr>
+          <p:cNvPr id="170" name="모서리가 둥근 직사각형 169"/>
+          <p:cNvSpPr/>
+          <p:nvPr/>
+        </p:nvSpPr>
+        <p:spPr>
+          <a:xfrm>
+            <a:off x="2555776" y="2872803"/>
+            <a:ext cx="216024" cy="203003"/>
+          </a:xfrm>
+          <a:prstGeom prst="roundRect">
+            <a:avLst>
+              <a:gd name="adj" fmla="val 0"/>
+            </a:avLst>
+          </a:prstGeom>
+          <a:solidFill>
+            <a:schemeClr val="accent6">
+              <a:lumMod val="75000"/>
+            </a:schemeClr>
+          </a:solidFill>
+          <a:ln>
+            <a:noFill/>
+          </a:ln>
+        </p:spPr>
+        <p:style>
+          <a:lnRef idx="2">
+            <a:schemeClr val="accent1">
+              <a:shade val="50000"/>
+            </a:schemeClr>
+          </a:lnRef>
+          <a:fillRef idx="1">
+            <a:schemeClr val="accent1"/>
+          </a:fillRef>
+          <a:effectRef idx="0">
+            <a:schemeClr val="accent1"/>
+          </a:effectRef>
+          <a:fontRef idx="minor">
+            <a:schemeClr val="lt1"/>
+          </a:fontRef>
+        </p:style>
+        <p:txBody>
+          <a:bodyPr lIns="0" rIns="0" anchor="ctr"/>
+          <a:lstStyle/>
+          <a:p>
+            <a:pPr lvl="0" algn="ctr">
+              <a:defRPr/>
+            </a:pPr>
+            <a:r>
+              <a:rPr lang="en-US" altLang="ko-KR" sz="1050" b="1"/>
+              <a:t>5</a:t>
             </a:r>
             <a:endParaRPr lang="en-US" altLang="ko-KR" sz="1050" b="1"/>
           </a:p>
@@ -12042,7 +14960,7 @@
     </p:spTree>
     <p:extLst>
       <p:ext uri="{BB962C8B-B14F-4D97-AF65-F5344CB8AC3E}">
-        <p14:creationId xmlns:p14="http://schemas.microsoft.com/office/powerpoint/2010/main" val="921327404"/>
+        <p14:creationId xmlns:p14="http://schemas.microsoft.com/office/powerpoint/2010/main" val="1634051770"/>
       </p:ext>
     </p:extLst>
   </p:cSld>
@@ -12052,7 +14970,7 @@
 </p:sld>
 </file>
 
-<file path=ppt/slides/slide5.xml><?xml version="1.0" encoding="utf-8"?>
+<file path=ppt/slides/slide6.xml><?xml version="1.0" encoding="utf-8"?>
 <p:sld xmlns:r="http://schemas.openxmlformats.org/officeDocument/2006/relationships" xmlns:c="http://schemas.openxmlformats.org/drawingml/2006/chart" xmlns:a="http://schemas.openxmlformats.org/drawingml/2006/main" xmlns:dgm="http://schemas.openxmlformats.org/drawingml/2006/diagram" xmlns:dsp="http://schemas.microsoft.com/office/drawing/2008/diagram" xmlns:p="http://schemas.openxmlformats.org/presentationml/2006/main">
   <p:cSld>
     <p:spTree>
@@ -14292,7 +17210,7 @@
 </p:sld>
 </file>
 
-<file path=ppt/slides/slide6.xml><?xml version="1.0" encoding="utf-8"?>
+<file path=ppt/slides/slide7.xml><?xml version="1.0" encoding="utf-8"?>
 <p:sld xmlns:r="http://schemas.openxmlformats.org/officeDocument/2006/relationships" xmlns:c="http://schemas.openxmlformats.org/drawingml/2006/chart" xmlns:a="http://schemas.openxmlformats.org/drawingml/2006/main" xmlns:dgm="http://schemas.openxmlformats.org/drawingml/2006/diagram" xmlns:dsp="http://schemas.microsoft.com/office/drawing/2008/diagram" xmlns:p="http://schemas.openxmlformats.org/presentationml/2006/main">
   <p:cSld>
     <p:spTree>
@@ -16588,7 +19506,7 @@
 </p:sld>
 </file>
 
-<file path=ppt/slides/slide7.xml><?xml version="1.0" encoding="utf-8"?>
+<file path=ppt/slides/slide8.xml><?xml version="1.0" encoding="utf-8"?>
 <p:sld xmlns:r="http://schemas.openxmlformats.org/officeDocument/2006/relationships" xmlns:c="http://schemas.openxmlformats.org/drawingml/2006/chart" xmlns:a="http://schemas.openxmlformats.org/drawingml/2006/main" xmlns:dgm="http://schemas.openxmlformats.org/drawingml/2006/diagram" xmlns:dsp="http://schemas.microsoft.com/office/drawing/2008/diagram" xmlns:p="http://schemas.openxmlformats.org/presentationml/2006/main">
   <p:cSld>
     <p:spTree>

--- a/documents/storyBoard/JuHyenjun/jhj_Story_Board.pptx
+++ b/documents/storyBoard/JuHyenjun/jhj_Story_Board.pptx
@@ -5476,7 +5476,7 @@
             </a:r>
             <a:r>
               <a:rPr lang="en-US" altLang="ko-KR" sz="1000"/>
-              <a:t>-)</a:t>
+              <a:t>_)</a:t>
             </a:r>
             <a:r>
               <a:rPr lang="ko-KR" altLang="en-US" sz="1000"/>
@@ -5553,7 +5553,7 @@
             </a:r>
             <a:r>
               <a:rPr lang="ko-KR" altLang="en-US" sz="1000"/>
-              <a:t> 영문 대소문자</a:t>
+              <a:t> 영문자</a:t>
             </a:r>
             <a:r>
               <a:rPr lang="en-US" altLang="ko-KR" sz="1000"/>
@@ -7484,7 +7484,7 @@
             </a:r>
             <a:r>
               <a:rPr lang="ko-KR" altLang="en-US" sz="1000"/>
-              <a:t> 이름을 하게 하고 최대 </a:t>
+              <a:t> 이름을 입력하게 하고 최대 </a:t>
             </a:r>
             <a:r>
               <a:rPr lang="en-US" altLang="ko-KR" sz="1000"/>
@@ -7608,7 +7608,7 @@
             </a:r>
             <a:r>
               <a:rPr lang="ko-KR" altLang="en-US" sz="1000"/>
-              <a:t> ② 둘 다 입력하면 아이디 찾기 결과 창으로 넘어간다</a:t>
+              <a:t> ② 둘 다 올바르게 입력하면 아이디 찾기 결과 창으로 넘어간다</a:t>
             </a:r>
             <a:r>
               <a:rPr lang="en-US" altLang="ko-KR" sz="1000"/>
@@ -11253,7 +11253,52 @@
             </a:pPr>
             <a:r>
               <a:rPr lang="ko-KR" altLang="en-US" sz="1000"/>
-              <a:t>① 가입할 당시 입력했던 이메일 창을 입력하게 한다</a:t>
+              <a:t>① 아이디를 입력하는 창 </a:t>
+            </a:r>
+            <a:endParaRPr lang="ko-KR" altLang="en-US" sz="1000"/>
+          </a:p>
+          <a:p>
+            <a:pPr marL="0" lvl="0" indent="0">
+              <a:buNone/>
+              <a:defRPr/>
+            </a:pPr>
+            <a:r>
+              <a:rPr lang="ko-KR" altLang="en-US" sz="1000"/>
+              <a:t>② 가입할 당시 이메일을 입력하는 창</a:t>
+            </a:r>
+            <a:endParaRPr lang="ko-KR" altLang="en-US" sz="1000"/>
+          </a:p>
+          <a:p>
+            <a:pPr marL="0" lvl="0" indent="0">
+              <a:buNone/>
+              <a:defRPr/>
+            </a:pPr>
+            <a:r>
+              <a:rPr lang="ko-KR" altLang="en-US" sz="1000"/>
+              <a:t>③ 재설정 링크 보내기 버튼을 클릭시</a:t>
+            </a:r>
+            <a:endParaRPr lang="ko-KR" altLang="en-US" sz="1000"/>
+          </a:p>
+          <a:p>
+            <a:pPr marL="0" lvl="0" indent="0">
+              <a:buNone/>
+              <a:defRPr/>
+            </a:pPr>
+            <a:r>
+              <a:rPr lang="en-US" altLang="ko-KR" sz="1000"/>
+              <a:t>-</a:t>
+            </a:r>
+            <a:r>
+              <a:rPr lang="ko-KR" altLang="en-US" sz="1000"/>
+              <a:t> 아이디와 이메일 일치시 </a:t>
+            </a:r>
+            <a:r>
+              <a:rPr lang="en-US" altLang="ko-KR" sz="1000"/>
+              <a:t>:</a:t>
+            </a:r>
+            <a:r>
+              <a:rPr lang="ko-KR" altLang="en-US" sz="1000"/>
+              <a:t> 재설정 링크 메일을 입력한 메일 주소에 보내고 그 곳을 통해 최종 비밀번호 재설청 창을 열기 한다</a:t>
             </a:r>
             <a:r>
               <a:rPr lang="en-US" altLang="ko-KR" sz="1000"/>
@@ -11267,10 +11312,42 @@
               <a:defRPr/>
             </a:pPr>
             <a:r>
+              <a:rPr lang="en-US" altLang="ko-KR" sz="1000"/>
+              <a:t>-</a:t>
+            </a:r>
+            <a:r>
               <a:rPr lang="ko-KR" altLang="en-US" sz="1000"/>
-              <a:t>② 재설정 링크 보내기 버튼을 클릭시</a:t>
-            </a:r>
-            <a:endParaRPr lang="ko-KR" altLang="en-US" sz="1000"/>
+              <a:t> 아이디와 이메일 불일치시 </a:t>
+            </a:r>
+            <a:r>
+              <a:rPr lang="en-US" altLang="ko-KR" sz="1000"/>
+              <a:t>:</a:t>
+            </a:r>
+            <a:r>
+              <a:rPr lang="ko-KR" altLang="en-US" sz="1000"/>
+              <a:t> </a:t>
+            </a:r>
+            <a:r>
+              <a:rPr lang="en-US" altLang="ko-KR" sz="1000"/>
+              <a:t>“</a:t>
+            </a:r>
+            <a:r>
+              <a:rPr lang="ko-KR" altLang="en-US" sz="1000"/>
+              <a:t>입력한 정보들을 다시 확인해 주세요</a:t>
+            </a:r>
+            <a:r>
+              <a:rPr lang="en-US" altLang="ko-KR" sz="1000"/>
+              <a:t>”</a:t>
+            </a:r>
+            <a:r>
+              <a:rPr lang="ko-KR" altLang="en-US" sz="1000"/>
+              <a:t> 라고 뜬다</a:t>
+            </a:r>
+            <a:r>
+              <a:rPr lang="en-US" altLang="ko-KR" sz="1000"/>
+              <a:t>.</a:t>
+            </a:r>
+            <a:endParaRPr lang="en-US" altLang="ko-KR" sz="1000"/>
           </a:p>
           <a:p>
             <a:pPr marL="0" lvl="0" indent="0">
@@ -11278,26 +11355,10 @@
               <a:defRPr/>
             </a:pPr>
             <a:r>
-              <a:rPr lang="en-US" altLang="ko-KR" sz="1000"/>
-              <a:t>-</a:t>
-            </a:r>
-            <a:r>
               <a:rPr lang="ko-KR" altLang="en-US" sz="1000"/>
-              <a:t> 가입시 입력한 메일 주소시 </a:t>
-            </a:r>
-            <a:r>
-              <a:rPr lang="en-US" altLang="ko-KR" sz="1000"/>
-              <a:t>:</a:t>
-            </a:r>
-            <a:r>
-              <a:rPr lang="ko-KR" altLang="en-US" sz="1000"/>
-              <a:t> 재설정 링크 메일을 입력한 메일 주소에 보내고 그 곳을 통해 최종 비밀번호 재설청 창을 열기 한다</a:t>
-            </a:r>
-            <a:r>
-              <a:rPr lang="en-US" altLang="ko-KR" sz="1000"/>
-              <a:t>.</a:t>
-            </a:r>
-            <a:endParaRPr lang="en-US" altLang="ko-KR" sz="1000"/>
+              <a:t>④  재설정 링크 보내기 창에 대한 설명비밀번호 재설정 단계 표시</a:t>
+            </a:r>
+            <a:endParaRPr lang="ko-KR" altLang="en-US" sz="1000"/>
           </a:p>
           <a:p>
             <a:pPr marL="0" lvl="0" indent="0">
@@ -11305,43 +11366,8 @@
               <a:defRPr/>
             </a:pPr>
             <a:r>
-              <a:rPr lang="en-US" altLang="ko-KR" sz="1000"/>
-              <a:t>-</a:t>
-            </a:r>
-            <a:r>
               <a:rPr lang="ko-KR" altLang="en-US" sz="1000"/>
-              <a:t> 가입시 입력한 메일 주소가 아닐때 </a:t>
-            </a:r>
-            <a:r>
-              <a:rPr lang="en-US" altLang="ko-KR" sz="1000"/>
-              <a:t>:</a:t>
-            </a:r>
-            <a:r>
-              <a:rPr lang="ko-KR" altLang="en-US" sz="1000"/>
-              <a:t> 올바른 메일 주소가 아닙니다</a:t>
-            </a:r>
-            <a:r>
-              <a:rPr lang="en-US" altLang="ko-KR" sz="1000"/>
-              <a:t>.</a:t>
-            </a:r>
-            <a:r>
-              <a:rPr lang="ko-KR" altLang="en-US" sz="1000"/>
-              <a:t> 팝업창이 뜬다</a:t>
-            </a:r>
-            <a:r>
-              <a:rPr lang="en-US" altLang="ko-KR" sz="1000"/>
-              <a:t>.</a:t>
-            </a:r>
-            <a:endParaRPr lang="en-US" altLang="ko-KR" sz="1000"/>
-          </a:p>
-          <a:p>
-            <a:pPr marL="0" lvl="0" indent="0">
-              <a:buNone/>
-              <a:defRPr/>
-            </a:pPr>
-            <a:r>
-              <a:rPr lang="ko-KR" altLang="en-US" sz="1000"/>
-              <a:t>③ 재설정 링크 보내기 창에 대한 설명④ 비밀번호 재설정 단계 표시</a:t>
+              <a:t>⑤ 비밀번호 재설정 단계 표시</a:t>
             </a:r>
             <a:endParaRPr lang="ko-KR" altLang="en-US" sz="1000"/>
           </a:p>
@@ -12221,7 +12247,7 @@
         </p:nvSpPr>
         <p:spPr>
           <a:xfrm>
-            <a:off x="2051720" y="1481356"/>
+            <a:off x="2051720" y="2095128"/>
             <a:ext cx="1173445" cy="297914"/>
           </a:xfrm>
           <a:prstGeom prst="rect">
@@ -12252,9 +12278,9 @@
         </p:nvGrpSpPr>
         <p:grpSpPr>
           <a:xfrm rot="0">
-            <a:off x="2987823" y="2283711"/>
+            <a:off x="2987823" y="2931790"/>
             <a:ext cx="1296144" cy="219458"/>
-            <a:chOff x="3059832" y="2868164"/>
+            <a:chOff x="3059832" y="2868166"/>
             <a:chExt cx="1152128" cy="219458"/>
           </a:xfrm>
         </p:grpSpPr>
@@ -12309,7 +12335,7 @@
           </p:nvSpPr>
           <p:spPr>
             <a:xfrm>
-              <a:off x="3059832" y="2868164"/>
+              <a:off x="3059833" y="2868166"/>
               <a:ext cx="1144127" cy="219458"/>
             </a:xfrm>
             <a:prstGeom prst="rect">
@@ -12341,7 +12367,7 @@
         </p:nvSpPr>
         <p:spPr>
           <a:xfrm>
-            <a:off x="1835696" y="1491630"/>
+            <a:off x="1835696" y="2124452"/>
             <a:ext cx="216024" cy="203003"/>
           </a:xfrm>
           <a:prstGeom prst="roundRect">
@@ -12383,7 +12409,7 @@
             </a:pPr>
             <a:r>
               <a:rPr lang="en-US" altLang="ko-KR" sz="1050" b="1"/>
-              <a:t>1</a:t>
+              <a:t>2</a:t>
             </a:r>
             <a:endParaRPr lang="en-US" altLang="ko-KR" sz="1050" b="1"/>
           </a:p>
@@ -12397,7 +12423,7 @@
         </p:nvSpPr>
         <p:spPr>
           <a:xfrm>
-            <a:off x="2771800" y="2110596"/>
+            <a:off x="2771800" y="2728787"/>
             <a:ext cx="216024" cy="203003"/>
           </a:xfrm>
           <a:prstGeom prst="roundRect">
@@ -12439,7 +12465,7 @@
             </a:pPr>
             <a:r>
               <a:rPr lang="en-US" altLang="ko-KR" sz="1050" b="1"/>
-              <a:t>2</a:t>
+              <a:t>3</a:t>
             </a:r>
             <a:endParaRPr lang="en-US" altLang="ko-KR" sz="1050" b="1"/>
           </a:p>
@@ -12453,10 +12479,10 @@
         </p:nvGrpSpPr>
         <p:grpSpPr>
           <a:xfrm rot="0">
-            <a:off x="2123728" y="1794520"/>
-            <a:ext cx="3456384" cy="273174"/>
-            <a:chOff x="2915816" y="1506488"/>
-            <a:chExt cx="2304256" cy="273174"/>
+            <a:off x="2123728" y="2406063"/>
+            <a:ext cx="3456384" cy="307996"/>
+            <a:chOff x="2915816" y="1570934"/>
+            <a:chExt cx="2304256" cy="307996"/>
           </a:xfrm>
         </p:grpSpPr>
         <p:sp>
@@ -12467,7 +12493,7 @@
           </p:nvSpPr>
           <p:spPr>
             <a:xfrm>
-              <a:off x="2915816" y="1506488"/>
+              <a:off x="2915816" y="1570934"/>
               <a:ext cx="2304256" cy="273174"/>
             </a:xfrm>
             <a:prstGeom prst="rect">
@@ -12516,7 +12542,7 @@
           </p:nvSpPr>
           <p:spPr>
             <a:xfrm>
-              <a:off x="2915816" y="1511072"/>
+              <a:off x="2915816" y="1610340"/>
               <a:ext cx="1512168" cy="268590"/>
             </a:xfrm>
             <a:prstGeom prst="rect">
@@ -12586,7 +12612,7 @@
         </p:nvSpPr>
         <p:spPr>
           <a:xfrm>
-            <a:off x="2699792" y="2571750"/>
+            <a:off x="2699792" y="3309347"/>
             <a:ext cx="1944216" cy="493395"/>
           </a:xfrm>
           <a:prstGeom prst="rect">
@@ -12621,7 +12647,7 @@
         </p:nvSpPr>
         <p:spPr>
           <a:xfrm>
-            <a:off x="2555776" y="2499742"/>
+            <a:off x="2555776" y="3237339"/>
             <a:ext cx="216024" cy="203003"/>
           </a:xfrm>
           <a:prstGeom prst="roundRect">
@@ -12663,7 +12689,7 @@
             </a:pPr>
             <a:r>
               <a:rPr lang="en-US" altLang="ko-KR" sz="1050" b="1"/>
-              <a:t>3</a:t>
+              <a:t>4</a:t>
             </a:r>
             <a:endParaRPr lang="en-US" altLang="ko-KR" sz="1050" b="1"/>
           </a:p>
@@ -12806,12 +12832,210 @@
             </a:pPr>
             <a:r>
               <a:rPr lang="en-US" altLang="ko-KR" sz="1050" b="1"/>
-              <a:t>4</a:t>
+              <a:t>5</a:t>
             </a:r>
             <a:endParaRPr lang="en-US" altLang="ko-KR" sz="1050" b="1"/>
           </a:p>
         </p:txBody>
       </p:sp>
+      <p:sp>
+        <p:nvSpPr>
+          <p:cNvPr id="161" name="가로 글상자 160"/>
+          <p:cNvSpPr txBox="1"/>
+          <p:nvPr/>
+        </p:nvSpPr>
+        <p:spPr>
+          <a:xfrm>
+            <a:off x="2051720" y="1419622"/>
+            <a:ext cx="1173445" cy="297914"/>
+          </a:xfrm>
+          <a:prstGeom prst="rect">
+            <a:avLst/>
+          </a:prstGeom>
+        </p:spPr>
+        <p:txBody>
+          <a:bodyPr wrap="square">
+            <a:spAutoFit/>
+          </a:bodyPr>
+          <a:p>
+            <a:pPr lvl="0">
+              <a:defRPr/>
+            </a:pPr>
+            <a:r>
+              <a:rPr lang="ko-KR" altLang="en-US" sz="1400"/>
+              <a:t>아이디</a:t>
+            </a:r>
+            <a:endParaRPr lang="ko-KR" altLang="en-US" sz="1400"/>
+          </a:p>
+        </p:txBody>
+      </p:sp>
+      <p:sp>
+        <p:nvSpPr>
+          <p:cNvPr id="162" name="모서리가 둥근 직사각형 161"/>
+          <p:cNvSpPr/>
+          <p:nvPr/>
+        </p:nvSpPr>
+        <p:spPr>
+          <a:xfrm>
+            <a:off x="1835696" y="1448946"/>
+            <a:ext cx="216024" cy="203003"/>
+          </a:xfrm>
+          <a:prstGeom prst="roundRect">
+            <a:avLst>
+              <a:gd name="adj" fmla="val 0"/>
+            </a:avLst>
+          </a:prstGeom>
+          <a:solidFill>
+            <a:schemeClr val="accent6">
+              <a:lumMod val="75000"/>
+            </a:schemeClr>
+          </a:solidFill>
+          <a:ln>
+            <a:noFill/>
+          </a:ln>
+        </p:spPr>
+        <p:style>
+          <a:lnRef idx="2">
+            <a:schemeClr val="accent1">
+              <a:shade val="50000"/>
+            </a:schemeClr>
+          </a:lnRef>
+          <a:fillRef idx="1">
+            <a:schemeClr val="accent1"/>
+          </a:fillRef>
+          <a:effectRef idx="0">
+            <a:schemeClr val="accent1"/>
+          </a:effectRef>
+          <a:fontRef idx="minor">
+            <a:schemeClr val="lt1"/>
+          </a:fontRef>
+        </p:style>
+        <p:txBody>
+          <a:bodyPr lIns="0" rIns="0" anchor="ctr"/>
+          <a:lstStyle/>
+          <a:p>
+            <a:pPr lvl="0" algn="ctr">
+              <a:defRPr/>
+            </a:pPr>
+            <a:r>
+              <a:rPr lang="en-US" altLang="ko-KR" sz="1050" b="1"/>
+              <a:t>1</a:t>
+            </a:r>
+            <a:endParaRPr lang="en-US" altLang="ko-KR" sz="1050" b="1"/>
+          </a:p>
+        </p:txBody>
+      </p:sp>
+      <p:grpSp>
+        <p:nvGrpSpPr>
+          <p:cNvPr id="163" name="그룹 162"/>
+          <p:cNvGrpSpPr/>
+          <p:nvPr/>
+        </p:nvGrpSpPr>
+        <p:grpSpPr>
+          <a:xfrm rot="0">
+            <a:off x="2123728" y="1707654"/>
+            <a:ext cx="3456384" cy="309741"/>
+            <a:chOff x="2915816" y="1570934"/>
+            <a:chExt cx="2304256" cy="309741"/>
+          </a:xfrm>
+        </p:grpSpPr>
+        <p:sp>
+          <p:nvSpPr>
+            <p:cNvPr id="164" name="직사각형 145"/>
+            <p:cNvSpPr/>
+            <p:nvPr/>
+          </p:nvSpPr>
+          <p:spPr>
+            <a:xfrm>
+              <a:off x="2915816" y="1570934"/>
+              <a:ext cx="2304256" cy="273174"/>
+            </a:xfrm>
+            <a:prstGeom prst="rect">
+              <a:avLst/>
+            </a:prstGeom>
+            <a:solidFill>
+              <a:schemeClr val="lt1"/>
+            </a:solidFill>
+            <a:ln>
+              <a:solidFill>
+                <a:schemeClr val="dk1"/>
+              </a:solidFill>
+            </a:ln>
+          </p:spPr>
+          <p:style>
+            <a:lnRef idx="2">
+              <a:schemeClr val="accent1">
+                <a:shade val="20000"/>
+              </a:schemeClr>
+            </a:lnRef>
+            <a:fillRef idx="1">
+              <a:schemeClr val="accent1"/>
+            </a:fillRef>
+            <a:effectRef idx="0">
+              <a:schemeClr val="accent1"/>
+            </a:effectRef>
+            <a:fontRef idx="minor">
+              <a:schemeClr val="lt1"/>
+            </a:fontRef>
+          </p:style>
+          <p:txBody>
+            <a:bodyPr anchor="ctr"/>
+            <a:p>
+              <a:pPr lvl="0" algn="ctr">
+                <a:defRPr/>
+              </a:pPr>
+              <a:endParaRPr lang="ko-KR" altLang="en-US"/>
+            </a:p>
+          </p:txBody>
+        </p:sp>
+        <p:sp>
+          <p:nvSpPr>
+            <p:cNvPr id="165" name="가로 글상자 150"/>
+            <p:cNvSpPr txBox="1"/>
+            <p:nvPr/>
+          </p:nvSpPr>
+          <p:spPr>
+            <a:xfrm>
+              <a:off x="2915816" y="1610340"/>
+              <a:ext cx="1512168" cy="270335"/>
+            </a:xfrm>
+            <a:prstGeom prst="rect">
+              <a:avLst/>
+            </a:prstGeom>
+          </p:spPr>
+          <p:txBody>
+            <a:bodyPr wrap="square">
+              <a:spAutoFit/>
+            </a:bodyPr>
+            <a:p>
+              <a:pPr lvl="0">
+                <a:defRPr/>
+              </a:pPr>
+              <a:r>
+                <a:rPr lang="ko-KR" altLang="en-US" sz="1200">
+                  <a:solidFill>
+                    <a:srgbClr val="858585"/>
+                  </a:solidFill>
+                </a:rPr>
+                <a:t>아이디를 입력하세요</a:t>
+              </a:r>
+              <a:r>
+                <a:rPr lang="en-US" altLang="ko-KR" sz="1200">
+                  <a:solidFill>
+                    <a:srgbClr val="858585"/>
+                  </a:solidFill>
+                </a:rPr>
+                <a:t>.</a:t>
+              </a:r>
+              <a:endParaRPr lang="en-US" altLang="ko-KR" sz="1200">
+                <a:solidFill>
+                  <a:srgbClr val="858585"/>
+                </a:solidFill>
+              </a:endParaRPr>
+            </a:p>
+          </p:txBody>
+        </p:sp>
+      </p:grpSp>
     </p:spTree>
     <p:extLst>
       <p:ext uri="{BB962C8B-B14F-4D97-AF65-F5344CB8AC3E}">
@@ -13064,7 +13288,7 @@
             </a:r>
             <a:r>
               <a:rPr lang="ko-KR" altLang="en-US" sz="1000"/>
-              <a:t> 영문 대소문자</a:t>
+              <a:t> 영문자</a:t>
             </a:r>
             <a:r>
               <a:rPr lang="en-US" altLang="ko-KR" sz="1000"/>
@@ -13093,7 +13317,7 @@
               <a:rPr lang="ko-KR" altLang="en-US" sz="1000"/>
               <a:t>② 새 비밀번호와 완전이 같은 값을 입력해야함</a:t>
             </a:r>
-            <a:endParaRPr lang="en-US" altLang="ko-KR" sz="1000"/>
+            <a:endParaRPr lang="ko-KR" altLang="en-US" sz="1000"/>
           </a:p>
           <a:p>
             <a:pPr marL="0" lvl="0" indent="0">
@@ -13254,11 +13478,11 @@
             </a:r>
             <a:r>
               <a:rPr lang="ko-KR" altLang="en-US" sz="1000"/>
-              <a:t>비밀 번호를 다시 확인해 주세요</a:t>
+              <a:t>비밀 번호와 새 비밀번호 확인이 일치하지 않습니다</a:t>
             </a:r>
             <a:r>
               <a:rPr lang="en-US" altLang="ko-KR" sz="1000"/>
-              <a:t>”</a:t>
+              <a:t>.”</a:t>
             </a:r>
             <a:r>
               <a:rPr lang="ko-KR" altLang="en-US" sz="1000"/>

--- a/documents/storyBoard/JuHyenjun/jhj_Story_Board.pptx
+++ b/documents/storyBoard/JuHyenjun/jhj_Story_Board.pptx
@@ -15,10 +15,11 @@
     <p:sldId id="272" r:id="rId5"/>
     <p:sldId id="271" r:id="rId6"/>
     <p:sldId id="273" r:id="rId7"/>
-    <p:sldId id="274" r:id="rId8"/>
-    <p:sldId id="268" r:id="rId9"/>
-    <p:sldId id="269" r:id="rId10"/>
-    <p:sldId id="270" r:id="rId11"/>
+    <p:sldId id="275" r:id="rId8"/>
+    <p:sldId id="274" r:id="rId9"/>
+    <p:sldId id="268" r:id="rId10"/>
+    <p:sldId id="269" r:id="rId11"/>
+    <p:sldId id="270" r:id="rId12"/>
   </p:sldIdLst>
   <p:sldSz cx="9144000" cy="5143500" type="screen16x9"/>
   <p:notesSz cx="6858000" cy="9144000"/>
@@ -950,6 +951,104 @@
 </file>
 
 <file path=ppt/notesSlides/notesSlide4.xml><?xml version="1.0" encoding="utf-8"?>
+<p:notes xmlns:r="http://schemas.openxmlformats.org/officeDocument/2006/relationships" xmlns:c="http://schemas.openxmlformats.org/drawingml/2006/chart" xmlns:a="http://schemas.openxmlformats.org/drawingml/2006/main" xmlns:dgm="http://schemas.openxmlformats.org/drawingml/2006/diagram" xmlns:dsp="http://schemas.microsoft.com/office/drawing/2008/diagram" xmlns:p="http://schemas.openxmlformats.org/presentationml/2006/main">
+  <p:cSld>
+    <p:spTree>
+      <p:nvGrpSpPr>
+        <p:cNvPr id="1" name=""/>
+        <p:cNvGrpSpPr/>
+        <p:nvPr/>
+      </p:nvGrpSpPr>
+      <p:grpSpPr>
+        <a:xfrm>
+          <a:off x="0" y="0"/>
+          <a:ext cx="0" cy="0"/>
+          <a:chOff x="0" y="0"/>
+          <a:chExt cx="0" cy="0"/>
+        </a:xfrm>
+      </p:grpSpPr>
+      <p:sp>
+        <p:nvSpPr>
+          <p:cNvPr id="2" name="슬라이드 이미지 개체 틀 3"/>
+          <p:cNvSpPr>
+            <a:spLocks noGrp="1" noRot="1" noChangeAspect="1" noTextEdit="1"/>
+          </p:cNvSpPr>
+          <p:nvPr>
+            <p:ph type="sldImg" idx="2"/>
+          </p:nvPr>
+        </p:nvSpPr>
+        <p:spPr/>
+        <p:txBody>
+          <a:bodyPr/>
+          <a:p>
+            <a:pPr lvl="0"/>
+            <a:endParaRPr lang="ko-KR" altLang="en-US"/>
+          </a:p>
+        </p:txBody>
+      </p:sp>
+      <p:sp>
+        <p:nvSpPr>
+          <p:cNvPr id="3" name="슬라이드 노트 개체 틀 4"/>
+          <p:cNvSpPr>
+            <a:spLocks noGrp="1"/>
+          </p:cNvSpPr>
+          <p:nvPr>
+            <p:ph type="body" sz="quarter" idx="3"/>
+          </p:nvPr>
+        </p:nvSpPr>
+        <p:spPr/>
+        <p:txBody>
+          <a:bodyPr/>
+          <a:p>
+            <a:pPr lvl="0">
+              <a:defRPr/>
+            </a:pPr>
+            <a:r>
+              <a:rPr lang="ko-KR" altLang="en-US"/>
+              <a:t/>
+            </a:r>
+            <a:endParaRPr lang="ko-KR" altLang="en-US"/>
+          </a:p>
+        </p:txBody>
+      </p:sp>
+      <p:sp>
+        <p:nvSpPr>
+          <p:cNvPr id="4" name="슬라이드 번호 개체 틀 6"/>
+          <p:cNvSpPr>
+            <a:spLocks noGrp="1"/>
+          </p:cNvSpPr>
+          <p:nvPr>
+            <p:ph type="sldNum" sz="quarter" idx="5"/>
+          </p:nvPr>
+        </p:nvSpPr>
+        <p:spPr/>
+        <p:txBody>
+          <a:bodyPr/>
+          <a:p>
+            <a:pPr lvl="0"/>
+            <a:fld id="{0B55FC6C-CF9B-400A-B7B2-D752D6F85B9D}" type="slidenum">
+              <a:rPr lang="ko-KR" altLang="en-US" smtClean="0"/>
+              <a:pPr/>
+              <a:t>5</a:t>
+            </a:fld>
+            <a:endParaRPr lang="ko-KR" altLang="en-US"/>
+          </a:p>
+        </p:txBody>
+      </p:sp>
+    </p:spTree>
+    <p:extLst>
+      <p:ext uri="{BB962C8B-B14F-4D97-AF65-F5344CB8AC3E}">
+        <p14:creationId xmlns:p14="http://schemas.microsoft.com/office/powerpoint/2010/main" val="681319662"/>
+      </p:ext>
+    </p:extLst>
+  </p:cSld>
+  <p:clrMapOvr>
+    <a:masterClrMapping/>
+  </p:clrMapOvr>
+</p:notes>
+</file>
+
+<file path=ppt/notesSlides/notesSlide5.xml><?xml version="1.0" encoding="utf-8"?>
 <p:notes xmlns:r="http://schemas.openxmlformats.org/officeDocument/2006/relationships" xmlns:c="http://schemas.openxmlformats.org/drawingml/2006/chart" xmlns:a="http://schemas.openxmlformats.org/drawingml/2006/main" xmlns:dgm="http://schemas.openxmlformats.org/drawingml/2006/diagram" xmlns:dsp="http://schemas.microsoft.com/office/drawing/2008/diagram" xmlns:p="http://schemas.openxmlformats.org/presentationml/2006/main">
   <p:cSld>
     <p:spTree>
@@ -5492,7 +5591,7 @@
             </a:r>
             <a:r>
               <a:rPr lang="en-US" altLang="ko-KR" sz="1000"/>
-              <a:t>6</a:t>
+              <a:t>5</a:t>
             </a:r>
             <a:r>
               <a:rPr lang="ko-KR" altLang="en-US" sz="1000"/>
@@ -15184,6 +15283,2209 @@
     </p:spTree>
     <p:extLst>
       <p:ext uri="{BB962C8B-B14F-4D97-AF65-F5344CB8AC3E}">
+        <p14:creationId xmlns:p14="http://schemas.microsoft.com/office/powerpoint/2010/main" val="336877803"/>
+      </p:ext>
+    </p:extLst>
+  </p:cSld>
+  <p:clrMapOvr>
+    <a:masterClrMapping/>
+  </p:clrMapOvr>
+</p:sld>
+</file>
+
+<file path=ppt/slides/slide6.xml><?xml version="1.0" encoding="utf-8"?>
+<p:sld xmlns:r="http://schemas.openxmlformats.org/officeDocument/2006/relationships" xmlns:c="http://schemas.openxmlformats.org/drawingml/2006/chart" xmlns:a="http://schemas.openxmlformats.org/drawingml/2006/main" xmlns:dgm="http://schemas.openxmlformats.org/drawingml/2006/diagram" xmlns:dsp="http://schemas.microsoft.com/office/drawing/2008/diagram" xmlns:p="http://schemas.openxmlformats.org/presentationml/2006/main">
+  <p:cSld>
+    <p:spTree>
+      <p:nvGrpSpPr>
+        <p:cNvPr id="1" name=""/>
+        <p:cNvGrpSpPr/>
+        <p:nvPr/>
+      </p:nvGrpSpPr>
+      <p:grpSpPr>
+        <a:xfrm>
+          <a:off x="0" y="0"/>
+          <a:ext cx="0" cy="0"/>
+          <a:chOff x="0" y="0"/>
+          <a:chExt cx="0" cy="0"/>
+        </a:xfrm>
+      </p:grpSpPr>
+      <p:sp>
+        <p:nvSpPr>
+          <p:cNvPr id="34" name="직사각형 33"/>
+          <p:cNvSpPr/>
+          <p:nvPr/>
+        </p:nvSpPr>
+        <p:spPr>
+          <a:xfrm>
+            <a:off x="99752" y="319935"/>
+            <a:ext cx="6708373" cy="4628079"/>
+          </a:xfrm>
+          <a:prstGeom prst="rect">
+            <a:avLst/>
+          </a:prstGeom>
+          <a:solidFill>
+            <a:schemeClr val="bg1">
+              <a:alpha val="70000"/>
+            </a:schemeClr>
+          </a:solidFill>
+          <a:ln w="9525">
+            <a:solidFill>
+              <a:schemeClr val="bg1">
+                <a:lumMod val="65000"/>
+              </a:schemeClr>
+            </a:solidFill>
+          </a:ln>
+        </p:spPr>
+        <p:style>
+          <a:lnRef idx="2">
+            <a:schemeClr val="accent1">
+              <a:shade val="50000"/>
+            </a:schemeClr>
+          </a:lnRef>
+          <a:fillRef idx="1">
+            <a:schemeClr val="accent1"/>
+          </a:fillRef>
+          <a:effectRef idx="0">
+            <a:schemeClr val="accent1"/>
+          </a:effectRef>
+          <a:fontRef idx="minor">
+            <a:schemeClr val="lt1"/>
+          </a:fontRef>
+        </p:style>
+        <p:txBody>
+          <a:bodyPr anchor="ctr"/>
+          <a:lstStyle/>
+          <a:p>
+            <a:pPr lvl="0" algn="ctr">
+              <a:defRPr/>
+            </a:pPr>
+            <a:endParaRPr lang="ko-KR" altLang="en-US">
+              <a:solidFill>
+                <a:prstClr val="white"/>
+              </a:solidFill>
+              <a:latin typeface="+mn-ea"/>
+              <a:ea typeface="+mn-ea"/>
+            </a:endParaRPr>
+          </a:p>
+        </p:txBody>
+      </p:sp>
+      <p:sp>
+        <p:nvSpPr>
+          <p:cNvPr id="112" name="직사각형 111"/>
+          <p:cNvSpPr/>
+          <p:nvPr/>
+        </p:nvSpPr>
+        <p:spPr>
+          <a:xfrm>
+            <a:off x="107504" y="4155927"/>
+            <a:ext cx="6696744" cy="212530"/>
+          </a:xfrm>
+          <a:prstGeom prst="rect">
+            <a:avLst/>
+          </a:prstGeom>
+          <a:solidFill>
+            <a:schemeClr val="bg1">
+              <a:lumMod val="50000"/>
+            </a:schemeClr>
+          </a:solidFill>
+          <a:ln>
+            <a:noFill/>
+          </a:ln>
+        </p:spPr>
+        <p:style>
+          <a:lnRef idx="2">
+            <a:schemeClr val="accent1">
+              <a:shade val="50000"/>
+            </a:schemeClr>
+          </a:lnRef>
+          <a:fillRef idx="1">
+            <a:schemeClr val="accent1"/>
+          </a:fillRef>
+          <a:effectRef idx="0">
+            <a:schemeClr val="accent1"/>
+          </a:effectRef>
+          <a:fontRef idx="minor">
+            <a:schemeClr val="lt1"/>
+          </a:fontRef>
+        </p:style>
+        <p:txBody>
+          <a:bodyPr anchor="ctr"/>
+          <a:lstStyle/>
+          <a:p>
+            <a:pPr lvl="0" algn="ctr">
+              <a:defRPr/>
+            </a:pPr>
+            <a:endParaRPr lang="ko-KR" altLang="en-US"/>
+          </a:p>
+        </p:txBody>
+      </p:sp>
+      <p:sp>
+        <p:nvSpPr>
+          <p:cNvPr id="47" name="직사각형 46"/>
+          <p:cNvSpPr/>
+          <p:nvPr/>
+        </p:nvSpPr>
+        <p:spPr>
+          <a:xfrm>
+            <a:off x="99752" y="908313"/>
+            <a:ext cx="6708373" cy="3113122"/>
+          </a:xfrm>
+          <a:prstGeom prst="rect">
+            <a:avLst/>
+          </a:prstGeom>
+          <a:solidFill>
+            <a:schemeClr val="bg1">
+              <a:lumMod val="95000"/>
+              <a:alpha val="70000"/>
+            </a:schemeClr>
+          </a:solidFill>
+          <a:ln w="9525">
+            <a:solidFill>
+              <a:schemeClr val="bg1">
+                <a:lumMod val="65000"/>
+              </a:schemeClr>
+            </a:solidFill>
+          </a:ln>
+        </p:spPr>
+        <p:style>
+          <a:lnRef idx="2">
+            <a:schemeClr val="accent1">
+              <a:shade val="50000"/>
+            </a:schemeClr>
+          </a:lnRef>
+          <a:fillRef idx="1">
+            <a:schemeClr val="accent1"/>
+          </a:fillRef>
+          <a:effectRef idx="0">
+            <a:schemeClr val="accent1"/>
+          </a:effectRef>
+          <a:fontRef idx="minor">
+            <a:schemeClr val="lt1"/>
+          </a:fontRef>
+        </p:style>
+        <p:txBody>
+          <a:bodyPr anchor="ctr"/>
+          <a:lstStyle/>
+          <a:p>
+            <a:pPr lvl="0" algn="ctr">
+              <a:defRPr/>
+            </a:pPr>
+            <a:r>
+              <a:rPr lang="en-US" altLang="ko-KR" b="1">
+                <a:solidFill>
+                  <a:prstClr val="white"/>
+                </a:solidFill>
+                <a:latin typeface="+mn-ea"/>
+                <a:ea typeface="+mn-ea"/>
+              </a:rPr>
+              <a:t>`</a:t>
+            </a:r>
+            <a:endParaRPr lang="ko-KR" altLang="en-US" b="1">
+              <a:solidFill>
+                <a:prstClr val="white"/>
+              </a:solidFill>
+              <a:latin typeface="+mn-ea"/>
+              <a:ea typeface="+mn-ea"/>
+            </a:endParaRPr>
+          </a:p>
+        </p:txBody>
+      </p:sp>
+      <p:sp>
+        <p:nvSpPr>
+          <p:cNvPr id="32" name="텍스트 개체 틀 31"/>
+          <p:cNvSpPr>
+            <a:spLocks noGrp="1"/>
+          </p:cNvSpPr>
+          <p:nvPr>
+            <p:ph type="body" sz="quarter" idx="10"/>
+          </p:nvPr>
+        </p:nvSpPr>
+        <p:spPr>
+          <a:xfrm>
+            <a:off x="6876256" y="483518"/>
+            <a:ext cx="2267744" cy="4464496"/>
+          </a:xfrm>
+        </p:spPr>
+        <p:txBody>
+          <a:bodyPr/>
+          <a:lstStyle/>
+          <a:p>
+            <a:pPr marL="0" lvl="0" indent="0">
+              <a:buNone/>
+              <a:defRPr/>
+            </a:pPr>
+            <a:r>
+              <a:rPr lang="ko-KR" altLang="en-US" sz="1000"/>
+              <a:t>① 전체 동의 하기</a:t>
+            </a:r>
+            <a:endParaRPr lang="ko-KR" altLang="en-US" sz="1000"/>
+          </a:p>
+          <a:p>
+            <a:pPr marL="0" lvl="0" indent="0">
+              <a:buNone/>
+              <a:defRPr/>
+            </a:pPr>
+            <a:r>
+              <a:rPr lang="en-US" altLang="ko-KR" sz="1000"/>
+              <a:t>-</a:t>
+            </a:r>
+            <a:r>
+              <a:rPr lang="ko-KR" altLang="en-US" sz="1000"/>
+              <a:t> 필수</a:t>
+            </a:r>
+            <a:r>
+              <a:rPr lang="en-US" altLang="ko-KR" sz="1000"/>
+              <a:t>,</a:t>
+            </a:r>
+            <a:r>
+              <a:rPr lang="ko-KR" altLang="en-US" sz="1000"/>
+              <a:t> 선택 약관까지 한번에 체크한다</a:t>
+            </a:r>
+            <a:r>
+              <a:rPr lang="en-US" altLang="ko-KR" sz="1000"/>
+              <a:t>.</a:t>
+            </a:r>
+            <a:endParaRPr lang="en-US" altLang="ko-KR" sz="1000"/>
+          </a:p>
+          <a:p>
+            <a:pPr marL="0" lvl="0" indent="0">
+              <a:buNone/>
+              <a:defRPr/>
+            </a:pPr>
+            <a:r>
+              <a:rPr lang="ko-KR" altLang="en-US" sz="1000"/>
+              <a:t>② </a:t>
+            </a:r>
+            <a:r>
+              <a:rPr lang="en-US" altLang="ko-KR" sz="1000"/>
+              <a:t>[</a:t>
+            </a:r>
+            <a:r>
+              <a:rPr lang="ko-KR" altLang="en-US" sz="1000"/>
+              <a:t>필수</a:t>
+            </a:r>
+            <a:r>
+              <a:rPr lang="en-US" altLang="ko-KR" sz="1000"/>
+              <a:t>]</a:t>
+            </a:r>
+            <a:r>
+              <a:rPr lang="ko-KR" altLang="en-US" sz="1000"/>
+              <a:t> 모이다 이용약관</a:t>
+            </a:r>
+            <a:endParaRPr lang="ko-KR" altLang="en-US" sz="1000"/>
+          </a:p>
+          <a:p>
+            <a:pPr marL="0" lvl="0" indent="0">
+              <a:buNone/>
+              <a:defRPr/>
+            </a:pPr>
+            <a:r>
+              <a:rPr lang="en-US" altLang="ko-KR" sz="1000"/>
+              <a:t>-</a:t>
+            </a:r>
+            <a:r>
+              <a:rPr lang="ko-KR" altLang="en-US" sz="1000"/>
+              <a:t> 필수 약관으로 체크하지 않으면 ⑤확인 버튼이 눌리지 않는다</a:t>
+            </a:r>
+            <a:r>
+              <a:rPr lang="en-US" altLang="ko-KR" sz="1000"/>
+              <a:t>.</a:t>
+            </a:r>
+            <a:endParaRPr lang="en-US" altLang="ko-KR" sz="1000"/>
+          </a:p>
+          <a:p>
+            <a:pPr marL="0" lvl="0" indent="0">
+              <a:buNone/>
+              <a:defRPr/>
+            </a:pPr>
+            <a:r>
+              <a:rPr lang="ko-KR" altLang="en-US" sz="1000"/>
+              <a:t>③ </a:t>
+            </a:r>
+            <a:r>
+              <a:rPr lang="en-US" altLang="ko-KR" sz="1000"/>
+              <a:t>[</a:t>
+            </a:r>
+            <a:r>
+              <a:rPr lang="ko-KR" altLang="en-US" sz="1000"/>
+              <a:t>필수</a:t>
+            </a:r>
+            <a:r>
+              <a:rPr lang="en-US" altLang="ko-KR" sz="1000"/>
+              <a:t>]</a:t>
+            </a:r>
+            <a:r>
+              <a:rPr lang="ko-KR" altLang="en-US" sz="1000"/>
+              <a:t> 개인정보 수집 및 이용 약관</a:t>
+            </a:r>
+            <a:endParaRPr lang="ko-KR" altLang="en-US" sz="1000"/>
+          </a:p>
+          <a:p>
+            <a:pPr marL="0" lvl="0" indent="0">
+              <a:buNone/>
+              <a:defRPr/>
+            </a:pPr>
+            <a:r>
+              <a:rPr lang="en-US" altLang="ko-KR" sz="1000"/>
+              <a:t>-</a:t>
+            </a:r>
+            <a:r>
+              <a:rPr lang="ko-KR" altLang="en-US" sz="1000"/>
+              <a:t> 필수 약관으로 체크하지 않으면 ⑤확인 버튼이 눌리지 않는다</a:t>
+            </a:r>
+            <a:r>
+              <a:rPr lang="en-US" altLang="ko-KR" sz="1000"/>
+              <a:t>.</a:t>
+            </a:r>
+            <a:endParaRPr lang="ko-KR" altLang="en-US" sz="1000"/>
+          </a:p>
+          <a:p>
+            <a:pPr marL="0" lvl="0" indent="0">
+              <a:buNone/>
+              <a:defRPr/>
+            </a:pPr>
+            <a:r>
+              <a:rPr lang="ko-KR" altLang="en-US" sz="1000"/>
+              <a:t>④ </a:t>
+            </a:r>
+            <a:r>
+              <a:rPr lang="en-US" altLang="ko-KR" sz="1000"/>
+              <a:t>[</a:t>
+            </a:r>
+            <a:r>
+              <a:rPr lang="ko-KR" altLang="en-US" sz="1000"/>
+              <a:t>선택</a:t>
+            </a:r>
+            <a:r>
+              <a:rPr lang="en-US" altLang="ko-KR" sz="1000"/>
+              <a:t>]</a:t>
+            </a:r>
+            <a:r>
+              <a:rPr lang="ko-KR" altLang="en-US" sz="1000"/>
+              <a:t> 광고 수신 동의</a:t>
+            </a:r>
+            <a:endParaRPr lang="ko-KR" altLang="en-US" sz="1000"/>
+          </a:p>
+          <a:p>
+            <a:pPr marL="0" lvl="0" indent="0">
+              <a:buNone/>
+              <a:defRPr/>
+            </a:pPr>
+            <a:r>
+              <a:rPr lang="en-US" altLang="ko-KR" sz="1000"/>
+              <a:t>-</a:t>
+            </a:r>
+            <a:r>
+              <a:rPr lang="ko-KR" altLang="en-US" sz="1000"/>
+              <a:t> 선택적 동의 약관으로 선택하지 않아도 ⑤확인 버튼이 눌러진다</a:t>
+            </a:r>
+            <a:r>
+              <a:rPr lang="en-US" altLang="ko-KR" sz="1000"/>
+              <a:t>.</a:t>
+            </a:r>
+            <a:endParaRPr lang="ko-KR" altLang="en-US" sz="1000"/>
+          </a:p>
+          <a:p>
+            <a:pPr marL="0" lvl="0" indent="0">
+              <a:buNone/>
+              <a:defRPr/>
+            </a:pPr>
+            <a:r>
+              <a:rPr lang="ko-KR" altLang="en-US" sz="1000"/>
+              <a:t>⑤ 다음 버튼</a:t>
+            </a:r>
+            <a:endParaRPr lang="ko-KR" altLang="en-US" sz="1000"/>
+          </a:p>
+          <a:p>
+            <a:pPr marL="0" lvl="0" indent="0">
+              <a:buNone/>
+              <a:defRPr/>
+            </a:pPr>
+            <a:r>
+              <a:rPr lang="en-US" altLang="ko-KR" sz="1000"/>
+              <a:t>-</a:t>
+            </a:r>
+            <a:r>
+              <a:rPr lang="ko-KR" altLang="en-US" sz="1000"/>
+              <a:t> 회원가입 다음 단계로 넘어 간다</a:t>
+            </a:r>
+            <a:r>
+              <a:rPr lang="en-US" altLang="ko-KR" sz="1000"/>
+              <a:t>.</a:t>
+            </a:r>
+            <a:endParaRPr lang="en-US" altLang="ko-KR" sz="1000"/>
+          </a:p>
+        </p:txBody>
+      </p:sp>
+      <p:sp>
+        <p:nvSpPr>
+          <p:cNvPr id="31" name="제목 30"/>
+          <p:cNvSpPr>
+            <a:spLocks noGrp="1"/>
+          </p:cNvSpPr>
+          <p:nvPr>
+            <p:ph type="title" idx="0"/>
+          </p:nvPr>
+        </p:nvSpPr>
+        <p:spPr/>
+        <p:txBody>
+          <a:bodyPr>
+            <a:normAutofit fontScale="90000"/>
+          </a:bodyPr>
+          <a:lstStyle/>
+          <a:p>
+            <a:pPr lvl="0">
+              <a:defRPr/>
+            </a:pPr>
+            <a:r>
+              <a:rPr lang="en-US" altLang="ko-KR"/>
+              <a:t>Case A</a:t>
+            </a:r>
+            <a:endParaRPr lang="ko-KR" altLang="en-US"/>
+          </a:p>
+        </p:txBody>
+      </p:sp>
+      <p:sp>
+        <p:nvSpPr>
+          <p:cNvPr id="33" name="텍스트 개체 틀 32"/>
+          <p:cNvSpPr>
+            <a:spLocks noGrp="1"/>
+          </p:cNvSpPr>
+          <p:nvPr>
+            <p:ph type="body" sz="quarter" idx="11"/>
+          </p:nvPr>
+        </p:nvSpPr>
+        <p:spPr/>
+        <p:txBody>
+          <a:bodyPr/>
+          <a:lstStyle/>
+          <a:p>
+            <a:pPr lvl="0">
+              <a:defRPr/>
+            </a:pPr>
+            <a:r>
+              <a:rPr lang="en-US" altLang="ko-KR"/>
+              <a:t>3.1</a:t>
+            </a:r>
+            <a:endParaRPr lang="ko-KR" altLang="en-US"/>
+          </a:p>
+        </p:txBody>
+      </p:sp>
+      <p:sp>
+        <p:nvSpPr>
+          <p:cNvPr id="70" name="갈매기형 수장 69"/>
+          <p:cNvSpPr/>
+          <p:nvPr/>
+        </p:nvSpPr>
+        <p:spPr>
+          <a:xfrm>
+            <a:off x="6513942" y="1646637"/>
+            <a:ext cx="117594" cy="546931"/>
+          </a:xfrm>
+          <a:prstGeom prst="chevron">
+            <a:avLst>
+              <a:gd name="adj" fmla="val 50000"/>
+            </a:avLst>
+          </a:prstGeom>
+          <a:solidFill>
+            <a:schemeClr val="bg1"/>
+          </a:solidFill>
+          <a:ln w="9525">
+            <a:solidFill>
+              <a:schemeClr val="bg1">
+                <a:lumMod val="65000"/>
+              </a:schemeClr>
+            </a:solidFill>
+          </a:ln>
+        </p:spPr>
+        <p:style>
+          <a:lnRef idx="2">
+            <a:schemeClr val="accent1">
+              <a:shade val="50000"/>
+            </a:schemeClr>
+          </a:lnRef>
+          <a:fillRef idx="1">
+            <a:schemeClr val="accent1"/>
+          </a:fillRef>
+          <a:effectRef idx="0">
+            <a:schemeClr val="accent1"/>
+          </a:effectRef>
+          <a:fontRef idx="minor">
+            <a:schemeClr val="lt1"/>
+          </a:fontRef>
+        </p:style>
+        <p:txBody>
+          <a:bodyPr anchor="ctr"/>
+          <a:lstStyle/>
+          <a:p>
+            <a:pPr lvl="0" algn="ctr">
+              <a:defRPr/>
+            </a:pPr>
+            <a:endParaRPr lang="ko-KR" altLang="en-US">
+              <a:solidFill>
+                <a:schemeClr val="tx1"/>
+              </a:solidFill>
+            </a:endParaRPr>
+          </a:p>
+        </p:txBody>
+      </p:sp>
+      <p:sp>
+        <p:nvSpPr>
+          <p:cNvPr id="71" name="갈매기형 수장 70"/>
+          <p:cNvSpPr/>
+          <p:nvPr/>
+        </p:nvSpPr>
+        <p:spPr>
+          <a:xfrm flipH="1">
+            <a:off x="196553" y="1646637"/>
+            <a:ext cx="121688" cy="546931"/>
+          </a:xfrm>
+          <a:prstGeom prst="chevron">
+            <a:avLst>
+              <a:gd name="adj" fmla="val 50000"/>
+            </a:avLst>
+          </a:prstGeom>
+          <a:solidFill>
+            <a:schemeClr val="bg1"/>
+          </a:solidFill>
+          <a:ln w="9525">
+            <a:solidFill>
+              <a:schemeClr val="bg1">
+                <a:lumMod val="65000"/>
+              </a:schemeClr>
+            </a:solidFill>
+          </a:ln>
+        </p:spPr>
+        <p:style>
+          <a:lnRef idx="2">
+            <a:schemeClr val="accent1">
+              <a:shade val="50000"/>
+            </a:schemeClr>
+          </a:lnRef>
+          <a:fillRef idx="1">
+            <a:schemeClr val="accent1"/>
+          </a:fillRef>
+          <a:effectRef idx="0">
+            <a:schemeClr val="accent1"/>
+          </a:effectRef>
+          <a:fontRef idx="minor">
+            <a:schemeClr val="lt1"/>
+          </a:fontRef>
+        </p:style>
+        <p:txBody>
+          <a:bodyPr anchor="ctr"/>
+          <a:lstStyle/>
+          <a:p>
+            <a:pPr lvl="0" algn="ctr">
+              <a:defRPr/>
+            </a:pPr>
+            <a:endParaRPr lang="ko-KR" altLang="en-US">
+              <a:solidFill>
+                <a:schemeClr val="tx1"/>
+              </a:solidFill>
+            </a:endParaRPr>
+          </a:p>
+        </p:txBody>
+      </p:sp>
+      <p:sp>
+        <p:nvSpPr>
+          <p:cNvPr id="74" name="직사각형 73"/>
+          <p:cNvSpPr/>
+          <p:nvPr/>
+        </p:nvSpPr>
+        <p:spPr>
+          <a:xfrm>
+            <a:off x="99752" y="319935"/>
+            <a:ext cx="6708373" cy="576064"/>
+          </a:xfrm>
+          <a:prstGeom prst="rect">
+            <a:avLst/>
+          </a:prstGeom>
+          <a:solidFill>
+            <a:schemeClr val="bg1">
+              <a:alpha val="70000"/>
+            </a:schemeClr>
+          </a:solidFill>
+          <a:ln w="9525">
+            <a:solidFill>
+              <a:schemeClr val="bg1">
+                <a:lumMod val="65000"/>
+              </a:schemeClr>
+            </a:solidFill>
+          </a:ln>
+        </p:spPr>
+        <p:style>
+          <a:lnRef idx="2">
+            <a:schemeClr val="accent1">
+              <a:shade val="50000"/>
+            </a:schemeClr>
+          </a:lnRef>
+          <a:fillRef idx="1">
+            <a:schemeClr val="accent1"/>
+          </a:fillRef>
+          <a:effectRef idx="0">
+            <a:schemeClr val="accent1"/>
+          </a:effectRef>
+          <a:fontRef idx="minor">
+            <a:schemeClr val="lt1"/>
+          </a:fontRef>
+        </p:style>
+        <p:txBody>
+          <a:bodyPr anchor="ctr"/>
+          <a:lstStyle/>
+          <a:p>
+            <a:pPr lvl="0" algn="ctr">
+              <a:defRPr/>
+            </a:pPr>
+            <a:endParaRPr lang="ko-KR" altLang="en-US">
+              <a:solidFill>
+                <a:prstClr val="white"/>
+              </a:solidFill>
+              <a:latin typeface="+mn-ea"/>
+              <a:ea typeface="+mn-ea"/>
+            </a:endParaRPr>
+          </a:p>
+        </p:txBody>
+      </p:sp>
+      <p:sp>
+        <p:nvSpPr>
+          <p:cNvPr id="75" name="직사각형 74"/>
+          <p:cNvSpPr/>
+          <p:nvPr/>
+        </p:nvSpPr>
+        <p:spPr>
+          <a:xfrm>
+            <a:off x="99752" y="319935"/>
+            <a:ext cx="6708373" cy="576064"/>
+          </a:xfrm>
+          <a:prstGeom prst="rect">
+            <a:avLst/>
+          </a:prstGeom>
+          <a:solidFill>
+            <a:schemeClr val="bg1">
+              <a:alpha val="70000"/>
+            </a:schemeClr>
+          </a:solidFill>
+          <a:ln w="9525">
+            <a:solidFill>
+              <a:schemeClr val="bg1">
+                <a:lumMod val="65000"/>
+              </a:schemeClr>
+            </a:solidFill>
+          </a:ln>
+        </p:spPr>
+        <p:style>
+          <a:lnRef idx="2">
+            <a:schemeClr val="accent1">
+              <a:shade val="50000"/>
+            </a:schemeClr>
+          </a:lnRef>
+          <a:fillRef idx="1">
+            <a:schemeClr val="accent1"/>
+          </a:fillRef>
+          <a:effectRef idx="0">
+            <a:schemeClr val="accent1"/>
+          </a:effectRef>
+          <a:fontRef idx="minor">
+            <a:schemeClr val="lt1"/>
+          </a:fontRef>
+        </p:style>
+        <p:txBody>
+          <a:bodyPr anchor="ctr"/>
+          <a:lstStyle/>
+          <a:p>
+            <a:pPr lvl="0" algn="ctr">
+              <a:defRPr/>
+            </a:pPr>
+            <a:r>
+              <a:rPr lang="en-US" altLang="ko-KR">
+                <a:solidFill>
+                  <a:prstClr val="white"/>
+                </a:solidFill>
+                <a:latin typeface="+mn-ea"/>
+                <a:ea typeface="+mn-ea"/>
+              </a:rPr>
+              <a:t>`</a:t>
+            </a:r>
+            <a:endParaRPr lang="ko-KR" altLang="en-US">
+              <a:solidFill>
+                <a:prstClr val="white"/>
+              </a:solidFill>
+              <a:latin typeface="+mn-ea"/>
+              <a:ea typeface="+mn-ea"/>
+            </a:endParaRPr>
+          </a:p>
+        </p:txBody>
+      </p:sp>
+      <p:sp>
+        <p:nvSpPr>
+          <p:cNvPr id="76" name="TextBox 75"/>
+          <p:cNvSpPr txBox="1"/>
+          <p:nvPr/>
+        </p:nvSpPr>
+        <p:spPr>
+          <a:xfrm>
+            <a:off x="3885113" y="552737"/>
+            <a:ext cx="2832827" cy="253916"/>
+          </a:xfrm>
+          <a:prstGeom prst="rect">
+            <a:avLst/>
+          </a:prstGeom>
+          <a:noFill/>
+        </p:spPr>
+        <p:txBody>
+          <a:bodyPr wrap="none">
+            <a:spAutoFit/>
+          </a:bodyPr>
+          <a:lstStyle/>
+          <a:p>
+            <a:pPr lvl="0">
+              <a:defRPr/>
+            </a:pPr>
+            <a:r>
+              <a:rPr lang="en-US" altLang="ko-KR" sz="1050">
+                <a:solidFill>
+                  <a:schemeClr val="tx1"/>
+                </a:solidFill>
+                <a:latin typeface="+mn-ea"/>
+                <a:ea typeface="+mn-ea"/>
+              </a:rPr>
+              <a:t>About US | </a:t>
+            </a:r>
+            <a:r>
+              <a:rPr lang="ko-KR" altLang="en-US" sz="1050">
+                <a:solidFill>
+                  <a:schemeClr val="tx1"/>
+                </a:solidFill>
+                <a:latin typeface="+mn-ea"/>
+                <a:ea typeface="+mn-ea"/>
+              </a:rPr>
+              <a:t>사업소개 </a:t>
+            </a:r>
+            <a:r>
+              <a:rPr lang="en-US" altLang="ko-KR" sz="1050">
+                <a:solidFill>
+                  <a:schemeClr val="tx1"/>
+                </a:solidFill>
+                <a:latin typeface="+mn-ea"/>
+                <a:ea typeface="+mn-ea"/>
+              </a:rPr>
+              <a:t>| </a:t>
+            </a:r>
+            <a:r>
+              <a:rPr lang="ko-KR" altLang="en-US" sz="1050">
+                <a:solidFill>
+                  <a:schemeClr val="tx1"/>
+                </a:solidFill>
+                <a:latin typeface="+mn-ea"/>
+                <a:ea typeface="+mn-ea"/>
+              </a:rPr>
+              <a:t>제품소개 </a:t>
+            </a:r>
+            <a:r>
+              <a:rPr lang="en-US" altLang="ko-KR" sz="1050">
+                <a:solidFill>
+                  <a:schemeClr val="tx1"/>
+                </a:solidFill>
+                <a:latin typeface="+mn-ea"/>
+                <a:ea typeface="+mn-ea"/>
+              </a:rPr>
+              <a:t>| </a:t>
+            </a:r>
+            <a:r>
+              <a:rPr lang="ko-KR" altLang="en-US" sz="1050">
+                <a:solidFill>
+                  <a:schemeClr val="tx1"/>
+                </a:solidFill>
+                <a:latin typeface="+mn-ea"/>
+                <a:ea typeface="+mn-ea"/>
+              </a:rPr>
+              <a:t>고객센터</a:t>
+            </a:r>
+            <a:endParaRPr lang="ko-KR" altLang="en-US" sz="1050">
+              <a:solidFill>
+                <a:schemeClr val="tx1"/>
+              </a:solidFill>
+              <a:latin typeface="+mn-ea"/>
+              <a:ea typeface="+mn-ea"/>
+            </a:endParaRPr>
+          </a:p>
+        </p:txBody>
+      </p:sp>
+      <p:sp>
+        <p:nvSpPr>
+          <p:cNvPr id="77" name="TextBox 76"/>
+          <p:cNvSpPr txBox="1"/>
+          <p:nvPr/>
+        </p:nvSpPr>
+        <p:spPr>
+          <a:xfrm>
+            <a:off x="5868144" y="306307"/>
+            <a:ext cx="712054" cy="184666"/>
+          </a:xfrm>
+          <a:prstGeom prst="rect">
+            <a:avLst/>
+          </a:prstGeom>
+          <a:noFill/>
+        </p:spPr>
+        <p:txBody>
+          <a:bodyPr wrap="none">
+            <a:spAutoFit/>
+          </a:bodyPr>
+          <a:lstStyle/>
+          <a:p>
+            <a:pPr lvl="0">
+              <a:defRPr/>
+            </a:pPr>
+            <a:r>
+              <a:rPr lang="en-US" altLang="ko-KR" sz="600" b="0">
+                <a:solidFill>
+                  <a:schemeClr val="tx1"/>
+                </a:solidFill>
+                <a:latin typeface="+mn-ea"/>
+                <a:ea typeface="+mn-ea"/>
+              </a:rPr>
+              <a:t>Login | Join US</a:t>
+            </a:r>
+            <a:endParaRPr lang="ko-KR" altLang="en-US" sz="600" b="0">
+              <a:solidFill>
+                <a:schemeClr val="tx1"/>
+              </a:solidFill>
+              <a:latin typeface="+mn-ea"/>
+              <a:ea typeface="+mn-ea"/>
+            </a:endParaRPr>
+          </a:p>
+        </p:txBody>
+      </p:sp>
+      <p:grpSp>
+        <p:nvGrpSpPr>
+          <p:cNvPr id="78" name="그룹 77"/>
+          <p:cNvGrpSpPr/>
+          <p:nvPr/>
+        </p:nvGrpSpPr>
+        <p:grpSpPr>
+          <a:xfrm rot="0">
+            <a:off x="179512" y="391943"/>
+            <a:ext cx="1296144" cy="432049"/>
+            <a:chOff x="179512" y="411510"/>
+            <a:chExt cx="1296144" cy="432049"/>
+          </a:xfrm>
+        </p:grpSpPr>
+        <p:sp>
+          <p:nvSpPr>
+            <p:cNvPr id="79" name="직사각형 78"/>
+            <p:cNvSpPr/>
+            <p:nvPr/>
+          </p:nvSpPr>
+          <p:spPr>
+            <a:xfrm>
+              <a:off x="179512" y="411511"/>
+              <a:ext cx="1296144" cy="432048"/>
+            </a:xfrm>
+            <a:prstGeom prst="rect">
+              <a:avLst/>
+            </a:prstGeom>
+            <a:solidFill>
+              <a:schemeClr val="bg1">
+                <a:lumMod val="95000"/>
+                <a:alpha val="70000"/>
+              </a:schemeClr>
+            </a:solidFill>
+            <a:ln w="9525">
+              <a:solidFill>
+                <a:schemeClr val="bg1">
+                  <a:lumMod val="65000"/>
+                </a:schemeClr>
+              </a:solidFill>
+            </a:ln>
+          </p:spPr>
+          <p:style>
+            <a:lnRef idx="2">
+              <a:schemeClr val="accent1">
+                <a:shade val="50000"/>
+              </a:schemeClr>
+            </a:lnRef>
+            <a:fillRef idx="1">
+              <a:schemeClr val="accent1"/>
+            </a:fillRef>
+            <a:effectRef idx="0">
+              <a:schemeClr val="accent1"/>
+            </a:effectRef>
+            <a:fontRef idx="minor">
+              <a:schemeClr val="lt1"/>
+            </a:fontRef>
+          </p:style>
+          <p:txBody>
+            <a:bodyPr anchor="ctr"/>
+            <a:lstStyle/>
+            <a:p>
+              <a:pPr lvl="0" algn="ctr">
+                <a:defRPr/>
+              </a:pPr>
+              <a:r>
+                <a:rPr lang="en-US" altLang="ko-KR">
+                  <a:solidFill>
+                    <a:prstClr val="white"/>
+                  </a:solidFill>
+                  <a:latin typeface="+mn-ea"/>
+                  <a:ea typeface="+mn-ea"/>
+                </a:rPr>
+                <a:t>`</a:t>
+              </a:r>
+              <a:endParaRPr lang="ko-KR" altLang="en-US">
+                <a:solidFill>
+                  <a:prstClr val="white"/>
+                </a:solidFill>
+                <a:latin typeface="+mn-ea"/>
+                <a:ea typeface="+mn-ea"/>
+              </a:endParaRPr>
+            </a:p>
+          </p:txBody>
+        </p:sp>
+        <p:cxnSp>
+          <p:nvCxnSpPr>
+            <p:cNvPr id="80" name="직선 연결선 79"/>
+            <p:cNvCxnSpPr/>
+            <p:nvPr/>
+          </p:nvCxnSpPr>
+          <p:spPr>
+            <a:xfrm flipH="1">
+              <a:off x="179512" y="411510"/>
+              <a:ext cx="1296144" cy="432048"/>
+            </a:xfrm>
+            <a:prstGeom prst="line">
+              <a:avLst/>
+            </a:prstGeom>
+            <a:ln>
+              <a:solidFill>
+                <a:schemeClr val="bg1">
+                  <a:lumMod val="50000"/>
+                </a:schemeClr>
+              </a:solidFill>
+            </a:ln>
+          </p:spPr>
+          <p:style>
+            <a:lnRef idx="1">
+              <a:schemeClr val="accent1"/>
+            </a:lnRef>
+            <a:fillRef idx="0">
+              <a:schemeClr val="accent1"/>
+            </a:fillRef>
+            <a:effectRef idx="0">
+              <a:schemeClr val="accent1"/>
+            </a:effectRef>
+            <a:fontRef idx="minor">
+              <a:schemeClr val="tx1"/>
+            </a:fontRef>
+          </p:style>
+        </p:cxnSp>
+      </p:grpSp>
+      <p:sp>
+        <p:nvSpPr>
+          <p:cNvPr id="81" name="TextBox 80"/>
+          <p:cNvSpPr txBox="1"/>
+          <p:nvPr/>
+        </p:nvSpPr>
+        <p:spPr>
+          <a:xfrm>
+            <a:off x="185633" y="463951"/>
+            <a:ext cx="679801" cy="307777"/>
+          </a:xfrm>
+          <a:prstGeom prst="rect">
+            <a:avLst/>
+          </a:prstGeom>
+          <a:noFill/>
+        </p:spPr>
+        <p:txBody>
+          <a:bodyPr wrap="none">
+            <a:spAutoFit/>
+          </a:bodyPr>
+          <a:lstStyle/>
+          <a:p>
+            <a:pPr lvl="0">
+              <a:defRPr/>
+            </a:pPr>
+            <a:r>
+              <a:rPr lang="en-US" altLang="ko-KR" sz="1400" b="1">
+                <a:solidFill>
+                  <a:schemeClr val="tx1"/>
+                </a:solidFill>
+                <a:latin typeface="+mn-ea"/>
+                <a:ea typeface="+mn-ea"/>
+              </a:rPr>
+              <a:t>LOGO</a:t>
+            </a:r>
+            <a:endParaRPr lang="ko-KR" altLang="en-US" sz="1400" b="1">
+              <a:solidFill>
+                <a:schemeClr val="tx1"/>
+              </a:solidFill>
+              <a:latin typeface="+mn-ea"/>
+              <a:ea typeface="+mn-ea"/>
+            </a:endParaRPr>
+          </a:p>
+        </p:txBody>
+      </p:sp>
+      <p:sp>
+        <p:nvSpPr>
+          <p:cNvPr id="111" name="모서리가 둥근 직사각형 110"/>
+          <p:cNvSpPr/>
+          <p:nvPr/>
+        </p:nvSpPr>
+        <p:spPr>
+          <a:xfrm>
+            <a:off x="299794" y="4159689"/>
+            <a:ext cx="709387" cy="229725"/>
+          </a:xfrm>
+          <a:prstGeom prst="roundRect">
+            <a:avLst>
+              <a:gd name="adj" fmla="val 9813"/>
+            </a:avLst>
+          </a:prstGeom>
+          <a:noFill/>
+          <a:ln w="6350">
+            <a:noFill/>
+          </a:ln>
+        </p:spPr>
+        <p:style>
+          <a:lnRef idx="2">
+            <a:schemeClr val="accent1">
+              <a:shade val="50000"/>
+            </a:schemeClr>
+          </a:lnRef>
+          <a:fillRef idx="1">
+            <a:schemeClr val="accent1"/>
+          </a:fillRef>
+          <a:effectRef idx="0">
+            <a:schemeClr val="accent1"/>
+          </a:effectRef>
+          <a:fontRef idx="minor">
+            <a:schemeClr val="lt1"/>
+          </a:fontRef>
+        </p:style>
+        <p:txBody>
+          <a:bodyPr anchor="ctr"/>
+          <a:lstStyle/>
+          <a:p>
+            <a:pPr lvl="0">
+              <a:defRPr/>
+            </a:pPr>
+            <a:r>
+              <a:rPr lang="ko-KR" altLang="en-US" sz="900" b="1">
+                <a:solidFill>
+                  <a:schemeClr val="bg1"/>
+                </a:solidFill>
+                <a:latin typeface="+mn-ea"/>
+              </a:rPr>
+              <a:t>공지사항</a:t>
+            </a:r>
+            <a:endParaRPr lang="en-US" altLang="ko-KR" sz="900" b="1">
+              <a:solidFill>
+                <a:schemeClr val="bg1"/>
+              </a:solidFill>
+              <a:latin typeface="+mn-ea"/>
+            </a:endParaRPr>
+          </a:p>
+        </p:txBody>
+      </p:sp>
+      <p:sp>
+        <p:nvSpPr>
+          <p:cNvPr id="113" name="모서리가 둥근 직사각형 112"/>
+          <p:cNvSpPr/>
+          <p:nvPr/>
+        </p:nvSpPr>
+        <p:spPr>
+          <a:xfrm>
+            <a:off x="286509" y="4411359"/>
+            <a:ext cx="3853443" cy="464647"/>
+          </a:xfrm>
+          <a:prstGeom prst="roundRect">
+            <a:avLst>
+              <a:gd name="adj" fmla="val 9813"/>
+            </a:avLst>
+          </a:prstGeom>
+          <a:noFill/>
+          <a:ln w="6350">
+            <a:noFill/>
+          </a:ln>
+        </p:spPr>
+        <p:style>
+          <a:lnRef idx="2">
+            <a:schemeClr val="accent1">
+              <a:shade val="50000"/>
+            </a:schemeClr>
+          </a:lnRef>
+          <a:fillRef idx="1">
+            <a:schemeClr val="accent1"/>
+          </a:fillRef>
+          <a:effectRef idx="0">
+            <a:schemeClr val="accent1"/>
+          </a:effectRef>
+          <a:fontRef idx="minor">
+            <a:schemeClr val="lt1"/>
+          </a:fontRef>
+        </p:style>
+        <p:txBody>
+          <a:bodyPr anchor="ctr"/>
+          <a:lstStyle/>
+          <a:p>
+            <a:pPr lvl="0">
+              <a:lnSpc>
+                <a:spcPct val="150000"/>
+              </a:lnSpc>
+              <a:defRPr/>
+            </a:pPr>
+            <a:r>
+              <a:rPr lang="ko-KR" altLang="en-US" sz="700">
+                <a:solidFill>
+                  <a:schemeClr val="tx1">
+                    <a:lumMod val="65000"/>
+                    <a:lumOff val="35000"/>
+                  </a:schemeClr>
+                </a:solidFill>
+                <a:latin typeface="+mn-ea"/>
+              </a:rPr>
+              <a:t>주요 공지사항입니다</a:t>
+            </a:r>
+            <a:r>
+              <a:rPr lang="en-US" altLang="ko-KR" sz="700">
+                <a:solidFill>
+                  <a:schemeClr val="tx1">
+                    <a:lumMod val="65000"/>
+                    <a:lumOff val="35000"/>
+                  </a:schemeClr>
+                </a:solidFill>
+                <a:latin typeface="+mn-ea"/>
+              </a:rPr>
+              <a:t>.   2017.03.03</a:t>
+            </a:r>
+            <a:endParaRPr lang="en-US" altLang="ko-KR" sz="700">
+              <a:solidFill>
+                <a:schemeClr val="tx1">
+                  <a:lumMod val="65000"/>
+                  <a:lumOff val="35000"/>
+                </a:schemeClr>
+              </a:solidFill>
+              <a:latin typeface="+mn-ea"/>
+            </a:endParaRPr>
+          </a:p>
+          <a:p>
+            <a:pPr lvl="0">
+              <a:lnSpc>
+                <a:spcPct val="150000"/>
+              </a:lnSpc>
+              <a:defRPr/>
+            </a:pPr>
+            <a:r>
+              <a:rPr lang="ko-KR" altLang="en-US" sz="700">
+                <a:solidFill>
+                  <a:schemeClr val="tx1">
+                    <a:lumMod val="65000"/>
+                    <a:lumOff val="35000"/>
+                  </a:schemeClr>
+                </a:solidFill>
+                <a:latin typeface="+mn-ea"/>
+              </a:rPr>
+              <a:t>오픈이벤트입니다</a:t>
+            </a:r>
+            <a:r>
+              <a:rPr lang="en-US" altLang="ko-KR" sz="700">
+                <a:solidFill>
+                  <a:schemeClr val="tx1">
+                    <a:lumMod val="65000"/>
+                    <a:lumOff val="35000"/>
+                  </a:schemeClr>
+                </a:solidFill>
+                <a:latin typeface="+mn-ea"/>
+              </a:rPr>
+              <a:t>. 2017.02.03</a:t>
+            </a:r>
+            <a:endParaRPr lang="en-US" altLang="ko-KR" sz="700">
+              <a:solidFill>
+                <a:schemeClr val="tx1">
+                  <a:lumMod val="65000"/>
+                  <a:lumOff val="35000"/>
+                </a:schemeClr>
+              </a:solidFill>
+              <a:latin typeface="+mn-ea"/>
+            </a:endParaRPr>
+          </a:p>
+          <a:p>
+            <a:pPr lvl="0">
+              <a:lnSpc>
+                <a:spcPct val="150000"/>
+              </a:lnSpc>
+              <a:defRPr/>
+            </a:pPr>
+            <a:r>
+              <a:rPr lang="ko-KR" altLang="en-US" sz="700">
+                <a:solidFill>
+                  <a:schemeClr val="tx1">
+                    <a:lumMod val="65000"/>
+                    <a:lumOff val="35000"/>
+                  </a:schemeClr>
+                </a:solidFill>
+                <a:latin typeface="+mn-ea"/>
+              </a:rPr>
+              <a:t>홈페이지 오픈을 축하해 주세요</a:t>
+            </a:r>
+            <a:r>
+              <a:rPr lang="en-US" altLang="ko-KR" sz="700">
+                <a:solidFill>
+                  <a:schemeClr val="tx1">
+                    <a:lumMod val="65000"/>
+                    <a:lumOff val="35000"/>
+                  </a:schemeClr>
+                </a:solidFill>
+                <a:latin typeface="+mn-ea"/>
+              </a:rPr>
+              <a:t>. 2017.01.31</a:t>
+            </a:r>
+            <a:endParaRPr lang="en-US" altLang="ko-KR" sz="700">
+              <a:solidFill>
+                <a:schemeClr val="tx1">
+                  <a:lumMod val="65000"/>
+                  <a:lumOff val="35000"/>
+                </a:schemeClr>
+              </a:solidFill>
+              <a:latin typeface="+mn-ea"/>
+            </a:endParaRPr>
+          </a:p>
+        </p:txBody>
+      </p:sp>
+      <p:sp>
+        <p:nvSpPr>
+          <p:cNvPr id="139" name="모서리가 둥근 직사각형 138"/>
+          <p:cNvSpPr/>
+          <p:nvPr/>
+        </p:nvSpPr>
+        <p:spPr>
+          <a:xfrm>
+            <a:off x="1979712" y="1267295"/>
+            <a:ext cx="216024" cy="203003"/>
+          </a:xfrm>
+          <a:prstGeom prst="roundRect">
+            <a:avLst>
+              <a:gd name="adj" fmla="val 0"/>
+            </a:avLst>
+          </a:prstGeom>
+          <a:solidFill>
+            <a:schemeClr val="accent6">
+              <a:lumMod val="75000"/>
+            </a:schemeClr>
+          </a:solidFill>
+          <a:ln>
+            <a:noFill/>
+          </a:ln>
+        </p:spPr>
+        <p:style>
+          <a:lnRef idx="2">
+            <a:schemeClr val="accent1">
+              <a:shade val="50000"/>
+            </a:schemeClr>
+          </a:lnRef>
+          <a:fillRef idx="1">
+            <a:schemeClr val="accent1"/>
+          </a:fillRef>
+          <a:effectRef idx="0">
+            <a:schemeClr val="accent1"/>
+          </a:effectRef>
+          <a:fontRef idx="minor">
+            <a:schemeClr val="lt1"/>
+          </a:fontRef>
+        </p:style>
+        <p:txBody>
+          <a:bodyPr lIns="0" rIns="0" anchor="ctr"/>
+          <a:lstStyle/>
+          <a:p>
+            <a:pPr lvl="0" algn="ctr">
+              <a:defRPr/>
+            </a:pPr>
+            <a:r>
+              <a:rPr lang="en-US" altLang="ko-KR" sz="1050" b="1"/>
+              <a:t>1</a:t>
+            </a:r>
+            <a:endParaRPr lang="en-US" altLang="ko-KR" sz="1050" b="1"/>
+          </a:p>
+        </p:txBody>
+      </p:sp>
+      <p:sp>
+        <p:nvSpPr>
+          <p:cNvPr id="149" name="모서리가 둥근 직사각형 148"/>
+          <p:cNvSpPr/>
+          <p:nvPr/>
+        </p:nvSpPr>
+        <p:spPr>
+          <a:xfrm>
+            <a:off x="1979712" y="1697712"/>
+            <a:ext cx="216024" cy="203003"/>
+          </a:xfrm>
+          <a:prstGeom prst="roundRect">
+            <a:avLst>
+              <a:gd name="adj" fmla="val 0"/>
+            </a:avLst>
+          </a:prstGeom>
+          <a:solidFill>
+            <a:schemeClr val="accent6">
+              <a:lumMod val="75000"/>
+            </a:schemeClr>
+          </a:solidFill>
+          <a:ln>
+            <a:noFill/>
+          </a:ln>
+        </p:spPr>
+        <p:style>
+          <a:lnRef idx="2">
+            <a:schemeClr val="accent1">
+              <a:shade val="50000"/>
+            </a:schemeClr>
+          </a:lnRef>
+          <a:fillRef idx="1">
+            <a:schemeClr val="accent1"/>
+          </a:fillRef>
+          <a:effectRef idx="0">
+            <a:schemeClr val="accent1"/>
+          </a:effectRef>
+          <a:fontRef idx="minor">
+            <a:schemeClr val="lt1"/>
+          </a:fontRef>
+        </p:style>
+        <p:txBody>
+          <a:bodyPr lIns="0" rIns="0" anchor="ctr"/>
+          <a:lstStyle/>
+          <a:p>
+            <a:pPr lvl="0" algn="ctr">
+              <a:defRPr/>
+            </a:pPr>
+            <a:r>
+              <a:rPr lang="en-US" altLang="ko-KR" sz="1050" b="1"/>
+              <a:t>2</a:t>
+            </a:r>
+            <a:endParaRPr lang="en-US" altLang="ko-KR" sz="1050" b="1"/>
+          </a:p>
+        </p:txBody>
+      </p:sp>
+      <p:sp>
+        <p:nvSpPr>
+          <p:cNvPr id="146" name="직사각형 145"/>
+          <p:cNvSpPr/>
+          <p:nvPr/>
+        </p:nvSpPr>
+        <p:spPr>
+          <a:xfrm>
+            <a:off x="2483767" y="2044075"/>
+            <a:ext cx="2016224" cy="273174"/>
+          </a:xfrm>
+          <a:prstGeom prst="rect">
+            <a:avLst/>
+          </a:prstGeom>
+          <a:solidFill>
+            <a:schemeClr val="lt1"/>
+          </a:solidFill>
+          <a:ln w="12700">
+            <a:solidFill>
+              <a:schemeClr val="dk1"/>
+            </a:solidFill>
+          </a:ln>
+        </p:spPr>
+        <p:style>
+          <a:lnRef idx="2">
+            <a:schemeClr val="accent1">
+              <a:shade val="20000"/>
+            </a:schemeClr>
+          </a:lnRef>
+          <a:fillRef idx="1">
+            <a:schemeClr val="accent1"/>
+          </a:fillRef>
+          <a:effectRef idx="0">
+            <a:schemeClr val="accent1"/>
+          </a:effectRef>
+          <a:fontRef idx="minor">
+            <a:schemeClr val="lt1"/>
+          </a:fontRef>
+        </p:style>
+        <p:txBody>
+          <a:bodyPr anchor="ctr"/>
+          <a:p>
+            <a:pPr lvl="0" algn="ctr">
+              <a:defRPr/>
+            </a:pPr>
+            <a:r>
+              <a:rPr lang="en-US" altLang="ko-KR"/>
+              <a:t>`</a:t>
+            </a:r>
+            <a:endParaRPr lang="en-US" altLang="ko-KR"/>
+          </a:p>
+        </p:txBody>
+      </p:sp>
+      <p:sp>
+        <p:nvSpPr>
+          <p:cNvPr id="156" name="가로 글상자 155"/>
+          <p:cNvSpPr txBox="1"/>
+          <p:nvPr/>
+        </p:nvSpPr>
+        <p:spPr>
+          <a:xfrm>
+            <a:off x="2483768" y="1529353"/>
+            <a:ext cx="2808312" cy="192767"/>
+          </a:xfrm>
+          <a:prstGeom prst="rect">
+            <a:avLst/>
+          </a:prstGeom>
+        </p:spPr>
+        <p:txBody>
+          <a:bodyPr wrap="square">
+            <a:spAutoFit/>
+          </a:bodyPr>
+          <a:p>
+            <a:pPr marL="0" lvl="0" indent="0">
+              <a:buNone/>
+              <a:defRPr/>
+            </a:pPr>
+            <a:r>
+              <a:rPr lang="ko-KR" altLang="en-US" sz="700"/>
+              <a:t>홍보 연락 동의</a:t>
+            </a:r>
+            <a:r>
+              <a:rPr lang="en-US" altLang="ko-KR" sz="700"/>
+              <a:t>(</a:t>
+            </a:r>
+            <a:r>
+              <a:rPr lang="ko-KR" altLang="en-US" sz="700"/>
+              <a:t>선택</a:t>
+            </a:r>
+            <a:r>
+              <a:rPr lang="en-US" altLang="ko-KR" sz="700"/>
+              <a:t>)</a:t>
+            </a:r>
+            <a:r>
+              <a:rPr lang="ko-KR" altLang="en-US" sz="700"/>
+              <a:t>를 포함합니다</a:t>
+            </a:r>
+            <a:r>
+              <a:rPr lang="en-US" altLang="ko-KR" sz="700"/>
+              <a:t>.</a:t>
+            </a:r>
+            <a:endParaRPr lang="en-US" altLang="ko-KR" sz="700"/>
+          </a:p>
+        </p:txBody>
+      </p:sp>
+      <p:sp>
+        <p:nvSpPr>
+          <p:cNvPr id="157" name="모서리가 둥근 직사각형 156"/>
+          <p:cNvSpPr/>
+          <p:nvPr/>
+        </p:nvSpPr>
+        <p:spPr>
+          <a:xfrm>
+            <a:off x="1979712" y="2322153"/>
+            <a:ext cx="216024" cy="203003"/>
+          </a:xfrm>
+          <a:prstGeom prst="roundRect">
+            <a:avLst>
+              <a:gd name="adj" fmla="val 0"/>
+            </a:avLst>
+          </a:prstGeom>
+          <a:solidFill>
+            <a:schemeClr val="accent6">
+              <a:lumMod val="75000"/>
+            </a:schemeClr>
+          </a:solidFill>
+          <a:ln>
+            <a:noFill/>
+          </a:ln>
+        </p:spPr>
+        <p:style>
+          <a:lnRef idx="2">
+            <a:schemeClr val="accent1">
+              <a:shade val="50000"/>
+            </a:schemeClr>
+          </a:lnRef>
+          <a:fillRef idx="1">
+            <a:schemeClr val="accent1"/>
+          </a:fillRef>
+          <a:effectRef idx="0">
+            <a:schemeClr val="accent1"/>
+          </a:effectRef>
+          <a:fontRef idx="minor">
+            <a:schemeClr val="lt1"/>
+          </a:fontRef>
+        </p:style>
+        <p:txBody>
+          <a:bodyPr lIns="0" rIns="0" anchor="ctr"/>
+          <a:lstStyle/>
+          <a:p>
+            <a:pPr lvl="0" algn="ctr">
+              <a:defRPr/>
+            </a:pPr>
+            <a:r>
+              <a:rPr lang="en-US" altLang="ko-KR" sz="1050" b="1"/>
+              <a:t>3</a:t>
+            </a:r>
+            <a:endParaRPr lang="en-US" altLang="ko-KR" sz="1050" b="1"/>
+          </a:p>
+        </p:txBody>
+      </p:sp>
+      <p:sp>
+        <p:nvSpPr>
+          <p:cNvPr id="161" name="가로 글상자 160"/>
+          <p:cNvSpPr txBox="1"/>
+          <p:nvPr/>
+        </p:nvSpPr>
+        <p:spPr>
+          <a:xfrm>
+            <a:off x="2483768" y="1254274"/>
+            <a:ext cx="1368152" cy="297522"/>
+          </a:xfrm>
+          <a:prstGeom prst="rect">
+            <a:avLst/>
+          </a:prstGeom>
+        </p:spPr>
+        <p:txBody>
+          <a:bodyPr wrap="square">
+            <a:spAutoFit/>
+          </a:bodyPr>
+          <a:p>
+            <a:pPr lvl="0">
+              <a:defRPr/>
+            </a:pPr>
+            <a:r>
+              <a:rPr lang="ko-KR" altLang="en-US" sz="1400"/>
+              <a:t>전체 동의하기</a:t>
+            </a:r>
+            <a:endParaRPr lang="ko-KR" altLang="en-US" sz="1400"/>
+          </a:p>
+        </p:txBody>
+      </p:sp>
+      <p:sp>
+        <p:nvSpPr>
+          <p:cNvPr id="170" name="모서리가 둥근 직사각형 169"/>
+          <p:cNvSpPr/>
+          <p:nvPr/>
+        </p:nvSpPr>
+        <p:spPr>
+          <a:xfrm>
+            <a:off x="2411760" y="3435851"/>
+            <a:ext cx="216024" cy="203003"/>
+          </a:xfrm>
+          <a:prstGeom prst="roundRect">
+            <a:avLst>
+              <a:gd name="adj" fmla="val 0"/>
+            </a:avLst>
+          </a:prstGeom>
+          <a:solidFill>
+            <a:schemeClr val="accent6">
+              <a:lumMod val="75000"/>
+            </a:schemeClr>
+          </a:solidFill>
+          <a:ln>
+            <a:noFill/>
+          </a:ln>
+        </p:spPr>
+        <p:style>
+          <a:lnRef idx="2">
+            <a:schemeClr val="accent1">
+              <a:shade val="50000"/>
+            </a:schemeClr>
+          </a:lnRef>
+          <a:fillRef idx="1">
+            <a:schemeClr val="accent1"/>
+          </a:fillRef>
+          <a:effectRef idx="0">
+            <a:schemeClr val="accent1"/>
+          </a:effectRef>
+          <a:fontRef idx="minor">
+            <a:schemeClr val="lt1"/>
+          </a:fontRef>
+        </p:style>
+        <p:txBody>
+          <a:bodyPr lIns="0" rIns="0" anchor="ctr"/>
+          <a:lstStyle/>
+          <a:p>
+            <a:pPr lvl="0" algn="ctr">
+              <a:defRPr/>
+            </a:pPr>
+            <a:r>
+              <a:rPr lang="en-US" altLang="ko-KR" sz="1050" b="1"/>
+              <a:t>5</a:t>
+            </a:r>
+            <a:endParaRPr lang="en-US" altLang="ko-KR" sz="1050" b="1"/>
+          </a:p>
+        </p:txBody>
+      </p:sp>
+      <p:sp>
+        <p:nvSpPr>
+          <p:cNvPr id="171" name="타원 170"/>
+          <p:cNvSpPr/>
+          <p:nvPr/>
+        </p:nvSpPr>
+        <p:spPr>
+          <a:xfrm>
+            <a:off x="2267744" y="1326282"/>
+            <a:ext cx="216024" cy="216024"/>
+          </a:xfrm>
+          <a:prstGeom prst="ellipse">
+            <a:avLst/>
+          </a:prstGeom>
+          <a:solidFill>
+            <a:schemeClr val="lt1"/>
+          </a:solidFill>
+          <a:ln>
+            <a:solidFill>
+              <a:srgbClr val="595959"/>
+            </a:solidFill>
+          </a:ln>
+        </p:spPr>
+        <p:style>
+          <a:lnRef idx="2">
+            <a:schemeClr val="accent1">
+              <a:shade val="20000"/>
+            </a:schemeClr>
+          </a:lnRef>
+          <a:fillRef idx="1">
+            <a:schemeClr val="accent1"/>
+          </a:fillRef>
+          <a:effectRef idx="0">
+            <a:schemeClr val="accent1"/>
+          </a:effectRef>
+          <a:fontRef idx="minor">
+            <a:schemeClr val="lt1"/>
+          </a:fontRef>
+        </p:style>
+        <p:txBody>
+          <a:bodyPr anchor="ctr"/>
+          <a:p>
+            <a:pPr lvl="0" algn="ctr">
+              <a:defRPr/>
+            </a:pPr>
+            <a:endParaRPr lang="ko-KR" altLang="en-US"/>
+          </a:p>
+        </p:txBody>
+      </p:sp>
+      <p:sp>
+        <p:nvSpPr>
+          <p:cNvPr id="172" name="가로 글상자 171"/>
+          <p:cNvSpPr txBox="1"/>
+          <p:nvPr/>
+        </p:nvSpPr>
+        <p:spPr>
+          <a:xfrm>
+            <a:off x="2483768" y="1748840"/>
+            <a:ext cx="2016224" cy="287605"/>
+          </a:xfrm>
+          <a:prstGeom prst="rect">
+            <a:avLst/>
+          </a:prstGeom>
+        </p:spPr>
+        <p:txBody>
+          <a:bodyPr wrap="square">
+            <a:spAutoFit/>
+          </a:bodyPr>
+          <a:p>
+            <a:pPr lvl="0">
+              <a:defRPr/>
+            </a:pPr>
+            <a:r>
+              <a:rPr lang="en-US" altLang="ko-KR" sz="1300"/>
+              <a:t>[</a:t>
+            </a:r>
+            <a:r>
+              <a:rPr lang="ko-KR" altLang="en-US" sz="1300"/>
+              <a:t>필수</a:t>
+            </a:r>
+            <a:r>
+              <a:rPr lang="en-US" altLang="ko-KR" sz="1300"/>
+              <a:t>]</a:t>
+            </a:r>
+            <a:r>
+              <a:rPr lang="ko-KR" altLang="en-US" sz="1300"/>
+              <a:t> 모이다 이용약관</a:t>
+            </a:r>
+            <a:endParaRPr lang="ko-KR" altLang="en-US" sz="1300"/>
+          </a:p>
+        </p:txBody>
+      </p:sp>
+      <p:sp>
+        <p:nvSpPr>
+          <p:cNvPr id="173" name="타원 172"/>
+          <p:cNvSpPr/>
+          <p:nvPr/>
+        </p:nvSpPr>
+        <p:spPr>
+          <a:xfrm>
+            <a:off x="2267744" y="1758330"/>
+            <a:ext cx="216024" cy="216024"/>
+          </a:xfrm>
+          <a:prstGeom prst="ellipse">
+            <a:avLst/>
+          </a:prstGeom>
+          <a:solidFill>
+            <a:schemeClr val="lt1"/>
+          </a:solidFill>
+          <a:ln>
+            <a:solidFill>
+              <a:srgbClr val="595959"/>
+            </a:solidFill>
+          </a:ln>
+        </p:spPr>
+        <p:style>
+          <a:lnRef idx="2">
+            <a:schemeClr val="accent1">
+              <a:shade val="20000"/>
+            </a:schemeClr>
+          </a:lnRef>
+          <a:fillRef idx="1">
+            <a:schemeClr val="accent1"/>
+          </a:fillRef>
+          <a:effectRef idx="0">
+            <a:schemeClr val="accent1"/>
+          </a:effectRef>
+          <a:fontRef idx="minor">
+            <a:schemeClr val="lt1"/>
+          </a:fontRef>
+        </p:style>
+        <p:txBody>
+          <a:bodyPr anchor="ctr"/>
+          <a:p>
+            <a:pPr lvl="0" algn="ctr">
+              <a:defRPr/>
+            </a:pPr>
+            <a:endParaRPr lang="ko-KR" altLang="en-US"/>
+          </a:p>
+        </p:txBody>
+      </p:sp>
+      <p:sp>
+        <p:nvSpPr>
+          <p:cNvPr id="174" name="가로 글상자 173"/>
+          <p:cNvSpPr txBox="1"/>
+          <p:nvPr/>
+        </p:nvSpPr>
+        <p:spPr>
+          <a:xfrm>
+            <a:off x="2479987" y="2044075"/>
+            <a:ext cx="1872208" cy="268595"/>
+          </a:xfrm>
+          <a:prstGeom prst="rect">
+            <a:avLst/>
+          </a:prstGeom>
+        </p:spPr>
+        <p:txBody>
+          <a:bodyPr wrap="square">
+            <a:spAutoFit/>
+          </a:bodyPr>
+          <a:p>
+            <a:pPr lvl="0">
+              <a:defRPr/>
+            </a:pPr>
+            <a:r>
+              <a:rPr lang="ko-KR" altLang="en-US" sz="1200"/>
+              <a:t>모이다 이용약관</a:t>
+            </a:r>
+            <a:endParaRPr lang="ko-KR" altLang="en-US" sz="1200"/>
+          </a:p>
+        </p:txBody>
+      </p:sp>
+      <p:sp>
+        <p:nvSpPr>
+          <p:cNvPr id="177" name="가로 글상자 176"/>
+          <p:cNvSpPr txBox="1"/>
+          <p:nvPr/>
+        </p:nvSpPr>
+        <p:spPr>
+          <a:xfrm>
+            <a:off x="2483768" y="2396912"/>
+            <a:ext cx="3240360" cy="287605"/>
+          </a:xfrm>
+          <a:prstGeom prst="rect">
+            <a:avLst/>
+          </a:prstGeom>
+        </p:spPr>
+        <p:txBody>
+          <a:bodyPr wrap="square">
+            <a:spAutoFit/>
+          </a:bodyPr>
+          <a:p>
+            <a:pPr lvl="0">
+              <a:defRPr/>
+            </a:pPr>
+            <a:r>
+              <a:rPr lang="en-US" altLang="ko-KR" sz="1300"/>
+              <a:t>[</a:t>
+            </a:r>
+            <a:r>
+              <a:rPr lang="ko-KR" altLang="en-US" sz="1300"/>
+              <a:t>필수</a:t>
+            </a:r>
+            <a:r>
+              <a:rPr lang="en-US" altLang="ko-KR" sz="1300"/>
+              <a:t>]</a:t>
+            </a:r>
+            <a:r>
+              <a:rPr lang="ko-KR" altLang="en-US" sz="1300"/>
+              <a:t> 개인정보 수집 및 이용</a:t>
+            </a:r>
+            <a:endParaRPr lang="ko-KR" altLang="en-US" sz="1300"/>
+          </a:p>
+        </p:txBody>
+      </p:sp>
+      <p:sp>
+        <p:nvSpPr>
+          <p:cNvPr id="178" name="타원 177"/>
+          <p:cNvSpPr/>
+          <p:nvPr/>
+        </p:nvSpPr>
+        <p:spPr>
+          <a:xfrm>
+            <a:off x="2267744" y="2406402"/>
+            <a:ext cx="216024" cy="216024"/>
+          </a:xfrm>
+          <a:prstGeom prst="ellipse">
+            <a:avLst/>
+          </a:prstGeom>
+          <a:solidFill>
+            <a:schemeClr val="lt1"/>
+          </a:solidFill>
+          <a:ln>
+            <a:solidFill>
+              <a:srgbClr val="595959"/>
+            </a:solidFill>
+          </a:ln>
+        </p:spPr>
+        <p:style>
+          <a:lnRef idx="2">
+            <a:schemeClr val="accent1">
+              <a:shade val="20000"/>
+            </a:schemeClr>
+          </a:lnRef>
+          <a:fillRef idx="1">
+            <a:schemeClr val="accent1"/>
+          </a:fillRef>
+          <a:effectRef idx="0">
+            <a:schemeClr val="accent1"/>
+          </a:effectRef>
+          <a:fontRef idx="minor">
+            <a:schemeClr val="lt1"/>
+          </a:fontRef>
+        </p:style>
+        <p:txBody>
+          <a:bodyPr anchor="ctr"/>
+          <a:p>
+            <a:pPr lvl="0" algn="ctr">
+              <a:defRPr/>
+            </a:pPr>
+            <a:endParaRPr lang="ko-KR" altLang="en-US"/>
+          </a:p>
+        </p:txBody>
+      </p:sp>
+      <p:sp>
+        <p:nvSpPr>
+          <p:cNvPr id="180" name="직사각형 179"/>
+          <p:cNvSpPr/>
+          <p:nvPr/>
+        </p:nvSpPr>
+        <p:spPr>
+          <a:xfrm>
+            <a:off x="2487548" y="2709292"/>
+            <a:ext cx="2016224" cy="273174"/>
+          </a:xfrm>
+          <a:prstGeom prst="rect">
+            <a:avLst/>
+          </a:prstGeom>
+          <a:solidFill>
+            <a:schemeClr val="lt1"/>
+          </a:solidFill>
+          <a:ln w="12700">
+            <a:solidFill>
+              <a:schemeClr val="dk1"/>
+            </a:solidFill>
+          </a:ln>
+        </p:spPr>
+        <p:style>
+          <a:lnRef idx="2">
+            <a:schemeClr val="accent1">
+              <a:shade val="20000"/>
+            </a:schemeClr>
+          </a:lnRef>
+          <a:fillRef idx="1">
+            <a:schemeClr val="accent1"/>
+          </a:fillRef>
+          <a:effectRef idx="0">
+            <a:schemeClr val="accent1"/>
+          </a:effectRef>
+          <a:fontRef idx="minor">
+            <a:schemeClr val="lt1"/>
+          </a:fontRef>
+        </p:style>
+        <p:txBody>
+          <a:bodyPr anchor="ctr"/>
+          <a:p>
+            <a:pPr lvl="0" algn="ctr">
+              <a:defRPr/>
+            </a:pPr>
+            <a:r>
+              <a:rPr lang="en-US" altLang="ko-KR"/>
+              <a:t>`</a:t>
+            </a:r>
+            <a:endParaRPr lang="en-US" altLang="ko-KR"/>
+          </a:p>
+        </p:txBody>
+      </p:sp>
+      <p:sp>
+        <p:nvSpPr>
+          <p:cNvPr id="181" name="가로 글상자 180"/>
+          <p:cNvSpPr txBox="1"/>
+          <p:nvPr/>
+        </p:nvSpPr>
+        <p:spPr>
+          <a:xfrm>
+            <a:off x="2483768" y="2709292"/>
+            <a:ext cx="2016224" cy="270128"/>
+          </a:xfrm>
+          <a:prstGeom prst="rect">
+            <a:avLst/>
+          </a:prstGeom>
+        </p:spPr>
+        <p:txBody>
+          <a:bodyPr wrap="square">
+            <a:spAutoFit/>
+          </a:bodyPr>
+          <a:p>
+            <a:pPr lvl="0">
+              <a:defRPr/>
+            </a:pPr>
+            <a:r>
+              <a:rPr lang="ko-KR" altLang="en-US" sz="1200"/>
+              <a:t>개인정보수집 및 이용약관</a:t>
+            </a:r>
+            <a:endParaRPr lang="ko-KR" altLang="en-US" sz="1200"/>
+          </a:p>
+        </p:txBody>
+      </p:sp>
+      <p:sp>
+        <p:nvSpPr>
+          <p:cNvPr id="182" name="모서리가 둥근 직사각형 181"/>
+          <p:cNvSpPr/>
+          <p:nvPr/>
+        </p:nvSpPr>
+        <p:spPr>
+          <a:xfrm>
+            <a:off x="1979712" y="2943185"/>
+            <a:ext cx="216024" cy="203003"/>
+          </a:xfrm>
+          <a:prstGeom prst="roundRect">
+            <a:avLst>
+              <a:gd name="adj" fmla="val 0"/>
+            </a:avLst>
+          </a:prstGeom>
+          <a:solidFill>
+            <a:schemeClr val="accent6">
+              <a:lumMod val="75000"/>
+            </a:schemeClr>
+          </a:solidFill>
+          <a:ln>
+            <a:noFill/>
+          </a:ln>
+        </p:spPr>
+        <p:style>
+          <a:lnRef idx="2">
+            <a:schemeClr val="accent1">
+              <a:shade val="50000"/>
+            </a:schemeClr>
+          </a:lnRef>
+          <a:fillRef idx="1">
+            <a:schemeClr val="accent1"/>
+          </a:fillRef>
+          <a:effectRef idx="0">
+            <a:schemeClr val="accent1"/>
+          </a:effectRef>
+          <a:fontRef idx="minor">
+            <a:schemeClr val="lt1"/>
+          </a:fontRef>
+        </p:style>
+        <p:txBody>
+          <a:bodyPr lIns="0" rIns="0" anchor="ctr"/>
+          <a:lstStyle/>
+          <a:p>
+            <a:pPr lvl="0" algn="ctr">
+              <a:defRPr/>
+            </a:pPr>
+            <a:r>
+              <a:rPr lang="en-US" altLang="ko-KR" sz="1050" b="1"/>
+              <a:t>4</a:t>
+            </a:r>
+            <a:endParaRPr lang="en-US" altLang="ko-KR" sz="1050" b="1"/>
+          </a:p>
+        </p:txBody>
+      </p:sp>
+      <p:sp>
+        <p:nvSpPr>
+          <p:cNvPr id="184" name="가로 글상자 183"/>
+          <p:cNvSpPr txBox="1"/>
+          <p:nvPr/>
+        </p:nvSpPr>
+        <p:spPr>
+          <a:xfrm>
+            <a:off x="2483768" y="2994313"/>
+            <a:ext cx="2664296" cy="289907"/>
+          </a:xfrm>
+          <a:prstGeom prst="rect">
+            <a:avLst/>
+          </a:prstGeom>
+        </p:spPr>
+        <p:txBody>
+          <a:bodyPr wrap="square">
+            <a:spAutoFit/>
+          </a:bodyPr>
+          <a:p>
+            <a:pPr lvl="0">
+              <a:defRPr/>
+            </a:pPr>
+            <a:r>
+              <a:rPr lang="en-US" altLang="ko-KR" sz="1300"/>
+              <a:t>[</a:t>
+            </a:r>
+            <a:r>
+              <a:rPr lang="ko-KR" altLang="en-US" sz="1300"/>
+              <a:t>선택</a:t>
+            </a:r>
+            <a:r>
+              <a:rPr lang="en-US" altLang="ko-KR" sz="1300"/>
+              <a:t>]</a:t>
+            </a:r>
+            <a:r>
+              <a:rPr lang="ko-KR" altLang="en-US" sz="1300"/>
+              <a:t> 광고 수신 동의</a:t>
+            </a:r>
+            <a:endParaRPr lang="ko-KR" altLang="en-US" sz="1300"/>
+          </a:p>
+        </p:txBody>
+      </p:sp>
+      <p:sp>
+        <p:nvSpPr>
+          <p:cNvPr id="185" name="타원 184"/>
+          <p:cNvSpPr/>
+          <p:nvPr/>
+        </p:nvSpPr>
+        <p:spPr>
+          <a:xfrm>
+            <a:off x="2267744" y="3003803"/>
+            <a:ext cx="216024" cy="216024"/>
+          </a:xfrm>
+          <a:prstGeom prst="ellipse">
+            <a:avLst/>
+          </a:prstGeom>
+          <a:solidFill>
+            <a:schemeClr val="lt1"/>
+          </a:solidFill>
+          <a:ln>
+            <a:solidFill>
+              <a:srgbClr val="595959"/>
+            </a:solidFill>
+          </a:ln>
+        </p:spPr>
+        <p:style>
+          <a:lnRef idx="2">
+            <a:schemeClr val="accent1">
+              <a:shade val="20000"/>
+            </a:schemeClr>
+          </a:lnRef>
+          <a:fillRef idx="1">
+            <a:schemeClr val="accent1"/>
+          </a:fillRef>
+          <a:effectRef idx="0">
+            <a:schemeClr val="accent1"/>
+          </a:effectRef>
+          <a:fontRef idx="minor">
+            <a:schemeClr val="lt1"/>
+          </a:fontRef>
+        </p:style>
+        <p:txBody>
+          <a:bodyPr anchor="ctr"/>
+          <a:p>
+            <a:pPr lvl="0" algn="ctr">
+              <a:defRPr/>
+            </a:pPr>
+            <a:endParaRPr lang="ko-KR" altLang="en-US"/>
+          </a:p>
+        </p:txBody>
+      </p:sp>
+      <p:sp>
+        <p:nvSpPr>
+          <p:cNvPr id="187" name="모서리가 둥근 직사각형 186"/>
+          <p:cNvSpPr/>
+          <p:nvPr/>
+        </p:nvSpPr>
+        <p:spPr>
+          <a:xfrm>
+            <a:off x="2771800" y="3486522"/>
+            <a:ext cx="1152128" cy="216024"/>
+          </a:xfrm>
+          <a:prstGeom prst="roundRect">
+            <a:avLst>
+              <a:gd name="adj" fmla="val 16667"/>
+            </a:avLst>
+          </a:prstGeom>
+        </p:spPr>
+        <p:style>
+          <a:lnRef idx="2">
+            <a:schemeClr val="accent1">
+              <a:shade val="20000"/>
+            </a:schemeClr>
+          </a:lnRef>
+          <a:fillRef idx="1">
+            <a:schemeClr val="accent1"/>
+          </a:fillRef>
+          <a:effectRef idx="0">
+            <a:schemeClr val="accent1"/>
+          </a:effectRef>
+          <a:fontRef idx="minor">
+            <a:schemeClr val="lt1"/>
+          </a:fontRef>
+        </p:style>
+        <p:txBody>
+          <a:bodyPr anchor="ctr"/>
+          <a:p>
+            <a:pPr lvl="0" algn="ctr">
+              <a:defRPr/>
+            </a:pPr>
+            <a:endParaRPr lang="ko-KR" altLang="en-US"/>
+          </a:p>
+        </p:txBody>
+      </p:sp>
+      <p:sp>
+        <p:nvSpPr>
+          <p:cNvPr id="188" name="가로 글상자 187"/>
+          <p:cNvSpPr txBox="1"/>
+          <p:nvPr/>
+        </p:nvSpPr>
+        <p:spPr>
+          <a:xfrm>
+            <a:off x="3113152" y="3486522"/>
+            <a:ext cx="449580" cy="218311"/>
+          </a:xfrm>
+          <a:prstGeom prst="rect">
+            <a:avLst/>
+          </a:prstGeom>
+        </p:spPr>
+        <p:txBody>
+          <a:bodyPr wrap="square">
+            <a:spAutoFit/>
+          </a:bodyPr>
+          <a:p>
+            <a:pPr lvl="0" algn="ctr">
+              <a:defRPr/>
+            </a:pPr>
+            <a:r>
+              <a:rPr lang="ko-KR" altLang="en-US" sz="900"/>
+              <a:t>다음</a:t>
+            </a:r>
+            <a:endParaRPr lang="ko-KR" altLang="en-US" sz="900"/>
+          </a:p>
+        </p:txBody>
+      </p:sp>
+    </p:spTree>
+    <p:extLst>
+      <p:ext uri="{BB962C8B-B14F-4D97-AF65-F5344CB8AC3E}">
         <p14:creationId xmlns:p14="http://schemas.microsoft.com/office/powerpoint/2010/main" val="1634051770"/>
       </p:ext>
     </p:extLst>
@@ -15194,7 +17496,7 @@
 </p:sld>
 </file>
 
-<file path=ppt/slides/slide6.xml><?xml version="1.0" encoding="utf-8"?>
+<file path=ppt/slides/slide7.xml><?xml version="1.0" encoding="utf-8"?>
 <p:sld xmlns:r="http://schemas.openxmlformats.org/officeDocument/2006/relationships" xmlns:c="http://schemas.openxmlformats.org/drawingml/2006/chart" xmlns:a="http://schemas.openxmlformats.org/drawingml/2006/main" xmlns:dgm="http://schemas.openxmlformats.org/drawingml/2006/diagram" xmlns:dsp="http://schemas.microsoft.com/office/drawing/2008/diagram" xmlns:p="http://schemas.openxmlformats.org/presentationml/2006/main">
   <p:cSld>
     <p:spTree>
@@ -17434,7 +19736,7 @@
 </p:sld>
 </file>
 
-<file path=ppt/slides/slide7.xml><?xml version="1.0" encoding="utf-8"?>
+<file path=ppt/slides/slide8.xml><?xml version="1.0" encoding="utf-8"?>
 <p:sld xmlns:r="http://schemas.openxmlformats.org/officeDocument/2006/relationships" xmlns:c="http://schemas.openxmlformats.org/drawingml/2006/chart" xmlns:a="http://schemas.openxmlformats.org/drawingml/2006/main" xmlns:dgm="http://schemas.openxmlformats.org/drawingml/2006/diagram" xmlns:dsp="http://schemas.microsoft.com/office/drawing/2008/diagram" xmlns:p="http://schemas.openxmlformats.org/presentationml/2006/main">
   <p:cSld>
     <p:spTree>
@@ -19730,7 +22032,7 @@
 </p:sld>
 </file>
 
-<file path=ppt/slides/slide8.xml><?xml version="1.0" encoding="utf-8"?>
+<file path=ppt/slides/slide9.xml><?xml version="1.0" encoding="utf-8"?>
 <p:sld xmlns:r="http://schemas.openxmlformats.org/officeDocument/2006/relationships" xmlns:c="http://schemas.openxmlformats.org/drawingml/2006/chart" xmlns:a="http://schemas.openxmlformats.org/drawingml/2006/main" xmlns:dgm="http://schemas.openxmlformats.org/drawingml/2006/diagram" xmlns:dsp="http://schemas.microsoft.com/office/drawing/2008/diagram" xmlns:p="http://schemas.openxmlformats.org/presentationml/2006/main">
   <p:cSld>
     <p:spTree>
